--- a/meeting_ppt/meeting_report/20251229_lego.pptx
+++ b/meeting_ppt/meeting_report/20251229_lego.pptx
@@ -5,46 +5,50 @@
     <p:sldMasterId id="2147483660" r:id="rId1"/>
   </p:sldMasterIdLst>
   <p:notesMasterIdLst>
-    <p:notesMasterId r:id="rId12"/>
+    <p:notesMasterId r:id="rId11"/>
   </p:notesMasterIdLst>
   <p:handoutMasterIdLst>
-    <p:handoutMasterId r:id="rId13"/>
+    <p:handoutMasterId r:id="rId12"/>
   </p:handoutMasterIdLst>
   <p:sldIdLst>
     <p:sldId id="256" r:id="rId2"/>
-    <p:sldId id="628" r:id="rId3"/>
-    <p:sldId id="629" r:id="rId4"/>
-    <p:sldId id="640" r:id="rId5"/>
-    <p:sldId id="611" r:id="rId6"/>
-    <p:sldId id="641" r:id="rId7"/>
-    <p:sldId id="634" r:id="rId8"/>
-    <p:sldId id="642" r:id="rId9"/>
-    <p:sldId id="633" r:id="rId10"/>
-    <p:sldId id="636" r:id="rId11"/>
+    <p:sldId id="629" r:id="rId3"/>
+    <p:sldId id="640" r:id="rId4"/>
+    <p:sldId id="611" r:id="rId5"/>
+    <p:sldId id="641" r:id="rId6"/>
+    <p:sldId id="634" r:id="rId7"/>
+    <p:sldId id="642" r:id="rId8"/>
+    <p:sldId id="633" r:id="rId9"/>
+    <p:sldId id="636" r:id="rId10"/>
   </p:sldIdLst>
   <p:sldSz cx="9144000" cy="5143500" type="screen16x9"/>
   <p:notesSz cx="6858000" cy="9144000"/>
   <p:embeddedFontLst>
     <p:embeddedFont>
+      <p:font typeface="微軟正黑體" panose="020B0604030504040204" pitchFamily="34" charset="-120"/>
+      <p:regular r:id="rId13"/>
+      <p:bold r:id="rId14"/>
+    </p:embeddedFont>
+    <p:embeddedFont>
       <p:font typeface="Fira Sans Extra Condensed" panose="020B0503050000020004" pitchFamily="34" charset="0"/>
-      <p:regular r:id="rId14"/>
-      <p:bold r:id="rId15"/>
-      <p:italic r:id="rId16"/>
-      <p:boldItalic r:id="rId17"/>
+      <p:regular r:id="rId15"/>
+      <p:bold r:id="rId16"/>
+      <p:italic r:id="rId17"/>
+      <p:boldItalic r:id="rId18"/>
     </p:embeddedFont>
     <p:embeddedFont>
       <p:font typeface="Fira Sans Extra Condensed SemiBold" panose="02020500000000000000" charset="0"/>
-      <p:regular r:id="rId18"/>
-      <p:bold r:id="rId19"/>
-      <p:italic r:id="rId20"/>
-      <p:boldItalic r:id="rId21"/>
+      <p:regular r:id="rId19"/>
+      <p:bold r:id="rId20"/>
+      <p:italic r:id="rId21"/>
+      <p:boldItalic r:id="rId22"/>
     </p:embeddedFont>
     <p:embeddedFont>
       <p:font typeface="Roboto" panose="02000000000000000000" pitchFamily="2" charset="0"/>
-      <p:regular r:id="rId22"/>
-      <p:bold r:id="rId23"/>
-      <p:italic r:id="rId24"/>
-      <p:boldItalic r:id="rId25"/>
+      <p:regular r:id="rId23"/>
+      <p:bold r:id="rId24"/>
+      <p:italic r:id="rId25"/>
+      <p:boldItalic r:id="rId26"/>
     </p:embeddedFont>
   </p:embeddedFontLst>
   <p:defaultTextStyle>
@@ -1046,7 +1050,878 @@
 </p:notes>
 </file>
 
-<file path=ppt/notesSlides/notesSlide10.xml><?xml version="1.0" encoding="utf-8"?>
+<file path=ppt/notesSlides/notesSlide2.xml><?xml version="1.0" encoding="utf-8"?>
+<p:notes xmlns:a="http://schemas.openxmlformats.org/drawingml/2006/main" xmlns:r="http://schemas.openxmlformats.org/officeDocument/2006/relationships" xmlns:p="http://schemas.openxmlformats.org/presentationml/2006/main" showMasterSp="0" showMasterPhAnim="0">
+  <p:cSld>
+    <p:spTree>
+      <p:nvGrpSpPr>
+        <p:cNvPr id="1" name="Shape 2362">
+          <a:extLst>
+            <a:ext uri="{FF2B5EF4-FFF2-40B4-BE49-F238E27FC236}">
+              <a16:creationId xmlns:a16="http://schemas.microsoft.com/office/drawing/2014/main" id="{A3918F6D-1406-56CA-D765-D0C1E6036573}"/>
+            </a:ext>
+          </a:extLst>
+        </p:cNvPr>
+        <p:cNvGrpSpPr/>
+        <p:nvPr/>
+      </p:nvGrpSpPr>
+      <p:grpSpPr>
+        <a:xfrm>
+          <a:off x="0" y="0"/>
+          <a:ext cx="0" cy="0"/>
+          <a:chOff x="0" y="0"/>
+          <a:chExt cx="0" cy="0"/>
+        </a:xfrm>
+      </p:grpSpPr>
+      <p:sp>
+        <p:nvSpPr>
+          <p:cNvPr id="2363" name="Google Shape;2363;g806ada915c_0_2506:notes">
+            <a:extLst>
+              <a:ext uri="{FF2B5EF4-FFF2-40B4-BE49-F238E27FC236}">
+                <a16:creationId xmlns:a16="http://schemas.microsoft.com/office/drawing/2014/main" id="{E9C2207D-C10C-C4D3-A64E-30D6ADBB5A96}"/>
+              </a:ext>
+            </a:extLst>
+          </p:cNvPr>
+          <p:cNvSpPr>
+            <a:spLocks noGrp="1" noRot="1" noChangeAspect="1"/>
+          </p:cNvSpPr>
+          <p:nvPr>
+            <p:ph type="sldImg" idx="2"/>
+          </p:nvPr>
+        </p:nvSpPr>
+        <p:spPr>
+          <a:xfrm>
+            <a:off x="381000" y="685800"/>
+            <a:ext cx="6096000" cy="3429000"/>
+          </a:xfrm>
+          <a:custGeom>
+            <a:avLst/>
+            <a:gdLst/>
+            <a:ahLst/>
+            <a:cxnLst/>
+            <a:rect l="l" t="t" r="r" b="b"/>
+            <a:pathLst>
+              <a:path w="120000" h="120000" extrusionOk="0">
+                <a:moveTo>
+                  <a:pt x="0" y="0"/>
+                </a:moveTo>
+                <a:lnTo>
+                  <a:pt x="120000" y="0"/>
+                </a:lnTo>
+                <a:lnTo>
+                  <a:pt x="120000" y="120000"/>
+                </a:lnTo>
+                <a:lnTo>
+                  <a:pt x="0" y="120000"/>
+                </a:lnTo>
+                <a:close/>
+              </a:path>
+            </a:pathLst>
+          </a:custGeom>
+        </p:spPr>
+      </p:sp>
+      <p:sp>
+        <p:nvSpPr>
+          <p:cNvPr id="2364" name="Google Shape;2364;g806ada915c_0_2506:notes">
+            <a:extLst>
+              <a:ext uri="{FF2B5EF4-FFF2-40B4-BE49-F238E27FC236}">
+                <a16:creationId xmlns:a16="http://schemas.microsoft.com/office/drawing/2014/main" id="{35B61F78-78C3-B143-1AEE-97ED4F6CDD63}"/>
+              </a:ext>
+            </a:extLst>
+          </p:cNvPr>
+          <p:cNvSpPr txBox="1">
+            <a:spLocks noGrp="1"/>
+          </p:cNvSpPr>
+          <p:nvPr>
+            <p:ph type="body" idx="1"/>
+          </p:nvPr>
+        </p:nvSpPr>
+        <p:spPr>
+          <a:xfrm>
+            <a:off x="685800" y="4343400"/>
+            <a:ext cx="5486400" cy="4114800"/>
+          </a:xfrm>
+          <a:prstGeom prst="rect">
+            <a:avLst/>
+          </a:prstGeom>
+        </p:spPr>
+        <p:txBody>
+          <a:bodyPr spcFirstLastPara="1" wrap="square" lIns="91425" tIns="91425" rIns="91425" bIns="91425" anchor="t" anchorCtr="0">
+            <a:noAutofit/>
+          </a:bodyPr>
+          <a:lstStyle/>
+          <a:p>
+            <a:pPr marL="0" lvl="0" indent="0" algn="l" rtl="0">
+              <a:spcBef>
+                <a:spcPts val="0"/>
+              </a:spcBef>
+              <a:spcAft>
+                <a:spcPts val="0"/>
+              </a:spcAft>
+              <a:buNone/>
+            </a:pPr>
+            <a:endParaRPr dirty="0"/>
+          </a:p>
+        </p:txBody>
+      </p:sp>
+    </p:spTree>
+    <p:extLst>
+      <p:ext uri="{BB962C8B-B14F-4D97-AF65-F5344CB8AC3E}">
+        <p14:creationId xmlns:p14="http://schemas.microsoft.com/office/powerpoint/2010/main" val="4014424674"/>
+      </p:ext>
+    </p:extLst>
+  </p:cSld>
+  <p:clrMapOvr>
+    <a:masterClrMapping/>
+  </p:clrMapOvr>
+</p:notes>
+</file>
+
+<file path=ppt/notesSlides/notesSlide3.xml><?xml version="1.0" encoding="utf-8"?>
+<p:notes xmlns:a="http://schemas.openxmlformats.org/drawingml/2006/main" xmlns:r="http://schemas.openxmlformats.org/officeDocument/2006/relationships" xmlns:p="http://schemas.openxmlformats.org/presentationml/2006/main" showMasterSp="0" showMasterPhAnim="0">
+  <p:cSld>
+    <p:spTree>
+      <p:nvGrpSpPr>
+        <p:cNvPr id="1" name="Shape 2362">
+          <a:extLst>
+            <a:ext uri="{FF2B5EF4-FFF2-40B4-BE49-F238E27FC236}">
+              <a16:creationId xmlns:a16="http://schemas.microsoft.com/office/drawing/2014/main" id="{B1C47BCC-A873-2F58-B930-146D367BF396}"/>
+            </a:ext>
+          </a:extLst>
+        </p:cNvPr>
+        <p:cNvGrpSpPr/>
+        <p:nvPr/>
+      </p:nvGrpSpPr>
+      <p:grpSpPr>
+        <a:xfrm>
+          <a:off x="0" y="0"/>
+          <a:ext cx="0" cy="0"/>
+          <a:chOff x="0" y="0"/>
+          <a:chExt cx="0" cy="0"/>
+        </a:xfrm>
+      </p:grpSpPr>
+      <p:sp>
+        <p:nvSpPr>
+          <p:cNvPr id="2363" name="Google Shape;2363;g806ada915c_0_2506:notes">
+            <a:extLst>
+              <a:ext uri="{FF2B5EF4-FFF2-40B4-BE49-F238E27FC236}">
+                <a16:creationId xmlns:a16="http://schemas.microsoft.com/office/drawing/2014/main" id="{F9E3C071-C1A7-C84A-9B76-D85C081F0C9C}"/>
+              </a:ext>
+            </a:extLst>
+          </p:cNvPr>
+          <p:cNvSpPr>
+            <a:spLocks noGrp="1" noRot="1" noChangeAspect="1"/>
+          </p:cNvSpPr>
+          <p:nvPr>
+            <p:ph type="sldImg" idx="2"/>
+          </p:nvPr>
+        </p:nvSpPr>
+        <p:spPr>
+          <a:xfrm>
+            <a:off x="381000" y="685800"/>
+            <a:ext cx="6096000" cy="3429000"/>
+          </a:xfrm>
+          <a:custGeom>
+            <a:avLst/>
+            <a:gdLst/>
+            <a:ahLst/>
+            <a:cxnLst/>
+            <a:rect l="l" t="t" r="r" b="b"/>
+            <a:pathLst>
+              <a:path w="120000" h="120000" extrusionOk="0">
+                <a:moveTo>
+                  <a:pt x="0" y="0"/>
+                </a:moveTo>
+                <a:lnTo>
+                  <a:pt x="120000" y="0"/>
+                </a:lnTo>
+                <a:lnTo>
+                  <a:pt x="120000" y="120000"/>
+                </a:lnTo>
+                <a:lnTo>
+                  <a:pt x="0" y="120000"/>
+                </a:lnTo>
+                <a:close/>
+              </a:path>
+            </a:pathLst>
+          </a:custGeom>
+        </p:spPr>
+      </p:sp>
+      <p:sp>
+        <p:nvSpPr>
+          <p:cNvPr id="2364" name="Google Shape;2364;g806ada915c_0_2506:notes">
+            <a:extLst>
+              <a:ext uri="{FF2B5EF4-FFF2-40B4-BE49-F238E27FC236}">
+                <a16:creationId xmlns:a16="http://schemas.microsoft.com/office/drawing/2014/main" id="{07F35F78-A289-E416-D228-88632BE1A5B1}"/>
+              </a:ext>
+            </a:extLst>
+          </p:cNvPr>
+          <p:cNvSpPr txBox="1">
+            <a:spLocks noGrp="1"/>
+          </p:cNvSpPr>
+          <p:nvPr>
+            <p:ph type="body" idx="1"/>
+          </p:nvPr>
+        </p:nvSpPr>
+        <p:spPr>
+          <a:xfrm>
+            <a:off x="685800" y="4343400"/>
+            <a:ext cx="5486400" cy="4114800"/>
+          </a:xfrm>
+          <a:prstGeom prst="rect">
+            <a:avLst/>
+          </a:prstGeom>
+        </p:spPr>
+        <p:txBody>
+          <a:bodyPr spcFirstLastPara="1" wrap="square" lIns="91425" tIns="91425" rIns="91425" bIns="91425" anchor="t" anchorCtr="0">
+            <a:noAutofit/>
+          </a:bodyPr>
+          <a:lstStyle/>
+          <a:p>
+            <a:pPr marL="0" lvl="0" indent="0" algn="l" rtl="0">
+              <a:spcBef>
+                <a:spcPts val="0"/>
+              </a:spcBef>
+              <a:spcAft>
+                <a:spcPts val="0"/>
+              </a:spcAft>
+              <a:buNone/>
+            </a:pPr>
+            <a:endParaRPr dirty="0"/>
+          </a:p>
+        </p:txBody>
+      </p:sp>
+    </p:spTree>
+    <p:extLst>
+      <p:ext uri="{BB962C8B-B14F-4D97-AF65-F5344CB8AC3E}">
+        <p14:creationId xmlns:p14="http://schemas.microsoft.com/office/powerpoint/2010/main" val="1298238600"/>
+      </p:ext>
+    </p:extLst>
+  </p:cSld>
+  <p:clrMapOvr>
+    <a:masterClrMapping/>
+  </p:clrMapOvr>
+</p:notes>
+</file>
+
+<file path=ppt/notesSlides/notesSlide4.xml><?xml version="1.0" encoding="utf-8"?>
+<p:notes xmlns:a="http://schemas.openxmlformats.org/drawingml/2006/main" xmlns:r="http://schemas.openxmlformats.org/officeDocument/2006/relationships" xmlns:p="http://schemas.openxmlformats.org/presentationml/2006/main" showMasterSp="0" showMasterPhAnim="0">
+  <p:cSld>
+    <p:spTree>
+      <p:nvGrpSpPr>
+        <p:cNvPr id="1" name="Shape 2362"/>
+        <p:cNvGrpSpPr/>
+        <p:nvPr/>
+      </p:nvGrpSpPr>
+      <p:grpSpPr>
+        <a:xfrm>
+          <a:off x="0" y="0"/>
+          <a:ext cx="0" cy="0"/>
+          <a:chOff x="0" y="0"/>
+          <a:chExt cx="0" cy="0"/>
+        </a:xfrm>
+      </p:grpSpPr>
+      <p:sp>
+        <p:nvSpPr>
+          <p:cNvPr id="2363" name="Google Shape;2363;g806ada915c_0_2506:notes"/>
+          <p:cNvSpPr>
+            <a:spLocks noGrp="1" noRot="1" noChangeAspect="1"/>
+          </p:cNvSpPr>
+          <p:nvPr>
+            <p:ph type="sldImg" idx="2"/>
+          </p:nvPr>
+        </p:nvSpPr>
+        <p:spPr>
+          <a:xfrm>
+            <a:off x="381000" y="685800"/>
+            <a:ext cx="6096000" cy="3429000"/>
+          </a:xfrm>
+          <a:custGeom>
+            <a:avLst/>
+            <a:gdLst/>
+            <a:ahLst/>
+            <a:cxnLst/>
+            <a:rect l="l" t="t" r="r" b="b"/>
+            <a:pathLst>
+              <a:path w="120000" h="120000" extrusionOk="0">
+                <a:moveTo>
+                  <a:pt x="0" y="0"/>
+                </a:moveTo>
+                <a:lnTo>
+                  <a:pt x="120000" y="0"/>
+                </a:lnTo>
+                <a:lnTo>
+                  <a:pt x="120000" y="120000"/>
+                </a:lnTo>
+                <a:lnTo>
+                  <a:pt x="0" y="120000"/>
+                </a:lnTo>
+                <a:close/>
+              </a:path>
+            </a:pathLst>
+          </a:custGeom>
+        </p:spPr>
+      </p:sp>
+      <p:sp>
+        <p:nvSpPr>
+          <p:cNvPr id="2364" name="Google Shape;2364;g806ada915c_0_2506:notes"/>
+          <p:cNvSpPr txBox="1">
+            <a:spLocks noGrp="1"/>
+          </p:cNvSpPr>
+          <p:nvPr>
+            <p:ph type="body" idx="1"/>
+          </p:nvPr>
+        </p:nvSpPr>
+        <p:spPr>
+          <a:xfrm>
+            <a:off x="685800" y="4343400"/>
+            <a:ext cx="5486400" cy="4114800"/>
+          </a:xfrm>
+          <a:prstGeom prst="rect">
+            <a:avLst/>
+          </a:prstGeom>
+        </p:spPr>
+        <p:txBody>
+          <a:bodyPr spcFirstLastPara="1" wrap="square" lIns="91425" tIns="91425" rIns="91425" bIns="91425" anchor="t" anchorCtr="0">
+            <a:noAutofit/>
+          </a:bodyPr>
+          <a:lstStyle/>
+          <a:p>
+            <a:pPr marL="0" lvl="0" indent="0" algn="l" rtl="0">
+              <a:spcBef>
+                <a:spcPts val="0"/>
+              </a:spcBef>
+              <a:spcAft>
+                <a:spcPts val="0"/>
+              </a:spcAft>
+              <a:buNone/>
+            </a:pPr>
+            <a:endParaRPr dirty="0"/>
+          </a:p>
+        </p:txBody>
+      </p:sp>
+    </p:spTree>
+    <p:extLst>
+      <p:ext uri="{BB962C8B-B14F-4D97-AF65-F5344CB8AC3E}">
+        <p14:creationId xmlns:p14="http://schemas.microsoft.com/office/powerpoint/2010/main" val="3303830600"/>
+      </p:ext>
+    </p:extLst>
+  </p:cSld>
+  <p:clrMapOvr>
+    <a:masterClrMapping/>
+  </p:clrMapOvr>
+</p:notes>
+</file>
+
+<file path=ppt/notesSlides/notesSlide5.xml><?xml version="1.0" encoding="utf-8"?>
+<p:notes xmlns:a="http://schemas.openxmlformats.org/drawingml/2006/main" xmlns:r="http://schemas.openxmlformats.org/officeDocument/2006/relationships" xmlns:p="http://schemas.openxmlformats.org/presentationml/2006/main" showMasterSp="0" showMasterPhAnim="0">
+  <p:cSld>
+    <p:spTree>
+      <p:nvGrpSpPr>
+        <p:cNvPr id="1" name="Shape 2362">
+          <a:extLst>
+            <a:ext uri="{FF2B5EF4-FFF2-40B4-BE49-F238E27FC236}">
+              <a16:creationId xmlns:a16="http://schemas.microsoft.com/office/drawing/2014/main" id="{CF7EA73A-81E0-11D6-1709-76933BB606E2}"/>
+            </a:ext>
+          </a:extLst>
+        </p:cNvPr>
+        <p:cNvGrpSpPr/>
+        <p:nvPr/>
+      </p:nvGrpSpPr>
+      <p:grpSpPr>
+        <a:xfrm>
+          <a:off x="0" y="0"/>
+          <a:ext cx="0" cy="0"/>
+          <a:chOff x="0" y="0"/>
+          <a:chExt cx="0" cy="0"/>
+        </a:xfrm>
+      </p:grpSpPr>
+      <p:sp>
+        <p:nvSpPr>
+          <p:cNvPr id="2363" name="Google Shape;2363;g806ada915c_0_2506:notes">
+            <a:extLst>
+              <a:ext uri="{FF2B5EF4-FFF2-40B4-BE49-F238E27FC236}">
+                <a16:creationId xmlns:a16="http://schemas.microsoft.com/office/drawing/2014/main" id="{4899E081-310A-BB3B-0979-21FB7FDEE6BE}"/>
+              </a:ext>
+            </a:extLst>
+          </p:cNvPr>
+          <p:cNvSpPr>
+            <a:spLocks noGrp="1" noRot="1" noChangeAspect="1"/>
+          </p:cNvSpPr>
+          <p:nvPr>
+            <p:ph type="sldImg" idx="2"/>
+          </p:nvPr>
+        </p:nvSpPr>
+        <p:spPr>
+          <a:xfrm>
+            <a:off x="381000" y="685800"/>
+            <a:ext cx="6096000" cy="3429000"/>
+          </a:xfrm>
+          <a:custGeom>
+            <a:avLst/>
+            <a:gdLst/>
+            <a:ahLst/>
+            <a:cxnLst/>
+            <a:rect l="l" t="t" r="r" b="b"/>
+            <a:pathLst>
+              <a:path w="120000" h="120000" extrusionOk="0">
+                <a:moveTo>
+                  <a:pt x="0" y="0"/>
+                </a:moveTo>
+                <a:lnTo>
+                  <a:pt x="120000" y="0"/>
+                </a:lnTo>
+                <a:lnTo>
+                  <a:pt x="120000" y="120000"/>
+                </a:lnTo>
+                <a:lnTo>
+                  <a:pt x="0" y="120000"/>
+                </a:lnTo>
+                <a:close/>
+              </a:path>
+            </a:pathLst>
+          </a:custGeom>
+        </p:spPr>
+      </p:sp>
+      <p:sp>
+        <p:nvSpPr>
+          <p:cNvPr id="2364" name="Google Shape;2364;g806ada915c_0_2506:notes">
+            <a:extLst>
+              <a:ext uri="{FF2B5EF4-FFF2-40B4-BE49-F238E27FC236}">
+                <a16:creationId xmlns:a16="http://schemas.microsoft.com/office/drawing/2014/main" id="{A11DAC39-4271-89C3-EF08-3C0217C443E5}"/>
+              </a:ext>
+            </a:extLst>
+          </p:cNvPr>
+          <p:cNvSpPr txBox="1">
+            <a:spLocks noGrp="1"/>
+          </p:cNvSpPr>
+          <p:nvPr>
+            <p:ph type="body" idx="1"/>
+          </p:nvPr>
+        </p:nvSpPr>
+        <p:spPr>
+          <a:xfrm>
+            <a:off x="685800" y="4343400"/>
+            <a:ext cx="5486400" cy="4114800"/>
+          </a:xfrm>
+          <a:prstGeom prst="rect">
+            <a:avLst/>
+          </a:prstGeom>
+        </p:spPr>
+        <p:txBody>
+          <a:bodyPr spcFirstLastPara="1" wrap="square" lIns="91425" tIns="91425" rIns="91425" bIns="91425" anchor="t" anchorCtr="0">
+            <a:noAutofit/>
+          </a:bodyPr>
+          <a:lstStyle/>
+          <a:p>
+            <a:pPr marL="0" lvl="0" indent="0" algn="l" rtl="0">
+              <a:spcBef>
+                <a:spcPts val="0"/>
+              </a:spcBef>
+              <a:spcAft>
+                <a:spcPts val="0"/>
+              </a:spcAft>
+              <a:buNone/>
+            </a:pPr>
+            <a:endParaRPr dirty="0"/>
+          </a:p>
+        </p:txBody>
+      </p:sp>
+    </p:spTree>
+    <p:extLst>
+      <p:ext uri="{BB962C8B-B14F-4D97-AF65-F5344CB8AC3E}">
+        <p14:creationId xmlns:p14="http://schemas.microsoft.com/office/powerpoint/2010/main" val="1251850461"/>
+      </p:ext>
+    </p:extLst>
+  </p:cSld>
+  <p:clrMapOvr>
+    <a:masterClrMapping/>
+  </p:clrMapOvr>
+</p:notes>
+</file>
+
+<file path=ppt/notesSlides/notesSlide6.xml><?xml version="1.0" encoding="utf-8"?>
+<p:notes xmlns:a="http://schemas.openxmlformats.org/drawingml/2006/main" xmlns:r="http://schemas.openxmlformats.org/officeDocument/2006/relationships" xmlns:p="http://schemas.openxmlformats.org/presentationml/2006/main" showMasterSp="0" showMasterPhAnim="0">
+  <p:cSld>
+    <p:spTree>
+      <p:nvGrpSpPr>
+        <p:cNvPr id="1" name="Shape 2362">
+          <a:extLst>
+            <a:ext uri="{FF2B5EF4-FFF2-40B4-BE49-F238E27FC236}">
+              <a16:creationId xmlns:a16="http://schemas.microsoft.com/office/drawing/2014/main" id="{E35D8EAF-3D98-B460-217A-D62E10C67F58}"/>
+            </a:ext>
+          </a:extLst>
+        </p:cNvPr>
+        <p:cNvGrpSpPr/>
+        <p:nvPr/>
+      </p:nvGrpSpPr>
+      <p:grpSpPr>
+        <a:xfrm>
+          <a:off x="0" y="0"/>
+          <a:ext cx="0" cy="0"/>
+          <a:chOff x="0" y="0"/>
+          <a:chExt cx="0" cy="0"/>
+        </a:xfrm>
+      </p:grpSpPr>
+      <p:sp>
+        <p:nvSpPr>
+          <p:cNvPr id="2363" name="Google Shape;2363;g806ada915c_0_2506:notes">
+            <a:extLst>
+              <a:ext uri="{FF2B5EF4-FFF2-40B4-BE49-F238E27FC236}">
+                <a16:creationId xmlns:a16="http://schemas.microsoft.com/office/drawing/2014/main" id="{9A4DE91C-A806-1947-E879-8EE25C22B187}"/>
+              </a:ext>
+            </a:extLst>
+          </p:cNvPr>
+          <p:cNvSpPr>
+            <a:spLocks noGrp="1" noRot="1" noChangeAspect="1"/>
+          </p:cNvSpPr>
+          <p:nvPr>
+            <p:ph type="sldImg" idx="2"/>
+          </p:nvPr>
+        </p:nvSpPr>
+        <p:spPr>
+          <a:xfrm>
+            <a:off x="381000" y="685800"/>
+            <a:ext cx="6096000" cy="3429000"/>
+          </a:xfrm>
+          <a:custGeom>
+            <a:avLst/>
+            <a:gdLst/>
+            <a:ahLst/>
+            <a:cxnLst/>
+            <a:rect l="l" t="t" r="r" b="b"/>
+            <a:pathLst>
+              <a:path w="120000" h="120000" extrusionOk="0">
+                <a:moveTo>
+                  <a:pt x="0" y="0"/>
+                </a:moveTo>
+                <a:lnTo>
+                  <a:pt x="120000" y="0"/>
+                </a:lnTo>
+                <a:lnTo>
+                  <a:pt x="120000" y="120000"/>
+                </a:lnTo>
+                <a:lnTo>
+                  <a:pt x="0" y="120000"/>
+                </a:lnTo>
+                <a:close/>
+              </a:path>
+            </a:pathLst>
+          </a:custGeom>
+        </p:spPr>
+      </p:sp>
+      <p:sp>
+        <p:nvSpPr>
+          <p:cNvPr id="2364" name="Google Shape;2364;g806ada915c_0_2506:notes">
+            <a:extLst>
+              <a:ext uri="{FF2B5EF4-FFF2-40B4-BE49-F238E27FC236}">
+                <a16:creationId xmlns:a16="http://schemas.microsoft.com/office/drawing/2014/main" id="{E4D50807-9EE3-0BC8-E183-800FCA169B1F}"/>
+              </a:ext>
+            </a:extLst>
+          </p:cNvPr>
+          <p:cNvSpPr txBox="1">
+            <a:spLocks noGrp="1"/>
+          </p:cNvSpPr>
+          <p:nvPr>
+            <p:ph type="body" idx="1"/>
+          </p:nvPr>
+        </p:nvSpPr>
+        <p:spPr>
+          <a:xfrm>
+            <a:off x="685800" y="4343400"/>
+            <a:ext cx="5486400" cy="4114800"/>
+          </a:xfrm>
+          <a:prstGeom prst="rect">
+            <a:avLst/>
+          </a:prstGeom>
+        </p:spPr>
+        <p:txBody>
+          <a:bodyPr spcFirstLastPara="1" wrap="square" lIns="91425" tIns="91425" rIns="91425" bIns="91425" anchor="t" anchorCtr="0">
+            <a:noAutofit/>
+          </a:bodyPr>
+          <a:lstStyle/>
+          <a:p>
+            <a:pPr marL="0" lvl="0" indent="0" algn="l" rtl="0">
+              <a:spcBef>
+                <a:spcPts val="0"/>
+              </a:spcBef>
+              <a:spcAft>
+                <a:spcPts val="0"/>
+              </a:spcAft>
+              <a:buNone/>
+            </a:pPr>
+            <a:endParaRPr dirty="0"/>
+          </a:p>
+        </p:txBody>
+      </p:sp>
+    </p:spTree>
+    <p:extLst>
+      <p:ext uri="{BB962C8B-B14F-4D97-AF65-F5344CB8AC3E}">
+        <p14:creationId xmlns:p14="http://schemas.microsoft.com/office/powerpoint/2010/main" val="4212748637"/>
+      </p:ext>
+    </p:extLst>
+  </p:cSld>
+  <p:clrMapOvr>
+    <a:masterClrMapping/>
+  </p:clrMapOvr>
+</p:notes>
+</file>
+
+<file path=ppt/notesSlides/notesSlide7.xml><?xml version="1.0" encoding="utf-8"?>
+<p:notes xmlns:a="http://schemas.openxmlformats.org/drawingml/2006/main" xmlns:r="http://schemas.openxmlformats.org/officeDocument/2006/relationships" xmlns:p="http://schemas.openxmlformats.org/presentationml/2006/main" showMasterSp="0" showMasterPhAnim="0">
+  <p:cSld>
+    <p:spTree>
+      <p:nvGrpSpPr>
+        <p:cNvPr id="1" name="Shape 2362">
+          <a:extLst>
+            <a:ext uri="{FF2B5EF4-FFF2-40B4-BE49-F238E27FC236}">
+              <a16:creationId xmlns:a16="http://schemas.microsoft.com/office/drawing/2014/main" id="{69457AE5-CAB6-8850-62EA-392748BF239A}"/>
+            </a:ext>
+          </a:extLst>
+        </p:cNvPr>
+        <p:cNvGrpSpPr/>
+        <p:nvPr/>
+      </p:nvGrpSpPr>
+      <p:grpSpPr>
+        <a:xfrm>
+          <a:off x="0" y="0"/>
+          <a:ext cx="0" cy="0"/>
+          <a:chOff x="0" y="0"/>
+          <a:chExt cx="0" cy="0"/>
+        </a:xfrm>
+      </p:grpSpPr>
+      <p:sp>
+        <p:nvSpPr>
+          <p:cNvPr id="2363" name="Google Shape;2363;g806ada915c_0_2506:notes">
+            <a:extLst>
+              <a:ext uri="{FF2B5EF4-FFF2-40B4-BE49-F238E27FC236}">
+                <a16:creationId xmlns:a16="http://schemas.microsoft.com/office/drawing/2014/main" id="{4AC542F0-E75B-0075-2F20-58AE4EACBDB4}"/>
+              </a:ext>
+            </a:extLst>
+          </p:cNvPr>
+          <p:cNvSpPr>
+            <a:spLocks noGrp="1" noRot="1" noChangeAspect="1"/>
+          </p:cNvSpPr>
+          <p:nvPr>
+            <p:ph type="sldImg" idx="2"/>
+          </p:nvPr>
+        </p:nvSpPr>
+        <p:spPr>
+          <a:xfrm>
+            <a:off x="381000" y="685800"/>
+            <a:ext cx="6096000" cy="3429000"/>
+          </a:xfrm>
+          <a:custGeom>
+            <a:avLst/>
+            <a:gdLst/>
+            <a:ahLst/>
+            <a:cxnLst/>
+            <a:rect l="l" t="t" r="r" b="b"/>
+            <a:pathLst>
+              <a:path w="120000" h="120000" extrusionOk="0">
+                <a:moveTo>
+                  <a:pt x="0" y="0"/>
+                </a:moveTo>
+                <a:lnTo>
+                  <a:pt x="120000" y="0"/>
+                </a:lnTo>
+                <a:lnTo>
+                  <a:pt x="120000" y="120000"/>
+                </a:lnTo>
+                <a:lnTo>
+                  <a:pt x="0" y="120000"/>
+                </a:lnTo>
+                <a:close/>
+              </a:path>
+            </a:pathLst>
+          </a:custGeom>
+        </p:spPr>
+      </p:sp>
+      <p:sp>
+        <p:nvSpPr>
+          <p:cNvPr id="2364" name="Google Shape;2364;g806ada915c_0_2506:notes">
+            <a:extLst>
+              <a:ext uri="{FF2B5EF4-FFF2-40B4-BE49-F238E27FC236}">
+                <a16:creationId xmlns:a16="http://schemas.microsoft.com/office/drawing/2014/main" id="{60A9E185-6E87-EABD-E97A-1839E8421821}"/>
+              </a:ext>
+            </a:extLst>
+          </p:cNvPr>
+          <p:cNvSpPr txBox="1">
+            <a:spLocks noGrp="1"/>
+          </p:cNvSpPr>
+          <p:nvPr>
+            <p:ph type="body" idx="1"/>
+          </p:nvPr>
+        </p:nvSpPr>
+        <p:spPr>
+          <a:xfrm>
+            <a:off x="685800" y="4343400"/>
+            <a:ext cx="5486400" cy="4114800"/>
+          </a:xfrm>
+          <a:prstGeom prst="rect">
+            <a:avLst/>
+          </a:prstGeom>
+        </p:spPr>
+        <p:txBody>
+          <a:bodyPr spcFirstLastPara="1" wrap="square" lIns="91425" tIns="91425" rIns="91425" bIns="91425" anchor="t" anchorCtr="0">
+            <a:noAutofit/>
+          </a:bodyPr>
+          <a:lstStyle/>
+          <a:p>
+            <a:pPr marL="0" lvl="0" indent="0" algn="l" rtl="0">
+              <a:spcBef>
+                <a:spcPts val="0"/>
+              </a:spcBef>
+              <a:spcAft>
+                <a:spcPts val="0"/>
+              </a:spcAft>
+              <a:buNone/>
+            </a:pPr>
+            <a:endParaRPr dirty="0"/>
+          </a:p>
+        </p:txBody>
+      </p:sp>
+    </p:spTree>
+    <p:extLst>
+      <p:ext uri="{BB962C8B-B14F-4D97-AF65-F5344CB8AC3E}">
+        <p14:creationId xmlns:p14="http://schemas.microsoft.com/office/powerpoint/2010/main" val="2857337712"/>
+      </p:ext>
+    </p:extLst>
+  </p:cSld>
+  <p:clrMapOvr>
+    <a:masterClrMapping/>
+  </p:clrMapOvr>
+</p:notes>
+</file>
+
+<file path=ppt/notesSlides/notesSlide8.xml><?xml version="1.0" encoding="utf-8"?>
+<p:notes xmlns:a="http://schemas.openxmlformats.org/drawingml/2006/main" xmlns:r="http://schemas.openxmlformats.org/officeDocument/2006/relationships" xmlns:p="http://schemas.openxmlformats.org/presentationml/2006/main" showMasterSp="0" showMasterPhAnim="0">
+  <p:cSld>
+    <p:spTree>
+      <p:nvGrpSpPr>
+        <p:cNvPr id="1" name="Shape 2362">
+          <a:extLst>
+            <a:ext uri="{FF2B5EF4-FFF2-40B4-BE49-F238E27FC236}">
+              <a16:creationId xmlns:a16="http://schemas.microsoft.com/office/drawing/2014/main" id="{2BF50803-4E8C-911E-504A-10EF23C6C76F}"/>
+            </a:ext>
+          </a:extLst>
+        </p:cNvPr>
+        <p:cNvGrpSpPr/>
+        <p:nvPr/>
+      </p:nvGrpSpPr>
+      <p:grpSpPr>
+        <a:xfrm>
+          <a:off x="0" y="0"/>
+          <a:ext cx="0" cy="0"/>
+          <a:chOff x="0" y="0"/>
+          <a:chExt cx="0" cy="0"/>
+        </a:xfrm>
+      </p:grpSpPr>
+      <p:sp>
+        <p:nvSpPr>
+          <p:cNvPr id="2363" name="Google Shape;2363;g806ada915c_0_2506:notes">
+            <a:extLst>
+              <a:ext uri="{FF2B5EF4-FFF2-40B4-BE49-F238E27FC236}">
+                <a16:creationId xmlns:a16="http://schemas.microsoft.com/office/drawing/2014/main" id="{CA060DE4-F20B-FF66-E90B-BC0133631EDB}"/>
+              </a:ext>
+            </a:extLst>
+          </p:cNvPr>
+          <p:cNvSpPr>
+            <a:spLocks noGrp="1" noRot="1" noChangeAspect="1"/>
+          </p:cNvSpPr>
+          <p:nvPr>
+            <p:ph type="sldImg" idx="2"/>
+          </p:nvPr>
+        </p:nvSpPr>
+        <p:spPr>
+          <a:xfrm>
+            <a:off x="381000" y="685800"/>
+            <a:ext cx="6096000" cy="3429000"/>
+          </a:xfrm>
+          <a:custGeom>
+            <a:avLst/>
+            <a:gdLst/>
+            <a:ahLst/>
+            <a:cxnLst/>
+            <a:rect l="l" t="t" r="r" b="b"/>
+            <a:pathLst>
+              <a:path w="120000" h="120000" extrusionOk="0">
+                <a:moveTo>
+                  <a:pt x="0" y="0"/>
+                </a:moveTo>
+                <a:lnTo>
+                  <a:pt x="120000" y="0"/>
+                </a:lnTo>
+                <a:lnTo>
+                  <a:pt x="120000" y="120000"/>
+                </a:lnTo>
+                <a:lnTo>
+                  <a:pt x="0" y="120000"/>
+                </a:lnTo>
+                <a:close/>
+              </a:path>
+            </a:pathLst>
+          </a:custGeom>
+        </p:spPr>
+      </p:sp>
+      <p:sp>
+        <p:nvSpPr>
+          <p:cNvPr id="2364" name="Google Shape;2364;g806ada915c_0_2506:notes">
+            <a:extLst>
+              <a:ext uri="{FF2B5EF4-FFF2-40B4-BE49-F238E27FC236}">
+                <a16:creationId xmlns:a16="http://schemas.microsoft.com/office/drawing/2014/main" id="{4D03E5D5-0219-00AB-F90D-5F2B8E189861}"/>
+              </a:ext>
+            </a:extLst>
+          </p:cNvPr>
+          <p:cNvSpPr txBox="1">
+            <a:spLocks noGrp="1"/>
+          </p:cNvSpPr>
+          <p:nvPr>
+            <p:ph type="body" idx="1"/>
+          </p:nvPr>
+        </p:nvSpPr>
+        <p:spPr>
+          <a:xfrm>
+            <a:off x="685800" y="4343400"/>
+            <a:ext cx="5486400" cy="4114800"/>
+          </a:xfrm>
+          <a:prstGeom prst="rect">
+            <a:avLst/>
+          </a:prstGeom>
+        </p:spPr>
+        <p:txBody>
+          <a:bodyPr spcFirstLastPara="1" wrap="square" lIns="91425" tIns="91425" rIns="91425" bIns="91425" anchor="t" anchorCtr="0">
+            <a:noAutofit/>
+          </a:bodyPr>
+          <a:lstStyle/>
+          <a:p>
+            <a:pPr marL="0" lvl="0" indent="0" algn="l" rtl="0">
+              <a:spcBef>
+                <a:spcPts val="0"/>
+              </a:spcBef>
+              <a:spcAft>
+                <a:spcPts val="0"/>
+              </a:spcAft>
+              <a:buNone/>
+            </a:pPr>
+            <a:endParaRPr dirty="0"/>
+          </a:p>
+        </p:txBody>
+      </p:sp>
+    </p:spTree>
+    <p:extLst>
+      <p:ext uri="{BB962C8B-B14F-4D97-AF65-F5344CB8AC3E}">
+        <p14:creationId xmlns:p14="http://schemas.microsoft.com/office/powerpoint/2010/main" val="4170082904"/>
+      </p:ext>
+    </p:extLst>
+  </p:cSld>
+  <p:clrMapOvr>
+    <a:masterClrMapping/>
+  </p:clrMapOvr>
+</p:notes>
+</file>
+
+<file path=ppt/notesSlides/notesSlide9.xml><?xml version="1.0" encoding="utf-8"?>
 <p:notes xmlns:a="http://schemas.openxmlformats.org/drawingml/2006/main" xmlns:r="http://schemas.openxmlformats.org/officeDocument/2006/relationships" xmlns:p="http://schemas.openxmlformats.org/presentationml/2006/main" showMasterSp="0" showMasterPhAnim="0">
   <p:cSld>
     <p:spTree>
@@ -1173,1004 +2048,6 @@
 </p:notes>
 </file>
 
-<file path=ppt/notesSlides/notesSlide2.xml><?xml version="1.0" encoding="utf-8"?>
-<p:notes xmlns:a="http://schemas.openxmlformats.org/drawingml/2006/main" xmlns:r="http://schemas.openxmlformats.org/officeDocument/2006/relationships" xmlns:p="http://schemas.openxmlformats.org/presentationml/2006/main" showMasterSp="0" showMasterPhAnim="0">
-  <p:cSld>
-    <p:spTree>
-      <p:nvGrpSpPr>
-        <p:cNvPr id="1" name="Shape 2362">
-          <a:extLst>
-            <a:ext uri="{FF2B5EF4-FFF2-40B4-BE49-F238E27FC236}">
-              <a16:creationId xmlns:a16="http://schemas.microsoft.com/office/drawing/2014/main" id="{5F008D86-DC28-9C37-E6FD-E62054CC984C}"/>
-            </a:ext>
-          </a:extLst>
-        </p:cNvPr>
-        <p:cNvGrpSpPr/>
-        <p:nvPr/>
-      </p:nvGrpSpPr>
-      <p:grpSpPr>
-        <a:xfrm>
-          <a:off x="0" y="0"/>
-          <a:ext cx="0" cy="0"/>
-          <a:chOff x="0" y="0"/>
-          <a:chExt cx="0" cy="0"/>
-        </a:xfrm>
-      </p:grpSpPr>
-      <p:sp>
-        <p:nvSpPr>
-          <p:cNvPr id="2363" name="Google Shape;2363;g806ada915c_0_2506:notes">
-            <a:extLst>
-              <a:ext uri="{FF2B5EF4-FFF2-40B4-BE49-F238E27FC236}">
-                <a16:creationId xmlns:a16="http://schemas.microsoft.com/office/drawing/2014/main" id="{D68AF2BD-AD8F-4B14-625F-8DD616B3DEDE}"/>
-              </a:ext>
-            </a:extLst>
-          </p:cNvPr>
-          <p:cNvSpPr>
-            <a:spLocks noGrp="1" noRot="1" noChangeAspect="1"/>
-          </p:cNvSpPr>
-          <p:nvPr>
-            <p:ph type="sldImg" idx="2"/>
-          </p:nvPr>
-        </p:nvSpPr>
-        <p:spPr>
-          <a:xfrm>
-            <a:off x="381000" y="685800"/>
-            <a:ext cx="6096000" cy="3429000"/>
-          </a:xfrm>
-          <a:custGeom>
-            <a:avLst/>
-            <a:gdLst/>
-            <a:ahLst/>
-            <a:cxnLst/>
-            <a:rect l="l" t="t" r="r" b="b"/>
-            <a:pathLst>
-              <a:path w="120000" h="120000" extrusionOk="0">
-                <a:moveTo>
-                  <a:pt x="0" y="0"/>
-                </a:moveTo>
-                <a:lnTo>
-                  <a:pt x="120000" y="0"/>
-                </a:lnTo>
-                <a:lnTo>
-                  <a:pt x="120000" y="120000"/>
-                </a:lnTo>
-                <a:lnTo>
-                  <a:pt x="0" y="120000"/>
-                </a:lnTo>
-                <a:close/>
-              </a:path>
-            </a:pathLst>
-          </a:custGeom>
-        </p:spPr>
-      </p:sp>
-      <p:sp>
-        <p:nvSpPr>
-          <p:cNvPr id="2364" name="Google Shape;2364;g806ada915c_0_2506:notes">
-            <a:extLst>
-              <a:ext uri="{FF2B5EF4-FFF2-40B4-BE49-F238E27FC236}">
-                <a16:creationId xmlns:a16="http://schemas.microsoft.com/office/drawing/2014/main" id="{C72B8DD9-1048-E3DE-8076-C24185B2370B}"/>
-              </a:ext>
-            </a:extLst>
-          </p:cNvPr>
-          <p:cNvSpPr txBox="1">
-            <a:spLocks noGrp="1"/>
-          </p:cNvSpPr>
-          <p:nvPr>
-            <p:ph type="body" idx="1"/>
-          </p:nvPr>
-        </p:nvSpPr>
-        <p:spPr>
-          <a:xfrm>
-            <a:off x="685800" y="4343400"/>
-            <a:ext cx="5486400" cy="4114800"/>
-          </a:xfrm>
-          <a:prstGeom prst="rect">
-            <a:avLst/>
-          </a:prstGeom>
-        </p:spPr>
-        <p:txBody>
-          <a:bodyPr spcFirstLastPara="1" wrap="square" lIns="91425" tIns="91425" rIns="91425" bIns="91425" anchor="t" anchorCtr="0">
-            <a:noAutofit/>
-          </a:bodyPr>
-          <a:lstStyle/>
-          <a:p>
-            <a:pPr marL="0" lvl="0" indent="0" algn="l" rtl="0">
-              <a:spcBef>
-                <a:spcPts val="0"/>
-              </a:spcBef>
-              <a:spcAft>
-                <a:spcPts val="0"/>
-              </a:spcAft>
-              <a:buNone/>
-            </a:pPr>
-            <a:endParaRPr/>
-          </a:p>
-        </p:txBody>
-      </p:sp>
-    </p:spTree>
-    <p:extLst>
-      <p:ext uri="{BB962C8B-B14F-4D97-AF65-F5344CB8AC3E}">
-        <p14:creationId xmlns:p14="http://schemas.microsoft.com/office/powerpoint/2010/main" val="2080291368"/>
-      </p:ext>
-    </p:extLst>
-  </p:cSld>
-  <p:clrMapOvr>
-    <a:masterClrMapping/>
-  </p:clrMapOvr>
-</p:notes>
-</file>
-
-<file path=ppt/notesSlides/notesSlide3.xml><?xml version="1.0" encoding="utf-8"?>
-<p:notes xmlns:a="http://schemas.openxmlformats.org/drawingml/2006/main" xmlns:r="http://schemas.openxmlformats.org/officeDocument/2006/relationships" xmlns:p="http://schemas.openxmlformats.org/presentationml/2006/main" showMasterSp="0" showMasterPhAnim="0">
-  <p:cSld>
-    <p:spTree>
-      <p:nvGrpSpPr>
-        <p:cNvPr id="1" name="Shape 2362">
-          <a:extLst>
-            <a:ext uri="{FF2B5EF4-FFF2-40B4-BE49-F238E27FC236}">
-              <a16:creationId xmlns:a16="http://schemas.microsoft.com/office/drawing/2014/main" id="{A3918F6D-1406-56CA-D765-D0C1E6036573}"/>
-            </a:ext>
-          </a:extLst>
-        </p:cNvPr>
-        <p:cNvGrpSpPr/>
-        <p:nvPr/>
-      </p:nvGrpSpPr>
-      <p:grpSpPr>
-        <a:xfrm>
-          <a:off x="0" y="0"/>
-          <a:ext cx="0" cy="0"/>
-          <a:chOff x="0" y="0"/>
-          <a:chExt cx="0" cy="0"/>
-        </a:xfrm>
-      </p:grpSpPr>
-      <p:sp>
-        <p:nvSpPr>
-          <p:cNvPr id="2363" name="Google Shape;2363;g806ada915c_0_2506:notes">
-            <a:extLst>
-              <a:ext uri="{FF2B5EF4-FFF2-40B4-BE49-F238E27FC236}">
-                <a16:creationId xmlns:a16="http://schemas.microsoft.com/office/drawing/2014/main" id="{E9C2207D-C10C-C4D3-A64E-30D6ADBB5A96}"/>
-              </a:ext>
-            </a:extLst>
-          </p:cNvPr>
-          <p:cNvSpPr>
-            <a:spLocks noGrp="1" noRot="1" noChangeAspect="1"/>
-          </p:cNvSpPr>
-          <p:nvPr>
-            <p:ph type="sldImg" idx="2"/>
-          </p:nvPr>
-        </p:nvSpPr>
-        <p:spPr>
-          <a:xfrm>
-            <a:off x="381000" y="685800"/>
-            <a:ext cx="6096000" cy="3429000"/>
-          </a:xfrm>
-          <a:custGeom>
-            <a:avLst/>
-            <a:gdLst/>
-            <a:ahLst/>
-            <a:cxnLst/>
-            <a:rect l="l" t="t" r="r" b="b"/>
-            <a:pathLst>
-              <a:path w="120000" h="120000" extrusionOk="0">
-                <a:moveTo>
-                  <a:pt x="0" y="0"/>
-                </a:moveTo>
-                <a:lnTo>
-                  <a:pt x="120000" y="0"/>
-                </a:lnTo>
-                <a:lnTo>
-                  <a:pt x="120000" y="120000"/>
-                </a:lnTo>
-                <a:lnTo>
-                  <a:pt x="0" y="120000"/>
-                </a:lnTo>
-                <a:close/>
-              </a:path>
-            </a:pathLst>
-          </a:custGeom>
-        </p:spPr>
-      </p:sp>
-      <p:sp>
-        <p:nvSpPr>
-          <p:cNvPr id="2364" name="Google Shape;2364;g806ada915c_0_2506:notes">
-            <a:extLst>
-              <a:ext uri="{FF2B5EF4-FFF2-40B4-BE49-F238E27FC236}">
-                <a16:creationId xmlns:a16="http://schemas.microsoft.com/office/drawing/2014/main" id="{35B61F78-78C3-B143-1AEE-97ED4F6CDD63}"/>
-              </a:ext>
-            </a:extLst>
-          </p:cNvPr>
-          <p:cNvSpPr txBox="1">
-            <a:spLocks noGrp="1"/>
-          </p:cNvSpPr>
-          <p:nvPr>
-            <p:ph type="body" idx="1"/>
-          </p:nvPr>
-        </p:nvSpPr>
-        <p:spPr>
-          <a:xfrm>
-            <a:off x="685800" y="4343400"/>
-            <a:ext cx="5486400" cy="4114800"/>
-          </a:xfrm>
-          <a:prstGeom prst="rect">
-            <a:avLst/>
-          </a:prstGeom>
-        </p:spPr>
-        <p:txBody>
-          <a:bodyPr spcFirstLastPara="1" wrap="square" lIns="91425" tIns="91425" rIns="91425" bIns="91425" anchor="t" anchorCtr="0">
-            <a:noAutofit/>
-          </a:bodyPr>
-          <a:lstStyle/>
-          <a:p>
-            <a:pPr marL="0" lvl="0" indent="0" algn="l" rtl="0">
-              <a:spcBef>
-                <a:spcPts val="0"/>
-              </a:spcBef>
-              <a:spcAft>
-                <a:spcPts val="0"/>
-              </a:spcAft>
-              <a:buNone/>
-            </a:pPr>
-            <a:endParaRPr dirty="0"/>
-          </a:p>
-        </p:txBody>
-      </p:sp>
-    </p:spTree>
-    <p:extLst>
-      <p:ext uri="{BB962C8B-B14F-4D97-AF65-F5344CB8AC3E}">
-        <p14:creationId xmlns:p14="http://schemas.microsoft.com/office/powerpoint/2010/main" val="4014424674"/>
-      </p:ext>
-    </p:extLst>
-  </p:cSld>
-  <p:clrMapOvr>
-    <a:masterClrMapping/>
-  </p:clrMapOvr>
-</p:notes>
-</file>
-
-<file path=ppt/notesSlides/notesSlide4.xml><?xml version="1.0" encoding="utf-8"?>
-<p:notes xmlns:a="http://schemas.openxmlformats.org/drawingml/2006/main" xmlns:r="http://schemas.openxmlformats.org/officeDocument/2006/relationships" xmlns:p="http://schemas.openxmlformats.org/presentationml/2006/main" showMasterSp="0" showMasterPhAnim="0">
-  <p:cSld>
-    <p:spTree>
-      <p:nvGrpSpPr>
-        <p:cNvPr id="1" name="Shape 2362">
-          <a:extLst>
-            <a:ext uri="{FF2B5EF4-FFF2-40B4-BE49-F238E27FC236}">
-              <a16:creationId xmlns:a16="http://schemas.microsoft.com/office/drawing/2014/main" id="{B1C47BCC-A873-2F58-B930-146D367BF396}"/>
-            </a:ext>
-          </a:extLst>
-        </p:cNvPr>
-        <p:cNvGrpSpPr/>
-        <p:nvPr/>
-      </p:nvGrpSpPr>
-      <p:grpSpPr>
-        <a:xfrm>
-          <a:off x="0" y="0"/>
-          <a:ext cx="0" cy="0"/>
-          <a:chOff x="0" y="0"/>
-          <a:chExt cx="0" cy="0"/>
-        </a:xfrm>
-      </p:grpSpPr>
-      <p:sp>
-        <p:nvSpPr>
-          <p:cNvPr id="2363" name="Google Shape;2363;g806ada915c_0_2506:notes">
-            <a:extLst>
-              <a:ext uri="{FF2B5EF4-FFF2-40B4-BE49-F238E27FC236}">
-                <a16:creationId xmlns:a16="http://schemas.microsoft.com/office/drawing/2014/main" id="{F9E3C071-C1A7-C84A-9B76-D85C081F0C9C}"/>
-              </a:ext>
-            </a:extLst>
-          </p:cNvPr>
-          <p:cNvSpPr>
-            <a:spLocks noGrp="1" noRot="1" noChangeAspect="1"/>
-          </p:cNvSpPr>
-          <p:nvPr>
-            <p:ph type="sldImg" idx="2"/>
-          </p:nvPr>
-        </p:nvSpPr>
-        <p:spPr>
-          <a:xfrm>
-            <a:off x="381000" y="685800"/>
-            <a:ext cx="6096000" cy="3429000"/>
-          </a:xfrm>
-          <a:custGeom>
-            <a:avLst/>
-            <a:gdLst/>
-            <a:ahLst/>
-            <a:cxnLst/>
-            <a:rect l="l" t="t" r="r" b="b"/>
-            <a:pathLst>
-              <a:path w="120000" h="120000" extrusionOk="0">
-                <a:moveTo>
-                  <a:pt x="0" y="0"/>
-                </a:moveTo>
-                <a:lnTo>
-                  <a:pt x="120000" y="0"/>
-                </a:lnTo>
-                <a:lnTo>
-                  <a:pt x="120000" y="120000"/>
-                </a:lnTo>
-                <a:lnTo>
-                  <a:pt x="0" y="120000"/>
-                </a:lnTo>
-                <a:close/>
-              </a:path>
-            </a:pathLst>
-          </a:custGeom>
-        </p:spPr>
-      </p:sp>
-      <p:sp>
-        <p:nvSpPr>
-          <p:cNvPr id="2364" name="Google Shape;2364;g806ada915c_0_2506:notes">
-            <a:extLst>
-              <a:ext uri="{FF2B5EF4-FFF2-40B4-BE49-F238E27FC236}">
-                <a16:creationId xmlns:a16="http://schemas.microsoft.com/office/drawing/2014/main" id="{07F35F78-A289-E416-D228-88632BE1A5B1}"/>
-              </a:ext>
-            </a:extLst>
-          </p:cNvPr>
-          <p:cNvSpPr txBox="1">
-            <a:spLocks noGrp="1"/>
-          </p:cNvSpPr>
-          <p:nvPr>
-            <p:ph type="body" idx="1"/>
-          </p:nvPr>
-        </p:nvSpPr>
-        <p:spPr>
-          <a:xfrm>
-            <a:off x="685800" y="4343400"/>
-            <a:ext cx="5486400" cy="4114800"/>
-          </a:xfrm>
-          <a:prstGeom prst="rect">
-            <a:avLst/>
-          </a:prstGeom>
-        </p:spPr>
-        <p:txBody>
-          <a:bodyPr spcFirstLastPara="1" wrap="square" lIns="91425" tIns="91425" rIns="91425" bIns="91425" anchor="t" anchorCtr="0">
-            <a:noAutofit/>
-          </a:bodyPr>
-          <a:lstStyle/>
-          <a:p>
-            <a:pPr marL="0" lvl="0" indent="0" algn="l" rtl="0">
-              <a:spcBef>
-                <a:spcPts val="0"/>
-              </a:spcBef>
-              <a:spcAft>
-                <a:spcPts val="0"/>
-              </a:spcAft>
-              <a:buNone/>
-            </a:pPr>
-            <a:endParaRPr dirty="0"/>
-          </a:p>
-        </p:txBody>
-      </p:sp>
-    </p:spTree>
-    <p:extLst>
-      <p:ext uri="{BB962C8B-B14F-4D97-AF65-F5344CB8AC3E}">
-        <p14:creationId xmlns:p14="http://schemas.microsoft.com/office/powerpoint/2010/main" val="1298238600"/>
-      </p:ext>
-    </p:extLst>
-  </p:cSld>
-  <p:clrMapOvr>
-    <a:masterClrMapping/>
-  </p:clrMapOvr>
-</p:notes>
-</file>
-
-<file path=ppt/notesSlides/notesSlide5.xml><?xml version="1.0" encoding="utf-8"?>
-<p:notes xmlns:a="http://schemas.openxmlformats.org/drawingml/2006/main" xmlns:r="http://schemas.openxmlformats.org/officeDocument/2006/relationships" xmlns:p="http://schemas.openxmlformats.org/presentationml/2006/main" showMasterSp="0" showMasterPhAnim="0">
-  <p:cSld>
-    <p:spTree>
-      <p:nvGrpSpPr>
-        <p:cNvPr id="1" name="Shape 2362"/>
-        <p:cNvGrpSpPr/>
-        <p:nvPr/>
-      </p:nvGrpSpPr>
-      <p:grpSpPr>
-        <a:xfrm>
-          <a:off x="0" y="0"/>
-          <a:ext cx="0" cy="0"/>
-          <a:chOff x="0" y="0"/>
-          <a:chExt cx="0" cy="0"/>
-        </a:xfrm>
-      </p:grpSpPr>
-      <p:sp>
-        <p:nvSpPr>
-          <p:cNvPr id="2363" name="Google Shape;2363;g806ada915c_0_2506:notes"/>
-          <p:cNvSpPr>
-            <a:spLocks noGrp="1" noRot="1" noChangeAspect="1"/>
-          </p:cNvSpPr>
-          <p:nvPr>
-            <p:ph type="sldImg" idx="2"/>
-          </p:nvPr>
-        </p:nvSpPr>
-        <p:spPr>
-          <a:xfrm>
-            <a:off x="381000" y="685800"/>
-            <a:ext cx="6096000" cy="3429000"/>
-          </a:xfrm>
-          <a:custGeom>
-            <a:avLst/>
-            <a:gdLst/>
-            <a:ahLst/>
-            <a:cxnLst/>
-            <a:rect l="l" t="t" r="r" b="b"/>
-            <a:pathLst>
-              <a:path w="120000" h="120000" extrusionOk="0">
-                <a:moveTo>
-                  <a:pt x="0" y="0"/>
-                </a:moveTo>
-                <a:lnTo>
-                  <a:pt x="120000" y="0"/>
-                </a:lnTo>
-                <a:lnTo>
-                  <a:pt x="120000" y="120000"/>
-                </a:lnTo>
-                <a:lnTo>
-                  <a:pt x="0" y="120000"/>
-                </a:lnTo>
-                <a:close/>
-              </a:path>
-            </a:pathLst>
-          </a:custGeom>
-        </p:spPr>
-      </p:sp>
-      <p:sp>
-        <p:nvSpPr>
-          <p:cNvPr id="2364" name="Google Shape;2364;g806ada915c_0_2506:notes"/>
-          <p:cNvSpPr txBox="1">
-            <a:spLocks noGrp="1"/>
-          </p:cNvSpPr>
-          <p:nvPr>
-            <p:ph type="body" idx="1"/>
-          </p:nvPr>
-        </p:nvSpPr>
-        <p:spPr>
-          <a:xfrm>
-            <a:off x="685800" y="4343400"/>
-            <a:ext cx="5486400" cy="4114800"/>
-          </a:xfrm>
-          <a:prstGeom prst="rect">
-            <a:avLst/>
-          </a:prstGeom>
-        </p:spPr>
-        <p:txBody>
-          <a:bodyPr spcFirstLastPara="1" wrap="square" lIns="91425" tIns="91425" rIns="91425" bIns="91425" anchor="t" anchorCtr="0">
-            <a:noAutofit/>
-          </a:bodyPr>
-          <a:lstStyle/>
-          <a:p>
-            <a:pPr marL="0" lvl="0" indent="0" algn="l" rtl="0">
-              <a:spcBef>
-                <a:spcPts val="0"/>
-              </a:spcBef>
-              <a:spcAft>
-                <a:spcPts val="0"/>
-              </a:spcAft>
-              <a:buNone/>
-            </a:pPr>
-            <a:endParaRPr dirty="0"/>
-          </a:p>
-        </p:txBody>
-      </p:sp>
-    </p:spTree>
-    <p:extLst>
-      <p:ext uri="{BB962C8B-B14F-4D97-AF65-F5344CB8AC3E}">
-        <p14:creationId xmlns:p14="http://schemas.microsoft.com/office/powerpoint/2010/main" val="3303830600"/>
-      </p:ext>
-    </p:extLst>
-  </p:cSld>
-  <p:clrMapOvr>
-    <a:masterClrMapping/>
-  </p:clrMapOvr>
-</p:notes>
-</file>
-
-<file path=ppt/notesSlides/notesSlide6.xml><?xml version="1.0" encoding="utf-8"?>
-<p:notes xmlns:a="http://schemas.openxmlformats.org/drawingml/2006/main" xmlns:r="http://schemas.openxmlformats.org/officeDocument/2006/relationships" xmlns:p="http://schemas.openxmlformats.org/presentationml/2006/main" showMasterSp="0" showMasterPhAnim="0">
-  <p:cSld>
-    <p:spTree>
-      <p:nvGrpSpPr>
-        <p:cNvPr id="1" name="Shape 2362">
-          <a:extLst>
-            <a:ext uri="{FF2B5EF4-FFF2-40B4-BE49-F238E27FC236}">
-              <a16:creationId xmlns:a16="http://schemas.microsoft.com/office/drawing/2014/main" id="{CF7EA73A-81E0-11D6-1709-76933BB606E2}"/>
-            </a:ext>
-          </a:extLst>
-        </p:cNvPr>
-        <p:cNvGrpSpPr/>
-        <p:nvPr/>
-      </p:nvGrpSpPr>
-      <p:grpSpPr>
-        <a:xfrm>
-          <a:off x="0" y="0"/>
-          <a:ext cx="0" cy="0"/>
-          <a:chOff x="0" y="0"/>
-          <a:chExt cx="0" cy="0"/>
-        </a:xfrm>
-      </p:grpSpPr>
-      <p:sp>
-        <p:nvSpPr>
-          <p:cNvPr id="2363" name="Google Shape;2363;g806ada915c_0_2506:notes">
-            <a:extLst>
-              <a:ext uri="{FF2B5EF4-FFF2-40B4-BE49-F238E27FC236}">
-                <a16:creationId xmlns:a16="http://schemas.microsoft.com/office/drawing/2014/main" id="{4899E081-310A-BB3B-0979-21FB7FDEE6BE}"/>
-              </a:ext>
-            </a:extLst>
-          </p:cNvPr>
-          <p:cNvSpPr>
-            <a:spLocks noGrp="1" noRot="1" noChangeAspect="1"/>
-          </p:cNvSpPr>
-          <p:nvPr>
-            <p:ph type="sldImg" idx="2"/>
-          </p:nvPr>
-        </p:nvSpPr>
-        <p:spPr>
-          <a:xfrm>
-            <a:off x="381000" y="685800"/>
-            <a:ext cx="6096000" cy="3429000"/>
-          </a:xfrm>
-          <a:custGeom>
-            <a:avLst/>
-            <a:gdLst/>
-            <a:ahLst/>
-            <a:cxnLst/>
-            <a:rect l="l" t="t" r="r" b="b"/>
-            <a:pathLst>
-              <a:path w="120000" h="120000" extrusionOk="0">
-                <a:moveTo>
-                  <a:pt x="0" y="0"/>
-                </a:moveTo>
-                <a:lnTo>
-                  <a:pt x="120000" y="0"/>
-                </a:lnTo>
-                <a:lnTo>
-                  <a:pt x="120000" y="120000"/>
-                </a:lnTo>
-                <a:lnTo>
-                  <a:pt x="0" y="120000"/>
-                </a:lnTo>
-                <a:close/>
-              </a:path>
-            </a:pathLst>
-          </a:custGeom>
-        </p:spPr>
-      </p:sp>
-      <p:sp>
-        <p:nvSpPr>
-          <p:cNvPr id="2364" name="Google Shape;2364;g806ada915c_0_2506:notes">
-            <a:extLst>
-              <a:ext uri="{FF2B5EF4-FFF2-40B4-BE49-F238E27FC236}">
-                <a16:creationId xmlns:a16="http://schemas.microsoft.com/office/drawing/2014/main" id="{A11DAC39-4271-89C3-EF08-3C0217C443E5}"/>
-              </a:ext>
-            </a:extLst>
-          </p:cNvPr>
-          <p:cNvSpPr txBox="1">
-            <a:spLocks noGrp="1"/>
-          </p:cNvSpPr>
-          <p:nvPr>
-            <p:ph type="body" idx="1"/>
-          </p:nvPr>
-        </p:nvSpPr>
-        <p:spPr>
-          <a:xfrm>
-            <a:off x="685800" y="4343400"/>
-            <a:ext cx="5486400" cy="4114800"/>
-          </a:xfrm>
-          <a:prstGeom prst="rect">
-            <a:avLst/>
-          </a:prstGeom>
-        </p:spPr>
-        <p:txBody>
-          <a:bodyPr spcFirstLastPara="1" wrap="square" lIns="91425" tIns="91425" rIns="91425" bIns="91425" anchor="t" anchorCtr="0">
-            <a:noAutofit/>
-          </a:bodyPr>
-          <a:lstStyle/>
-          <a:p>
-            <a:pPr marL="0" lvl="0" indent="0" algn="l" rtl="0">
-              <a:spcBef>
-                <a:spcPts val="0"/>
-              </a:spcBef>
-              <a:spcAft>
-                <a:spcPts val="0"/>
-              </a:spcAft>
-              <a:buNone/>
-            </a:pPr>
-            <a:endParaRPr dirty="0"/>
-          </a:p>
-        </p:txBody>
-      </p:sp>
-    </p:spTree>
-    <p:extLst>
-      <p:ext uri="{BB962C8B-B14F-4D97-AF65-F5344CB8AC3E}">
-        <p14:creationId xmlns:p14="http://schemas.microsoft.com/office/powerpoint/2010/main" val="1251850461"/>
-      </p:ext>
-    </p:extLst>
-  </p:cSld>
-  <p:clrMapOvr>
-    <a:masterClrMapping/>
-  </p:clrMapOvr>
-</p:notes>
-</file>
-
-<file path=ppt/notesSlides/notesSlide7.xml><?xml version="1.0" encoding="utf-8"?>
-<p:notes xmlns:a="http://schemas.openxmlformats.org/drawingml/2006/main" xmlns:r="http://schemas.openxmlformats.org/officeDocument/2006/relationships" xmlns:p="http://schemas.openxmlformats.org/presentationml/2006/main" showMasterSp="0" showMasterPhAnim="0">
-  <p:cSld>
-    <p:spTree>
-      <p:nvGrpSpPr>
-        <p:cNvPr id="1" name="Shape 2362">
-          <a:extLst>
-            <a:ext uri="{FF2B5EF4-FFF2-40B4-BE49-F238E27FC236}">
-              <a16:creationId xmlns:a16="http://schemas.microsoft.com/office/drawing/2014/main" id="{E35D8EAF-3D98-B460-217A-D62E10C67F58}"/>
-            </a:ext>
-          </a:extLst>
-        </p:cNvPr>
-        <p:cNvGrpSpPr/>
-        <p:nvPr/>
-      </p:nvGrpSpPr>
-      <p:grpSpPr>
-        <a:xfrm>
-          <a:off x="0" y="0"/>
-          <a:ext cx="0" cy="0"/>
-          <a:chOff x="0" y="0"/>
-          <a:chExt cx="0" cy="0"/>
-        </a:xfrm>
-      </p:grpSpPr>
-      <p:sp>
-        <p:nvSpPr>
-          <p:cNvPr id="2363" name="Google Shape;2363;g806ada915c_0_2506:notes">
-            <a:extLst>
-              <a:ext uri="{FF2B5EF4-FFF2-40B4-BE49-F238E27FC236}">
-                <a16:creationId xmlns:a16="http://schemas.microsoft.com/office/drawing/2014/main" id="{9A4DE91C-A806-1947-E879-8EE25C22B187}"/>
-              </a:ext>
-            </a:extLst>
-          </p:cNvPr>
-          <p:cNvSpPr>
-            <a:spLocks noGrp="1" noRot="1" noChangeAspect="1"/>
-          </p:cNvSpPr>
-          <p:nvPr>
-            <p:ph type="sldImg" idx="2"/>
-          </p:nvPr>
-        </p:nvSpPr>
-        <p:spPr>
-          <a:xfrm>
-            <a:off x="381000" y="685800"/>
-            <a:ext cx="6096000" cy="3429000"/>
-          </a:xfrm>
-          <a:custGeom>
-            <a:avLst/>
-            <a:gdLst/>
-            <a:ahLst/>
-            <a:cxnLst/>
-            <a:rect l="l" t="t" r="r" b="b"/>
-            <a:pathLst>
-              <a:path w="120000" h="120000" extrusionOk="0">
-                <a:moveTo>
-                  <a:pt x="0" y="0"/>
-                </a:moveTo>
-                <a:lnTo>
-                  <a:pt x="120000" y="0"/>
-                </a:lnTo>
-                <a:lnTo>
-                  <a:pt x="120000" y="120000"/>
-                </a:lnTo>
-                <a:lnTo>
-                  <a:pt x="0" y="120000"/>
-                </a:lnTo>
-                <a:close/>
-              </a:path>
-            </a:pathLst>
-          </a:custGeom>
-        </p:spPr>
-      </p:sp>
-      <p:sp>
-        <p:nvSpPr>
-          <p:cNvPr id="2364" name="Google Shape;2364;g806ada915c_0_2506:notes">
-            <a:extLst>
-              <a:ext uri="{FF2B5EF4-FFF2-40B4-BE49-F238E27FC236}">
-                <a16:creationId xmlns:a16="http://schemas.microsoft.com/office/drawing/2014/main" id="{E4D50807-9EE3-0BC8-E183-800FCA169B1F}"/>
-              </a:ext>
-            </a:extLst>
-          </p:cNvPr>
-          <p:cNvSpPr txBox="1">
-            <a:spLocks noGrp="1"/>
-          </p:cNvSpPr>
-          <p:nvPr>
-            <p:ph type="body" idx="1"/>
-          </p:nvPr>
-        </p:nvSpPr>
-        <p:spPr>
-          <a:xfrm>
-            <a:off x="685800" y="4343400"/>
-            <a:ext cx="5486400" cy="4114800"/>
-          </a:xfrm>
-          <a:prstGeom prst="rect">
-            <a:avLst/>
-          </a:prstGeom>
-        </p:spPr>
-        <p:txBody>
-          <a:bodyPr spcFirstLastPara="1" wrap="square" lIns="91425" tIns="91425" rIns="91425" bIns="91425" anchor="t" anchorCtr="0">
-            <a:noAutofit/>
-          </a:bodyPr>
-          <a:lstStyle/>
-          <a:p>
-            <a:pPr marL="0" lvl="0" indent="0" algn="l" rtl="0">
-              <a:spcBef>
-                <a:spcPts val="0"/>
-              </a:spcBef>
-              <a:spcAft>
-                <a:spcPts val="0"/>
-              </a:spcAft>
-              <a:buNone/>
-            </a:pPr>
-            <a:endParaRPr dirty="0"/>
-          </a:p>
-        </p:txBody>
-      </p:sp>
-    </p:spTree>
-    <p:extLst>
-      <p:ext uri="{BB962C8B-B14F-4D97-AF65-F5344CB8AC3E}">
-        <p14:creationId xmlns:p14="http://schemas.microsoft.com/office/powerpoint/2010/main" val="4212748637"/>
-      </p:ext>
-    </p:extLst>
-  </p:cSld>
-  <p:clrMapOvr>
-    <a:masterClrMapping/>
-  </p:clrMapOvr>
-</p:notes>
-</file>
-
-<file path=ppt/notesSlides/notesSlide8.xml><?xml version="1.0" encoding="utf-8"?>
-<p:notes xmlns:a="http://schemas.openxmlformats.org/drawingml/2006/main" xmlns:r="http://schemas.openxmlformats.org/officeDocument/2006/relationships" xmlns:p="http://schemas.openxmlformats.org/presentationml/2006/main" showMasterSp="0" showMasterPhAnim="0">
-  <p:cSld>
-    <p:spTree>
-      <p:nvGrpSpPr>
-        <p:cNvPr id="1" name="Shape 2362">
-          <a:extLst>
-            <a:ext uri="{FF2B5EF4-FFF2-40B4-BE49-F238E27FC236}">
-              <a16:creationId xmlns:a16="http://schemas.microsoft.com/office/drawing/2014/main" id="{69457AE5-CAB6-8850-62EA-392748BF239A}"/>
-            </a:ext>
-          </a:extLst>
-        </p:cNvPr>
-        <p:cNvGrpSpPr/>
-        <p:nvPr/>
-      </p:nvGrpSpPr>
-      <p:grpSpPr>
-        <a:xfrm>
-          <a:off x="0" y="0"/>
-          <a:ext cx="0" cy="0"/>
-          <a:chOff x="0" y="0"/>
-          <a:chExt cx="0" cy="0"/>
-        </a:xfrm>
-      </p:grpSpPr>
-      <p:sp>
-        <p:nvSpPr>
-          <p:cNvPr id="2363" name="Google Shape;2363;g806ada915c_0_2506:notes">
-            <a:extLst>
-              <a:ext uri="{FF2B5EF4-FFF2-40B4-BE49-F238E27FC236}">
-                <a16:creationId xmlns:a16="http://schemas.microsoft.com/office/drawing/2014/main" id="{4AC542F0-E75B-0075-2F20-58AE4EACBDB4}"/>
-              </a:ext>
-            </a:extLst>
-          </p:cNvPr>
-          <p:cNvSpPr>
-            <a:spLocks noGrp="1" noRot="1" noChangeAspect="1"/>
-          </p:cNvSpPr>
-          <p:nvPr>
-            <p:ph type="sldImg" idx="2"/>
-          </p:nvPr>
-        </p:nvSpPr>
-        <p:spPr>
-          <a:xfrm>
-            <a:off x="381000" y="685800"/>
-            <a:ext cx="6096000" cy="3429000"/>
-          </a:xfrm>
-          <a:custGeom>
-            <a:avLst/>
-            <a:gdLst/>
-            <a:ahLst/>
-            <a:cxnLst/>
-            <a:rect l="l" t="t" r="r" b="b"/>
-            <a:pathLst>
-              <a:path w="120000" h="120000" extrusionOk="0">
-                <a:moveTo>
-                  <a:pt x="0" y="0"/>
-                </a:moveTo>
-                <a:lnTo>
-                  <a:pt x="120000" y="0"/>
-                </a:lnTo>
-                <a:lnTo>
-                  <a:pt x="120000" y="120000"/>
-                </a:lnTo>
-                <a:lnTo>
-                  <a:pt x="0" y="120000"/>
-                </a:lnTo>
-                <a:close/>
-              </a:path>
-            </a:pathLst>
-          </a:custGeom>
-        </p:spPr>
-      </p:sp>
-      <p:sp>
-        <p:nvSpPr>
-          <p:cNvPr id="2364" name="Google Shape;2364;g806ada915c_0_2506:notes">
-            <a:extLst>
-              <a:ext uri="{FF2B5EF4-FFF2-40B4-BE49-F238E27FC236}">
-                <a16:creationId xmlns:a16="http://schemas.microsoft.com/office/drawing/2014/main" id="{60A9E185-6E87-EABD-E97A-1839E8421821}"/>
-              </a:ext>
-            </a:extLst>
-          </p:cNvPr>
-          <p:cNvSpPr txBox="1">
-            <a:spLocks noGrp="1"/>
-          </p:cNvSpPr>
-          <p:nvPr>
-            <p:ph type="body" idx="1"/>
-          </p:nvPr>
-        </p:nvSpPr>
-        <p:spPr>
-          <a:xfrm>
-            <a:off x="685800" y="4343400"/>
-            <a:ext cx="5486400" cy="4114800"/>
-          </a:xfrm>
-          <a:prstGeom prst="rect">
-            <a:avLst/>
-          </a:prstGeom>
-        </p:spPr>
-        <p:txBody>
-          <a:bodyPr spcFirstLastPara="1" wrap="square" lIns="91425" tIns="91425" rIns="91425" bIns="91425" anchor="t" anchorCtr="0">
-            <a:noAutofit/>
-          </a:bodyPr>
-          <a:lstStyle/>
-          <a:p>
-            <a:pPr marL="0" lvl="0" indent="0" algn="l" rtl="0">
-              <a:spcBef>
-                <a:spcPts val="0"/>
-              </a:spcBef>
-              <a:spcAft>
-                <a:spcPts val="0"/>
-              </a:spcAft>
-              <a:buNone/>
-            </a:pPr>
-            <a:endParaRPr dirty="0"/>
-          </a:p>
-        </p:txBody>
-      </p:sp>
-    </p:spTree>
-    <p:extLst>
-      <p:ext uri="{BB962C8B-B14F-4D97-AF65-F5344CB8AC3E}">
-        <p14:creationId xmlns:p14="http://schemas.microsoft.com/office/powerpoint/2010/main" val="2857337712"/>
-      </p:ext>
-    </p:extLst>
-  </p:cSld>
-  <p:clrMapOvr>
-    <a:masterClrMapping/>
-  </p:clrMapOvr>
-</p:notes>
-</file>
-
-<file path=ppt/notesSlides/notesSlide9.xml><?xml version="1.0" encoding="utf-8"?>
-<p:notes xmlns:a="http://schemas.openxmlformats.org/drawingml/2006/main" xmlns:r="http://schemas.openxmlformats.org/officeDocument/2006/relationships" xmlns:p="http://schemas.openxmlformats.org/presentationml/2006/main" showMasterSp="0" showMasterPhAnim="0">
-  <p:cSld>
-    <p:spTree>
-      <p:nvGrpSpPr>
-        <p:cNvPr id="1" name="Shape 2362">
-          <a:extLst>
-            <a:ext uri="{FF2B5EF4-FFF2-40B4-BE49-F238E27FC236}">
-              <a16:creationId xmlns:a16="http://schemas.microsoft.com/office/drawing/2014/main" id="{2BF50803-4E8C-911E-504A-10EF23C6C76F}"/>
-            </a:ext>
-          </a:extLst>
-        </p:cNvPr>
-        <p:cNvGrpSpPr/>
-        <p:nvPr/>
-      </p:nvGrpSpPr>
-      <p:grpSpPr>
-        <a:xfrm>
-          <a:off x="0" y="0"/>
-          <a:ext cx="0" cy="0"/>
-          <a:chOff x="0" y="0"/>
-          <a:chExt cx="0" cy="0"/>
-        </a:xfrm>
-      </p:grpSpPr>
-      <p:sp>
-        <p:nvSpPr>
-          <p:cNvPr id="2363" name="Google Shape;2363;g806ada915c_0_2506:notes">
-            <a:extLst>
-              <a:ext uri="{FF2B5EF4-FFF2-40B4-BE49-F238E27FC236}">
-                <a16:creationId xmlns:a16="http://schemas.microsoft.com/office/drawing/2014/main" id="{CA060DE4-F20B-FF66-E90B-BC0133631EDB}"/>
-              </a:ext>
-            </a:extLst>
-          </p:cNvPr>
-          <p:cNvSpPr>
-            <a:spLocks noGrp="1" noRot="1" noChangeAspect="1"/>
-          </p:cNvSpPr>
-          <p:nvPr>
-            <p:ph type="sldImg" idx="2"/>
-          </p:nvPr>
-        </p:nvSpPr>
-        <p:spPr>
-          <a:xfrm>
-            <a:off x="381000" y="685800"/>
-            <a:ext cx="6096000" cy="3429000"/>
-          </a:xfrm>
-          <a:custGeom>
-            <a:avLst/>
-            <a:gdLst/>
-            <a:ahLst/>
-            <a:cxnLst/>
-            <a:rect l="l" t="t" r="r" b="b"/>
-            <a:pathLst>
-              <a:path w="120000" h="120000" extrusionOk="0">
-                <a:moveTo>
-                  <a:pt x="0" y="0"/>
-                </a:moveTo>
-                <a:lnTo>
-                  <a:pt x="120000" y="0"/>
-                </a:lnTo>
-                <a:lnTo>
-                  <a:pt x="120000" y="120000"/>
-                </a:lnTo>
-                <a:lnTo>
-                  <a:pt x="0" y="120000"/>
-                </a:lnTo>
-                <a:close/>
-              </a:path>
-            </a:pathLst>
-          </a:custGeom>
-        </p:spPr>
-      </p:sp>
-      <p:sp>
-        <p:nvSpPr>
-          <p:cNvPr id="2364" name="Google Shape;2364;g806ada915c_0_2506:notes">
-            <a:extLst>
-              <a:ext uri="{FF2B5EF4-FFF2-40B4-BE49-F238E27FC236}">
-                <a16:creationId xmlns:a16="http://schemas.microsoft.com/office/drawing/2014/main" id="{4D03E5D5-0219-00AB-F90D-5F2B8E189861}"/>
-              </a:ext>
-            </a:extLst>
-          </p:cNvPr>
-          <p:cNvSpPr txBox="1">
-            <a:spLocks noGrp="1"/>
-          </p:cNvSpPr>
-          <p:nvPr>
-            <p:ph type="body" idx="1"/>
-          </p:nvPr>
-        </p:nvSpPr>
-        <p:spPr>
-          <a:xfrm>
-            <a:off x="685800" y="4343400"/>
-            <a:ext cx="5486400" cy="4114800"/>
-          </a:xfrm>
-          <a:prstGeom prst="rect">
-            <a:avLst/>
-          </a:prstGeom>
-        </p:spPr>
-        <p:txBody>
-          <a:bodyPr spcFirstLastPara="1" wrap="square" lIns="91425" tIns="91425" rIns="91425" bIns="91425" anchor="t" anchorCtr="0">
-            <a:noAutofit/>
-          </a:bodyPr>
-          <a:lstStyle/>
-          <a:p>
-            <a:pPr marL="0" lvl="0" indent="0" algn="l" rtl="0">
-              <a:spcBef>
-                <a:spcPts val="0"/>
-              </a:spcBef>
-              <a:spcAft>
-                <a:spcPts val="0"/>
-              </a:spcAft>
-              <a:buNone/>
-            </a:pPr>
-            <a:endParaRPr dirty="0"/>
-          </a:p>
-        </p:txBody>
-      </p:sp>
-    </p:spTree>
-    <p:extLst>
-      <p:ext uri="{BB962C8B-B14F-4D97-AF65-F5344CB8AC3E}">
-        <p14:creationId xmlns:p14="http://schemas.microsoft.com/office/powerpoint/2010/main" val="4170082904"/>
-      </p:ext>
-    </p:extLst>
-  </p:cSld>
-  <p:clrMapOvr>
-    <a:masterClrMapping/>
-  </p:clrMapOvr>
-</p:notes>
-</file>
-
 <file path=ppt/slideLayouts/slideLayout1.xml><?xml version="1.0" encoding="utf-8"?>
 <p:sldLayout xmlns:a="http://schemas.openxmlformats.org/drawingml/2006/main" xmlns:r="http://schemas.openxmlformats.org/officeDocument/2006/relationships" xmlns:p="http://schemas.openxmlformats.org/presentationml/2006/main" matchingName="One column text" preserve="1" userDrawn="1">
   <p:cSld name="1_One column text">
@@ -2221,7 +2098,10 @@
               </a:spcAft>
               <a:buSzPts val="1200"/>
               <a:buChar char="●"/>
-              <a:defRPr sz="1200"/>
+              <a:defRPr sz="1200">
+                <a:latin typeface="微軟正黑體" panose="020B0604030504040204" pitchFamily="34" charset="-120"/>
+                <a:ea typeface="微軟正黑體" panose="020B0604030504040204" pitchFamily="34" charset="-120"/>
+              </a:defRPr>
             </a:lvl1pPr>
             <a:lvl2pPr marL="914400" lvl="1" indent="-304800">
               <a:spcBef>
@@ -2313,7 +2193,7 @@
             </a:lvl9pPr>
           </a:lstStyle>
           <a:p>
-            <a:endParaRPr/>
+            <a:endParaRPr dirty="0"/>
           </a:p>
         </p:txBody>
       </p:sp>
@@ -2419,10 +2299,17 @@
         <p:spPr/>
         <p:txBody>
           <a:bodyPr/>
-          <a:lstStyle/>
-          <a:p>
-            <a:r>
-              <a:rPr lang="zh-TW" altLang="en-US"/>
+          <a:lstStyle>
+            <a:lvl1pPr>
+              <a:defRPr>
+                <a:latin typeface="微軟正黑體" panose="020B0604030504040204" pitchFamily="34" charset="-120"/>
+                <a:ea typeface="微軟正黑體" panose="020B0604030504040204" pitchFamily="34" charset="-120"/>
+              </a:defRPr>
+            </a:lvl1pPr>
+          </a:lstStyle>
+          <a:p>
+            <a:r>
+              <a:rPr lang="zh-TW" altLang="en-US" dirty="0"/>
               <a:t>按一下以編輯母片標題樣式</a:t>
             </a:r>
           </a:p>
@@ -2477,10 +2364,17 @@
         <p:spPr/>
         <p:txBody>
           <a:bodyPr/>
-          <a:lstStyle/>
-          <a:p>
-            <a:r>
-              <a:rPr lang="zh-TW" altLang="en-US"/>
+          <a:lstStyle>
+            <a:lvl1pPr>
+              <a:defRPr>
+                <a:latin typeface="微軟正黑體" panose="020B0604030504040204" pitchFamily="34" charset="-120"/>
+                <a:ea typeface="微軟正黑體" panose="020B0604030504040204" pitchFamily="34" charset="-120"/>
+              </a:defRPr>
+            </a:lvl1pPr>
+          </a:lstStyle>
+          <a:p>
+            <a:r>
+              <a:rPr lang="zh-TW" altLang="en-US" dirty="0"/>
               <a:t>按一下以編輯母片標題樣式</a:t>
             </a:r>
           </a:p>
@@ -2638,7 +2532,10 @@
               </a:spcAft>
               <a:buSzPts val="5200"/>
               <a:buNone/>
-              <a:defRPr sz="5200"/>
+              <a:defRPr sz="5200">
+                <a:latin typeface="微軟正黑體" panose="020B0604030504040204" pitchFamily="34" charset="-120"/>
+                <a:ea typeface="微軟正黑體" panose="020B0604030504040204" pitchFamily="34" charset="-120"/>
+              </a:defRPr>
             </a:lvl1pPr>
             <a:lvl2pPr lvl="1" algn="ctr">
               <a:spcBef>
@@ -2730,7 +2627,7 @@
             </a:lvl9pPr>
           </a:lstStyle>
           <a:p>
-            <a:endParaRPr/>
+            <a:endParaRPr dirty="0"/>
           </a:p>
         </p:txBody>
       </p:sp>
@@ -2774,6 +2671,8 @@
                 <a:solidFill>
                   <a:schemeClr val="dk1"/>
                 </a:solidFill>
+                <a:latin typeface="微軟正黑體" panose="020B0604030504040204" pitchFamily="34" charset="-120"/>
+                <a:ea typeface="微軟正黑體" panose="020B0604030504040204" pitchFamily="34" charset="-120"/>
               </a:defRPr>
             </a:lvl1pPr>
             <a:lvl2pPr lvl="1" algn="ctr">
@@ -2890,7 +2789,7 @@
             </a:lvl9pPr>
           </a:lstStyle>
           <a:p>
-            <a:endParaRPr/>
+            <a:endParaRPr dirty="0"/>
           </a:p>
         </p:txBody>
       </p:sp>
@@ -2921,8 +2820,8 @@
           <a:lstStyle>
             <a:lvl1pPr>
               <a:defRPr>
-                <a:latin typeface="CMU Sans Serif" panose="02000603000000000000" pitchFamily="2" charset="0"/>
-                <a:cs typeface="CMU Sans Serif" panose="02000603000000000000" pitchFamily="2" charset="0"/>
+                <a:latin typeface="微軟正黑體" panose="020B0604030504040204" pitchFamily="34" charset="-120"/>
+                <a:cs typeface="微軟正黑體" panose="020B0604030504040204" pitchFamily="34" charset="-120"/>
               </a:defRPr>
             </a:lvl1pPr>
           </a:lstStyle>
@@ -2994,7 +2893,10 @@
               </a:spcAft>
               <a:buSzPts val="3600"/>
               <a:buNone/>
-              <a:defRPr sz="3600"/>
+              <a:defRPr sz="3600">
+                <a:latin typeface="微軟正黑體" panose="020B0604030504040204" pitchFamily="34" charset="-120"/>
+                <a:ea typeface="微軟正黑體" panose="020B0604030504040204" pitchFamily="34" charset="-120"/>
+              </a:defRPr>
             </a:lvl1pPr>
             <a:lvl2pPr lvl="1" algn="ctr">
               <a:spcBef>
@@ -3086,7 +2988,7 @@
             </a:lvl9pPr>
           </a:lstStyle>
           <a:p>
-            <a:endParaRPr/>
+            <a:endParaRPr dirty="0"/>
           </a:p>
         </p:txBody>
       </p:sp>
@@ -3231,7 +3133,10 @@
               </a:spcAft>
               <a:buSzPts val="2800"/>
               <a:buNone/>
-              <a:defRPr/>
+              <a:defRPr>
+                <a:latin typeface="微軟正黑體" panose="020B0604030504040204" pitchFamily="34" charset="-120"/>
+                <a:ea typeface="微軟正黑體" panose="020B0604030504040204" pitchFamily="34" charset="-120"/>
+              </a:defRPr>
             </a:lvl1pPr>
             <a:lvl2pPr lvl="1">
               <a:spcBef>
@@ -3323,7 +3228,7 @@
             </a:lvl9pPr>
           </a:lstStyle>
           <a:p>
-            <a:endParaRPr/>
+            <a:endParaRPr dirty="0"/>
           </a:p>
         </p:txBody>
       </p:sp>
@@ -3360,7 +3265,10 @@
               </a:spcAft>
               <a:buSzPts val="1400"/>
               <a:buChar char="●"/>
-              <a:defRPr sz="1400"/>
+              <a:defRPr sz="1400">
+                <a:latin typeface="微軟正黑體" panose="020B0604030504040204" pitchFamily="34" charset="-120"/>
+                <a:ea typeface="微軟正黑體" panose="020B0604030504040204" pitchFamily="34" charset="-120"/>
+              </a:defRPr>
             </a:lvl1pPr>
             <a:lvl2pPr marL="914400" lvl="1" indent="-304800">
               <a:spcBef>
@@ -3452,7 +3360,7 @@
             </a:lvl9pPr>
           </a:lstStyle>
           <a:p>
-            <a:endParaRPr/>
+            <a:endParaRPr dirty="0"/>
           </a:p>
         </p:txBody>
       </p:sp>
@@ -3489,7 +3397,10 @@
               </a:spcAft>
               <a:buSzPts val="1400"/>
               <a:buChar char="●"/>
-              <a:defRPr sz="1400"/>
+              <a:defRPr sz="1400">
+                <a:latin typeface="微軟正黑體" panose="020B0604030504040204" pitchFamily="34" charset="-120"/>
+                <a:ea typeface="微軟正黑體" panose="020B0604030504040204" pitchFamily="34" charset="-120"/>
+              </a:defRPr>
             </a:lvl1pPr>
             <a:lvl2pPr marL="914400" lvl="1" indent="-304800">
               <a:spcBef>
@@ -3581,7 +3492,7 @@
             </a:lvl9pPr>
           </a:lstStyle>
           <a:p>
-            <a:endParaRPr/>
+            <a:endParaRPr dirty="0"/>
           </a:p>
         </p:txBody>
       </p:sp>
@@ -3726,7 +3637,10 @@
               </a:spcAft>
               <a:buSzPts val="4800"/>
               <a:buNone/>
-              <a:defRPr sz="4800"/>
+              <a:defRPr sz="4800">
+                <a:latin typeface="微軟正黑體" panose="020B0604030504040204" pitchFamily="34" charset="-120"/>
+                <a:ea typeface="微軟正黑體" panose="020B0604030504040204" pitchFamily="34" charset="-120"/>
+              </a:defRPr>
             </a:lvl1pPr>
             <a:lvl2pPr lvl="1">
               <a:spcBef>
@@ -3818,7 +3732,7 @@
             </a:lvl9pPr>
           </a:lstStyle>
           <a:p>
-            <a:endParaRPr/>
+            <a:endParaRPr dirty="0"/>
           </a:p>
         </p:txBody>
       </p:sp>
@@ -4003,7 +3917,10 @@
               </a:spcAft>
               <a:buSzPts val="4200"/>
               <a:buNone/>
-              <a:defRPr sz="4200"/>
+              <a:defRPr sz="4200">
+                <a:latin typeface="微軟正黑體" panose="020B0604030504040204" pitchFamily="34" charset="-120"/>
+                <a:ea typeface="微軟正黑體" panose="020B0604030504040204" pitchFamily="34" charset="-120"/>
+              </a:defRPr>
             </a:lvl1pPr>
             <a:lvl2pPr lvl="1" algn="ctr">
               <a:spcBef>
@@ -4095,7 +4012,7 @@
             </a:lvl9pPr>
           </a:lstStyle>
           <a:p>
-            <a:endParaRPr/>
+            <a:endParaRPr dirty="0"/>
           </a:p>
         </p:txBody>
       </p:sp>
@@ -4135,7 +4052,10 @@
               </a:spcAft>
               <a:buSzPts val="2100"/>
               <a:buNone/>
-              <a:defRPr sz="2100"/>
+              <a:defRPr sz="2100">
+                <a:latin typeface="微軟正黑體" panose="020B0604030504040204" pitchFamily="34" charset="-120"/>
+                <a:ea typeface="微軟正黑體" panose="020B0604030504040204" pitchFamily="34" charset="-120"/>
+              </a:defRPr>
             </a:lvl1pPr>
             <a:lvl2pPr lvl="1" algn="ctr">
               <a:lnSpc>
@@ -4251,7 +4171,7 @@
             </a:lvl9pPr>
           </a:lstStyle>
           <a:p>
-            <a:endParaRPr/>
+            <a:endParaRPr dirty="0"/>
           </a:p>
         </p:txBody>
       </p:sp>
@@ -4288,7 +4208,10 @@
               </a:spcAft>
               <a:buSzPts val="1800"/>
               <a:buChar char="●"/>
-              <a:defRPr/>
+              <a:defRPr>
+                <a:latin typeface="微軟正黑體" panose="020B0604030504040204" pitchFamily="34" charset="-120"/>
+                <a:ea typeface="微軟正黑體" panose="020B0604030504040204" pitchFamily="34" charset="-120"/>
+              </a:defRPr>
             </a:lvl1pPr>
             <a:lvl2pPr marL="914400" lvl="1" indent="-317500">
               <a:spcBef>
@@ -4380,7 +4303,7 @@
             </a:lvl9pPr>
           </a:lstStyle>
           <a:p>
-            <a:endParaRPr/>
+            <a:endParaRPr dirty="0"/>
           </a:p>
         </p:txBody>
       </p:sp>
@@ -4528,11 +4451,14 @@
               </a:spcAft>
               <a:buSzPts val="1800"/>
               <a:buNone/>
-              <a:defRPr/>
+              <a:defRPr>
+                <a:latin typeface="微軟正黑體" panose="020B0604030504040204" pitchFamily="34" charset="-120"/>
+                <a:ea typeface="微軟正黑體" panose="020B0604030504040204" pitchFamily="34" charset="-120"/>
+              </a:defRPr>
             </a:lvl1pPr>
           </a:lstStyle>
           <a:p>
-            <a:endParaRPr/>
+            <a:endParaRPr dirty="0"/>
           </a:p>
         </p:txBody>
       </p:sp>
@@ -4677,7 +4603,10 @@
               </a:spcAft>
               <a:buSzPts val="12000"/>
               <a:buNone/>
-              <a:defRPr sz="12000"/>
+              <a:defRPr sz="12000">
+                <a:latin typeface="微軟正黑體" panose="020B0604030504040204" pitchFamily="34" charset="-120"/>
+                <a:ea typeface="微軟正黑體" panose="020B0604030504040204" pitchFamily="34" charset="-120"/>
+              </a:defRPr>
             </a:lvl1pPr>
             <a:lvl2pPr lvl="1" algn="ctr">
               <a:spcBef>
@@ -4770,6 +4699,7 @@
           </a:lstStyle>
           <a:p>
             <a:r>
+              <a:rPr dirty="0"/>
               <a:t>xx%</a:t>
             </a:r>
           </a:p>
@@ -4808,7 +4738,10 @@
               </a:spcAft>
               <a:buSzPts val="1800"/>
               <a:buChar char="●"/>
-              <a:defRPr/>
+              <a:defRPr>
+                <a:latin typeface="微軟正黑體" panose="020B0604030504040204" pitchFamily="34" charset="-120"/>
+                <a:ea typeface="微軟正黑體" panose="020B0604030504040204" pitchFamily="34" charset="-120"/>
+              </a:defRPr>
             </a:lvl1pPr>
             <a:lvl2pPr marL="914400" lvl="1" indent="-317500" algn="ctr">
               <a:spcBef>
@@ -4900,7 +4833,7 @@
             </a:lvl9pPr>
           </a:lstStyle>
           <a:p>
-            <a:endParaRPr/>
+            <a:endParaRPr dirty="0"/>
           </a:p>
         </p:txBody>
       </p:sp>
@@ -5365,7 +5298,7 @@
             </a:lvl9pPr>
           </a:lstStyle>
           <a:p>
-            <a:endParaRPr/>
+            <a:endParaRPr dirty="0"/>
           </a:p>
         </p:txBody>
       </p:sp>
@@ -5633,7 +5566,7 @@
             </a:lvl9pPr>
           </a:lstStyle>
           <a:p>
-            <a:endParaRPr/>
+            <a:endParaRPr dirty="0"/>
           </a:p>
         </p:txBody>
       </p:sp>
@@ -5670,8 +5603,8 @@
                 <a:solidFill>
                   <a:srgbClr val="3D98DE"/>
                 </a:solidFill>
-                <a:latin typeface="CMU Sans Serif" panose="02000603000000000000" pitchFamily="2" charset="0"/>
-                <a:cs typeface="CMU Sans Serif" panose="02000603000000000000" pitchFamily="2" charset="0"/>
+                <a:latin typeface="微軟正黑體" panose="020B0604030504040204" pitchFamily="34" charset="-120"/>
+                <a:cs typeface="微軟正黑體" panose="020B0604030504040204" pitchFamily="34" charset="-120"/>
               </a:defRPr>
             </a:lvl1pPr>
           </a:lstStyle>
@@ -5732,8 +5665,8 @@
           <a:solidFill>
             <a:srgbClr val="000000"/>
           </a:solidFill>
-          <a:latin typeface="Arial"/>
-          <a:ea typeface="Arial"/>
+          <a:latin typeface="微軟正黑體" panose="020B0604030504040204" pitchFamily="34" charset="-120"/>
+          <a:ea typeface="微軟正黑體" panose="020B0604030504040204" pitchFamily="34" charset="-120"/>
           <a:cs typeface="Arial"/>
           <a:sym typeface="Arial"/>
         </a:defRPr>
@@ -5961,8 +5894,8 @@
           <a:solidFill>
             <a:srgbClr val="000000"/>
           </a:solidFill>
-          <a:latin typeface="Arial"/>
-          <a:ea typeface="Arial"/>
+          <a:latin typeface="微軟正黑體" panose="020B0604030504040204" pitchFamily="34" charset="-120"/>
+          <a:ea typeface="微軟正黑體" panose="020B0604030504040204" pitchFamily="34" charset="-120"/>
           <a:cs typeface="Arial"/>
           <a:sym typeface="Arial"/>
         </a:defRPr>
@@ -6530,14 +6463,34 @@
               <a:buSzPts val="2800"/>
             </a:pPr>
             <a:r>
-              <a:rPr lang="en-US" sz="2700" dirty="0">
+              <a:rPr lang="en-US" altLang="zh-TW" sz="2700" dirty="0">
                 <a:solidFill>
                   <a:srgbClr val="3D98DE"/>
                 </a:solidFill>
                 <a:latin typeface="Times New Roman" panose="02020603050405020304" pitchFamily="18" charset="0"/>
                 <a:cs typeface="Times New Roman" panose="02020603050405020304" pitchFamily="18" charset="0"/>
               </a:rPr>
-              <a:t>FAST-Calib and LiDAR Comparison</a:t>
+              <a:t>BLDC</a:t>
+            </a:r>
+            <a:r>
+              <a:rPr lang="zh-TW" altLang="en-US" sz="2700" dirty="0">
+                <a:solidFill>
+                  <a:srgbClr val="3D98DE"/>
+                </a:solidFill>
+                <a:latin typeface="Times New Roman" panose="02020603050405020304" pitchFamily="18" charset="0"/>
+                <a:cs typeface="Times New Roman" panose="02020603050405020304" pitchFamily="18" charset="0"/>
+              </a:rPr>
+              <a:t> </a:t>
+            </a:r>
+            <a:r>
+              <a:rPr lang="en-US" altLang="zh-TW" sz="2700" dirty="0">
+                <a:solidFill>
+                  <a:srgbClr val="3D98DE"/>
+                </a:solidFill>
+                <a:latin typeface="Times New Roman" panose="02020603050405020304" pitchFamily="18" charset="0"/>
+                <a:cs typeface="Times New Roman" panose="02020603050405020304" pitchFamily="18" charset="0"/>
+              </a:rPr>
+              <a:t>Theory Research</a:t>
             </a:r>
             <a:endParaRPr sz="2700" dirty="0">
               <a:solidFill>
@@ -6586,7 +6539,6 @@
             <a:r>
               <a:rPr lang="en-US" altLang="zh-TW" dirty="0">
                 <a:latin typeface="Times New Roman" panose="02020603050405020304" pitchFamily="18" charset="0"/>
-                <a:ea typeface="CMU Sans Serif Medium" panose="02000603000000000000" pitchFamily="2" charset="0"/>
                 <a:cs typeface="Times New Roman" panose="02020603050405020304" pitchFamily="18" charset="0"/>
               </a:rPr>
               <a:t>Presenter: </a:t>
@@ -6594,10 +6546,9 @@
             <a:r>
               <a:rPr lang="en-US" altLang="zh-TW" sz="1600" dirty="0">
                 <a:latin typeface="Times New Roman" panose="02020603050405020304" pitchFamily="18" charset="0"/>
-                <a:ea typeface="CMU Sans Serif Medium" panose="02000603000000000000" pitchFamily="2" charset="0"/>
                 <a:cs typeface="Times New Roman" panose="02020603050405020304" pitchFamily="18" charset="0"/>
               </a:rPr>
-              <a:t>Ting-Yun Chien </a:t>
+              <a:t>Lego Dai</a:t>
             </a:r>
           </a:p>
           <a:p>
@@ -6613,7 +6564,6 @@
             <a:r>
               <a:rPr lang="en-US" altLang="zh-TW" dirty="0">
                 <a:latin typeface="Times New Roman" panose="02020603050405020304" pitchFamily="18" charset="0"/>
-                <a:ea typeface="CMU Sans Serif Medium" panose="02000603000000000000" pitchFamily="2" charset="0"/>
                 <a:cs typeface="Times New Roman" panose="02020603050405020304" pitchFamily="18" charset="0"/>
               </a:rPr>
               <a:t>Advisor: Ping-Lang Yen Ph.D.</a:t>
@@ -6632,15 +6582,13 @@
             <a:r>
               <a:rPr lang="en-US" altLang="zh-TW" dirty="0">
                 <a:latin typeface="Times New Roman" panose="02020603050405020304" pitchFamily="18" charset="0"/>
-                <a:ea typeface="CMU Sans Serif Medium" panose="02000603000000000000" pitchFamily="2" charset="0"/>
                 <a:cs typeface="Times New Roman" panose="02020603050405020304" pitchFamily="18" charset="0"/>
               </a:rPr>
-              <a:t>19</a:t>
+              <a:t>29</a:t>
             </a:r>
             <a:r>
               <a:rPr lang="en-US" altLang="zh-TW" baseline="30000" dirty="0">
                 <a:latin typeface="Times New Roman" panose="02020603050405020304" pitchFamily="18" charset="0"/>
-                <a:ea typeface="CMU Sans Serif Medium" panose="02000603000000000000" pitchFamily="2" charset="0"/>
                 <a:cs typeface="Times New Roman" panose="02020603050405020304" pitchFamily="18" charset="0"/>
               </a:rPr>
               <a:t>th</a:t>
@@ -6648,10 +6596,9 @@
             <a:r>
               <a:rPr lang="en-US" altLang="zh-TW" dirty="0">
                 <a:latin typeface="Times New Roman" panose="02020603050405020304" pitchFamily="18" charset="0"/>
-                <a:ea typeface="CMU Sans Serif Medium" panose="02000603000000000000" pitchFamily="2" charset="0"/>
                 <a:cs typeface="Times New Roman" panose="02020603050405020304" pitchFamily="18" charset="0"/>
               </a:rPr>
-              <a:t> September, 2025, Summer semester</a:t>
+              <a:t> December, 2025, Winter semester</a:t>
             </a:r>
           </a:p>
           <a:p>
@@ -6667,7 +6614,6 @@
             <a:r>
               <a:rPr lang="en-US" altLang="zh-TW" dirty="0">
                 <a:latin typeface="Times New Roman" panose="02020603050405020304" pitchFamily="18" charset="0"/>
-                <a:ea typeface="CMU Sans Serif Medium" panose="02000603000000000000" pitchFamily="2" charset="0"/>
                 <a:cs typeface="Times New Roman" panose="02020603050405020304" pitchFamily="18" charset="0"/>
               </a:rPr>
               <a:t>RMML Meeting</a:t>
@@ -6684,8 +6630,6 @@
               <a:buNone/>
             </a:pPr>
             <a:endParaRPr lang="en-US" altLang="zh-TW" dirty="0">
-              <a:latin typeface="CMU Sans Serif Medium" panose="02000603000000000000" pitchFamily="2" charset="0"/>
-              <a:ea typeface="CMU Sans Serif Medium" panose="02000603000000000000" pitchFamily="2" charset="0"/>
               <a:cs typeface="CMU Sans Serif Medium" panose="02000603000000000000" pitchFamily="2" charset="0"/>
             </a:endParaRPr>
           </a:p>
@@ -6707,7 +6651,7 @@
         </p:nvSpPr>
         <p:spPr>
           <a:xfrm>
-            <a:off x="249" y="3761273"/>
+            <a:off x="33074" y="4380252"/>
             <a:ext cx="3673361" cy="1153627"/>
           </a:xfrm>
           <a:prstGeom prst="rect">
@@ -6956,15 +6900,15 @@
             <a:r>
               <a:rPr lang="en-US" altLang="zh-TW" sz="800" dirty="0">
                 <a:latin typeface="Times New Roman" panose="02020603050405020304" pitchFamily="18" charset="0"/>
-                <a:ea typeface="CMU Sans Serif Medium" panose="02000603000000000000" pitchFamily="2" charset="0"/>
+                <a:ea typeface="微軟正黑體" panose="020B0604030504040204" pitchFamily="34" charset="-120"/>
                 <a:cs typeface="Times New Roman" panose="02020603050405020304" pitchFamily="18" charset="0"/>
               </a:rPr>
-              <a:t>     Ting-Yun Chien is with </a:t>
+              <a:t>     Tzu-Yu Dai is with </a:t>
             </a:r>
             <a:r>
               <a:rPr lang="en-US" altLang="zh-TW" sz="800" dirty="0" err="1">
                 <a:latin typeface="Times New Roman" panose="02020603050405020304" pitchFamily="18" charset="0"/>
-                <a:ea typeface="CMU Sans Serif Medium" panose="02000603000000000000" pitchFamily="2" charset="0"/>
+                <a:ea typeface="微軟正黑體" panose="020B0604030504040204" pitchFamily="34" charset="-120"/>
                 <a:cs typeface="Times New Roman" panose="02020603050405020304" pitchFamily="18" charset="0"/>
               </a:rPr>
               <a:t>Biomechatronics</a:t>
@@ -6972,7 +6916,7 @@
             <a:r>
               <a:rPr lang="en-US" altLang="zh-TW" sz="800" dirty="0">
                 <a:latin typeface="Times New Roman" panose="02020603050405020304" pitchFamily="18" charset="0"/>
-                <a:ea typeface="CMU Sans Serif Medium" panose="02000603000000000000" pitchFamily="2" charset="0"/>
+                <a:ea typeface="微軟正黑體" panose="020B0604030504040204" pitchFamily="34" charset="-120"/>
                 <a:cs typeface="Times New Roman" panose="02020603050405020304" pitchFamily="18" charset="0"/>
               </a:rPr>
               <a:t> Engineering, National Taiwan University, Taipei, Taiwan </a:t>
@@ -6980,15 +6924,15 @@
             <a:r>
               <a:rPr lang="en-US" altLang="zh-TW" sz="800" dirty="0">
                 <a:latin typeface="Times New Roman" panose="02020603050405020304" pitchFamily="18" charset="0"/>
-                <a:ea typeface="CMU Sans Serif Medium" panose="02000603000000000000" pitchFamily="2" charset="0"/>
+                <a:ea typeface="微軟正黑體" panose="020B0604030504040204" pitchFamily="34" charset="-120"/>
                 <a:cs typeface="Times New Roman" panose="02020603050405020304" pitchFamily="18" charset="0"/>
                 <a:hlinkClick r:id="rId3"/>
               </a:rPr>
-              <a:t>b11602057@ntu.edu.tw</a:t>
+              <a:t>b12611017@ntu.edu.tw</a:t>
             </a:r>
             <a:endParaRPr lang="en-US" altLang="zh-TW" sz="800" dirty="0">
               <a:latin typeface="Times New Roman" panose="02020603050405020304" pitchFamily="18" charset="0"/>
-              <a:ea typeface="CMU Sans Serif Medium" panose="02000603000000000000" pitchFamily="2" charset="0"/>
+              <a:ea typeface="微軟正黑體" panose="020B0604030504040204" pitchFamily="34" charset="-120"/>
               <a:cs typeface="Times New Roman" panose="02020603050405020304" pitchFamily="18" charset="0"/>
             </a:endParaRPr>
           </a:p>
@@ -6997,7 +6941,7 @@
             <a:r>
               <a:rPr lang="en-US" altLang="zh-TW" sz="800" dirty="0">
                 <a:latin typeface="Times New Roman" panose="02020603050405020304" pitchFamily="18" charset="0"/>
-                <a:ea typeface="CMU Sans Serif Medium" panose="02000603000000000000" pitchFamily="2" charset="0"/>
+                <a:ea typeface="微軟正黑體" panose="020B0604030504040204" pitchFamily="34" charset="-120"/>
                 <a:cs typeface="Times New Roman" panose="02020603050405020304" pitchFamily="18" charset="0"/>
               </a:rPr>
               <a:t>     Ping-Lang Yen is with </a:t>
@@ -7005,7 +6949,7 @@
             <a:r>
               <a:rPr lang="en-US" altLang="zh-TW" sz="800" dirty="0" err="1">
                 <a:latin typeface="Times New Roman" panose="02020603050405020304" pitchFamily="18" charset="0"/>
-                <a:ea typeface="CMU Sans Serif Medium" panose="02000603000000000000" pitchFamily="2" charset="0"/>
+                <a:ea typeface="微軟正黑體" panose="020B0604030504040204" pitchFamily="34" charset="-120"/>
                 <a:cs typeface="Times New Roman" panose="02020603050405020304" pitchFamily="18" charset="0"/>
               </a:rPr>
               <a:t>Biomechatronics</a:t>
@@ -7013,7 +6957,7 @@
             <a:r>
               <a:rPr lang="en-US" altLang="zh-TW" sz="800" dirty="0">
                 <a:latin typeface="Times New Roman" panose="02020603050405020304" pitchFamily="18" charset="0"/>
-                <a:ea typeface="CMU Sans Serif Medium" panose="02000603000000000000" pitchFamily="2" charset="0"/>
+                <a:ea typeface="微軟正黑體" panose="020B0604030504040204" pitchFamily="34" charset="-120"/>
                 <a:cs typeface="Times New Roman" panose="02020603050405020304" pitchFamily="18" charset="0"/>
               </a:rPr>
               <a:t> Engineering, National Taiwan University, Taipei, Taiwan </a:t>
@@ -7021,7 +6965,7 @@
             <a:r>
               <a:rPr lang="en-US" altLang="zh-TW" sz="800" dirty="0" err="1">
                 <a:latin typeface="Times New Roman" panose="02020603050405020304" pitchFamily="18" charset="0"/>
-                <a:ea typeface="CMU Sans Serif Medium" panose="02000603000000000000" pitchFamily="2" charset="0"/>
+                <a:ea typeface="微軟正黑體" panose="020B0604030504040204" pitchFamily="34" charset="-120"/>
                 <a:cs typeface="Times New Roman" panose="02020603050405020304" pitchFamily="18" charset="0"/>
                 <a:hlinkClick r:id="rId4"/>
               </a:rPr>
@@ -7029,23 +6973,23 @@
             </a:r>
             <a:endParaRPr lang="en-US" altLang="zh-TW" sz="800" dirty="0">
               <a:latin typeface="Times New Roman" panose="02020603050405020304" pitchFamily="18" charset="0"/>
-              <a:ea typeface="CMU Sans Serif Medium" panose="02000603000000000000" pitchFamily="2" charset="0"/>
+              <a:ea typeface="微軟正黑體" panose="020B0604030504040204" pitchFamily="34" charset="-120"/>
               <a:cs typeface="Times New Roman" panose="02020603050405020304" pitchFamily="18" charset="0"/>
             </a:endParaRPr>
           </a:p>
           <a:p>
             <a:pPr marL="0" indent="0"/>
             <a:endParaRPr lang="en-US" altLang="zh-TW" sz="800" dirty="0">
-              <a:latin typeface="CMU Sans Serif Medium" panose="02000603000000000000" pitchFamily="2" charset="0"/>
-              <a:ea typeface="CMU Sans Serif Medium" panose="02000603000000000000" pitchFamily="2" charset="0"/>
+              <a:latin typeface="微軟正黑體" panose="020B0604030504040204" pitchFamily="34" charset="-120"/>
+              <a:ea typeface="微軟正黑體" panose="020B0604030504040204" pitchFamily="34" charset="-120"/>
               <a:cs typeface="CMU Sans Serif Medium" panose="02000603000000000000" pitchFamily="2" charset="0"/>
             </a:endParaRPr>
           </a:p>
           <a:p>
             <a:pPr marL="0" indent="0"/>
             <a:endParaRPr lang="en-US" altLang="zh-TW" sz="800" dirty="0">
-              <a:latin typeface="CMU Sans Serif Medium" panose="02000603000000000000" pitchFamily="2" charset="0"/>
-              <a:ea typeface="CMU Sans Serif Medium" panose="02000603000000000000" pitchFamily="2" charset="0"/>
+              <a:latin typeface="微軟正黑體" panose="020B0604030504040204" pitchFamily="34" charset="-120"/>
+              <a:ea typeface="微軟正黑體" panose="020B0604030504040204" pitchFamily="34" charset="-120"/>
               <a:cs typeface="CMU Sans Serif Medium" panose="02000603000000000000" pitchFamily="2" charset="0"/>
             </a:endParaRPr>
           </a:p>
@@ -7221,1454 +7165,7 @@
 </p:sld>
 </file>
 
-<file path=ppt/slides/slide10.xml><?xml version="1.0" encoding="utf-8"?>
-<p:sld xmlns:a="http://schemas.openxmlformats.org/drawingml/2006/main" xmlns:r="http://schemas.openxmlformats.org/officeDocument/2006/relationships" xmlns:p="http://schemas.openxmlformats.org/presentationml/2006/main">
-  <p:cSld>
-    <p:spTree>
-      <p:nvGrpSpPr>
-        <p:cNvPr id="1" name="Shape 2365">
-          <a:extLst>
-            <a:ext uri="{FF2B5EF4-FFF2-40B4-BE49-F238E27FC236}">
-              <a16:creationId xmlns:a16="http://schemas.microsoft.com/office/drawing/2014/main" id="{1C8E5E33-9BA1-86E3-3FC6-A4831BC596FF}"/>
-            </a:ext>
-          </a:extLst>
-        </p:cNvPr>
-        <p:cNvGrpSpPr/>
-        <p:nvPr/>
-      </p:nvGrpSpPr>
-      <p:grpSpPr>
-        <a:xfrm>
-          <a:off x="0" y="0"/>
-          <a:ext cx="0" cy="0"/>
-          <a:chOff x="0" y="0"/>
-          <a:chExt cx="0" cy="0"/>
-        </a:xfrm>
-      </p:grpSpPr>
-      <p:grpSp>
-        <p:nvGrpSpPr>
-          <p:cNvPr id="4" name="Group 3">
-            <a:extLst>
-              <a:ext uri="{FF2B5EF4-FFF2-40B4-BE49-F238E27FC236}">
-                <a16:creationId xmlns:a16="http://schemas.microsoft.com/office/drawing/2014/main" id="{9E74A7F2-44FA-52D2-C96A-F806A654F056}"/>
-              </a:ext>
-            </a:extLst>
-          </p:cNvPr>
-          <p:cNvGrpSpPr/>
-          <p:nvPr/>
-        </p:nvGrpSpPr>
-        <p:grpSpPr>
-          <a:xfrm>
-            <a:off x="8580151" y="-33900"/>
-            <a:ext cx="588134" cy="5203797"/>
-            <a:chOff x="8580151" y="-33900"/>
-            <a:chExt cx="588134" cy="5203797"/>
-          </a:xfrm>
-        </p:grpSpPr>
-        <p:grpSp>
-          <p:nvGrpSpPr>
-            <p:cNvPr id="5" name="群組 11">
-              <a:extLst>
-                <a:ext uri="{FF2B5EF4-FFF2-40B4-BE49-F238E27FC236}">
-                  <a16:creationId xmlns:a16="http://schemas.microsoft.com/office/drawing/2014/main" id="{6CEDE018-F145-8BA0-11DE-E473D43D121F}"/>
-                </a:ext>
-              </a:extLst>
-            </p:cNvPr>
-            <p:cNvGrpSpPr/>
-            <p:nvPr/>
-          </p:nvGrpSpPr>
-          <p:grpSpPr>
-            <a:xfrm>
-              <a:off x="8596126" y="-33900"/>
-              <a:ext cx="543768" cy="5203797"/>
-              <a:chOff x="8596126" y="-33900"/>
-              <a:chExt cx="543768" cy="5203797"/>
-            </a:xfrm>
-          </p:grpSpPr>
-          <p:sp>
-            <p:nvSpPr>
-              <p:cNvPr id="8" name="Google Shape;57;p15">
-                <a:extLst>
-                  <a:ext uri="{FF2B5EF4-FFF2-40B4-BE49-F238E27FC236}">
-                    <a16:creationId xmlns:a16="http://schemas.microsoft.com/office/drawing/2014/main" id="{4525835B-E741-7390-7438-A9D12E15228B}"/>
-                  </a:ext>
-                </a:extLst>
-              </p:cNvPr>
-              <p:cNvSpPr/>
-              <p:nvPr/>
-            </p:nvSpPr>
-            <p:spPr>
-              <a:xfrm>
-                <a:off x="8599894" y="-33900"/>
-                <a:ext cx="540000" cy="5203797"/>
-              </a:xfrm>
-              <a:custGeom>
-                <a:avLst/>
-                <a:gdLst/>
-                <a:ahLst/>
-                <a:cxnLst/>
-                <a:rect l="l" t="t" r="r" b="b"/>
-                <a:pathLst>
-                  <a:path w="1513" h="166415" extrusionOk="0">
-                    <a:moveTo>
-                      <a:pt x="751" y="1"/>
-                    </a:moveTo>
-                    <a:cubicBezTo>
-                      <a:pt x="346" y="1"/>
-                      <a:pt x="1" y="334"/>
-                      <a:pt x="1" y="751"/>
-                    </a:cubicBezTo>
-                    <a:lnTo>
-                      <a:pt x="1" y="165664"/>
-                    </a:lnTo>
-                    <a:cubicBezTo>
-                      <a:pt x="1" y="166081"/>
-                      <a:pt x="334" y="166414"/>
-                      <a:pt x="751" y="166414"/>
-                    </a:cubicBezTo>
-                    <a:cubicBezTo>
-                      <a:pt x="1167" y="166414"/>
-                      <a:pt x="1513" y="166081"/>
-                      <a:pt x="1513" y="165664"/>
-                    </a:cubicBezTo>
-                    <a:lnTo>
-                      <a:pt x="1513" y="751"/>
-                    </a:lnTo>
-                    <a:cubicBezTo>
-                      <a:pt x="1513" y="334"/>
-                      <a:pt x="1167" y="1"/>
-                      <a:pt x="751" y="1"/>
-                    </a:cubicBezTo>
-                    <a:close/>
-                  </a:path>
-                </a:pathLst>
-              </a:custGeom>
-              <a:solidFill>
-                <a:srgbClr val="C8E4FA"/>
-              </a:solidFill>
-              <a:ln>
-                <a:solidFill>
-                  <a:srgbClr val="C8E4FA"/>
-                </a:solidFill>
-              </a:ln>
-            </p:spPr>
-            <p:txBody>
-              <a:bodyPr spcFirstLastPara="1" wrap="square" lIns="91425" tIns="91425" rIns="91425" bIns="91425" anchor="ctr" anchorCtr="0">
-                <a:noAutofit/>
-              </a:bodyPr>
-              <a:lstStyle/>
-              <a:p>
-                <a:pPr marL="0" lvl="0" indent="0" algn="ctr" rtl="0">
-                  <a:spcBef>
-                    <a:spcPts val="0"/>
-                  </a:spcBef>
-                  <a:spcAft>
-                    <a:spcPts val="0"/>
-                  </a:spcAft>
-                  <a:buNone/>
-                </a:pPr>
-                <a:endParaRPr>
-                  <a:latin typeface="Fira Sans Extra Condensed"/>
-                  <a:ea typeface="Fira Sans Extra Condensed"/>
-                  <a:cs typeface="Fira Sans Extra Condensed"/>
-                  <a:sym typeface="Fira Sans Extra Condensed"/>
-                </a:endParaRPr>
-              </a:p>
-            </p:txBody>
-          </p:sp>
-          <p:pic>
-            <p:nvPicPr>
-              <p:cNvPr id="9" name="圖片 13">
-                <a:extLst>
-                  <a:ext uri="{FF2B5EF4-FFF2-40B4-BE49-F238E27FC236}">
-                    <a16:creationId xmlns:a16="http://schemas.microsoft.com/office/drawing/2014/main" id="{A86DBE65-0398-19E3-4AD2-222DDB80DB01}"/>
-                  </a:ext>
-                </a:extLst>
-              </p:cNvPr>
-              <p:cNvPicPr>
-                <a:picLocks noChangeAspect="1"/>
-              </p:cNvPicPr>
-              <p:nvPr/>
-            </p:nvPicPr>
-            <p:blipFill>
-              <a:blip r:embed="rId3"/>
-              <a:stretch>
-                <a:fillRect/>
-              </a:stretch>
-            </p:blipFill>
-            <p:spPr>
-              <a:xfrm>
-                <a:off x="8596126" y="3858499"/>
-                <a:ext cx="540000" cy="831600"/>
-              </a:xfrm>
-              <a:prstGeom prst="rect">
-                <a:avLst/>
-              </a:prstGeom>
-            </p:spPr>
-          </p:pic>
-        </p:grpSp>
-        <p:pic>
-          <p:nvPicPr>
-            <p:cNvPr id="6" name="圖片 3">
-              <a:extLst>
-                <a:ext uri="{FF2B5EF4-FFF2-40B4-BE49-F238E27FC236}">
-                  <a16:creationId xmlns:a16="http://schemas.microsoft.com/office/drawing/2014/main" id="{284F37B9-6606-02E1-A356-EAC3305213EE}"/>
-                </a:ext>
-              </a:extLst>
-            </p:cNvPr>
-            <p:cNvPicPr>
-              <a:picLocks noChangeAspect="1"/>
-            </p:cNvPicPr>
-            <p:nvPr/>
-          </p:nvPicPr>
-          <p:blipFill>
-            <a:blip r:embed="rId4">
-              <a:clrChange>
-                <a:clrFrom>
-                  <a:srgbClr val="FFFFFF"/>
-                </a:clrFrom>
-                <a:clrTo>
-                  <a:srgbClr val="FFFFFF">
-                    <a:alpha val="0"/>
-                  </a:srgbClr>
-                </a:clrTo>
-              </a:clrChange>
-            </a:blip>
-            <a:stretch>
-              <a:fillRect/>
-            </a:stretch>
-          </p:blipFill>
-          <p:spPr>
-            <a:xfrm>
-              <a:off x="8580151" y="2933598"/>
-              <a:ext cx="588134" cy="394624"/>
-            </a:xfrm>
-            <a:prstGeom prst="rect">
-              <a:avLst/>
-            </a:prstGeom>
-          </p:spPr>
-        </p:pic>
-        <p:pic>
-          <p:nvPicPr>
-            <p:cNvPr id="7" name="圖片 4">
-              <a:extLst>
-                <a:ext uri="{FF2B5EF4-FFF2-40B4-BE49-F238E27FC236}">
-                  <a16:creationId xmlns:a16="http://schemas.microsoft.com/office/drawing/2014/main" id="{688293EB-239C-51F8-2DED-DE52861E9167}"/>
-                </a:ext>
-              </a:extLst>
-            </p:cNvPr>
-            <p:cNvPicPr>
-              <a:picLocks noChangeAspect="1"/>
-            </p:cNvPicPr>
-            <p:nvPr/>
-          </p:nvPicPr>
-          <p:blipFill rotWithShape="1">
-            <a:blip r:embed="rId5" cstate="print">
-              <a:extLst>
-                <a:ext uri="{BEBA8EAE-BF5A-486C-A8C5-ECC9F3942E4B}">
-                  <a14:imgProps xmlns:a14="http://schemas.microsoft.com/office/drawing/2010/main">
-                    <a14:imgLayer r:embed="rId6">
-                      <a14:imgEffect>
-                        <a14:backgroundRemoval t="5816" b="98440" l="368" r="32138">
-                          <a14:foregroundMark x1="12782" y1="67518" x2="12782" y2="67518"/>
-                          <a14:foregroundMark x1="8874" y1="69220" x2="8874" y2="69220"/>
-                          <a14:foregroundMark x1="13609" y1="67092" x2="13609" y2="67092"/>
-                          <a14:foregroundMark x1="14437" y1="64539" x2="14437" y2="64539"/>
-                          <a14:foregroundMark x1="21149" y1="64113" x2="21149" y2="64113"/>
-                          <a14:foregroundMark x1="24598" y1="60851" x2="24598" y2="60851"/>
-                          <a14:foregroundMark x1="26851" y1="70355" x2="26851" y2="70355"/>
-                          <a14:foregroundMark x1="27908" y1="86099" x2="27908" y2="86099"/>
-                          <a14:foregroundMark x1="23264" y1="86383" x2="20920" y2="66383"/>
-                          <a14:foregroundMark x1="25425" y1="76596" x2="18897" y2="58723"/>
-                          <a14:foregroundMark x1="18437" y1="60567" x2="19862" y2="78440"/>
-                          <a14:foregroundMark x1="19632" y1="83121" x2="24828" y2="88936"/>
-                          <a14:foregroundMark x1="25747" y1="93050" x2="30161" y2="63830"/>
-                          <a14:foregroundMark x1="29563" y1="60851" x2="23034" y2="52908"/>
-                          <a14:foregroundMark x1="22115" y1="22270" x2="14529" y2="13191"/>
-                          <a14:foregroundMark x1="15126" y1="19007" x2="11586" y2="25957"/>
-                          <a14:foregroundMark x1="11816" y1="28511" x2="18805" y2="33901"/>
-                          <a14:foregroundMark x1="21287" y1="35319" x2="13103" y2="41560"/>
-                          <a14:foregroundMark x1="11218" y1="44823" x2="15954" y2="49645"/>
-                          <a14:foregroundMark x1="22437" y1="37589" x2="16322" y2="50638"/>
-                          <a14:foregroundMark x1="16184" y1="44823" x2="9333" y2="21560"/>
-                          <a14:foregroundMark x1="11678" y1="58014" x2="3310" y2="77730"/>
-                          <a14:foregroundMark x1="4276" y1="61560" x2="11356" y2="90780"/>
-                          <a14:foregroundMark x1="14161" y1="81986" x2="7448" y2="66383"/>
-                          <a14:foregroundMark x1="9103" y1="54326" x2="2943" y2="59858"/>
-                          <a14:foregroundMark x1="3310" y1="62411" x2="2345" y2="69645"/>
-                          <a14:foregroundMark x1="2345" y1="76170" x2="2943" y2="83121"/>
-                          <a14:foregroundMark x1="5333" y1="86383" x2="8506" y2="91489"/>
-                          <a14:foregroundMark x1="11356" y1="90780" x2="14161" y2="78440"/>
-                          <a14:foregroundMark x1="14529" y1="75177" x2="13333" y2="59007"/>
-                          <a14:foregroundMark x1="15494" y1="14894" x2="10621" y2="21560"/>
-                          <a14:foregroundMark x1="10299" y1="26950" x2="10989" y2="39716"/>
-                          <a14:foregroundMark x1="11586" y1="42695" x2="15816" y2="51064"/>
-                          <a14:foregroundMark x1="23816" y1="55603" x2="20138" y2="62128"/>
-                          <a14:foregroundMark x1="20736" y1="60851" x2="29747" y2="78440"/>
-                          <a14:foregroundMark x1="18069" y1="21135" x2="21563" y2="33050"/>
-                          <a14:foregroundMark x1="21057" y1="44823" x2="17563" y2="49220"/>
-                          <a14:foregroundMark x1="18621" y1="46667" x2="20644" y2="52199"/>
-                          <a14:foregroundMark x1="21057" y1="53617" x2="20920" y2="59858"/>
-                          <a14:foregroundMark x1="7724" y1="49645" x2="4966" y2="53901"/>
-                          <a14:backgroundMark x1="10023" y1="9787" x2="10023" y2="9787"/>
-                          <a14:backgroundMark x1="4506" y1="34610" x2="4506" y2="34610"/>
-                          <a14:backgroundMark x1="28736" y1="31064" x2="28736" y2="31064"/>
-                          <a14:backgroundMark x1="17149" y1="90780" x2="17149" y2="90780"/>
-                          <a14:backgroundMark x1="4368" y1="94043" x2="4368" y2="94043"/>
-                        </a14:backgroundRemoval>
-                      </a14:imgEffect>
-                    </a14:imgLayer>
-                  </a14:imgProps>
-                </a:ext>
-                <a:ext uri="{28A0092B-C50C-407E-A947-70E740481C1C}">
-                  <a14:useLocalDpi xmlns:a14="http://schemas.microsoft.com/office/drawing/2010/main" val="0"/>
-                </a:ext>
-              </a:extLst>
-            </a:blip>
-            <a:srcRect r="67422"/>
-            <a:stretch/>
-          </p:blipFill>
-          <p:spPr>
-            <a:xfrm>
-              <a:off x="8623926" y="3336314"/>
-              <a:ext cx="484400" cy="481957"/>
-            </a:xfrm>
-            <a:prstGeom prst="rect">
-              <a:avLst/>
-            </a:prstGeom>
-          </p:spPr>
-        </p:pic>
-      </p:grpSp>
-      <p:sp>
-        <p:nvSpPr>
-          <p:cNvPr id="2" name="投影片編號版面配置區 1">
-            <a:extLst>
-              <a:ext uri="{FF2B5EF4-FFF2-40B4-BE49-F238E27FC236}">
-                <a16:creationId xmlns:a16="http://schemas.microsoft.com/office/drawing/2014/main" id="{D146A22A-9A3C-6AF6-6AD2-E72000B77929}"/>
-              </a:ext>
-            </a:extLst>
-          </p:cNvPr>
-          <p:cNvSpPr>
-            <a:spLocks noGrp="1"/>
-          </p:cNvSpPr>
-          <p:nvPr>
-            <p:ph type="sldNum" idx="12"/>
-          </p:nvPr>
-        </p:nvSpPr>
-        <p:spPr/>
-        <p:txBody>
-          <a:bodyPr/>
-          <a:lstStyle/>
-          <a:p>
-            <a:fld id="{87E85E0C-F6DF-4C2C-9974-C2547ED92EE1}" type="slidenum">
-              <a:rPr lang="zh-TW" altLang="en-US" smtClean="0"/>
-              <a:t>10</a:t>
-            </a:fld>
-            <a:endParaRPr lang="zh-TW" altLang="en-US" dirty="0"/>
-          </a:p>
-        </p:txBody>
-      </p:sp>
-      <p:sp>
-        <p:nvSpPr>
-          <p:cNvPr id="33" name="文字方塊 32">
-            <a:extLst>
-              <a:ext uri="{FF2B5EF4-FFF2-40B4-BE49-F238E27FC236}">
-                <a16:creationId xmlns:a16="http://schemas.microsoft.com/office/drawing/2014/main" id="{4CFA0D48-5F25-6E91-26B0-8240F60B00F1}"/>
-              </a:ext>
-            </a:extLst>
-          </p:cNvPr>
-          <p:cNvSpPr txBox="1"/>
-          <p:nvPr/>
-        </p:nvSpPr>
-        <p:spPr>
-          <a:xfrm>
-            <a:off x="1691089" y="1967833"/>
-            <a:ext cx="5761822" cy="1200329"/>
-          </a:xfrm>
-          <a:prstGeom prst="rect">
-            <a:avLst/>
-          </a:prstGeom>
-          <a:noFill/>
-        </p:spPr>
-        <p:txBody>
-          <a:bodyPr wrap="square" rtlCol="0">
-            <a:spAutoFit/>
-          </a:bodyPr>
-          <a:lstStyle/>
-          <a:p>
-            <a:r>
-              <a:rPr lang="en-US" altLang="zh-TW" sz="7200" dirty="0">
-                <a:solidFill>
-                  <a:schemeClr val="tx1"/>
-                </a:solidFill>
-                <a:latin typeface="Times New Roman" panose="02020603050405020304" pitchFamily="18" charset="0"/>
-                <a:cs typeface="Times New Roman" panose="02020603050405020304" pitchFamily="18" charset="0"/>
-              </a:rPr>
-              <a:t>THANK YOU</a:t>
-            </a:r>
-            <a:endParaRPr lang="zh-TW" altLang="en-US" sz="7200" dirty="0">
-              <a:solidFill>
-                <a:schemeClr val="tx1"/>
-              </a:solidFill>
-            </a:endParaRPr>
-          </a:p>
-        </p:txBody>
-      </p:sp>
-    </p:spTree>
-    <p:extLst>
-      <p:ext uri="{BB962C8B-B14F-4D97-AF65-F5344CB8AC3E}">
-        <p14:creationId xmlns:p14="http://schemas.microsoft.com/office/powerpoint/2010/main" val="2055964614"/>
-      </p:ext>
-    </p:extLst>
-  </p:cSld>
-  <p:clrMapOvr>
-    <a:masterClrMapping/>
-  </p:clrMapOvr>
-  <mc:AlternateContent xmlns:mc="http://schemas.openxmlformats.org/markup-compatibility/2006" xmlns:p14="http://schemas.microsoft.com/office/powerpoint/2010/main">
-    <mc:Choice Requires="p14">
-      <p:transition spd="slow" p14:dur="2000">
-        <p:cut/>
-      </p:transition>
-    </mc:Choice>
-    <mc:Fallback xmlns="">
-      <p:transition spd="slow">
-        <p:cut/>
-      </p:transition>
-    </mc:Fallback>
-  </mc:AlternateContent>
-</p:sld>
-</file>
-
 <file path=ppt/slides/slide2.xml><?xml version="1.0" encoding="utf-8"?>
-<p:sld xmlns:a="http://schemas.openxmlformats.org/drawingml/2006/main" xmlns:r="http://schemas.openxmlformats.org/officeDocument/2006/relationships" xmlns:p="http://schemas.openxmlformats.org/presentationml/2006/main">
-  <p:cSld>
-    <p:spTree>
-      <p:nvGrpSpPr>
-        <p:cNvPr id="1" name="Shape 2365">
-          <a:extLst>
-            <a:ext uri="{FF2B5EF4-FFF2-40B4-BE49-F238E27FC236}">
-              <a16:creationId xmlns:a16="http://schemas.microsoft.com/office/drawing/2014/main" id="{DCFABA11-CB97-10DC-B2DF-A484D8404174}"/>
-            </a:ext>
-          </a:extLst>
-        </p:cNvPr>
-        <p:cNvGrpSpPr/>
-        <p:nvPr/>
-      </p:nvGrpSpPr>
-      <p:grpSpPr>
-        <a:xfrm>
-          <a:off x="0" y="0"/>
-          <a:ext cx="0" cy="0"/>
-          <a:chOff x="0" y="0"/>
-          <a:chExt cx="0" cy="0"/>
-        </a:xfrm>
-      </p:grpSpPr>
-      <p:grpSp>
-        <p:nvGrpSpPr>
-          <p:cNvPr id="4" name="Group 3">
-            <a:extLst>
-              <a:ext uri="{FF2B5EF4-FFF2-40B4-BE49-F238E27FC236}">
-                <a16:creationId xmlns:a16="http://schemas.microsoft.com/office/drawing/2014/main" id="{32E77E19-A792-3069-0609-C765D0E87EC8}"/>
-              </a:ext>
-            </a:extLst>
-          </p:cNvPr>
-          <p:cNvGrpSpPr/>
-          <p:nvPr/>
-        </p:nvGrpSpPr>
-        <p:grpSpPr>
-          <a:xfrm>
-            <a:off x="8580151" y="-33900"/>
-            <a:ext cx="588134" cy="5203797"/>
-            <a:chOff x="8580151" y="-33900"/>
-            <a:chExt cx="588134" cy="5203797"/>
-          </a:xfrm>
-        </p:grpSpPr>
-        <p:grpSp>
-          <p:nvGrpSpPr>
-            <p:cNvPr id="5" name="群組 11">
-              <a:extLst>
-                <a:ext uri="{FF2B5EF4-FFF2-40B4-BE49-F238E27FC236}">
-                  <a16:creationId xmlns:a16="http://schemas.microsoft.com/office/drawing/2014/main" id="{362C90ED-FBDC-723F-A092-E608043D5888}"/>
-                </a:ext>
-              </a:extLst>
-            </p:cNvPr>
-            <p:cNvGrpSpPr/>
-            <p:nvPr/>
-          </p:nvGrpSpPr>
-          <p:grpSpPr>
-            <a:xfrm>
-              <a:off x="8596126" y="-33900"/>
-              <a:ext cx="543768" cy="5203797"/>
-              <a:chOff x="8596126" y="-33900"/>
-              <a:chExt cx="543768" cy="5203797"/>
-            </a:xfrm>
-          </p:grpSpPr>
-          <p:sp>
-            <p:nvSpPr>
-              <p:cNvPr id="8" name="Google Shape;57;p15">
-                <a:extLst>
-                  <a:ext uri="{FF2B5EF4-FFF2-40B4-BE49-F238E27FC236}">
-                    <a16:creationId xmlns:a16="http://schemas.microsoft.com/office/drawing/2014/main" id="{9E94D909-001F-975F-6855-8C0CA8738073}"/>
-                  </a:ext>
-                </a:extLst>
-              </p:cNvPr>
-              <p:cNvSpPr/>
-              <p:nvPr/>
-            </p:nvSpPr>
-            <p:spPr>
-              <a:xfrm>
-                <a:off x="8599894" y="-33900"/>
-                <a:ext cx="540000" cy="5203797"/>
-              </a:xfrm>
-              <a:custGeom>
-                <a:avLst/>
-                <a:gdLst/>
-                <a:ahLst/>
-                <a:cxnLst/>
-                <a:rect l="l" t="t" r="r" b="b"/>
-                <a:pathLst>
-                  <a:path w="1513" h="166415" extrusionOk="0">
-                    <a:moveTo>
-                      <a:pt x="751" y="1"/>
-                    </a:moveTo>
-                    <a:cubicBezTo>
-                      <a:pt x="346" y="1"/>
-                      <a:pt x="1" y="334"/>
-                      <a:pt x="1" y="751"/>
-                    </a:cubicBezTo>
-                    <a:lnTo>
-                      <a:pt x="1" y="165664"/>
-                    </a:lnTo>
-                    <a:cubicBezTo>
-                      <a:pt x="1" y="166081"/>
-                      <a:pt x="334" y="166414"/>
-                      <a:pt x="751" y="166414"/>
-                    </a:cubicBezTo>
-                    <a:cubicBezTo>
-                      <a:pt x="1167" y="166414"/>
-                      <a:pt x="1513" y="166081"/>
-                      <a:pt x="1513" y="165664"/>
-                    </a:cubicBezTo>
-                    <a:lnTo>
-                      <a:pt x="1513" y="751"/>
-                    </a:lnTo>
-                    <a:cubicBezTo>
-                      <a:pt x="1513" y="334"/>
-                      <a:pt x="1167" y="1"/>
-                      <a:pt x="751" y="1"/>
-                    </a:cubicBezTo>
-                    <a:close/>
-                  </a:path>
-                </a:pathLst>
-              </a:custGeom>
-              <a:solidFill>
-                <a:srgbClr val="C8E4FA"/>
-              </a:solidFill>
-              <a:ln>
-                <a:solidFill>
-                  <a:srgbClr val="C8E4FA"/>
-                </a:solidFill>
-              </a:ln>
-            </p:spPr>
-            <p:txBody>
-              <a:bodyPr spcFirstLastPara="1" wrap="square" lIns="91425" tIns="91425" rIns="91425" bIns="91425" anchor="ctr" anchorCtr="0">
-                <a:noAutofit/>
-              </a:bodyPr>
-              <a:lstStyle/>
-              <a:p>
-                <a:pPr marL="0" lvl="0" indent="0" algn="ctr" rtl="0">
-                  <a:spcBef>
-                    <a:spcPts val="0"/>
-                  </a:spcBef>
-                  <a:spcAft>
-                    <a:spcPts val="0"/>
-                  </a:spcAft>
-                  <a:buNone/>
-                </a:pPr>
-                <a:endParaRPr>
-                  <a:latin typeface="Fira Sans Extra Condensed"/>
-                  <a:ea typeface="Fira Sans Extra Condensed"/>
-                  <a:cs typeface="Fira Sans Extra Condensed"/>
-                  <a:sym typeface="Fira Sans Extra Condensed"/>
-                </a:endParaRPr>
-              </a:p>
-            </p:txBody>
-          </p:sp>
-          <p:pic>
-            <p:nvPicPr>
-              <p:cNvPr id="9" name="圖片 13">
-                <a:extLst>
-                  <a:ext uri="{FF2B5EF4-FFF2-40B4-BE49-F238E27FC236}">
-                    <a16:creationId xmlns:a16="http://schemas.microsoft.com/office/drawing/2014/main" id="{BE275D26-CF11-3353-DE00-9F29DAAAD57B}"/>
-                  </a:ext>
-                </a:extLst>
-              </p:cNvPr>
-              <p:cNvPicPr>
-                <a:picLocks noChangeAspect="1"/>
-              </p:cNvPicPr>
-              <p:nvPr/>
-            </p:nvPicPr>
-            <p:blipFill>
-              <a:blip r:embed="rId3"/>
-              <a:stretch>
-                <a:fillRect/>
-              </a:stretch>
-            </p:blipFill>
-            <p:spPr>
-              <a:xfrm>
-                <a:off x="8596126" y="3858499"/>
-                <a:ext cx="540000" cy="831600"/>
-              </a:xfrm>
-              <a:prstGeom prst="rect">
-                <a:avLst/>
-              </a:prstGeom>
-            </p:spPr>
-          </p:pic>
-        </p:grpSp>
-        <p:pic>
-          <p:nvPicPr>
-            <p:cNvPr id="6" name="圖片 3">
-              <a:extLst>
-                <a:ext uri="{FF2B5EF4-FFF2-40B4-BE49-F238E27FC236}">
-                  <a16:creationId xmlns:a16="http://schemas.microsoft.com/office/drawing/2014/main" id="{6AC121C9-0053-7485-E4AB-0C8A7A7C4101}"/>
-                </a:ext>
-              </a:extLst>
-            </p:cNvPr>
-            <p:cNvPicPr>
-              <a:picLocks noChangeAspect="1"/>
-            </p:cNvPicPr>
-            <p:nvPr/>
-          </p:nvPicPr>
-          <p:blipFill>
-            <a:blip r:embed="rId4">
-              <a:clrChange>
-                <a:clrFrom>
-                  <a:srgbClr val="FFFFFF"/>
-                </a:clrFrom>
-                <a:clrTo>
-                  <a:srgbClr val="FFFFFF">
-                    <a:alpha val="0"/>
-                  </a:srgbClr>
-                </a:clrTo>
-              </a:clrChange>
-            </a:blip>
-            <a:stretch>
-              <a:fillRect/>
-            </a:stretch>
-          </p:blipFill>
-          <p:spPr>
-            <a:xfrm>
-              <a:off x="8580151" y="2933598"/>
-              <a:ext cx="588134" cy="394624"/>
-            </a:xfrm>
-            <a:prstGeom prst="rect">
-              <a:avLst/>
-            </a:prstGeom>
-          </p:spPr>
-        </p:pic>
-        <p:pic>
-          <p:nvPicPr>
-            <p:cNvPr id="7" name="圖片 4">
-              <a:extLst>
-                <a:ext uri="{FF2B5EF4-FFF2-40B4-BE49-F238E27FC236}">
-                  <a16:creationId xmlns:a16="http://schemas.microsoft.com/office/drawing/2014/main" id="{CC2EC67C-AF46-13B2-112D-4044CFA101E4}"/>
-                </a:ext>
-              </a:extLst>
-            </p:cNvPr>
-            <p:cNvPicPr>
-              <a:picLocks noChangeAspect="1"/>
-            </p:cNvPicPr>
-            <p:nvPr/>
-          </p:nvPicPr>
-          <p:blipFill rotWithShape="1">
-            <a:blip r:embed="rId5" cstate="print">
-              <a:extLst>
-                <a:ext uri="{BEBA8EAE-BF5A-486C-A8C5-ECC9F3942E4B}">
-                  <a14:imgProps xmlns:a14="http://schemas.microsoft.com/office/drawing/2010/main">
-                    <a14:imgLayer r:embed="rId6">
-                      <a14:imgEffect>
-                        <a14:backgroundRemoval t="5816" b="98440" l="368" r="32138">
-                          <a14:foregroundMark x1="12782" y1="67518" x2="12782" y2="67518"/>
-                          <a14:foregroundMark x1="8874" y1="69220" x2="8874" y2="69220"/>
-                          <a14:foregroundMark x1="13609" y1="67092" x2="13609" y2="67092"/>
-                          <a14:foregroundMark x1="14437" y1="64539" x2="14437" y2="64539"/>
-                          <a14:foregroundMark x1="21149" y1="64113" x2="21149" y2="64113"/>
-                          <a14:foregroundMark x1="24598" y1="60851" x2="24598" y2="60851"/>
-                          <a14:foregroundMark x1="26851" y1="70355" x2="26851" y2="70355"/>
-                          <a14:foregroundMark x1="27908" y1="86099" x2="27908" y2="86099"/>
-                          <a14:foregroundMark x1="23264" y1="86383" x2="20920" y2="66383"/>
-                          <a14:foregroundMark x1="25425" y1="76596" x2="18897" y2="58723"/>
-                          <a14:foregroundMark x1="18437" y1="60567" x2="19862" y2="78440"/>
-                          <a14:foregroundMark x1="19632" y1="83121" x2="24828" y2="88936"/>
-                          <a14:foregroundMark x1="25747" y1="93050" x2="30161" y2="63830"/>
-                          <a14:foregroundMark x1="29563" y1="60851" x2="23034" y2="52908"/>
-                          <a14:foregroundMark x1="22115" y1="22270" x2="14529" y2="13191"/>
-                          <a14:foregroundMark x1="15126" y1="19007" x2="11586" y2="25957"/>
-                          <a14:foregroundMark x1="11816" y1="28511" x2="18805" y2="33901"/>
-                          <a14:foregroundMark x1="21287" y1="35319" x2="13103" y2="41560"/>
-                          <a14:foregroundMark x1="11218" y1="44823" x2="15954" y2="49645"/>
-                          <a14:foregroundMark x1="22437" y1="37589" x2="16322" y2="50638"/>
-                          <a14:foregroundMark x1="16184" y1="44823" x2="9333" y2="21560"/>
-                          <a14:foregroundMark x1="11678" y1="58014" x2="3310" y2="77730"/>
-                          <a14:foregroundMark x1="4276" y1="61560" x2="11356" y2="90780"/>
-                          <a14:foregroundMark x1="14161" y1="81986" x2="7448" y2="66383"/>
-                          <a14:foregroundMark x1="9103" y1="54326" x2="2943" y2="59858"/>
-                          <a14:foregroundMark x1="3310" y1="62411" x2="2345" y2="69645"/>
-                          <a14:foregroundMark x1="2345" y1="76170" x2="2943" y2="83121"/>
-                          <a14:foregroundMark x1="5333" y1="86383" x2="8506" y2="91489"/>
-                          <a14:foregroundMark x1="11356" y1="90780" x2="14161" y2="78440"/>
-                          <a14:foregroundMark x1="14529" y1="75177" x2="13333" y2="59007"/>
-                          <a14:foregroundMark x1="15494" y1="14894" x2="10621" y2="21560"/>
-                          <a14:foregroundMark x1="10299" y1="26950" x2="10989" y2="39716"/>
-                          <a14:foregroundMark x1="11586" y1="42695" x2="15816" y2="51064"/>
-                          <a14:foregroundMark x1="23816" y1="55603" x2="20138" y2="62128"/>
-                          <a14:foregroundMark x1="20736" y1="60851" x2="29747" y2="78440"/>
-                          <a14:foregroundMark x1="18069" y1="21135" x2="21563" y2="33050"/>
-                          <a14:foregroundMark x1="21057" y1="44823" x2="17563" y2="49220"/>
-                          <a14:foregroundMark x1="18621" y1="46667" x2="20644" y2="52199"/>
-                          <a14:foregroundMark x1="21057" y1="53617" x2="20920" y2="59858"/>
-                          <a14:foregroundMark x1="7724" y1="49645" x2="4966" y2="53901"/>
-                          <a14:backgroundMark x1="10023" y1="9787" x2="10023" y2="9787"/>
-                          <a14:backgroundMark x1="4506" y1="34610" x2="4506" y2="34610"/>
-                          <a14:backgroundMark x1="28736" y1="31064" x2="28736" y2="31064"/>
-                          <a14:backgroundMark x1="17149" y1="90780" x2="17149" y2="90780"/>
-                          <a14:backgroundMark x1="4368" y1="94043" x2="4368" y2="94043"/>
-                        </a14:backgroundRemoval>
-                      </a14:imgEffect>
-                    </a14:imgLayer>
-                  </a14:imgProps>
-                </a:ext>
-                <a:ext uri="{28A0092B-C50C-407E-A947-70E740481C1C}">
-                  <a14:useLocalDpi xmlns:a14="http://schemas.microsoft.com/office/drawing/2010/main" val="0"/>
-                </a:ext>
-              </a:extLst>
-            </a:blip>
-            <a:srcRect r="67422"/>
-            <a:stretch/>
-          </p:blipFill>
-          <p:spPr>
-            <a:xfrm>
-              <a:off x="8623926" y="3336314"/>
-              <a:ext cx="484400" cy="481957"/>
-            </a:xfrm>
-            <a:prstGeom prst="rect">
-              <a:avLst/>
-            </a:prstGeom>
-          </p:spPr>
-        </p:pic>
-      </p:grpSp>
-      <p:sp>
-        <p:nvSpPr>
-          <p:cNvPr id="2" name="投影片編號版面配置區 1">
-            <a:extLst>
-              <a:ext uri="{FF2B5EF4-FFF2-40B4-BE49-F238E27FC236}">
-                <a16:creationId xmlns:a16="http://schemas.microsoft.com/office/drawing/2014/main" id="{4ECBB46C-4FD2-5E27-5975-777A8E619649}"/>
-              </a:ext>
-            </a:extLst>
-          </p:cNvPr>
-          <p:cNvSpPr>
-            <a:spLocks noGrp="1"/>
-          </p:cNvSpPr>
-          <p:nvPr>
-            <p:ph type="sldNum" idx="12"/>
-          </p:nvPr>
-        </p:nvSpPr>
-        <p:spPr/>
-        <p:txBody>
-          <a:bodyPr/>
-          <a:lstStyle/>
-          <a:p>
-            <a:fld id="{87E85E0C-F6DF-4C2C-9974-C2547ED92EE1}" type="slidenum">
-              <a:rPr lang="zh-TW" altLang="en-US" smtClean="0"/>
-              <a:t>2</a:t>
-            </a:fld>
-            <a:endParaRPr lang="zh-TW" altLang="en-US" dirty="0"/>
-          </a:p>
-        </p:txBody>
-      </p:sp>
-      <p:sp>
-        <p:nvSpPr>
-          <p:cNvPr id="11" name="Google Shape;2366;p43">
-            <a:extLst>
-              <a:ext uri="{FF2B5EF4-FFF2-40B4-BE49-F238E27FC236}">
-                <a16:creationId xmlns:a16="http://schemas.microsoft.com/office/drawing/2014/main" id="{262FEBC9-31CC-02EC-3F04-52CE392E2DFD}"/>
-              </a:ext>
-            </a:extLst>
-          </p:cNvPr>
-          <p:cNvSpPr txBox="1">
-            <a:spLocks noGrp="1"/>
-          </p:cNvSpPr>
-          <p:nvPr>
-            <p:ph type="title"/>
-          </p:nvPr>
-        </p:nvSpPr>
-        <p:spPr>
-          <a:xfrm>
-            <a:off x="175220" y="212801"/>
-            <a:ext cx="8793560" cy="481200"/>
-          </a:xfrm>
-          <a:prstGeom prst="rect">
-            <a:avLst/>
-          </a:prstGeom>
-        </p:spPr>
-        <p:txBody>
-          <a:bodyPr spcFirstLastPara="1" wrap="square" lIns="91425" tIns="91425" rIns="91425" bIns="91425" anchor="ctr" anchorCtr="0">
-            <a:noAutofit/>
-          </a:bodyPr>
-          <a:lstStyle/>
-          <a:p>
-            <a:pPr lvl="0"/>
-            <a:r>
-              <a:rPr lang="en-US" altLang="zh-TW" sz="2400" dirty="0">
-                <a:solidFill>
-                  <a:srgbClr val="3D98DE"/>
-                </a:solidFill>
-                <a:latin typeface="Times New Roman" panose="02020603050405020304" pitchFamily="18" charset="0"/>
-                <a:cs typeface="Times New Roman" panose="02020603050405020304" pitchFamily="18" charset="0"/>
-              </a:rPr>
-              <a:t>Outline</a:t>
-            </a:r>
-            <a:endParaRPr sz="2400" baseline="30000" dirty="0">
-              <a:solidFill>
-                <a:srgbClr val="3D98DE"/>
-              </a:solidFill>
-              <a:latin typeface="Times New Roman" panose="02020603050405020304" pitchFamily="18" charset="0"/>
-              <a:cs typeface="Times New Roman" panose="02020603050405020304" pitchFamily="18" charset="0"/>
-            </a:endParaRPr>
-          </a:p>
-        </p:txBody>
-      </p:sp>
-      <p:sp>
-        <p:nvSpPr>
-          <p:cNvPr id="10" name="文字版面配置區 2">
-            <a:extLst>
-              <a:ext uri="{FF2B5EF4-FFF2-40B4-BE49-F238E27FC236}">
-                <a16:creationId xmlns:a16="http://schemas.microsoft.com/office/drawing/2014/main" id="{3F2030E5-1E74-9850-C247-D7FBC48DBF10}"/>
-              </a:ext>
-            </a:extLst>
-          </p:cNvPr>
-          <p:cNvSpPr txBox="1">
-            <a:spLocks/>
-          </p:cNvSpPr>
-          <p:nvPr/>
-        </p:nvSpPr>
-        <p:spPr>
-          <a:xfrm>
-            <a:off x="236422" y="766600"/>
-            <a:ext cx="8047399" cy="3978725"/>
-          </a:xfrm>
-          <a:prstGeom prst="rect">
-            <a:avLst/>
-          </a:prstGeom>
-          <a:noFill/>
-          <a:ln>
-            <a:noFill/>
-          </a:ln>
-        </p:spPr>
-        <p:txBody>
-          <a:bodyPr spcFirstLastPara="1" wrap="square" lIns="91425" tIns="91425" rIns="91425" bIns="91425" anchor="t" anchorCtr="0">
-            <a:noAutofit/>
-          </a:bodyPr>
-          <a:lstStyle>
-            <a:defPPr marR="0" lvl="0" algn="l" rtl="0">
-              <a:lnSpc>
-                <a:spcPct val="100000"/>
-              </a:lnSpc>
-              <a:spcBef>
-                <a:spcPts val="0"/>
-              </a:spcBef>
-              <a:spcAft>
-                <a:spcPts val="0"/>
-              </a:spcAft>
-            </a:defPPr>
-            <a:lvl1pPr marL="457200" marR="0" lvl="0" indent="-304800" algn="l" rtl="0">
-              <a:lnSpc>
-                <a:spcPct val="115000"/>
-              </a:lnSpc>
-              <a:spcBef>
-                <a:spcPts val="0"/>
-              </a:spcBef>
-              <a:spcAft>
-                <a:spcPts val="0"/>
-              </a:spcAft>
-              <a:buClr>
-                <a:srgbClr val="434343"/>
-              </a:buClr>
-              <a:buSzPts val="1200"/>
-              <a:buFont typeface="Roboto"/>
-              <a:buChar char="●"/>
-              <a:defRPr sz="1200" b="0" i="0" u="none" strike="noStrike" cap="none">
-                <a:solidFill>
-                  <a:srgbClr val="434343"/>
-                </a:solidFill>
-                <a:latin typeface="Roboto"/>
-                <a:ea typeface="Roboto"/>
-                <a:cs typeface="Roboto"/>
-                <a:sym typeface="Roboto"/>
-              </a:defRPr>
-            </a:lvl1pPr>
-            <a:lvl2pPr marL="914400" marR="0" lvl="1" indent="-304800" algn="l" rtl="0">
-              <a:lnSpc>
-                <a:spcPct val="115000"/>
-              </a:lnSpc>
-              <a:spcBef>
-                <a:spcPts val="1600"/>
-              </a:spcBef>
-              <a:spcAft>
-                <a:spcPts val="0"/>
-              </a:spcAft>
-              <a:buClr>
-                <a:srgbClr val="434343"/>
-              </a:buClr>
-              <a:buSzPts val="1200"/>
-              <a:buFont typeface="Roboto"/>
-              <a:buChar char="○"/>
-              <a:defRPr sz="1200" b="0" i="0" u="none" strike="noStrike" cap="none">
-                <a:solidFill>
-                  <a:srgbClr val="434343"/>
-                </a:solidFill>
-                <a:latin typeface="Roboto"/>
-                <a:ea typeface="Roboto"/>
-                <a:cs typeface="Roboto"/>
-                <a:sym typeface="Roboto"/>
-              </a:defRPr>
-            </a:lvl2pPr>
-            <a:lvl3pPr marL="1371600" marR="0" lvl="2" indent="-304800" algn="l" rtl="0">
-              <a:lnSpc>
-                <a:spcPct val="115000"/>
-              </a:lnSpc>
-              <a:spcBef>
-                <a:spcPts val="1600"/>
-              </a:spcBef>
-              <a:spcAft>
-                <a:spcPts val="0"/>
-              </a:spcAft>
-              <a:buClr>
-                <a:srgbClr val="434343"/>
-              </a:buClr>
-              <a:buSzPts val="1200"/>
-              <a:buFont typeface="Roboto"/>
-              <a:buChar char="■"/>
-              <a:defRPr sz="1200" b="0" i="0" u="none" strike="noStrike" cap="none">
-                <a:solidFill>
-                  <a:srgbClr val="434343"/>
-                </a:solidFill>
-                <a:latin typeface="Roboto"/>
-                <a:ea typeface="Roboto"/>
-                <a:cs typeface="Roboto"/>
-                <a:sym typeface="Roboto"/>
-              </a:defRPr>
-            </a:lvl3pPr>
-            <a:lvl4pPr marL="1828800" marR="0" lvl="3" indent="-304800" algn="l" rtl="0">
-              <a:lnSpc>
-                <a:spcPct val="115000"/>
-              </a:lnSpc>
-              <a:spcBef>
-                <a:spcPts val="1600"/>
-              </a:spcBef>
-              <a:spcAft>
-                <a:spcPts val="0"/>
-              </a:spcAft>
-              <a:buClr>
-                <a:srgbClr val="434343"/>
-              </a:buClr>
-              <a:buSzPts val="1200"/>
-              <a:buFont typeface="Roboto"/>
-              <a:buChar char="●"/>
-              <a:defRPr sz="1200" b="0" i="0" u="none" strike="noStrike" cap="none">
-                <a:solidFill>
-                  <a:srgbClr val="434343"/>
-                </a:solidFill>
-                <a:latin typeface="Roboto"/>
-                <a:ea typeface="Roboto"/>
-                <a:cs typeface="Roboto"/>
-                <a:sym typeface="Roboto"/>
-              </a:defRPr>
-            </a:lvl4pPr>
-            <a:lvl5pPr marL="2286000" marR="0" lvl="4" indent="-304800" algn="l" rtl="0">
-              <a:lnSpc>
-                <a:spcPct val="115000"/>
-              </a:lnSpc>
-              <a:spcBef>
-                <a:spcPts val="1600"/>
-              </a:spcBef>
-              <a:spcAft>
-                <a:spcPts val="0"/>
-              </a:spcAft>
-              <a:buClr>
-                <a:srgbClr val="434343"/>
-              </a:buClr>
-              <a:buSzPts val="1200"/>
-              <a:buFont typeface="Roboto"/>
-              <a:buChar char="○"/>
-              <a:defRPr sz="1200" b="0" i="0" u="none" strike="noStrike" cap="none">
-                <a:solidFill>
-                  <a:srgbClr val="434343"/>
-                </a:solidFill>
-                <a:latin typeface="Roboto"/>
-                <a:ea typeface="Roboto"/>
-                <a:cs typeface="Roboto"/>
-                <a:sym typeface="Roboto"/>
-              </a:defRPr>
-            </a:lvl5pPr>
-            <a:lvl6pPr marL="2743200" marR="0" lvl="5" indent="-304800" algn="l" rtl="0">
-              <a:lnSpc>
-                <a:spcPct val="115000"/>
-              </a:lnSpc>
-              <a:spcBef>
-                <a:spcPts val="1600"/>
-              </a:spcBef>
-              <a:spcAft>
-                <a:spcPts val="0"/>
-              </a:spcAft>
-              <a:buClr>
-                <a:srgbClr val="434343"/>
-              </a:buClr>
-              <a:buSzPts val="1200"/>
-              <a:buFont typeface="Roboto"/>
-              <a:buChar char="■"/>
-              <a:defRPr sz="1200" b="0" i="0" u="none" strike="noStrike" cap="none">
-                <a:solidFill>
-                  <a:srgbClr val="434343"/>
-                </a:solidFill>
-                <a:latin typeface="Roboto"/>
-                <a:ea typeface="Roboto"/>
-                <a:cs typeface="Roboto"/>
-                <a:sym typeface="Roboto"/>
-              </a:defRPr>
-            </a:lvl6pPr>
-            <a:lvl7pPr marL="3200400" marR="0" lvl="6" indent="-304800" algn="l" rtl="0">
-              <a:lnSpc>
-                <a:spcPct val="115000"/>
-              </a:lnSpc>
-              <a:spcBef>
-                <a:spcPts val="1600"/>
-              </a:spcBef>
-              <a:spcAft>
-                <a:spcPts val="0"/>
-              </a:spcAft>
-              <a:buClr>
-                <a:srgbClr val="434343"/>
-              </a:buClr>
-              <a:buSzPts val="1200"/>
-              <a:buFont typeface="Roboto"/>
-              <a:buChar char="●"/>
-              <a:defRPr sz="1200" b="0" i="0" u="none" strike="noStrike" cap="none">
-                <a:solidFill>
-                  <a:srgbClr val="434343"/>
-                </a:solidFill>
-                <a:latin typeface="Roboto"/>
-                <a:ea typeface="Roboto"/>
-                <a:cs typeface="Roboto"/>
-                <a:sym typeface="Roboto"/>
-              </a:defRPr>
-            </a:lvl7pPr>
-            <a:lvl8pPr marL="3657600" marR="0" lvl="7" indent="-304800" algn="l" rtl="0">
-              <a:lnSpc>
-                <a:spcPct val="115000"/>
-              </a:lnSpc>
-              <a:spcBef>
-                <a:spcPts val="1600"/>
-              </a:spcBef>
-              <a:spcAft>
-                <a:spcPts val="0"/>
-              </a:spcAft>
-              <a:buClr>
-                <a:srgbClr val="434343"/>
-              </a:buClr>
-              <a:buSzPts val="1200"/>
-              <a:buFont typeface="Roboto"/>
-              <a:buChar char="○"/>
-              <a:defRPr sz="1200" b="0" i="0" u="none" strike="noStrike" cap="none">
-                <a:solidFill>
-                  <a:srgbClr val="434343"/>
-                </a:solidFill>
-                <a:latin typeface="Roboto"/>
-                <a:ea typeface="Roboto"/>
-                <a:cs typeface="Roboto"/>
-                <a:sym typeface="Roboto"/>
-              </a:defRPr>
-            </a:lvl8pPr>
-            <a:lvl9pPr marL="4114800" marR="0" lvl="8" indent="-304800" algn="l" rtl="0">
-              <a:lnSpc>
-                <a:spcPct val="115000"/>
-              </a:lnSpc>
-              <a:spcBef>
-                <a:spcPts val="1600"/>
-              </a:spcBef>
-              <a:spcAft>
-                <a:spcPts val="1600"/>
-              </a:spcAft>
-              <a:buClr>
-                <a:srgbClr val="434343"/>
-              </a:buClr>
-              <a:buSzPts val="1200"/>
-              <a:buFont typeface="Roboto"/>
-              <a:buChar char="■"/>
-              <a:defRPr sz="1200" b="0" i="0" u="none" strike="noStrike" cap="none">
-                <a:solidFill>
-                  <a:srgbClr val="434343"/>
-                </a:solidFill>
-                <a:latin typeface="Roboto"/>
-                <a:ea typeface="Roboto"/>
-                <a:cs typeface="Roboto"/>
-                <a:sym typeface="Roboto"/>
-              </a:defRPr>
-            </a:lvl9pPr>
-          </a:lstStyle>
-          <a:p>
-            <a:pPr indent="-342900">
-              <a:buClr>
-                <a:srgbClr val="3D98DE"/>
-              </a:buClr>
-              <a:buFont typeface="Wingdings" panose="05000000000000000000" pitchFamily="2" charset="2"/>
-              <a:buChar char="l"/>
-            </a:pPr>
-            <a:r>
-              <a:rPr lang="en-US" altLang="zh-TW" sz="1400" dirty="0">
-                <a:solidFill>
-                  <a:schemeClr val="tx1"/>
-                </a:solidFill>
-                <a:latin typeface="Times New Roman" panose="02020603050405020304" pitchFamily="18" charset="0"/>
-                <a:cs typeface="Times New Roman" panose="02020603050405020304" pitchFamily="18" charset="0"/>
-              </a:rPr>
-              <a:t>Intrinsic Calibration</a:t>
-            </a:r>
-          </a:p>
-          <a:p>
-            <a:pPr indent="-342900">
-              <a:buClr>
-                <a:srgbClr val="3D98DE"/>
-              </a:buClr>
-              <a:buFont typeface="Wingdings" panose="05000000000000000000" pitchFamily="2" charset="2"/>
-              <a:buChar char="l"/>
-            </a:pPr>
-            <a:r>
-              <a:rPr lang="en-US" altLang="zh-TW" sz="1400" dirty="0">
-                <a:solidFill>
-                  <a:schemeClr val="tx1"/>
-                </a:solidFill>
-                <a:latin typeface="Times New Roman" panose="02020603050405020304" pitchFamily="18" charset="0"/>
-                <a:cs typeface="Times New Roman" panose="02020603050405020304" pitchFamily="18" charset="0"/>
-              </a:rPr>
-              <a:t>FAST-Calib</a:t>
-            </a:r>
-          </a:p>
-          <a:p>
-            <a:pPr indent="-342900">
-              <a:buClr>
-                <a:srgbClr val="3D98DE"/>
-              </a:buClr>
-              <a:buFont typeface="Wingdings" panose="05000000000000000000" pitchFamily="2" charset="2"/>
-              <a:buChar char="l"/>
-            </a:pPr>
-            <a:r>
-              <a:rPr lang="en-US" altLang="zh-TW" sz="1400" dirty="0">
-                <a:solidFill>
-                  <a:schemeClr val="tx1"/>
-                </a:solidFill>
-                <a:latin typeface="Times New Roman" panose="02020603050405020304" pitchFamily="18" charset="0"/>
-                <a:ea typeface="CMU Sans Serif Medium" panose="02000603000000000000" pitchFamily="2" charset="0"/>
-                <a:cs typeface="Times New Roman" panose="02020603050405020304" pitchFamily="18" charset="0"/>
-              </a:rPr>
-              <a:t>LiDAR Comparison</a:t>
-            </a:r>
-          </a:p>
-          <a:p>
-            <a:pPr indent="-342900">
-              <a:buClr>
-                <a:srgbClr val="3D98DE"/>
-              </a:buClr>
-              <a:buFont typeface="Wingdings" panose="05000000000000000000" pitchFamily="2" charset="2"/>
-              <a:buChar char="l"/>
-            </a:pPr>
-            <a:r>
-              <a:rPr lang="en-US" altLang="zh-TW" sz="1400" dirty="0">
-                <a:solidFill>
-                  <a:schemeClr val="tx1"/>
-                </a:solidFill>
-                <a:latin typeface="Times New Roman" panose="02020603050405020304" pitchFamily="18" charset="0"/>
-                <a:cs typeface="Times New Roman" panose="02020603050405020304" pitchFamily="18" charset="0"/>
-              </a:rPr>
-              <a:t>Next steps</a:t>
-            </a:r>
-          </a:p>
-          <a:p>
-            <a:pPr indent="-342900">
-              <a:buClr>
-                <a:srgbClr val="3D98DE"/>
-              </a:buClr>
-              <a:buFont typeface="Wingdings" panose="05000000000000000000" pitchFamily="2" charset="2"/>
-              <a:buChar char="l"/>
-            </a:pPr>
-            <a:endParaRPr lang="en-US" altLang="zh-TW" sz="1400" dirty="0">
-              <a:solidFill>
-                <a:schemeClr val="tx1"/>
-              </a:solidFill>
-              <a:latin typeface="Times New Roman" panose="02020603050405020304" pitchFamily="18" charset="0"/>
-              <a:ea typeface="CMU Sans Serif Medium" panose="02000603000000000000" pitchFamily="2" charset="0"/>
-              <a:cs typeface="Times New Roman" panose="02020603050405020304" pitchFamily="18" charset="0"/>
-            </a:endParaRPr>
-          </a:p>
-          <a:p>
-            <a:pPr marL="571500" lvl="1" indent="0">
-              <a:lnSpc>
-                <a:spcPct val="100000"/>
-              </a:lnSpc>
-              <a:spcBef>
-                <a:spcPts val="800"/>
-              </a:spcBef>
-              <a:buClr>
-                <a:srgbClr val="3D98DE"/>
-              </a:buClr>
-              <a:buNone/>
-            </a:pPr>
-            <a:endParaRPr lang="en-US" altLang="zh-TW" sz="1400" dirty="0">
-              <a:solidFill>
-                <a:schemeClr val="tx1"/>
-              </a:solidFill>
-              <a:latin typeface="Times New Roman" panose="02020603050405020304" pitchFamily="18" charset="0"/>
-              <a:ea typeface="CMU Sans Serif Medium" panose="02000603000000000000" pitchFamily="2" charset="0"/>
-              <a:cs typeface="Times New Roman" panose="02020603050405020304" pitchFamily="18" charset="0"/>
-            </a:endParaRPr>
-          </a:p>
-          <a:p>
-            <a:pPr marL="857250" lvl="1" indent="-285750">
-              <a:lnSpc>
-                <a:spcPct val="100000"/>
-              </a:lnSpc>
-              <a:spcBef>
-                <a:spcPts val="800"/>
-              </a:spcBef>
-              <a:buClr>
-                <a:srgbClr val="3D98DE"/>
-              </a:buClr>
-            </a:pPr>
-            <a:endParaRPr lang="en-US" altLang="zh-TW" sz="1400" dirty="0">
-              <a:solidFill>
-                <a:schemeClr val="tx1"/>
-              </a:solidFill>
-              <a:latin typeface="Times New Roman" panose="02020603050405020304" pitchFamily="18" charset="0"/>
-              <a:ea typeface="CMU Sans Serif Medium" panose="02000603000000000000" pitchFamily="2" charset="0"/>
-              <a:cs typeface="Times New Roman" panose="02020603050405020304" pitchFamily="18" charset="0"/>
-            </a:endParaRPr>
-          </a:p>
-          <a:p>
-            <a:pPr marL="400050" indent="-285750">
-              <a:lnSpc>
-                <a:spcPct val="100000"/>
-              </a:lnSpc>
-              <a:spcBef>
-                <a:spcPts val="800"/>
-              </a:spcBef>
-              <a:buClr>
-                <a:srgbClr val="3D98DE"/>
-              </a:buClr>
-            </a:pPr>
-            <a:endParaRPr lang="en-US" altLang="zh-TW" sz="1400" dirty="0">
-              <a:solidFill>
-                <a:schemeClr val="tx1"/>
-              </a:solidFill>
-              <a:latin typeface="Times New Roman" panose="02020603050405020304" pitchFamily="18" charset="0"/>
-              <a:ea typeface="CMU Sans Serif Medium" panose="02000603000000000000" pitchFamily="2" charset="0"/>
-              <a:cs typeface="Times New Roman" panose="02020603050405020304" pitchFamily="18" charset="0"/>
-            </a:endParaRPr>
-          </a:p>
-          <a:p>
-            <a:pPr marL="400050" indent="-285750">
-              <a:lnSpc>
-                <a:spcPct val="100000"/>
-              </a:lnSpc>
-              <a:spcBef>
-                <a:spcPts val="800"/>
-              </a:spcBef>
-              <a:buClr>
-                <a:srgbClr val="3D98DE"/>
-              </a:buClr>
-            </a:pPr>
-            <a:endParaRPr lang="en-US" altLang="zh-TW" sz="1400" dirty="0">
-              <a:solidFill>
-                <a:schemeClr val="tx1"/>
-              </a:solidFill>
-              <a:latin typeface="Times New Roman" panose="02020603050405020304" pitchFamily="18" charset="0"/>
-              <a:ea typeface="CMU Sans Serif Medium" panose="02000603000000000000" pitchFamily="2" charset="0"/>
-              <a:cs typeface="Times New Roman" panose="02020603050405020304" pitchFamily="18" charset="0"/>
-            </a:endParaRPr>
-          </a:p>
-          <a:p>
-            <a:pPr marL="400050" indent="-285750">
-              <a:lnSpc>
-                <a:spcPct val="100000"/>
-              </a:lnSpc>
-              <a:spcBef>
-                <a:spcPts val="800"/>
-              </a:spcBef>
-              <a:buClr>
-                <a:srgbClr val="3D98DE"/>
-              </a:buClr>
-            </a:pPr>
-            <a:endParaRPr lang="en-US" altLang="zh-TW" sz="1400" dirty="0">
-              <a:solidFill>
-                <a:schemeClr val="tx1"/>
-              </a:solidFill>
-              <a:latin typeface="Times New Roman" panose="02020603050405020304" pitchFamily="18" charset="0"/>
-              <a:ea typeface="CMU Sans Serif Medium" panose="02000603000000000000" pitchFamily="2" charset="0"/>
-              <a:cs typeface="Times New Roman" panose="02020603050405020304" pitchFamily="18" charset="0"/>
-            </a:endParaRPr>
-          </a:p>
-          <a:p>
-            <a:pPr marL="400050" indent="-285750">
-              <a:lnSpc>
-                <a:spcPct val="100000"/>
-              </a:lnSpc>
-              <a:spcBef>
-                <a:spcPts val="800"/>
-              </a:spcBef>
-              <a:buClr>
-                <a:srgbClr val="3D98DE"/>
-              </a:buClr>
-            </a:pPr>
-            <a:endParaRPr lang="en-US" altLang="zh-TW" sz="1400" dirty="0">
-              <a:solidFill>
-                <a:schemeClr val="tx1"/>
-              </a:solidFill>
-              <a:latin typeface="Times New Roman" panose="02020603050405020304" pitchFamily="18" charset="0"/>
-              <a:ea typeface="CMU Sans Serif Medium" panose="02000603000000000000" pitchFamily="2" charset="0"/>
-              <a:cs typeface="Times New Roman" panose="02020603050405020304" pitchFamily="18" charset="0"/>
-            </a:endParaRPr>
-          </a:p>
-          <a:p>
-            <a:pPr marL="400050" indent="-285750">
-              <a:lnSpc>
-                <a:spcPct val="100000"/>
-              </a:lnSpc>
-              <a:spcBef>
-                <a:spcPts val="800"/>
-              </a:spcBef>
-              <a:buClr>
-                <a:srgbClr val="3D98DE"/>
-              </a:buClr>
-            </a:pPr>
-            <a:endParaRPr lang="en-US" altLang="zh-TW" sz="1400" dirty="0">
-              <a:solidFill>
-                <a:schemeClr val="tx1"/>
-              </a:solidFill>
-              <a:latin typeface="Times New Roman" panose="02020603050405020304" pitchFamily="18" charset="0"/>
-              <a:ea typeface="CMU Sans Serif Medium" panose="02000603000000000000" pitchFamily="2" charset="0"/>
-              <a:cs typeface="Times New Roman" panose="02020603050405020304" pitchFamily="18" charset="0"/>
-            </a:endParaRPr>
-          </a:p>
-          <a:p>
-            <a:pPr marL="400050" indent="-285750">
-              <a:lnSpc>
-                <a:spcPct val="100000"/>
-              </a:lnSpc>
-              <a:spcBef>
-                <a:spcPts val="800"/>
-              </a:spcBef>
-              <a:buClr>
-                <a:srgbClr val="3D98DE"/>
-              </a:buClr>
-            </a:pPr>
-            <a:endParaRPr lang="en-US" altLang="zh-TW" sz="1400" dirty="0">
-              <a:solidFill>
-                <a:schemeClr val="tx1"/>
-              </a:solidFill>
-              <a:latin typeface="Times New Roman" panose="02020603050405020304" pitchFamily="18" charset="0"/>
-              <a:ea typeface="CMU Sans Serif Medium" panose="02000603000000000000" pitchFamily="2" charset="0"/>
-              <a:cs typeface="Times New Roman" panose="02020603050405020304" pitchFamily="18" charset="0"/>
-            </a:endParaRPr>
-          </a:p>
-          <a:p>
-            <a:pPr marL="400050" indent="-285750">
-              <a:lnSpc>
-                <a:spcPct val="100000"/>
-              </a:lnSpc>
-              <a:spcBef>
-                <a:spcPts val="800"/>
-              </a:spcBef>
-              <a:buClr>
-                <a:srgbClr val="3D98DE"/>
-              </a:buClr>
-            </a:pPr>
-            <a:endParaRPr lang="en-US" altLang="zh-TW" sz="1400" dirty="0">
-              <a:solidFill>
-                <a:schemeClr val="tx1"/>
-              </a:solidFill>
-              <a:latin typeface="Times New Roman" panose="02020603050405020304" pitchFamily="18" charset="0"/>
-              <a:ea typeface="CMU Sans Serif Medium" panose="02000603000000000000" pitchFamily="2" charset="0"/>
-              <a:cs typeface="Times New Roman" panose="02020603050405020304" pitchFamily="18" charset="0"/>
-            </a:endParaRPr>
-          </a:p>
-          <a:p>
-            <a:pPr marL="114300" indent="0">
-              <a:lnSpc>
-                <a:spcPct val="100000"/>
-              </a:lnSpc>
-              <a:spcBef>
-                <a:spcPts val="800"/>
-              </a:spcBef>
-              <a:buClr>
-                <a:srgbClr val="3D98DE"/>
-              </a:buClr>
-              <a:buNone/>
-            </a:pPr>
-            <a:endParaRPr lang="en-US" altLang="zh-TW" sz="1000" dirty="0">
-              <a:solidFill>
-                <a:schemeClr val="tx1"/>
-              </a:solidFill>
-              <a:latin typeface="Times New Roman" panose="02020603050405020304" pitchFamily="18" charset="0"/>
-              <a:ea typeface="CMU Sans Serif Medium" panose="02000603000000000000" pitchFamily="2" charset="0"/>
-              <a:cs typeface="Times New Roman" panose="02020603050405020304" pitchFamily="18" charset="0"/>
-            </a:endParaRPr>
-          </a:p>
-          <a:p>
-            <a:pPr marL="400050" indent="-285750">
-              <a:lnSpc>
-                <a:spcPct val="100000"/>
-              </a:lnSpc>
-              <a:spcBef>
-                <a:spcPts val="800"/>
-              </a:spcBef>
-              <a:buClr>
-                <a:srgbClr val="3D98DE"/>
-              </a:buClr>
-            </a:pPr>
-            <a:endParaRPr lang="en-US" altLang="zh-TW" sz="1400" dirty="0">
-              <a:solidFill>
-                <a:schemeClr val="tx1"/>
-              </a:solidFill>
-              <a:latin typeface="Times New Roman" panose="02020603050405020304" pitchFamily="18" charset="0"/>
-              <a:ea typeface="CMU Sans Serif Medium" panose="02000603000000000000" pitchFamily="2" charset="0"/>
-              <a:cs typeface="Times New Roman" panose="02020603050405020304" pitchFamily="18" charset="0"/>
-            </a:endParaRPr>
-          </a:p>
-        </p:txBody>
-      </p:sp>
-    </p:spTree>
-    <p:extLst>
-      <p:ext uri="{BB962C8B-B14F-4D97-AF65-F5344CB8AC3E}">
-        <p14:creationId xmlns:p14="http://schemas.microsoft.com/office/powerpoint/2010/main" val="1077306344"/>
-      </p:ext>
-    </p:extLst>
-  </p:cSld>
-  <p:clrMapOvr>
-    <a:masterClrMapping/>
-  </p:clrMapOvr>
-  <mc:AlternateContent xmlns:mc="http://schemas.openxmlformats.org/markup-compatibility/2006" xmlns:p14="http://schemas.microsoft.com/office/powerpoint/2010/main">
-    <mc:Choice Requires="p14">
-      <p:transition spd="slow" p14:dur="2000">
-        <p:cut/>
-      </p:transition>
-    </mc:Choice>
-    <mc:Fallback xmlns="">
-      <p:transition spd="slow">
-        <p:cut/>
-      </p:transition>
-    </mc:Fallback>
-  </mc:AlternateContent>
-</p:sld>
-</file>
-
-<file path=ppt/slides/slide3.xml><?xml version="1.0" encoding="utf-8"?>
 <p:sld xmlns:a="http://schemas.openxmlformats.org/drawingml/2006/main" xmlns:r="http://schemas.openxmlformats.org/officeDocument/2006/relationships" xmlns:p="http://schemas.openxmlformats.org/presentationml/2006/main">
   <p:cSld>
     <p:spTree>
@@ -9276,10 +7773,16 @@
               </a:buClr>
             </a:pPr>
             <a:r>
-              <a:rPr lang="zh-TW" altLang="en-US" sz="1400" b="1" dirty="0"/>
+              <a:rPr lang="zh-TW" altLang="en-US" sz="1400" b="1" dirty="0">
+                <a:latin typeface="微軟正黑體" panose="020B0604030504040204" pitchFamily="34" charset="-120"/>
+                <a:ea typeface="微軟正黑體" panose="020B0604030504040204" pitchFamily="34" charset="-120"/>
+              </a:rPr>
               <a:t>目標</a:t>
             </a:r>
-            <a:endParaRPr lang="en-US" altLang="zh-TW" sz="1400" b="1" dirty="0"/>
+            <a:endParaRPr lang="en-US" altLang="zh-TW" sz="1400" b="1" dirty="0">
+              <a:latin typeface="微軟正黑體" panose="020B0604030504040204" pitchFamily="34" charset="-120"/>
+              <a:ea typeface="微軟正黑體" panose="020B0604030504040204" pitchFamily="34" charset="-120"/>
+            </a:endParaRPr>
           </a:p>
           <a:p>
             <a:pPr marL="857250" lvl="1" indent="-285750">
@@ -9294,18 +7797,30 @@
               </a:buClr>
             </a:pPr>
             <a:r>
-              <a:rPr lang="zh-TW" altLang="en-US" sz="1400" dirty="0"/>
+              <a:rPr lang="zh-TW" altLang="en-US" sz="1400" dirty="0">
+                <a:latin typeface="微軟正黑體" panose="020B0604030504040204" pitchFamily="34" charset="-120"/>
+                <a:ea typeface="微軟正黑體" panose="020B0604030504040204" pitchFamily="34" charset="-120"/>
+              </a:rPr>
               <a:t>透過 </a:t>
             </a:r>
             <a:r>
-              <a:rPr lang="en-US" altLang="zh-TW" sz="1400" dirty="0"/>
+              <a:rPr lang="en-US" altLang="zh-TW" sz="1400" dirty="0">
+                <a:latin typeface="微軟正黑體" panose="020B0604030504040204" pitchFamily="34" charset="-120"/>
+                <a:ea typeface="微軟正黑體" panose="020B0604030504040204" pitchFamily="34" charset="-120"/>
+              </a:rPr>
               <a:t>STM32 </a:t>
             </a:r>
             <a:r>
-              <a:rPr lang="zh-TW" altLang="en-US" sz="1400" dirty="0"/>
-              <a:t>微控制器對無刷馬達進行閉迴路速度控制</a:t>
-            </a:r>
-            <a:endParaRPr lang="en-US" altLang="zh-TW" sz="1400" dirty="0"/>
+              <a:rPr lang="zh-TW" altLang="en-US" sz="1400" dirty="0">
+                <a:latin typeface="微軟正黑體" panose="020B0604030504040204" pitchFamily="34" charset="-120"/>
+                <a:ea typeface="微軟正黑體" panose="020B0604030504040204" pitchFamily="34" charset="-120"/>
+              </a:rPr>
+              <a:t>對無刷馬達進行閉迴路速度控制</a:t>
+            </a:r>
+            <a:endParaRPr lang="en-US" altLang="zh-TW" sz="1400" dirty="0">
+              <a:latin typeface="微軟正黑體" panose="020B0604030504040204" pitchFamily="34" charset="-120"/>
+              <a:ea typeface="微軟正黑體" panose="020B0604030504040204" pitchFamily="34" charset="-120"/>
+            </a:endParaRPr>
           </a:p>
           <a:p>
             <a:pPr marL="400050" indent="-285750">
@@ -9320,10 +7835,16 @@
               </a:buClr>
             </a:pPr>
             <a:r>
-              <a:rPr lang="zh-TW" altLang="en-US" sz="1400" b="1" dirty="0"/>
+              <a:rPr lang="zh-TW" altLang="en-US" sz="1400" b="1" dirty="0">
+                <a:latin typeface="微軟正黑體" panose="020B0604030504040204" pitchFamily="34" charset="-120"/>
+                <a:ea typeface="微軟正黑體" panose="020B0604030504040204" pitchFamily="34" charset="-120"/>
+              </a:rPr>
               <a:t>硬體</a:t>
             </a:r>
-            <a:endParaRPr lang="en-US" altLang="zh-TW" sz="1400" b="1" dirty="0"/>
+            <a:endParaRPr lang="en-US" altLang="zh-TW" sz="1400" b="1" dirty="0">
+              <a:latin typeface="微軟正黑體" panose="020B0604030504040204" pitchFamily="34" charset="-120"/>
+              <a:ea typeface="微軟正黑體" panose="020B0604030504040204" pitchFamily="34" charset="-120"/>
+            </a:endParaRPr>
           </a:p>
           <a:p>
             <a:pPr marL="857250" lvl="1" indent="-285750">
@@ -9338,26 +7859,44 @@
               </a:buClr>
             </a:pPr>
             <a:r>
-              <a:rPr lang="zh-TW" altLang="en-US" sz="1400" dirty="0"/>
+              <a:rPr lang="zh-TW" altLang="en-US" sz="1400" dirty="0">
+                <a:latin typeface="微軟正黑體" panose="020B0604030504040204" pitchFamily="34" charset="-120"/>
+                <a:ea typeface="微軟正黑體" panose="020B0604030504040204" pitchFamily="34" charset="-120"/>
+              </a:rPr>
               <a:t>使用 </a:t>
             </a:r>
             <a:r>
-              <a:rPr lang="en-US" altLang="zh-TW" sz="1400" dirty="0"/>
+              <a:rPr lang="en-US" altLang="zh-TW" sz="1400" dirty="0">
+                <a:latin typeface="微軟正黑體" panose="020B0604030504040204" pitchFamily="34" charset="-120"/>
+                <a:ea typeface="微軟正黑體" panose="020B0604030504040204" pitchFamily="34" charset="-120"/>
+              </a:rPr>
               <a:t>Motion Tech DEV(104) </a:t>
             </a:r>
             <a:r>
-              <a:rPr lang="zh-TW" altLang="en-US" sz="1400" dirty="0"/>
+              <a:rPr lang="zh-TW" altLang="en-US" sz="1400" dirty="0">
+                <a:latin typeface="微軟正黑體" panose="020B0604030504040204" pitchFamily="34" charset="-120"/>
+                <a:ea typeface="微軟正黑體" panose="020B0604030504040204" pitchFamily="34" charset="-120"/>
+              </a:rPr>
               <a:t>驅動器，搭配三相 </a:t>
             </a:r>
             <a:r>
-              <a:rPr lang="en-US" altLang="zh-TW" sz="1400" dirty="0"/>
+              <a:rPr lang="en-US" altLang="zh-TW" sz="1400" dirty="0">
+                <a:latin typeface="微軟正黑體" panose="020B0604030504040204" pitchFamily="34" charset="-120"/>
+                <a:ea typeface="微軟正黑體" panose="020B0604030504040204" pitchFamily="34" charset="-120"/>
+              </a:rPr>
               <a:t>BLDC </a:t>
             </a:r>
             <a:r>
-              <a:rPr lang="zh-TW" altLang="en-US" sz="1400" dirty="0"/>
+              <a:rPr lang="zh-TW" altLang="en-US" sz="1400" dirty="0">
+                <a:latin typeface="微軟正黑體" panose="020B0604030504040204" pitchFamily="34" charset="-120"/>
+                <a:ea typeface="微軟正黑體" panose="020B0604030504040204" pitchFamily="34" charset="-120"/>
+              </a:rPr>
               <a:t>馬達</a:t>
             </a:r>
-            <a:endParaRPr lang="en-US" altLang="zh-TW" sz="1400" dirty="0"/>
+            <a:endParaRPr lang="en-US" altLang="zh-TW" sz="1400" dirty="0">
+              <a:latin typeface="微軟正黑體" panose="020B0604030504040204" pitchFamily="34" charset="-120"/>
+              <a:ea typeface="微軟正黑體" panose="020B0604030504040204" pitchFamily="34" charset="-120"/>
+            </a:endParaRPr>
           </a:p>
           <a:p>
             <a:pPr marL="400050" indent="-285750">
@@ -9372,10 +7911,16 @@
               </a:buClr>
             </a:pPr>
             <a:r>
-              <a:rPr lang="zh-TW" altLang="en-US" sz="1400" b="1" dirty="0"/>
-              <a:t>硬體</a:t>
-            </a:r>
-            <a:endParaRPr lang="en-US" altLang="zh-TW" sz="1400" b="1" dirty="0"/>
+              <a:rPr lang="zh-TW" altLang="en-US" sz="1400" b="1" dirty="0">
+                <a:latin typeface="微軟正黑體" panose="020B0604030504040204" pitchFamily="34" charset="-120"/>
+                <a:ea typeface="微軟正黑體" panose="020B0604030504040204" pitchFamily="34" charset="-120"/>
+              </a:rPr>
+              <a:t>安全機制</a:t>
+            </a:r>
+            <a:endParaRPr lang="en-US" altLang="zh-TW" sz="1400" b="1" dirty="0">
+              <a:latin typeface="微軟正黑體" panose="020B0604030504040204" pitchFamily="34" charset="-120"/>
+              <a:ea typeface="微軟正黑體" panose="020B0604030504040204" pitchFamily="34" charset="-120"/>
+            </a:endParaRPr>
           </a:p>
           <a:p>
             <a:pPr marL="857250" lvl="1" indent="-285750">
@@ -9390,83 +7935,32 @@
               </a:buClr>
             </a:pPr>
             <a:r>
-              <a:rPr lang="zh-TW" altLang="en-US" sz="1400" dirty="0"/>
-              <a:t>使用 </a:t>
-            </a:r>
-            <a:r>
-              <a:rPr lang="en-US" altLang="zh-TW" sz="1400" dirty="0"/>
-              <a:t>Motion Tech DEV(104) </a:t>
-            </a:r>
-            <a:r>
-              <a:rPr lang="zh-TW" altLang="en-US" sz="1400" dirty="0"/>
-              <a:t>驅動器，搭配三相 </a:t>
-            </a:r>
-            <a:r>
-              <a:rPr lang="en-US" altLang="zh-TW" sz="1400" dirty="0"/>
-              <a:t>BLDC </a:t>
-            </a:r>
-            <a:r>
-              <a:rPr lang="zh-TW" altLang="en-US" sz="1400" dirty="0"/>
-              <a:t>馬達</a:t>
-            </a:r>
-            <a:endParaRPr lang="en-US" altLang="zh-TW" sz="1400" dirty="0"/>
-          </a:p>
-          <a:p>
-            <a:pPr marL="400050" indent="-285750">
-              <a:lnSpc>
-                <a:spcPct val="100000"/>
-              </a:lnSpc>
-              <a:spcBef>
-                <a:spcPts val="800"/>
-              </a:spcBef>
-              <a:buClr>
-                <a:srgbClr val="3D98DE"/>
-              </a:buClr>
-            </a:pPr>
-            <a:r>
-              <a:rPr lang="zh-TW" altLang="en-US" sz="1400" b="1" dirty="0"/>
-              <a:t>安全機制</a:t>
-            </a:r>
-            <a:endParaRPr lang="en-US" altLang="zh-TW" sz="1400" b="1" dirty="0"/>
-          </a:p>
-          <a:p>
-            <a:pPr marL="857250" lvl="1" indent="-285750">
-              <a:lnSpc>
-                <a:spcPct val="100000"/>
-              </a:lnSpc>
-              <a:spcBef>
-                <a:spcPts val="800"/>
-              </a:spcBef>
-              <a:buClr>
-                <a:srgbClr val="3D98DE"/>
-              </a:buClr>
-            </a:pPr>
-            <a:r>
-              <a:rPr lang="zh-TW" altLang="en-US" sz="1400" dirty="0"/>
-              <a:t>系統包含回生電阻以處理反電動勢，並接線 </a:t>
-            </a:r>
-            <a:r>
-              <a:rPr lang="en-US" altLang="zh-TW" sz="1400" dirty="0"/>
+              <a:rPr lang="zh-TW" altLang="en-US" sz="1400" dirty="0">
+                <a:latin typeface="微軟正黑體" panose="020B0604030504040204" pitchFamily="34" charset="-120"/>
+                <a:ea typeface="微軟正黑體" panose="020B0604030504040204" pitchFamily="34" charset="-120"/>
+              </a:rPr>
+              <a:t>系統包含回生電阻以處理反電動勢，並使用 </a:t>
+            </a:r>
+            <a:r>
+              <a:rPr lang="en-US" altLang="zh-TW" sz="1400" dirty="0">
+                <a:latin typeface="微軟正黑體" panose="020B0604030504040204" pitchFamily="34" charset="-120"/>
+                <a:ea typeface="微軟正黑體" panose="020B0604030504040204" pitchFamily="34" charset="-120"/>
+              </a:rPr>
               <a:t>STO</a:t>
             </a:r>
             <a:r>
-              <a:rPr lang="zh-TW" altLang="en-US" sz="1400" dirty="0"/>
-              <a:t>（</a:t>
-            </a:r>
-            <a:r>
-              <a:rPr lang="en-US" altLang="zh-TW" sz="1400" dirty="0"/>
-              <a:t>Safe Torque Off</a:t>
-            </a:r>
-            <a:r>
-              <a:rPr lang="zh-TW" altLang="en-US" sz="1400" dirty="0"/>
-              <a:t>）硬體安全迴路。</a:t>
+              <a:rPr lang="zh-TW" altLang="en-US" sz="1400" dirty="0">
+                <a:latin typeface="微軟正黑體" panose="020B0604030504040204" pitchFamily="34" charset="-120"/>
+                <a:ea typeface="微軟正黑體" panose="020B0604030504040204" pitchFamily="34" charset="-120"/>
+              </a:rPr>
+              <a:t> 驅動器上的腳位作為硬體安全迴路。</a:t>
             </a:r>
             <a:endParaRPr lang="en-US" altLang="zh-TW" sz="1400" dirty="0">
               <a:solidFill>
                 <a:schemeClr val="tx1"/>
               </a:solidFill>
               <a:latin typeface="Times New Roman" panose="02020603050405020304" pitchFamily="18" charset="0"/>
-              <a:ea typeface="CMU Sans Serif Medium" panose="02000603000000000000" pitchFamily="2" charset="0"/>
+              <a:ea typeface="微軟正黑體" panose="020B0604030504040204" pitchFamily="34" charset="-120"/>
               <a:cs typeface="Times New Roman" panose="02020603050405020304" pitchFamily="18" charset="0"/>
             </a:endParaRPr>
           </a:p>
@@ -9487,7 +7981,7 @@
                 <a:schemeClr val="tx1"/>
               </a:solidFill>
               <a:latin typeface="Times New Roman" panose="02020603050405020304" pitchFamily="18" charset="0"/>
-              <a:ea typeface="CMU Sans Serif Medium" panose="02000603000000000000" pitchFamily="2" charset="0"/>
+              <a:ea typeface="微軟正黑體" panose="020B0604030504040204" pitchFamily="34" charset="-120"/>
               <a:cs typeface="Times New Roman" panose="02020603050405020304" pitchFamily="18" charset="0"/>
             </a:endParaRPr>
           </a:p>
@@ -9508,7 +8002,7 @@
                 <a:schemeClr val="tx1"/>
               </a:solidFill>
               <a:latin typeface="Times New Roman" panose="02020603050405020304" pitchFamily="18" charset="0"/>
-              <a:ea typeface="CMU Sans Serif Medium" panose="02000603000000000000" pitchFamily="2" charset="0"/>
+              <a:ea typeface="微軟正黑體" panose="020B0604030504040204" pitchFamily="34" charset="-120"/>
               <a:cs typeface="Times New Roman" panose="02020603050405020304" pitchFamily="18" charset="0"/>
             </a:endParaRPr>
           </a:p>
@@ -9529,7 +8023,7 @@
                 <a:schemeClr val="tx1"/>
               </a:solidFill>
               <a:latin typeface="Times New Roman" panose="02020603050405020304" pitchFamily="18" charset="0"/>
-              <a:ea typeface="CMU Sans Serif Medium" panose="02000603000000000000" pitchFamily="2" charset="0"/>
+              <a:ea typeface="微軟正黑體" panose="020B0604030504040204" pitchFamily="34" charset="-120"/>
               <a:cs typeface="Times New Roman" panose="02020603050405020304" pitchFamily="18" charset="0"/>
             </a:endParaRPr>
           </a:p>
@@ -9550,7 +8044,7 @@
                 <a:schemeClr val="tx1"/>
               </a:solidFill>
               <a:latin typeface="Times New Roman" panose="02020603050405020304" pitchFamily="18" charset="0"/>
-              <a:ea typeface="CMU Sans Serif Medium" panose="02000603000000000000" pitchFamily="2" charset="0"/>
+              <a:ea typeface="微軟正黑體" panose="020B0604030504040204" pitchFamily="34" charset="-120"/>
               <a:cs typeface="Times New Roman" panose="02020603050405020304" pitchFamily="18" charset="0"/>
             </a:endParaRPr>
           </a:p>
@@ -9571,7 +8065,7 @@
                 <a:schemeClr val="tx1"/>
               </a:solidFill>
               <a:latin typeface="Times New Roman" panose="02020603050405020304" pitchFamily="18" charset="0"/>
-              <a:ea typeface="CMU Sans Serif Medium" panose="02000603000000000000" pitchFamily="2" charset="0"/>
+              <a:ea typeface="微軟正黑體" panose="020B0604030504040204" pitchFamily="34" charset="-120"/>
               <a:cs typeface="Times New Roman" panose="02020603050405020304" pitchFamily="18" charset="0"/>
             </a:endParaRPr>
           </a:p>
@@ -9592,7 +8086,7 @@
                 <a:schemeClr val="tx1"/>
               </a:solidFill>
               <a:latin typeface="Times New Roman" panose="02020603050405020304" pitchFamily="18" charset="0"/>
-              <a:ea typeface="CMU Sans Serif Medium" panose="02000603000000000000" pitchFamily="2" charset="0"/>
+              <a:ea typeface="微軟正黑體" panose="020B0604030504040204" pitchFamily="34" charset="-120"/>
               <a:cs typeface="Times New Roman" panose="02020603050405020304" pitchFamily="18" charset="0"/>
             </a:endParaRPr>
           </a:p>
@@ -9613,7 +8107,7 @@
                 <a:schemeClr val="tx1"/>
               </a:solidFill>
               <a:latin typeface="Times New Roman" panose="02020603050405020304" pitchFamily="18" charset="0"/>
-              <a:ea typeface="CMU Sans Serif Medium" panose="02000603000000000000" pitchFamily="2" charset="0"/>
+              <a:ea typeface="微軟正黑體" panose="020B0604030504040204" pitchFamily="34" charset="-120"/>
               <a:cs typeface="Times New Roman" panose="02020603050405020304" pitchFamily="18" charset="0"/>
             </a:endParaRPr>
           </a:p>
@@ -9634,7 +8128,7 @@
                 <a:schemeClr val="tx1"/>
               </a:solidFill>
               <a:latin typeface="Times New Roman" panose="02020603050405020304" pitchFamily="18" charset="0"/>
-              <a:ea typeface="CMU Sans Serif Medium" panose="02000603000000000000" pitchFamily="2" charset="0"/>
+              <a:ea typeface="微軟正黑體" panose="020B0604030504040204" pitchFamily="34" charset="-120"/>
               <a:cs typeface="Times New Roman" panose="02020603050405020304" pitchFamily="18" charset="0"/>
             </a:endParaRPr>
           </a:p>
@@ -9655,7 +8149,7 @@
                 <a:schemeClr val="tx1"/>
               </a:solidFill>
               <a:latin typeface="Times New Roman" panose="02020603050405020304" pitchFamily="18" charset="0"/>
-              <a:ea typeface="CMU Sans Serif Medium" panose="02000603000000000000" pitchFamily="2" charset="0"/>
+              <a:ea typeface="微軟正黑體" panose="020B0604030504040204" pitchFamily="34" charset="-120"/>
               <a:cs typeface="Times New Roman" panose="02020603050405020304" pitchFamily="18" charset="0"/>
             </a:endParaRPr>
           </a:p>
@@ -9677,7 +8171,7 @@
                 <a:schemeClr val="tx1"/>
               </a:solidFill>
               <a:latin typeface="Times New Roman" panose="02020603050405020304" pitchFamily="18" charset="0"/>
-              <a:ea typeface="CMU Sans Serif Medium" panose="02000603000000000000" pitchFamily="2" charset="0"/>
+              <a:ea typeface="微軟正黑體" panose="020B0604030504040204" pitchFamily="34" charset="-120"/>
               <a:cs typeface="Times New Roman" panose="02020603050405020304" pitchFamily="18" charset="0"/>
             </a:endParaRPr>
           </a:p>
@@ -9698,7 +8192,7 @@
                 <a:schemeClr val="tx1"/>
               </a:solidFill>
               <a:latin typeface="Times New Roman" panose="02020603050405020304" pitchFamily="18" charset="0"/>
-              <a:ea typeface="CMU Sans Serif Medium" panose="02000603000000000000" pitchFamily="2" charset="0"/>
+              <a:ea typeface="微軟正黑體" panose="020B0604030504040204" pitchFamily="34" charset="-120"/>
               <a:cs typeface="Times New Roman" panose="02020603050405020304" pitchFamily="18" charset="0"/>
             </a:endParaRPr>
           </a:p>
@@ -9727,7 +8221,7 @@
           <a:p>
             <a:fld id="{87E85E0C-F6DF-4C2C-9974-C2547ED92EE1}" type="slidenum">
               <a:rPr lang="zh-TW" altLang="en-US" smtClean="0"/>
-              <a:t>3</a:t>
+              <a:t>2</a:t>
             </a:fld>
             <a:endParaRPr lang="zh-TW" altLang="en-US" dirty="0"/>
           </a:p>
@@ -9860,7 +8354,7 @@
 </p:sld>
 </file>
 
-<file path=ppt/slides/slide4.xml><?xml version="1.0" encoding="utf-8"?>
+<file path=ppt/slides/slide3.xml><?xml version="1.0" encoding="utf-8"?>
 <p:sld xmlns:a="http://schemas.openxmlformats.org/drawingml/2006/main" xmlns:r="http://schemas.openxmlformats.org/officeDocument/2006/relationships" xmlns:p="http://schemas.openxmlformats.org/presentationml/2006/main">
   <p:cSld>
     <p:spTree>
@@ -10468,18 +8962,16 @@
               </a:buClr>
             </a:pPr>
             <a:r>
-              <a:rPr lang="zh-TW" altLang="en-US" sz="1400" dirty="0"/>
-              <a:t>為什麼選擇 </a:t>
-            </a:r>
-            <a:r>
-              <a:rPr lang="en-US" altLang="zh-TW" sz="1400" dirty="0"/>
-              <a:t>BLDC</a:t>
-            </a:r>
-            <a:r>
-              <a:rPr lang="zh-TW" altLang="en-US" sz="1400" dirty="0"/>
-              <a:t>？</a:t>
-            </a:r>
-            <a:endParaRPr lang="en-US" altLang="zh-TW" sz="1400" dirty="0"/>
+              <a:rPr lang="zh-TW" altLang="en-US" sz="1400" dirty="0">
+                <a:latin typeface="微軟正黑體" panose="020B0604030504040204" pitchFamily="34" charset="-120"/>
+                <a:ea typeface="微軟正黑體" panose="020B0604030504040204" pitchFamily="34" charset="-120"/>
+              </a:rPr>
+              <a:t>驅動器控制模式選擇</a:t>
+            </a:r>
+            <a:endParaRPr lang="en-US" altLang="zh-TW" sz="1400" dirty="0">
+              <a:latin typeface="微軟正黑體" panose="020B0604030504040204" pitchFamily="34" charset="-120"/>
+              <a:ea typeface="微軟正黑體" panose="020B0604030504040204" pitchFamily="34" charset="-120"/>
+            </a:endParaRPr>
           </a:p>
           <a:p>
             <a:pPr marL="857250" lvl="1" indent="-285750">
@@ -10494,28 +8986,33 @@
               </a:buClr>
             </a:pPr>
             <a:r>
-              <a:rPr lang="zh-TW" altLang="en-US" sz="1400" dirty="0"/>
-              <a:t>相較於有刷馬達，無刷馬達（</a:t>
-            </a:r>
-            <a:r>
-              <a:rPr lang="en-US" altLang="zh-TW" sz="1400" dirty="0"/>
-              <a:t>BLDC</a:t>
-            </a:r>
-            <a:r>
-              <a:rPr lang="zh-TW" altLang="en-US" sz="1400" dirty="0"/>
-              <a:t>）去除碳刷結構，改用電子換相。這帶來了更高的功率密度、更好的散熱效率以及免維護的特性，非常適合需要長時間運行與高動態響應的移動機器人底盤</a:t>
+              <a:rPr lang="zh-TW" altLang="en-US" sz="1400" dirty="0">
+                <a:latin typeface="微軟正黑體" panose="020B0604030504040204" pitchFamily="34" charset="-120"/>
+                <a:ea typeface="微軟正黑體" panose="020B0604030504040204" pitchFamily="34" charset="-120"/>
+              </a:rPr>
+              <a:t>本實驗使用 </a:t>
+            </a:r>
+            <a:r>
+              <a:rPr lang="en-US" altLang="zh-TW" sz="1400" dirty="0">
+                <a:latin typeface="微軟正黑體" panose="020B0604030504040204" pitchFamily="34" charset="-120"/>
+                <a:ea typeface="微軟正黑體" panose="020B0604030504040204" pitchFamily="34" charset="-120"/>
+              </a:rPr>
+              <a:t>DEV(104) </a:t>
+            </a:r>
+            <a:r>
+              <a:rPr lang="zh-TW" altLang="en-US" sz="1400" dirty="0">
+                <a:latin typeface="微軟正黑體" panose="020B0604030504040204" pitchFamily="34" charset="-120"/>
+                <a:ea typeface="微軟正黑體" panose="020B0604030504040204" pitchFamily="34" charset="-120"/>
+              </a:rPr>
+              <a:t>驅動器，根據手冊，我們將利用兩種控制模式：</a:t>
             </a:r>
             <a:endParaRPr lang="en-US" altLang="zh-TW" sz="1400" dirty="0">
-              <a:solidFill>
-                <a:schemeClr val="tx1"/>
-              </a:solidFill>
-              <a:latin typeface="Times New Roman" panose="02020603050405020304" pitchFamily="18" charset="0"/>
-              <a:ea typeface="CMU Sans Serif Medium" panose="02000603000000000000" pitchFamily="2" charset="0"/>
-              <a:cs typeface="Times New Roman" panose="02020603050405020304" pitchFamily="18" charset="0"/>
+              <a:latin typeface="微軟正黑體" panose="020B0604030504040204" pitchFamily="34" charset="-120"/>
+              <a:ea typeface="微軟正黑體" panose="020B0604030504040204" pitchFamily="34" charset="-120"/>
             </a:endParaRPr>
           </a:p>
           <a:p>
-            <a:pPr marL="400050" indent="-285750">
+            <a:pPr marL="1314450" lvl="2" indent="-285750">
               <a:lnSpc>
                 <a:spcPct val="100000"/>
               </a:lnSpc>
@@ -10527,13 +9024,54 @@
               </a:buClr>
             </a:pPr>
             <a:r>
-              <a:rPr lang="zh-TW" altLang="en-US" sz="1400" dirty="0"/>
-              <a:t>驅動器控制模式選擇</a:t>
-            </a:r>
-            <a:endParaRPr lang="en-US" altLang="zh-TW" sz="1400" dirty="0"/>
-          </a:p>
-          <a:p>
-            <a:pPr marL="857250" lvl="1" indent="-285750">
+              <a:rPr lang="en-US" altLang="zh-TW" sz="1400" dirty="0">
+                <a:latin typeface="微軟正黑體" panose="020B0604030504040204" pitchFamily="34" charset="-120"/>
+                <a:ea typeface="微軟正黑體" panose="020B0604030504040204" pitchFamily="34" charset="-120"/>
+              </a:rPr>
+              <a:t>Duty </a:t>
+            </a:r>
+            <a:r>
+              <a:rPr lang="zh-TW" altLang="en-US" sz="1400" dirty="0">
+                <a:latin typeface="微軟正黑體" panose="020B0604030504040204" pitchFamily="34" charset="-120"/>
+                <a:ea typeface="微軟正黑體" panose="020B0604030504040204" pitchFamily="34" charset="-120"/>
+              </a:rPr>
+              <a:t>模式 </a:t>
+            </a:r>
+            <a:r>
+              <a:rPr lang="en-US" altLang="zh-TW" sz="1400" dirty="0">
+                <a:latin typeface="微軟正黑體" panose="020B0604030504040204" pitchFamily="34" charset="-120"/>
+                <a:ea typeface="微軟正黑體" panose="020B0604030504040204" pitchFamily="34" charset="-120"/>
+              </a:rPr>
+              <a:t>(Mode 1)</a:t>
+            </a:r>
+            <a:r>
+              <a:rPr lang="zh-TW" altLang="en-US" sz="1400" dirty="0">
+                <a:latin typeface="微軟正黑體" panose="020B0604030504040204" pitchFamily="34" charset="-120"/>
+                <a:ea typeface="微軟正黑體" panose="020B0604030504040204" pitchFamily="34" charset="-120"/>
+              </a:rPr>
+              <a:t>：驅動器僅作為功率放大器，輸出的電壓佔空比（</a:t>
+            </a:r>
+            <a:r>
+              <a:rPr lang="en-US" altLang="zh-TW" sz="1400" dirty="0">
+                <a:latin typeface="微軟正黑體" panose="020B0604030504040204" pitchFamily="34" charset="-120"/>
+                <a:ea typeface="微軟正黑體" panose="020B0604030504040204" pitchFamily="34" charset="-120"/>
+              </a:rPr>
+              <a:t>Duty Cycle</a:t>
+            </a:r>
+            <a:r>
+              <a:rPr lang="zh-TW" altLang="en-US" sz="1400" dirty="0">
+                <a:latin typeface="微軟正黑體" panose="020B0604030504040204" pitchFamily="34" charset="-120"/>
+                <a:ea typeface="微軟正黑體" panose="020B0604030504040204" pitchFamily="34" charset="-120"/>
+              </a:rPr>
+              <a:t>）直接由輸入指令控制。此模式用於系統鑑別實驗，以獲取馬達原始響應 </a:t>
+            </a:r>
+            <a:endParaRPr lang="en-US" altLang="zh-TW" sz="1400" dirty="0">
+              <a:latin typeface="微軟正黑體" panose="020B0604030504040204" pitchFamily="34" charset="-120"/>
+              <a:ea typeface="微軟正黑體" panose="020B0604030504040204" pitchFamily="34" charset="-120"/>
+            </a:endParaRPr>
+          </a:p>
+          <a:p>
+            <a:pPr marL="1314450" lvl="2" indent="-285750">
               <a:lnSpc>
                 <a:spcPct val="100000"/>
               </a:lnSpc>
@@ -10545,106 +9083,72 @@
               </a:buClr>
             </a:pPr>
             <a:r>
-              <a:rPr lang="zh-TW" altLang="en-US" sz="1400" dirty="0"/>
-              <a:t>本實驗使用 </a:t>
-            </a:r>
-            <a:r>
-              <a:rPr lang="en-US" altLang="zh-TW" sz="1400" dirty="0"/>
-              <a:t>DEV(104) </a:t>
-            </a:r>
-            <a:r>
-              <a:rPr lang="zh-TW" altLang="en-US" sz="1400" dirty="0"/>
-              <a:t>驅動器，根據手冊 ，我們將利用兩種控制模式：</a:t>
-            </a:r>
-            <a:endParaRPr lang="en-US" altLang="zh-TW" sz="1400" dirty="0"/>
-          </a:p>
-          <a:p>
-            <a:pPr marL="1314450" lvl="2" indent="-285750">
-              <a:lnSpc>
-                <a:spcPct val="100000"/>
-              </a:lnSpc>
-              <a:spcBef>
-                <a:spcPts val="800"/>
-              </a:spcBef>
-              <a:buClr>
-                <a:srgbClr val="3D98DE"/>
-              </a:buClr>
-            </a:pPr>
-            <a:r>
-              <a:rPr lang="en-US" altLang="zh-TW" sz="1400" dirty="0"/>
+              <a:rPr lang="zh-TW" altLang="en-US" sz="1400" dirty="0">
+                <a:latin typeface="微軟正黑體" panose="020B0604030504040204" pitchFamily="34" charset="-120"/>
+                <a:ea typeface="微軟正黑體" panose="020B0604030504040204" pitchFamily="34" charset="-120"/>
+              </a:rPr>
+              <a:t>速度模式 </a:t>
+            </a:r>
+            <a:r>
+              <a:rPr lang="en-US" altLang="zh-TW" sz="1400" dirty="0">
+                <a:latin typeface="微軟正黑體" panose="020B0604030504040204" pitchFamily="34" charset="-120"/>
+                <a:ea typeface="微軟正黑體" panose="020B0604030504040204" pitchFamily="34" charset="-120"/>
+              </a:rPr>
+              <a:t>(Mode 0)</a:t>
+            </a:r>
+            <a:r>
+              <a:rPr lang="zh-TW" altLang="en-US" sz="1400" dirty="0">
+                <a:latin typeface="微軟正黑體" panose="020B0604030504040204" pitchFamily="34" charset="-120"/>
+                <a:ea typeface="微軟正黑體" panose="020B0604030504040204" pitchFamily="34" charset="-120"/>
+              </a:rPr>
+              <a:t>：驅動器內部雖有 </a:t>
+            </a:r>
+            <a:r>
+              <a:rPr lang="en-US" altLang="zh-TW" sz="1400" dirty="0">
+                <a:latin typeface="微軟正黑體" panose="020B0604030504040204" pitchFamily="34" charset="-120"/>
+                <a:ea typeface="微軟正黑體" panose="020B0604030504040204" pitchFamily="34" charset="-120"/>
+              </a:rPr>
+              <a:t>PID</a:t>
+            </a:r>
+            <a:r>
+              <a:rPr lang="zh-TW" altLang="en-US" sz="1400" dirty="0">
+                <a:latin typeface="微軟正黑體" panose="020B0604030504040204" pitchFamily="34" charset="-120"/>
+                <a:ea typeface="微軟正黑體" panose="020B0604030504040204" pitchFamily="34" charset="-120"/>
+              </a:rPr>
+              <a:t>，但為了研究控制演算法，我們將在 </a:t>
+            </a:r>
+            <a:r>
+              <a:rPr lang="en-US" altLang="zh-TW" sz="1400" dirty="0">
+                <a:latin typeface="微軟正黑體" panose="020B0604030504040204" pitchFamily="34" charset="-120"/>
+                <a:ea typeface="微軟正黑體" panose="020B0604030504040204" pitchFamily="34" charset="-120"/>
+              </a:rPr>
+              <a:t>STM32 </a:t>
+            </a:r>
+            <a:r>
+              <a:rPr lang="zh-TW" altLang="en-US" sz="1400" dirty="0">
+                <a:latin typeface="微軟正黑體" panose="020B0604030504040204" pitchFamily="34" charset="-120"/>
+                <a:ea typeface="微軟正黑體" panose="020B0604030504040204" pitchFamily="34" charset="-120"/>
+              </a:rPr>
+              <a:t>端實作控制迴路，透過 </a:t>
+            </a:r>
+            <a:r>
+              <a:rPr lang="en-US" altLang="zh-TW" sz="1400" dirty="0">
+                <a:latin typeface="微軟正黑體" panose="020B0604030504040204" pitchFamily="34" charset="-120"/>
+                <a:ea typeface="微軟正黑體" panose="020B0604030504040204" pitchFamily="34" charset="-120"/>
+              </a:rPr>
               <a:t>Duty </a:t>
             </a:r>
             <a:r>
-              <a:rPr lang="zh-TW" altLang="en-US" sz="1400" dirty="0"/>
-              <a:t>模式 </a:t>
-            </a:r>
-            <a:r>
-              <a:rPr lang="en-US" altLang="zh-TW" sz="1400" dirty="0"/>
-              <a:t>(Mode 1)</a:t>
-            </a:r>
-            <a:r>
-              <a:rPr lang="zh-TW" altLang="en-US" sz="1400" dirty="0"/>
-              <a:t>：驅動器僅作為功率放大器，輸出的電壓佔空比（</a:t>
-            </a:r>
-            <a:r>
-              <a:rPr lang="en-US" altLang="zh-TW" sz="1400" dirty="0"/>
-              <a:t>Duty Cycle</a:t>
-            </a:r>
-            <a:r>
-              <a:rPr lang="zh-TW" altLang="en-US" sz="1400" dirty="0"/>
-              <a:t>）直接由輸入指令控制。此模式用於系統鑑別實驗，以獲取馬達原始響應 </a:t>
-            </a:r>
-            <a:endParaRPr lang="en-US" altLang="zh-TW" sz="1400" dirty="0"/>
-          </a:p>
-          <a:p>
-            <a:pPr marL="1314450" lvl="2" indent="-285750">
-              <a:lnSpc>
-                <a:spcPct val="100000"/>
-              </a:lnSpc>
-              <a:spcBef>
-                <a:spcPts val="800"/>
-              </a:spcBef>
-              <a:buClr>
-                <a:srgbClr val="3D98DE"/>
-              </a:buClr>
-            </a:pPr>
-            <a:r>
-              <a:rPr lang="zh-TW" altLang="en-US" sz="1400" dirty="0"/>
-              <a:t>速度模式 </a:t>
-            </a:r>
-            <a:r>
-              <a:rPr lang="en-US" altLang="zh-TW" sz="1400" dirty="0"/>
-              <a:t>(Mode 0)</a:t>
-            </a:r>
-            <a:r>
-              <a:rPr lang="zh-TW" altLang="en-US" sz="1400" dirty="0"/>
-              <a:t>：驅動器內部雖有 </a:t>
-            </a:r>
-            <a:r>
-              <a:rPr lang="en-US" altLang="zh-TW" sz="1400" dirty="0"/>
-              <a:t>PID</a:t>
-            </a:r>
-            <a:r>
-              <a:rPr lang="zh-TW" altLang="en-US" sz="1400" dirty="0"/>
-              <a:t>，但為了研究控制演算法，我們將在 </a:t>
-            </a:r>
-            <a:r>
-              <a:rPr lang="en-US" altLang="zh-TW" sz="1400" dirty="0"/>
-              <a:t>STM32 </a:t>
-            </a:r>
-            <a:r>
-              <a:rPr lang="zh-TW" altLang="en-US" sz="1400" dirty="0"/>
-              <a:t>端實作控制迴路，透過 </a:t>
-            </a:r>
-            <a:r>
-              <a:rPr lang="en-US" altLang="zh-TW" sz="1400" dirty="0"/>
-              <a:t>Duty </a:t>
-            </a:r>
-            <a:r>
-              <a:rPr lang="zh-TW" altLang="en-US" sz="1400" dirty="0"/>
+              <a:rPr lang="zh-TW" altLang="en-US" sz="1400" dirty="0">
+                <a:latin typeface="微軟正黑體" panose="020B0604030504040204" pitchFamily="34" charset="-120"/>
+                <a:ea typeface="微軟正黑體" panose="020B0604030504040204" pitchFamily="34" charset="-120"/>
+              </a:rPr>
               <a:t>模式發送指令</a:t>
             </a:r>
-            <a:endParaRPr lang="en-US" altLang="zh-TW" sz="1400" dirty="0"/>
+            <a:endParaRPr lang="en-US" altLang="zh-TW" sz="1400" dirty="0">
+              <a:latin typeface="微軟正黑體" panose="020B0604030504040204" pitchFamily="34" charset="-120"/>
+              <a:ea typeface="微軟正黑體" panose="020B0604030504040204" pitchFamily="34" charset="-120"/>
+            </a:endParaRPr>
           </a:p>
           <a:p>
             <a:pPr marL="400050" indent="-285750">
@@ -10663,7 +9167,7 @@
                 <a:schemeClr val="tx1"/>
               </a:solidFill>
               <a:latin typeface="Times New Roman" panose="02020603050405020304" pitchFamily="18" charset="0"/>
-              <a:ea typeface="CMU Sans Serif Medium" panose="02000603000000000000" pitchFamily="2" charset="0"/>
+              <a:ea typeface="微軟正黑體" panose="020B0604030504040204" pitchFamily="34" charset="-120"/>
               <a:cs typeface="Times New Roman" panose="02020603050405020304" pitchFamily="18" charset="0"/>
             </a:endParaRPr>
           </a:p>
@@ -10684,7 +9188,7 @@
                 <a:schemeClr val="tx1"/>
               </a:solidFill>
               <a:latin typeface="Times New Roman" panose="02020603050405020304" pitchFamily="18" charset="0"/>
-              <a:ea typeface="CMU Sans Serif Medium" panose="02000603000000000000" pitchFamily="2" charset="0"/>
+              <a:ea typeface="微軟正黑體" panose="020B0604030504040204" pitchFamily="34" charset="-120"/>
               <a:cs typeface="Times New Roman" panose="02020603050405020304" pitchFamily="18" charset="0"/>
             </a:endParaRPr>
           </a:p>
@@ -10705,7 +9209,7 @@
                 <a:schemeClr val="tx1"/>
               </a:solidFill>
               <a:latin typeface="Times New Roman" panose="02020603050405020304" pitchFamily="18" charset="0"/>
-              <a:ea typeface="CMU Sans Serif Medium" panose="02000603000000000000" pitchFamily="2" charset="0"/>
+              <a:ea typeface="微軟正黑體" panose="020B0604030504040204" pitchFamily="34" charset="-120"/>
               <a:cs typeface="Times New Roman" panose="02020603050405020304" pitchFamily="18" charset="0"/>
             </a:endParaRPr>
           </a:p>
@@ -10726,7 +9230,7 @@
                 <a:schemeClr val="tx1"/>
               </a:solidFill>
               <a:latin typeface="Times New Roman" panose="02020603050405020304" pitchFamily="18" charset="0"/>
-              <a:ea typeface="CMU Sans Serif Medium" panose="02000603000000000000" pitchFamily="2" charset="0"/>
+              <a:ea typeface="微軟正黑體" panose="020B0604030504040204" pitchFamily="34" charset="-120"/>
               <a:cs typeface="Times New Roman" panose="02020603050405020304" pitchFamily="18" charset="0"/>
             </a:endParaRPr>
           </a:p>
@@ -10747,7 +9251,7 @@
                 <a:schemeClr val="tx1"/>
               </a:solidFill>
               <a:latin typeface="Times New Roman" panose="02020603050405020304" pitchFamily="18" charset="0"/>
-              <a:ea typeface="CMU Sans Serif Medium" panose="02000603000000000000" pitchFamily="2" charset="0"/>
+              <a:ea typeface="微軟正黑體" panose="020B0604030504040204" pitchFamily="34" charset="-120"/>
               <a:cs typeface="Times New Roman" panose="02020603050405020304" pitchFamily="18" charset="0"/>
             </a:endParaRPr>
           </a:p>
@@ -10768,7 +9272,7 @@
                 <a:schemeClr val="tx1"/>
               </a:solidFill>
               <a:latin typeface="Times New Roman" panose="02020603050405020304" pitchFamily="18" charset="0"/>
-              <a:ea typeface="CMU Sans Serif Medium" panose="02000603000000000000" pitchFamily="2" charset="0"/>
+              <a:ea typeface="微軟正黑體" panose="020B0604030504040204" pitchFamily="34" charset="-120"/>
               <a:cs typeface="Times New Roman" panose="02020603050405020304" pitchFamily="18" charset="0"/>
             </a:endParaRPr>
           </a:p>
@@ -10789,7 +9293,7 @@
                 <a:schemeClr val="tx1"/>
               </a:solidFill>
               <a:latin typeface="Times New Roman" panose="02020603050405020304" pitchFamily="18" charset="0"/>
-              <a:ea typeface="CMU Sans Serif Medium" panose="02000603000000000000" pitchFamily="2" charset="0"/>
+              <a:ea typeface="微軟正黑體" panose="020B0604030504040204" pitchFamily="34" charset="-120"/>
               <a:cs typeface="Times New Roman" panose="02020603050405020304" pitchFamily="18" charset="0"/>
             </a:endParaRPr>
           </a:p>
@@ -10810,7 +9314,7 @@
                 <a:schemeClr val="tx1"/>
               </a:solidFill>
               <a:latin typeface="Times New Roman" panose="02020603050405020304" pitchFamily="18" charset="0"/>
-              <a:ea typeface="CMU Sans Serif Medium" panose="02000603000000000000" pitchFamily="2" charset="0"/>
+              <a:ea typeface="微軟正黑體" panose="020B0604030504040204" pitchFamily="34" charset="-120"/>
               <a:cs typeface="Times New Roman" panose="02020603050405020304" pitchFamily="18" charset="0"/>
             </a:endParaRPr>
           </a:p>
@@ -10831,7 +9335,7 @@
                 <a:schemeClr val="tx1"/>
               </a:solidFill>
               <a:latin typeface="Times New Roman" panose="02020603050405020304" pitchFamily="18" charset="0"/>
-              <a:ea typeface="CMU Sans Serif Medium" panose="02000603000000000000" pitchFamily="2" charset="0"/>
+              <a:ea typeface="微軟正黑體" panose="020B0604030504040204" pitchFamily="34" charset="-120"/>
               <a:cs typeface="Times New Roman" panose="02020603050405020304" pitchFamily="18" charset="0"/>
             </a:endParaRPr>
           </a:p>
@@ -10852,7 +9356,7 @@
                 <a:schemeClr val="tx1"/>
               </a:solidFill>
               <a:latin typeface="Times New Roman" panose="02020603050405020304" pitchFamily="18" charset="0"/>
-              <a:ea typeface="CMU Sans Serif Medium" panose="02000603000000000000" pitchFamily="2" charset="0"/>
+              <a:ea typeface="微軟正黑體" panose="020B0604030504040204" pitchFamily="34" charset="-120"/>
               <a:cs typeface="Times New Roman" panose="02020603050405020304" pitchFamily="18" charset="0"/>
             </a:endParaRPr>
           </a:p>
@@ -10873,7 +9377,7 @@
                 <a:schemeClr val="tx1"/>
               </a:solidFill>
               <a:latin typeface="Times New Roman" panose="02020603050405020304" pitchFamily="18" charset="0"/>
-              <a:ea typeface="CMU Sans Serif Medium" panose="02000603000000000000" pitchFamily="2" charset="0"/>
+              <a:ea typeface="微軟正黑體" panose="020B0604030504040204" pitchFamily="34" charset="-120"/>
               <a:cs typeface="Times New Roman" panose="02020603050405020304" pitchFamily="18" charset="0"/>
             </a:endParaRPr>
           </a:p>
@@ -10895,7 +9399,7 @@
                 <a:schemeClr val="tx1"/>
               </a:solidFill>
               <a:latin typeface="Times New Roman" panose="02020603050405020304" pitchFamily="18" charset="0"/>
-              <a:ea typeface="CMU Sans Serif Medium" panose="02000603000000000000" pitchFamily="2" charset="0"/>
+              <a:ea typeface="微軟正黑體" panose="020B0604030504040204" pitchFamily="34" charset="-120"/>
               <a:cs typeface="Times New Roman" panose="02020603050405020304" pitchFamily="18" charset="0"/>
             </a:endParaRPr>
           </a:p>
@@ -10916,7 +9420,7 @@
                 <a:schemeClr val="tx1"/>
               </a:solidFill>
               <a:latin typeface="Times New Roman" panose="02020603050405020304" pitchFamily="18" charset="0"/>
-              <a:ea typeface="CMU Sans Serif Medium" panose="02000603000000000000" pitchFamily="2" charset="0"/>
+              <a:ea typeface="微軟正黑體" panose="020B0604030504040204" pitchFamily="34" charset="-120"/>
               <a:cs typeface="Times New Roman" panose="02020603050405020304" pitchFamily="18" charset="0"/>
             </a:endParaRPr>
           </a:p>
@@ -10945,7 +9449,7 @@
           <a:p>
             <a:fld id="{87E85E0C-F6DF-4C2C-9974-C2547ED92EE1}" type="slidenum">
               <a:rPr lang="zh-TW" altLang="en-US" smtClean="0"/>
-              <a:t>4</a:t>
+              <a:t>3</a:t>
             </a:fld>
             <a:endParaRPr lang="zh-TW" altLang="en-US" dirty="0"/>
           </a:p>
@@ -11078,7 +9582,7 @@
 </p:sld>
 </file>
 
-<file path=ppt/slides/slide5.xml><?xml version="1.0" encoding="utf-8"?>
+<file path=ppt/slides/slide4.xml><?xml version="1.0" encoding="utf-8"?>
 <p:sld xmlns:a="http://schemas.openxmlformats.org/drawingml/2006/main" xmlns:r="http://schemas.openxmlformats.org/officeDocument/2006/relationships" xmlns:p="http://schemas.openxmlformats.org/presentationml/2006/main">
   <p:cSld>
     <p:spTree>
@@ -11685,7 +10189,7 @@
                   <a:schemeClr val="tx1"/>
                 </a:solidFill>
                 <a:latin typeface="Times New Roman" panose="02020603050405020304" pitchFamily="18" charset="0"/>
-                <a:ea typeface="CMU Sans Serif Medium" panose="02000603000000000000" pitchFamily="2" charset="0"/>
+                <a:ea typeface="微軟正黑體" panose="020B0604030504040204" pitchFamily="34" charset="-120"/>
                 <a:cs typeface="Times New Roman" panose="02020603050405020304" pitchFamily="18" charset="0"/>
               </a:rPr>
               <a:t>訊號控制介面 </a:t>
@@ -11696,7 +10200,7 @@
                   <a:schemeClr val="tx1"/>
                 </a:solidFill>
                 <a:latin typeface="Times New Roman" panose="02020603050405020304" pitchFamily="18" charset="0"/>
-                <a:ea typeface="CMU Sans Serif Medium" panose="02000603000000000000" pitchFamily="2" charset="0"/>
+                <a:ea typeface="微軟正黑體" panose="020B0604030504040204" pitchFamily="34" charset="-120"/>
                 <a:cs typeface="Times New Roman" panose="02020603050405020304" pitchFamily="18" charset="0"/>
               </a:rPr>
               <a:t>(STM32 &lt;-&gt; DEV Driver)</a:t>
@@ -11720,7 +10224,7 @@
                   <a:schemeClr val="tx1"/>
                 </a:solidFill>
                 <a:latin typeface="Times New Roman" panose="02020603050405020304" pitchFamily="18" charset="0"/>
-                <a:ea typeface="CMU Sans Serif Medium" panose="02000603000000000000" pitchFamily="2" charset="0"/>
+                <a:ea typeface="微軟正黑體" panose="020B0604030504040204" pitchFamily="34" charset="-120"/>
                 <a:cs typeface="Times New Roman" panose="02020603050405020304" pitchFamily="18" charset="0"/>
               </a:rPr>
               <a:t>指令輸入</a:t>
@@ -11730,7 +10234,7 @@
                 <a:schemeClr val="tx1"/>
               </a:solidFill>
               <a:latin typeface="Times New Roman" panose="02020603050405020304" pitchFamily="18" charset="0"/>
-              <a:ea typeface="CMU Sans Serif Medium" panose="02000603000000000000" pitchFamily="2" charset="0"/>
+              <a:ea typeface="微軟正黑體" panose="020B0604030504040204" pitchFamily="34" charset="-120"/>
               <a:cs typeface="Times New Roman" panose="02020603050405020304" pitchFamily="18" charset="0"/>
             </a:endParaRPr>
           </a:p>
@@ -11752,7 +10256,7 @@
                   <a:schemeClr val="tx1"/>
                 </a:solidFill>
                 <a:latin typeface="Times New Roman" panose="02020603050405020304" pitchFamily="18" charset="0"/>
-                <a:ea typeface="CMU Sans Serif Medium" panose="02000603000000000000" pitchFamily="2" charset="0"/>
+                <a:ea typeface="微軟正黑體" panose="020B0604030504040204" pitchFamily="34" charset="-120"/>
                 <a:cs typeface="Times New Roman" panose="02020603050405020304" pitchFamily="18" charset="0"/>
               </a:rPr>
               <a:t>使用 </a:t>
@@ -11763,7 +10267,7 @@
                   <a:schemeClr val="tx1"/>
                 </a:solidFill>
                 <a:latin typeface="Times New Roman" panose="02020603050405020304" pitchFamily="18" charset="0"/>
-                <a:ea typeface="CMU Sans Serif Medium" panose="02000603000000000000" pitchFamily="2" charset="0"/>
+                <a:ea typeface="微軟正黑體" panose="020B0604030504040204" pitchFamily="34" charset="-120"/>
                 <a:cs typeface="Times New Roman" panose="02020603050405020304" pitchFamily="18" charset="0"/>
               </a:rPr>
               <a:t>STM32 </a:t>
@@ -11774,7 +10278,7 @@
                   <a:schemeClr val="tx1"/>
                 </a:solidFill>
                 <a:latin typeface="Times New Roman" panose="02020603050405020304" pitchFamily="18" charset="0"/>
-                <a:ea typeface="CMU Sans Serif Medium" panose="02000603000000000000" pitchFamily="2" charset="0"/>
+                <a:ea typeface="微軟正黑體" panose="020B0604030504040204" pitchFamily="34" charset="-120"/>
                 <a:cs typeface="Times New Roman" panose="02020603050405020304" pitchFamily="18" charset="0"/>
               </a:rPr>
               <a:t>的 </a:t>
@@ -11785,7 +10289,7 @@
                   <a:schemeClr val="tx1"/>
                 </a:solidFill>
                 <a:latin typeface="Times New Roman" panose="02020603050405020304" pitchFamily="18" charset="0"/>
-                <a:ea typeface="CMU Sans Serif Medium" panose="02000603000000000000" pitchFamily="2" charset="0"/>
+                <a:ea typeface="微軟正黑體" panose="020B0604030504040204" pitchFamily="34" charset="-120"/>
                 <a:cs typeface="Times New Roman" panose="02020603050405020304" pitchFamily="18" charset="0"/>
               </a:rPr>
               <a:t>PWM </a:t>
@@ -11796,7 +10300,7 @@
                   <a:schemeClr val="tx1"/>
                 </a:solidFill>
                 <a:latin typeface="Times New Roman" panose="02020603050405020304" pitchFamily="18" charset="0"/>
-                <a:ea typeface="CMU Sans Serif Medium" panose="02000603000000000000" pitchFamily="2" charset="0"/>
+                <a:ea typeface="微軟正黑體" panose="020B0604030504040204" pitchFamily="34" charset="-120"/>
                 <a:cs typeface="Times New Roman" panose="02020603050405020304" pitchFamily="18" charset="0"/>
               </a:rPr>
               <a:t>訊號連接至驅動器 </a:t>
@@ -11807,7 +10311,7 @@
                   <a:schemeClr val="tx1"/>
                 </a:solidFill>
                 <a:latin typeface="Times New Roman" panose="02020603050405020304" pitchFamily="18" charset="0"/>
-                <a:ea typeface="CMU Sans Serif Medium" panose="02000603000000000000" pitchFamily="2" charset="0"/>
+                <a:ea typeface="微軟正黑體" panose="020B0604030504040204" pitchFamily="34" charset="-120"/>
                 <a:cs typeface="Times New Roman" panose="02020603050405020304" pitchFamily="18" charset="0"/>
               </a:rPr>
               <a:t>CN7 </a:t>
@@ -11818,7 +10322,7 @@
                   <a:schemeClr val="tx1"/>
                 </a:solidFill>
                 <a:latin typeface="Times New Roman" panose="02020603050405020304" pitchFamily="18" charset="0"/>
-                <a:ea typeface="CMU Sans Serif Medium" panose="02000603000000000000" pitchFamily="2" charset="0"/>
+                <a:ea typeface="微軟正黑體" panose="020B0604030504040204" pitchFamily="34" charset="-120"/>
                 <a:cs typeface="Times New Roman" panose="02020603050405020304" pitchFamily="18" charset="0"/>
               </a:rPr>
               <a:t>接口的 </a:t>
@@ -11829,7 +10333,7 @@
                   <a:schemeClr val="tx1"/>
                 </a:solidFill>
                 <a:latin typeface="Times New Roman" panose="02020603050405020304" pitchFamily="18" charset="0"/>
-                <a:ea typeface="CMU Sans Serif Medium" panose="02000603000000000000" pitchFamily="2" charset="0"/>
+                <a:ea typeface="微軟正黑體" panose="020B0604030504040204" pitchFamily="34" charset="-120"/>
                 <a:cs typeface="Times New Roman" panose="02020603050405020304" pitchFamily="18" charset="0"/>
               </a:rPr>
               <a:t>XH0+ (Pin 17) </a:t>
@@ -11840,7 +10344,7 @@
                   <a:schemeClr val="tx1"/>
                 </a:solidFill>
                 <a:latin typeface="Times New Roman" panose="02020603050405020304" pitchFamily="18" charset="0"/>
-                <a:ea typeface="CMU Sans Serif Medium" panose="02000603000000000000" pitchFamily="2" charset="0"/>
+                <a:ea typeface="微軟正黑體" panose="020B0604030504040204" pitchFamily="34" charset="-120"/>
                 <a:cs typeface="Times New Roman" panose="02020603050405020304" pitchFamily="18" charset="0"/>
               </a:rPr>
               <a:t>與 </a:t>
@@ -11851,7 +10355,7 @@
                   <a:schemeClr val="tx1"/>
                 </a:solidFill>
                 <a:latin typeface="Times New Roman" panose="02020603050405020304" pitchFamily="18" charset="0"/>
-                <a:ea typeface="CMU Sans Serif Medium" panose="02000603000000000000" pitchFamily="2" charset="0"/>
+                <a:ea typeface="微軟正黑體" panose="020B0604030504040204" pitchFamily="34" charset="-120"/>
                 <a:cs typeface="Times New Roman" panose="02020603050405020304" pitchFamily="18" charset="0"/>
               </a:rPr>
               <a:t>XH0- (Pin 19) </a:t>
@@ -11875,7 +10379,7 @@
                   <a:schemeClr val="tx1"/>
                 </a:solidFill>
                 <a:latin typeface="Times New Roman" panose="02020603050405020304" pitchFamily="18" charset="0"/>
-                <a:ea typeface="CMU Sans Serif Medium" panose="02000603000000000000" pitchFamily="2" charset="0"/>
+                <a:ea typeface="微軟正黑體" panose="020B0604030504040204" pitchFamily="34" charset="-120"/>
                 <a:cs typeface="Times New Roman" panose="02020603050405020304" pitchFamily="18" charset="0"/>
               </a:rPr>
               <a:t>抗干擾設計：採用差動輸入（或模擬差動接法），增強工廠環境下的抗雜訊能力</a:t>
@@ -11885,7 +10389,7 @@
                 <a:schemeClr val="tx1"/>
               </a:solidFill>
               <a:latin typeface="Times New Roman" panose="02020603050405020304" pitchFamily="18" charset="0"/>
-              <a:ea typeface="CMU Sans Serif Medium" panose="02000603000000000000" pitchFamily="2" charset="0"/>
+              <a:ea typeface="微軟正黑體" panose="020B0604030504040204" pitchFamily="34" charset="-120"/>
               <a:cs typeface="Times New Roman" panose="02020603050405020304" pitchFamily="18" charset="0"/>
             </a:endParaRPr>
           </a:p>
@@ -11907,7 +10411,7 @@
                   <a:schemeClr val="tx1"/>
                 </a:solidFill>
                 <a:latin typeface="Times New Roman" panose="02020603050405020304" pitchFamily="18" charset="0"/>
-                <a:ea typeface="CMU Sans Serif Medium" panose="02000603000000000000" pitchFamily="2" charset="0"/>
+                <a:ea typeface="微軟正黑體" panose="020B0604030504040204" pitchFamily="34" charset="-120"/>
                 <a:cs typeface="Times New Roman" panose="02020603050405020304" pitchFamily="18" charset="0"/>
               </a:rPr>
               <a:t>方向控制</a:t>
@@ -11917,7 +10421,7 @@
                 <a:schemeClr val="tx1"/>
               </a:solidFill>
               <a:latin typeface="Times New Roman" panose="02020603050405020304" pitchFamily="18" charset="0"/>
-              <a:ea typeface="CMU Sans Serif Medium" panose="02000603000000000000" pitchFamily="2" charset="0"/>
+              <a:ea typeface="微軟正黑體" panose="020B0604030504040204" pitchFamily="34" charset="-120"/>
               <a:cs typeface="Times New Roman" panose="02020603050405020304" pitchFamily="18" charset="0"/>
             </a:endParaRPr>
           </a:p>
@@ -11939,7 +10443,7 @@
                   <a:schemeClr val="tx1"/>
                 </a:solidFill>
                 <a:latin typeface="Times New Roman" panose="02020603050405020304" pitchFamily="18" charset="0"/>
-                <a:ea typeface="CMU Sans Serif Medium" panose="02000603000000000000" pitchFamily="2" charset="0"/>
+                <a:ea typeface="微軟正黑體" panose="020B0604030504040204" pitchFamily="34" charset="-120"/>
                 <a:cs typeface="Times New Roman" panose="02020603050405020304" pitchFamily="18" charset="0"/>
               </a:rPr>
               <a:t>STM32 GPIO </a:t>
@@ -11950,7 +10454,7 @@
                   <a:schemeClr val="tx1"/>
                 </a:solidFill>
                 <a:latin typeface="Times New Roman" panose="02020603050405020304" pitchFamily="18" charset="0"/>
-                <a:ea typeface="CMU Sans Serif Medium" panose="02000603000000000000" pitchFamily="2" charset="0"/>
+                <a:ea typeface="微軟正黑體" panose="020B0604030504040204" pitchFamily="34" charset="-120"/>
                 <a:cs typeface="Times New Roman" panose="02020603050405020304" pitchFamily="18" charset="0"/>
               </a:rPr>
               <a:t>連接至 </a:t>
@@ -11961,7 +10465,7 @@
                   <a:schemeClr val="tx1"/>
                 </a:solidFill>
                 <a:latin typeface="Times New Roman" panose="02020603050405020304" pitchFamily="18" charset="0"/>
-                <a:ea typeface="CMU Sans Serif Medium" panose="02000603000000000000" pitchFamily="2" charset="0"/>
+                <a:ea typeface="微軟正黑體" panose="020B0604030504040204" pitchFamily="34" charset="-120"/>
                 <a:cs typeface="Times New Roman" panose="02020603050405020304" pitchFamily="18" charset="0"/>
               </a:rPr>
               <a:t>XH1+ (Pin 21) </a:t>
@@ -11972,7 +10476,7 @@
                   <a:schemeClr val="tx1"/>
                 </a:solidFill>
                 <a:latin typeface="Times New Roman" panose="02020603050405020304" pitchFamily="18" charset="0"/>
-                <a:ea typeface="CMU Sans Serif Medium" panose="02000603000000000000" pitchFamily="2" charset="0"/>
+                <a:ea typeface="微軟正黑體" panose="020B0604030504040204" pitchFamily="34" charset="-120"/>
                 <a:cs typeface="Times New Roman" panose="02020603050405020304" pitchFamily="18" charset="0"/>
               </a:rPr>
               <a:t>與 </a:t>
@@ -11983,7 +10487,7 @@
                   <a:schemeClr val="tx1"/>
                 </a:solidFill>
                 <a:latin typeface="Times New Roman" panose="02020603050405020304" pitchFamily="18" charset="0"/>
-                <a:ea typeface="CMU Sans Serif Medium" panose="02000603000000000000" pitchFamily="2" charset="0"/>
+                <a:ea typeface="微軟正黑體" panose="020B0604030504040204" pitchFamily="34" charset="-120"/>
                 <a:cs typeface="Times New Roman" panose="02020603050405020304" pitchFamily="18" charset="0"/>
               </a:rPr>
               <a:t>XH1- (Pin 23) </a:t>
@@ -11994,7 +10498,7 @@
                   <a:schemeClr val="tx1"/>
                 </a:solidFill>
                 <a:latin typeface="Times New Roman" panose="02020603050405020304" pitchFamily="18" charset="0"/>
-                <a:ea typeface="CMU Sans Serif Medium" panose="02000603000000000000" pitchFamily="2" charset="0"/>
+                <a:ea typeface="微軟正黑體" panose="020B0604030504040204" pitchFamily="34" charset="-120"/>
                 <a:cs typeface="Times New Roman" panose="02020603050405020304" pitchFamily="18" charset="0"/>
               </a:rPr>
               <a:t>控制 </a:t>
@@ -12005,7 +10509,7 @@
                   <a:schemeClr val="tx1"/>
                 </a:solidFill>
                 <a:latin typeface="Times New Roman" panose="02020603050405020304" pitchFamily="18" charset="0"/>
-                <a:ea typeface="CMU Sans Serif Medium" panose="02000603000000000000" pitchFamily="2" charset="0"/>
+                <a:ea typeface="微軟正黑體" panose="020B0604030504040204" pitchFamily="34" charset="-120"/>
                 <a:cs typeface="Times New Roman" panose="02020603050405020304" pitchFamily="18" charset="0"/>
               </a:rPr>
               <a:t>CW/CCW </a:t>
@@ -12029,7 +10533,7 @@
                   <a:schemeClr val="tx1"/>
                 </a:solidFill>
                 <a:latin typeface="Times New Roman" panose="02020603050405020304" pitchFamily="18" charset="0"/>
-                <a:ea typeface="CMU Sans Serif Medium" panose="02000603000000000000" pitchFamily="2" charset="0"/>
+                <a:ea typeface="微軟正黑體" panose="020B0604030504040204" pitchFamily="34" charset="-120"/>
                 <a:cs typeface="Times New Roman" panose="02020603050405020304" pitchFamily="18" charset="0"/>
               </a:rPr>
               <a:t>速度回授</a:t>
@@ -12039,7 +10543,7 @@
                 <a:schemeClr val="tx1"/>
               </a:solidFill>
               <a:latin typeface="Times New Roman" panose="02020603050405020304" pitchFamily="18" charset="0"/>
-              <a:ea typeface="CMU Sans Serif Medium" panose="02000603000000000000" pitchFamily="2" charset="0"/>
+              <a:ea typeface="微軟正黑體" panose="020B0604030504040204" pitchFamily="34" charset="-120"/>
               <a:cs typeface="Times New Roman" panose="02020603050405020304" pitchFamily="18" charset="0"/>
             </a:endParaRPr>
           </a:p>
@@ -12061,7 +10565,7 @@
                   <a:schemeClr val="tx1"/>
                 </a:solidFill>
                 <a:latin typeface="Times New Roman" panose="02020603050405020304" pitchFamily="18" charset="0"/>
-                <a:ea typeface="CMU Sans Serif Medium" panose="02000603000000000000" pitchFamily="2" charset="0"/>
+                <a:ea typeface="微軟正黑體" panose="020B0604030504040204" pitchFamily="34" charset="-120"/>
                 <a:cs typeface="Times New Roman" panose="02020603050405020304" pitchFamily="18" charset="0"/>
               </a:rPr>
               <a:t>讀取驅動器的 </a:t>
@@ -12072,7 +10576,7 @@
                   <a:schemeClr val="tx1"/>
                 </a:solidFill>
                 <a:latin typeface="Times New Roman" panose="02020603050405020304" pitchFamily="18" charset="0"/>
-                <a:ea typeface="CMU Sans Serif Medium" panose="02000603000000000000" pitchFamily="2" charset="0"/>
+                <a:ea typeface="微軟正黑體" panose="020B0604030504040204" pitchFamily="34" charset="-120"/>
                 <a:cs typeface="Times New Roman" panose="02020603050405020304" pitchFamily="18" charset="0"/>
               </a:rPr>
               <a:t>SPD-OUT </a:t>
@@ -12083,7 +10587,7 @@
                   <a:schemeClr val="tx1"/>
                 </a:solidFill>
                 <a:latin typeface="Times New Roman" panose="02020603050405020304" pitchFamily="18" charset="0"/>
-                <a:ea typeface="CMU Sans Serif Medium" panose="02000603000000000000" pitchFamily="2" charset="0"/>
+                <a:ea typeface="微軟正黑體" panose="020B0604030504040204" pitchFamily="34" charset="-120"/>
                 <a:cs typeface="Times New Roman" panose="02020603050405020304" pitchFamily="18" charset="0"/>
               </a:rPr>
               <a:t>訊號（需配置數位輸出功能），將馬達轉速回傳至 </a:t>
@@ -12094,7 +10598,7 @@
                   <a:schemeClr val="tx1"/>
                 </a:solidFill>
                 <a:latin typeface="Times New Roman" panose="02020603050405020304" pitchFamily="18" charset="0"/>
-                <a:ea typeface="CMU Sans Serif Medium" panose="02000603000000000000" pitchFamily="2" charset="0"/>
+                <a:ea typeface="微軟正黑體" panose="020B0604030504040204" pitchFamily="34" charset="-120"/>
                 <a:cs typeface="Times New Roman" panose="02020603050405020304" pitchFamily="18" charset="0"/>
               </a:rPr>
               <a:t>STM32</a:t>
@@ -12118,7 +10622,7 @@
                 <a:schemeClr val="tx1"/>
               </a:solidFill>
               <a:latin typeface="Times New Roman" panose="02020603050405020304" pitchFamily="18" charset="0"/>
-              <a:ea typeface="CMU Sans Serif Medium" panose="02000603000000000000" pitchFamily="2" charset="0"/>
+              <a:ea typeface="微軟正黑體" panose="020B0604030504040204" pitchFamily="34" charset="-120"/>
               <a:cs typeface="Times New Roman" panose="02020603050405020304" pitchFamily="18" charset="0"/>
             </a:endParaRPr>
           </a:p>
@@ -12140,7 +10644,7 @@
                 <a:schemeClr val="tx1"/>
               </a:solidFill>
               <a:latin typeface="Times New Roman" panose="02020603050405020304" pitchFamily="18" charset="0"/>
-              <a:ea typeface="CMU Sans Serif Medium" panose="02000603000000000000" pitchFamily="2" charset="0"/>
+              <a:ea typeface="微軟正黑體" panose="020B0604030504040204" pitchFamily="34" charset="-120"/>
               <a:cs typeface="Times New Roman" panose="02020603050405020304" pitchFamily="18" charset="0"/>
             </a:endParaRPr>
           </a:p>
@@ -12162,7 +10666,7 @@
                 <a:schemeClr val="tx1"/>
               </a:solidFill>
               <a:latin typeface="Times New Roman" panose="02020603050405020304" pitchFamily="18" charset="0"/>
-              <a:ea typeface="CMU Sans Serif Medium" panose="02000603000000000000" pitchFamily="2" charset="0"/>
+              <a:ea typeface="微軟正黑體" panose="020B0604030504040204" pitchFamily="34" charset="-120"/>
               <a:cs typeface="Times New Roman" panose="02020603050405020304" pitchFamily="18" charset="0"/>
             </a:endParaRPr>
           </a:p>
@@ -12184,7 +10688,7 @@
                 <a:schemeClr val="tx1"/>
               </a:solidFill>
               <a:latin typeface="Times New Roman" panose="02020603050405020304" pitchFamily="18" charset="0"/>
-              <a:ea typeface="CMU Sans Serif Medium" panose="02000603000000000000" pitchFamily="2" charset="0"/>
+              <a:ea typeface="微軟正黑體" panose="020B0604030504040204" pitchFamily="34" charset="-120"/>
               <a:cs typeface="Times New Roman" panose="02020603050405020304" pitchFamily="18" charset="0"/>
             </a:endParaRPr>
           </a:p>
@@ -12206,7 +10710,7 @@
                 <a:schemeClr val="tx1"/>
               </a:solidFill>
               <a:latin typeface="Times New Roman" panose="02020603050405020304" pitchFamily="18" charset="0"/>
-              <a:ea typeface="CMU Sans Serif Medium" panose="02000603000000000000" pitchFamily="2" charset="0"/>
+              <a:ea typeface="微軟正黑體" panose="020B0604030504040204" pitchFamily="34" charset="-120"/>
               <a:cs typeface="Times New Roman" panose="02020603050405020304" pitchFamily="18" charset="0"/>
             </a:endParaRPr>
           </a:p>
@@ -12228,7 +10732,7 @@
                 <a:schemeClr val="tx1"/>
               </a:solidFill>
               <a:latin typeface="Times New Roman" panose="02020603050405020304" pitchFamily="18" charset="0"/>
-              <a:ea typeface="CMU Sans Serif Medium" panose="02000603000000000000" pitchFamily="2" charset="0"/>
+              <a:ea typeface="微軟正黑體" panose="020B0604030504040204" pitchFamily="34" charset="-120"/>
               <a:cs typeface="Times New Roman" panose="02020603050405020304" pitchFamily="18" charset="0"/>
             </a:endParaRPr>
           </a:p>
@@ -12250,7 +10754,7 @@
                 <a:schemeClr val="tx1"/>
               </a:solidFill>
               <a:latin typeface="Times New Roman" panose="02020603050405020304" pitchFamily="18" charset="0"/>
-              <a:ea typeface="CMU Sans Serif Medium" panose="02000603000000000000" pitchFamily="2" charset="0"/>
+              <a:ea typeface="微軟正黑體" panose="020B0604030504040204" pitchFamily="34" charset="-120"/>
               <a:cs typeface="Times New Roman" panose="02020603050405020304" pitchFamily="18" charset="0"/>
             </a:endParaRPr>
           </a:p>
@@ -12272,7 +10776,7 @@
                 <a:schemeClr val="tx1"/>
               </a:solidFill>
               <a:latin typeface="Times New Roman" panose="02020603050405020304" pitchFamily="18" charset="0"/>
-              <a:ea typeface="CMU Sans Serif Medium" panose="02000603000000000000" pitchFamily="2" charset="0"/>
+              <a:ea typeface="微軟正黑體" panose="020B0604030504040204" pitchFamily="34" charset="-120"/>
               <a:cs typeface="Times New Roman" panose="02020603050405020304" pitchFamily="18" charset="0"/>
             </a:endParaRPr>
           </a:p>
@@ -12294,7 +10798,7 @@
                 <a:schemeClr val="tx1"/>
               </a:solidFill>
               <a:latin typeface="Times New Roman" panose="02020603050405020304" pitchFamily="18" charset="0"/>
-              <a:ea typeface="CMU Sans Serif Medium" panose="02000603000000000000" pitchFamily="2" charset="0"/>
+              <a:ea typeface="微軟正黑體" panose="020B0604030504040204" pitchFamily="34" charset="-120"/>
               <a:cs typeface="Times New Roman" panose="02020603050405020304" pitchFamily="18" charset="0"/>
             </a:endParaRPr>
           </a:p>
@@ -12316,7 +10820,7 @@
                 <a:schemeClr val="tx1"/>
               </a:solidFill>
               <a:latin typeface="Times New Roman" panose="02020603050405020304" pitchFamily="18" charset="0"/>
-              <a:ea typeface="CMU Sans Serif Medium" panose="02000603000000000000" pitchFamily="2" charset="0"/>
+              <a:ea typeface="微軟正黑體" panose="020B0604030504040204" pitchFamily="34" charset="-120"/>
               <a:cs typeface="Times New Roman" panose="02020603050405020304" pitchFamily="18" charset="0"/>
             </a:endParaRPr>
           </a:p>
@@ -12338,7 +10842,7 @@
                 <a:schemeClr val="tx1"/>
               </a:solidFill>
               <a:latin typeface="Times New Roman" panose="02020603050405020304" pitchFamily="18" charset="0"/>
-              <a:ea typeface="CMU Sans Serif Medium" panose="02000603000000000000" pitchFamily="2" charset="0"/>
+              <a:ea typeface="微軟正黑體" panose="020B0604030504040204" pitchFamily="34" charset="-120"/>
               <a:cs typeface="Times New Roman" panose="02020603050405020304" pitchFamily="18" charset="0"/>
             </a:endParaRPr>
           </a:p>
@@ -12361,7 +10865,7 @@
                   <a:schemeClr val="tx1"/>
                 </a:solidFill>
                 <a:latin typeface="Times New Roman" panose="02020603050405020304" pitchFamily="18" charset="0"/>
-                <a:ea typeface="CMU Sans Serif Medium" panose="02000603000000000000" pitchFamily="2" charset="0"/>
+                <a:ea typeface="微軟正黑體" panose="020B0604030504040204" pitchFamily="34" charset="-120"/>
                 <a:cs typeface="Times New Roman" panose="02020603050405020304" pitchFamily="18" charset="0"/>
               </a:rPr>
               <a:t>Zheng, C., &amp; Zhang, F. (2025). FAST-Calib: LiDAR-Camera Extrinsic Calibration in One Second. </a:t>
@@ -12372,7 +10876,7 @@
                   <a:schemeClr val="tx1"/>
                 </a:solidFill>
                 <a:latin typeface="Times New Roman" panose="02020603050405020304" pitchFamily="18" charset="0"/>
-                <a:ea typeface="CMU Sans Serif Medium" panose="02000603000000000000" pitchFamily="2" charset="0"/>
+                <a:ea typeface="微軟正黑體" panose="020B0604030504040204" pitchFamily="34" charset="-120"/>
                 <a:cs typeface="Times New Roman" panose="02020603050405020304" pitchFamily="18" charset="0"/>
               </a:rPr>
               <a:t>arXiv:2507.17210</a:t>
@@ -12383,7 +10887,7 @@
                   <a:schemeClr val="tx1"/>
                 </a:solidFill>
                 <a:latin typeface="Times New Roman" panose="02020603050405020304" pitchFamily="18" charset="0"/>
-                <a:ea typeface="CMU Sans Serif Medium" panose="02000603000000000000" pitchFamily="2" charset="0"/>
+                <a:ea typeface="微軟正黑體" panose="020B0604030504040204" pitchFamily="34" charset="-120"/>
                 <a:cs typeface="Times New Roman" panose="02020603050405020304" pitchFamily="18" charset="0"/>
               </a:rPr>
               <a:t>. https://</a:t>
@@ -12394,7 +10898,7 @@
                   <a:schemeClr val="tx1"/>
                 </a:solidFill>
                 <a:latin typeface="Times New Roman" panose="02020603050405020304" pitchFamily="18" charset="0"/>
-                <a:ea typeface="CMU Sans Serif Medium" panose="02000603000000000000" pitchFamily="2" charset="0"/>
+                <a:ea typeface="微軟正黑體" panose="020B0604030504040204" pitchFamily="34" charset="-120"/>
                 <a:cs typeface="Times New Roman" panose="02020603050405020304" pitchFamily="18" charset="0"/>
               </a:rPr>
               <a:t>arxiv.org</a:t>
@@ -12405,7 +10909,7 @@
                   <a:schemeClr val="tx1"/>
                 </a:solidFill>
                 <a:latin typeface="Times New Roman" panose="02020603050405020304" pitchFamily="18" charset="0"/>
-                <a:ea typeface="CMU Sans Serif Medium" panose="02000603000000000000" pitchFamily="2" charset="0"/>
+                <a:ea typeface="微軟正黑體" panose="020B0604030504040204" pitchFamily="34" charset="-120"/>
                 <a:cs typeface="Times New Roman" panose="02020603050405020304" pitchFamily="18" charset="0"/>
               </a:rPr>
               <a:t>/abs/2507.17210</a:t>
@@ -12415,7 +10919,7 @@
                 <a:schemeClr val="tx1"/>
               </a:solidFill>
               <a:latin typeface="Times New Roman" panose="02020603050405020304" pitchFamily="18" charset="0"/>
-              <a:ea typeface="CMU Sans Serif Medium" panose="02000603000000000000" pitchFamily="2" charset="0"/>
+              <a:ea typeface="微軟正黑體" panose="020B0604030504040204" pitchFamily="34" charset="-120"/>
               <a:cs typeface="Times New Roman" panose="02020603050405020304" pitchFamily="18" charset="0"/>
             </a:endParaRPr>
           </a:p>
@@ -12444,7 +10948,7 @@
           <a:p>
             <a:fld id="{87E85E0C-F6DF-4C2C-9974-C2547ED92EE1}" type="slidenum">
               <a:rPr lang="zh-TW" altLang="en-US" smtClean="0"/>
-              <a:t>5</a:t>
+              <a:t>4</a:t>
             </a:fld>
             <a:endParaRPr lang="zh-TW" altLang="en-US" dirty="0"/>
           </a:p>
@@ -12577,7 +11081,7 @@
 </p:sld>
 </file>
 
-<file path=ppt/slides/slide6.xml><?xml version="1.0" encoding="utf-8"?>
+<file path=ppt/slides/slide5.xml><?xml version="1.0" encoding="utf-8"?>
 <p:sld xmlns:a="http://schemas.openxmlformats.org/drawingml/2006/main" xmlns:r="http://schemas.openxmlformats.org/officeDocument/2006/relationships" xmlns:p="http://schemas.openxmlformats.org/presentationml/2006/main">
   <p:cSld>
     <p:spTree>
@@ -13190,182 +11694,22 @@
                   <a:schemeClr val="tx1"/>
                 </a:solidFill>
                 <a:latin typeface="Times New Roman" panose="02020603050405020304" pitchFamily="18" charset="0"/>
-                <a:ea typeface="CMU Sans Serif Medium" panose="02000603000000000000" pitchFamily="2" charset="0"/>
+                <a:ea typeface="微軟正黑體" panose="020B0604030504040204" pitchFamily="34" charset="-120"/>
                 <a:cs typeface="Times New Roman" panose="02020603050405020304" pitchFamily="18" charset="0"/>
               </a:rPr>
               <a:t>安全與能量管理</a:t>
-            </a:r>
-            <a:r>
-              <a:rPr lang="en-US" altLang="zh-TW" sz="1400" dirty="0">
-                <a:solidFill>
-                  <a:schemeClr val="tx1"/>
-                </a:solidFill>
-                <a:latin typeface="Times New Roman" panose="02020603050405020304" pitchFamily="18" charset="0"/>
-                <a:ea typeface="CMU Sans Serif Medium" panose="02000603000000000000" pitchFamily="2" charset="0"/>
-                <a:cs typeface="Times New Roman" panose="02020603050405020304" pitchFamily="18" charset="0"/>
-              </a:rPr>
-              <a:t>(Safety </a:t>
-            </a:r>
-            <a:r>
-              <a:rPr lang="en-US" altLang="zh-TW" sz="1400" dirty="0" err="1">
-                <a:solidFill>
-                  <a:schemeClr val="tx1"/>
-                </a:solidFill>
-                <a:latin typeface="Times New Roman" panose="02020603050405020304" pitchFamily="18" charset="0"/>
-                <a:ea typeface="CMU Sans Serif Medium" panose="02000603000000000000" pitchFamily="2" charset="0"/>
-                <a:cs typeface="Times New Roman" panose="02020603050405020304" pitchFamily="18" charset="0"/>
-              </a:rPr>
-              <a:t>Criticals</a:t>
-            </a:r>
-            <a:r>
-              <a:rPr lang="en-US" altLang="zh-TW" sz="1400" dirty="0">
-                <a:solidFill>
-                  <a:schemeClr val="tx1"/>
-                </a:solidFill>
-                <a:latin typeface="Times New Roman" panose="02020603050405020304" pitchFamily="18" charset="0"/>
-                <a:ea typeface="CMU Sans Serif Medium" panose="02000603000000000000" pitchFamily="2" charset="0"/>
-                <a:cs typeface="Times New Roman" panose="02020603050405020304" pitchFamily="18" charset="0"/>
-              </a:rPr>
-              <a:t>)</a:t>
-            </a:r>
-          </a:p>
-          <a:p>
-            <a:pPr marL="857250" lvl="1" indent="-285750">
-              <a:lnSpc>
-                <a:spcPct val="100000"/>
-              </a:lnSpc>
-              <a:spcBef>
-                <a:spcPts val="800"/>
-              </a:spcBef>
-              <a:buClr>
-                <a:srgbClr val="3D98DE"/>
-              </a:buClr>
-            </a:pPr>
-            <a:r>
-              <a:rPr lang="zh-TW" altLang="en-US" sz="1400" dirty="0">
-                <a:solidFill>
-                  <a:schemeClr val="tx1"/>
-                </a:solidFill>
-                <a:latin typeface="Times New Roman" panose="02020603050405020304" pitchFamily="18" charset="0"/>
-                <a:ea typeface="CMU Sans Serif Medium" panose="02000603000000000000" pitchFamily="2" charset="0"/>
-                <a:cs typeface="Times New Roman" panose="02020603050405020304" pitchFamily="18" charset="0"/>
-              </a:rPr>
-              <a:t>回生電阻 </a:t>
-            </a:r>
-            <a:r>
-              <a:rPr lang="en-US" altLang="zh-TW" sz="1400" dirty="0">
-                <a:solidFill>
-                  <a:schemeClr val="tx1"/>
-                </a:solidFill>
-                <a:latin typeface="Times New Roman" panose="02020603050405020304" pitchFamily="18" charset="0"/>
-                <a:ea typeface="CMU Sans Serif Medium" panose="02000603000000000000" pitchFamily="2" charset="0"/>
-                <a:cs typeface="Times New Roman" panose="02020603050405020304" pitchFamily="18" charset="0"/>
-              </a:rPr>
-              <a:t>(Regenerative Resistor)</a:t>
-            </a:r>
-          </a:p>
-          <a:p>
-            <a:pPr marL="1314450" lvl="2" indent="-285750">
-              <a:lnSpc>
-                <a:spcPct val="100000"/>
-              </a:lnSpc>
-              <a:spcBef>
-                <a:spcPts val="800"/>
-              </a:spcBef>
-              <a:buClr>
-                <a:srgbClr val="3D98DE"/>
-              </a:buClr>
-            </a:pPr>
-            <a:r>
-              <a:rPr lang="zh-TW" altLang="en-US" sz="1400" dirty="0">
-                <a:solidFill>
-                  <a:schemeClr val="tx1"/>
-                </a:solidFill>
-                <a:latin typeface="Times New Roman" panose="02020603050405020304" pitchFamily="18" charset="0"/>
-                <a:ea typeface="CMU Sans Serif Medium" panose="02000603000000000000" pitchFamily="2" charset="0"/>
-                <a:cs typeface="Times New Roman" panose="02020603050405020304" pitchFamily="18" charset="0"/>
-              </a:rPr>
-              <a:t>連接於 </a:t>
-            </a:r>
-            <a:r>
-              <a:rPr lang="en-US" altLang="zh-TW" sz="1400" dirty="0">
-                <a:solidFill>
-                  <a:schemeClr val="tx1"/>
-                </a:solidFill>
-                <a:latin typeface="Times New Roman" panose="02020603050405020304" pitchFamily="18" charset="0"/>
-                <a:ea typeface="CMU Sans Serif Medium" panose="02000603000000000000" pitchFamily="2" charset="0"/>
-                <a:cs typeface="Times New Roman" panose="02020603050405020304" pitchFamily="18" charset="0"/>
-              </a:rPr>
-              <a:t>CN4 (R+/R-)</a:t>
-            </a:r>
-            <a:r>
-              <a:rPr lang="zh-TW" altLang="en-US" sz="1400" dirty="0">
-                <a:solidFill>
-                  <a:schemeClr val="tx1"/>
-                </a:solidFill>
-                <a:latin typeface="Times New Roman" panose="02020603050405020304" pitchFamily="18" charset="0"/>
-                <a:ea typeface="CMU Sans Serif Medium" panose="02000603000000000000" pitchFamily="2" charset="0"/>
-                <a:cs typeface="Times New Roman" panose="02020603050405020304" pitchFamily="18" charset="0"/>
-              </a:rPr>
-              <a:t>。當馬達急減速時，將反電動勢產生的回生能量轉換為熱能，防止驅動器過壓 </a:t>
-            </a:r>
-            <a:r>
-              <a:rPr lang="en-US" altLang="zh-TW" sz="1400" dirty="0">
-                <a:solidFill>
-                  <a:schemeClr val="tx1"/>
-                </a:solidFill>
-                <a:latin typeface="Times New Roman" panose="02020603050405020304" pitchFamily="18" charset="0"/>
-                <a:ea typeface="CMU Sans Serif Medium" panose="02000603000000000000" pitchFamily="2" charset="0"/>
-                <a:cs typeface="Times New Roman" panose="02020603050405020304" pitchFamily="18" charset="0"/>
-              </a:rPr>
-              <a:t>(OVP) </a:t>
-            </a:r>
-          </a:p>
-          <a:p>
-            <a:pPr marL="857250" lvl="1" indent="-285750">
-              <a:lnSpc>
-                <a:spcPct val="100000"/>
-              </a:lnSpc>
-              <a:spcBef>
-                <a:spcPts val="800"/>
-              </a:spcBef>
-              <a:buClr>
-                <a:srgbClr val="3D98DE"/>
-              </a:buClr>
-            </a:pPr>
-            <a:r>
-              <a:rPr lang="en-US" altLang="zh-TW" sz="1400" dirty="0">
-                <a:solidFill>
-                  <a:schemeClr val="tx1"/>
-                </a:solidFill>
-                <a:latin typeface="Times New Roman" panose="02020603050405020304" pitchFamily="18" charset="0"/>
-                <a:ea typeface="CMU Sans Serif Medium" panose="02000603000000000000" pitchFamily="2" charset="0"/>
-                <a:cs typeface="Times New Roman" panose="02020603050405020304" pitchFamily="18" charset="0"/>
-              </a:rPr>
-              <a:t>STO </a:t>
-            </a:r>
-            <a:r>
-              <a:rPr lang="zh-TW" altLang="en-US" sz="1400" dirty="0">
-                <a:solidFill>
-                  <a:schemeClr val="tx1"/>
-                </a:solidFill>
-                <a:latin typeface="Times New Roman" panose="02020603050405020304" pitchFamily="18" charset="0"/>
-                <a:ea typeface="CMU Sans Serif Medium" panose="02000603000000000000" pitchFamily="2" charset="0"/>
-                <a:cs typeface="Times New Roman" panose="02020603050405020304" pitchFamily="18" charset="0"/>
-              </a:rPr>
-              <a:t>安全扭矩關閉</a:t>
             </a:r>
             <a:endParaRPr lang="en-US" altLang="zh-TW" sz="1400" dirty="0">
               <a:solidFill>
                 <a:schemeClr val="tx1"/>
               </a:solidFill>
               <a:latin typeface="Times New Roman" panose="02020603050405020304" pitchFamily="18" charset="0"/>
-              <a:ea typeface="CMU Sans Serif Medium" panose="02000603000000000000" pitchFamily="2" charset="0"/>
+              <a:ea typeface="微軟正黑體" panose="020B0604030504040204" pitchFamily="34" charset="-120"/>
               <a:cs typeface="Times New Roman" panose="02020603050405020304" pitchFamily="18" charset="0"/>
             </a:endParaRPr>
           </a:p>
           <a:p>
-            <a:pPr marL="1314450" lvl="2" indent="-285750">
+            <a:pPr marL="857250" lvl="1" indent="-285750">
               <a:lnSpc>
                 <a:spcPct val="100000"/>
               </a:lnSpc>
@@ -13377,81 +11721,83 @@
               </a:buClr>
             </a:pPr>
             <a:r>
-              <a:rPr lang="en-US" altLang="zh-TW" sz="1400" dirty="0">
+              <a:rPr lang="zh-TW" altLang="en-US" sz="1400" dirty="0">
                 <a:solidFill>
                   <a:schemeClr val="tx1"/>
                 </a:solidFill>
                 <a:latin typeface="Times New Roman" panose="02020603050405020304" pitchFamily="18" charset="0"/>
-                <a:ea typeface="CMU Sans Serif Medium" panose="02000603000000000000" pitchFamily="2" charset="0"/>
+                <a:ea typeface="微軟正黑體" panose="020B0604030504040204" pitchFamily="34" charset="-120"/>
                 <a:cs typeface="Times New Roman" panose="02020603050405020304" pitchFamily="18" charset="0"/>
               </a:rPr>
-              <a:t>STO1 (Pin 25) </a:t>
-            </a:r>
-            <a:r>
-              <a:rPr lang="zh-TW" altLang="en-US" sz="1400" dirty="0">
-                <a:solidFill>
-                  <a:schemeClr val="tx1"/>
-                </a:solidFill>
-                <a:latin typeface="Times New Roman" panose="02020603050405020304" pitchFamily="18" charset="0"/>
-                <a:ea typeface="CMU Sans Serif Medium" panose="02000603000000000000" pitchFamily="2" charset="0"/>
-                <a:cs typeface="Times New Roman" panose="02020603050405020304" pitchFamily="18" charset="0"/>
-              </a:rPr>
-              <a:t>與 </a:t>
-            </a:r>
-            <a:r>
-              <a:rPr lang="en-US" altLang="zh-TW" sz="1400" dirty="0">
-                <a:solidFill>
-                  <a:schemeClr val="tx1"/>
-                </a:solidFill>
-                <a:latin typeface="Times New Roman" panose="02020603050405020304" pitchFamily="18" charset="0"/>
-                <a:ea typeface="CMU Sans Serif Medium" panose="02000603000000000000" pitchFamily="2" charset="0"/>
-                <a:cs typeface="Times New Roman" panose="02020603050405020304" pitchFamily="18" charset="0"/>
-              </a:rPr>
-              <a:t>STO2 (Pin 26) </a:t>
-            </a:r>
-            <a:r>
-              <a:rPr lang="zh-TW" altLang="en-US" sz="1400" dirty="0">
-                <a:solidFill>
-                  <a:schemeClr val="tx1"/>
-                </a:solidFill>
-                <a:latin typeface="Times New Roman" panose="02020603050405020304" pitchFamily="18" charset="0"/>
-                <a:ea typeface="CMU Sans Serif Medium" panose="02000603000000000000" pitchFamily="2" charset="0"/>
-                <a:cs typeface="Times New Roman" panose="02020603050405020304" pitchFamily="18" charset="0"/>
-              </a:rPr>
-              <a:t>必須接入 </a:t>
-            </a:r>
-            <a:r>
-              <a:rPr lang="en-US" altLang="zh-TW" sz="1400" dirty="0">
-                <a:solidFill>
-                  <a:schemeClr val="tx1"/>
-                </a:solidFill>
-                <a:latin typeface="Times New Roman" panose="02020603050405020304" pitchFamily="18" charset="0"/>
-                <a:ea typeface="CMU Sans Serif Medium" panose="02000603000000000000" pitchFamily="2" charset="0"/>
-                <a:cs typeface="Times New Roman" panose="02020603050405020304" pitchFamily="18" charset="0"/>
-              </a:rPr>
-              <a:t>5~30V </a:t>
-            </a:r>
-            <a:r>
-              <a:rPr lang="zh-TW" altLang="en-US" sz="1400" dirty="0">
-                <a:solidFill>
-                  <a:schemeClr val="tx1"/>
-                </a:solidFill>
-                <a:latin typeface="Times New Roman" panose="02020603050405020304" pitchFamily="18" charset="0"/>
-                <a:ea typeface="CMU Sans Serif Medium" panose="02000603000000000000" pitchFamily="2" charset="0"/>
-                <a:cs typeface="Times New Roman" panose="02020603050405020304" pitchFamily="18" charset="0"/>
-              </a:rPr>
-              <a:t>電源。這是硬體級別的斷電保護，確保緊急狀況下能物理切斷動力 </a:t>
+              <a:t>回生電阻 </a:t>
             </a:r>
             <a:endParaRPr lang="en-US" altLang="zh-TW" sz="1400" dirty="0">
               <a:solidFill>
                 <a:schemeClr val="tx1"/>
               </a:solidFill>
               <a:latin typeface="Times New Roman" panose="02020603050405020304" pitchFamily="18" charset="0"/>
-              <a:ea typeface="CMU Sans Serif Medium" panose="02000603000000000000" pitchFamily="2" charset="0"/>
+              <a:ea typeface="微軟正黑體" panose="020B0604030504040204" pitchFamily="34" charset="-120"/>
               <a:cs typeface="Times New Roman" panose="02020603050405020304" pitchFamily="18" charset="0"/>
             </a:endParaRPr>
           </a:p>
           <a:p>
+            <a:pPr marL="1314450" lvl="2" indent="-285750">
+              <a:lnSpc>
+                <a:spcPct val="100000"/>
+              </a:lnSpc>
+              <a:spcBef>
+                <a:spcPts val="800"/>
+              </a:spcBef>
+              <a:buClr>
+                <a:srgbClr val="3D98DE"/>
+              </a:buClr>
+            </a:pPr>
+            <a:r>
+              <a:rPr lang="zh-TW" altLang="en-US" sz="1400" dirty="0">
+                <a:solidFill>
+                  <a:schemeClr val="tx1"/>
+                </a:solidFill>
+                <a:latin typeface="Times New Roman" panose="02020603050405020304" pitchFamily="18" charset="0"/>
+                <a:ea typeface="微軟正黑體" panose="020B0604030504040204" pitchFamily="34" charset="-120"/>
+                <a:cs typeface="Times New Roman" panose="02020603050405020304" pitchFamily="18" charset="0"/>
+              </a:rPr>
+              <a:t>連接於 </a:t>
+            </a:r>
+            <a:r>
+              <a:rPr lang="en-US" altLang="zh-TW" sz="1400" dirty="0">
+                <a:solidFill>
+                  <a:schemeClr val="tx1"/>
+                </a:solidFill>
+                <a:latin typeface="Times New Roman" panose="02020603050405020304" pitchFamily="18" charset="0"/>
+                <a:ea typeface="微軟正黑體" panose="020B0604030504040204" pitchFamily="34" charset="-120"/>
+                <a:cs typeface="Times New Roman" panose="02020603050405020304" pitchFamily="18" charset="0"/>
+              </a:rPr>
+              <a:t>CN4 (R+/R-)</a:t>
+            </a:r>
+            <a:r>
+              <a:rPr lang="zh-TW" altLang="en-US" sz="1400" dirty="0">
+                <a:solidFill>
+                  <a:schemeClr val="tx1"/>
+                </a:solidFill>
+                <a:latin typeface="Times New Roman" panose="02020603050405020304" pitchFamily="18" charset="0"/>
+                <a:ea typeface="微軟正黑體" panose="020B0604030504040204" pitchFamily="34" charset="-120"/>
+                <a:cs typeface="Times New Roman" panose="02020603050405020304" pitchFamily="18" charset="0"/>
+              </a:rPr>
+              <a:t>。當馬達急減速時，將反電動勢產生的回生能量轉換為熱能，防止驅動器過壓 </a:t>
+            </a:r>
+            <a:r>
+              <a:rPr lang="en-US" altLang="zh-TW" sz="1400" dirty="0">
+                <a:solidFill>
+                  <a:schemeClr val="tx1"/>
+                </a:solidFill>
+                <a:latin typeface="Times New Roman" panose="02020603050405020304" pitchFamily="18" charset="0"/>
+                <a:ea typeface="微軟正黑體" panose="020B0604030504040204" pitchFamily="34" charset="-120"/>
+                <a:cs typeface="Times New Roman" panose="02020603050405020304" pitchFamily="18" charset="0"/>
+              </a:rPr>
+              <a:t>(OVP) </a:t>
+            </a:r>
+          </a:p>
+          <a:p>
             <a:pPr marL="857250" lvl="1" indent="-285750">
               <a:lnSpc>
                 <a:spcPct val="100000"/>
@@ -13464,22 +11810,33 @@
               </a:buClr>
             </a:pPr>
             <a:r>
+              <a:rPr lang="en-US" altLang="zh-TW" sz="1400" dirty="0">
+                <a:solidFill>
+                  <a:schemeClr val="tx1"/>
+                </a:solidFill>
+                <a:latin typeface="Times New Roman" panose="02020603050405020304" pitchFamily="18" charset="0"/>
+                <a:ea typeface="微軟正黑體" panose="020B0604030504040204" pitchFamily="34" charset="-120"/>
+                <a:cs typeface="Times New Roman" panose="02020603050405020304" pitchFamily="18" charset="0"/>
+              </a:rPr>
+              <a:t>STO </a:t>
+            </a:r>
+            <a:r>
               <a:rPr lang="zh-TW" altLang="en-US" sz="1400" dirty="0">
                 <a:solidFill>
                   <a:schemeClr val="tx1"/>
                 </a:solidFill>
                 <a:latin typeface="Times New Roman" panose="02020603050405020304" pitchFamily="18" charset="0"/>
-                <a:ea typeface="CMU Sans Serif Medium" panose="02000603000000000000" pitchFamily="2" charset="0"/>
+                <a:ea typeface="微軟正黑體" panose="020B0604030504040204" pitchFamily="34" charset="-120"/>
                 <a:cs typeface="Times New Roman" panose="02020603050405020304" pitchFamily="18" charset="0"/>
               </a:rPr>
-              <a:t>接地系統</a:t>
+              <a:t>安全扭矩關閉</a:t>
             </a:r>
             <a:endParaRPr lang="en-US" altLang="zh-TW" sz="1400" dirty="0">
               <a:solidFill>
                 <a:schemeClr val="tx1"/>
               </a:solidFill>
               <a:latin typeface="Times New Roman" panose="02020603050405020304" pitchFamily="18" charset="0"/>
-              <a:ea typeface="CMU Sans Serif Medium" panose="02000603000000000000" pitchFamily="2" charset="0"/>
+              <a:ea typeface="微軟正黑體" panose="020B0604030504040204" pitchFamily="34" charset="-120"/>
               <a:cs typeface="Times New Roman" panose="02020603050405020304" pitchFamily="18" charset="0"/>
             </a:endParaRPr>
           </a:p>
@@ -13496,15 +11853,26 @@
               </a:buClr>
             </a:pPr>
             <a:r>
+              <a:rPr lang="en-US" altLang="zh-TW" sz="1400" dirty="0">
+                <a:solidFill>
+                  <a:schemeClr val="tx1"/>
+                </a:solidFill>
+                <a:latin typeface="Times New Roman" panose="02020603050405020304" pitchFamily="18" charset="0"/>
+                <a:ea typeface="微軟正黑體" panose="020B0604030504040204" pitchFamily="34" charset="-120"/>
+                <a:cs typeface="Times New Roman" panose="02020603050405020304" pitchFamily="18" charset="0"/>
+              </a:rPr>
+              <a:t>STO1 (Pin 25) </a:t>
+            </a:r>
+            <a:r>
               <a:rPr lang="zh-TW" altLang="en-US" sz="1400" dirty="0">
                 <a:solidFill>
                   <a:schemeClr val="tx1"/>
                 </a:solidFill>
                 <a:latin typeface="Times New Roman" panose="02020603050405020304" pitchFamily="18" charset="0"/>
-                <a:ea typeface="CMU Sans Serif Medium" panose="02000603000000000000" pitchFamily="2" charset="0"/>
+                <a:ea typeface="微軟正黑體" panose="020B0604030504040204" pitchFamily="34" charset="-120"/>
                 <a:cs typeface="Times New Roman" panose="02020603050405020304" pitchFamily="18" charset="0"/>
               </a:rPr>
-              <a:t>電源系統採用 </a:t>
+              <a:t>與 </a:t>
             </a:r>
             <a:r>
               <a:rPr lang="en-US" altLang="zh-TW" sz="1400" dirty="0">
@@ -13512,10 +11880,10 @@
                   <a:schemeClr val="tx1"/>
                 </a:solidFill>
                 <a:latin typeface="Times New Roman" panose="02020603050405020304" pitchFamily="18" charset="0"/>
-                <a:ea typeface="CMU Sans Serif Medium" panose="02000603000000000000" pitchFamily="2" charset="0"/>
+                <a:ea typeface="微軟正黑體" panose="020B0604030504040204" pitchFamily="34" charset="-120"/>
                 <a:cs typeface="Times New Roman" panose="02020603050405020304" pitchFamily="18" charset="0"/>
               </a:rPr>
-              <a:t>PELV (</a:t>
+              <a:t>STO2 (Pin 26) </a:t>
             </a:r>
             <a:r>
               <a:rPr lang="zh-TW" altLang="en-US" sz="1400" dirty="0">
@@ -13523,10 +11891,10 @@
                   <a:schemeClr val="tx1"/>
                 </a:solidFill>
                 <a:latin typeface="Times New Roman" panose="02020603050405020304" pitchFamily="18" charset="0"/>
-                <a:ea typeface="CMU Sans Serif Medium" panose="02000603000000000000" pitchFamily="2" charset="0"/>
+                <a:ea typeface="微軟正黑體" panose="020B0604030504040204" pitchFamily="34" charset="-120"/>
                 <a:cs typeface="Times New Roman" panose="02020603050405020304" pitchFamily="18" charset="0"/>
               </a:rPr>
-              <a:t>保護特低電壓</a:t>
+              <a:t>必須接入 </a:t>
             </a:r>
             <a:r>
               <a:rPr lang="en-US" altLang="zh-TW" sz="1400" dirty="0">
@@ -13534,10 +11902,10 @@
                   <a:schemeClr val="tx1"/>
                 </a:solidFill>
                 <a:latin typeface="Times New Roman" panose="02020603050405020304" pitchFamily="18" charset="0"/>
-                <a:ea typeface="CMU Sans Serif Medium" panose="02000603000000000000" pitchFamily="2" charset="0"/>
+                <a:ea typeface="微軟正黑體" panose="020B0604030504040204" pitchFamily="34" charset="-120"/>
                 <a:cs typeface="Times New Roman" panose="02020603050405020304" pitchFamily="18" charset="0"/>
               </a:rPr>
-              <a:t>) </a:t>
+              <a:t>5~30V </a:t>
             </a:r>
             <a:r>
               <a:rPr lang="zh-TW" altLang="en-US" sz="1400" dirty="0">
@@ -13545,17 +11913,125 @@
                   <a:schemeClr val="tx1"/>
                 </a:solidFill>
                 <a:latin typeface="Times New Roman" panose="02020603050405020304" pitchFamily="18" charset="0"/>
-                <a:ea typeface="CMU Sans Serif Medium" panose="02000603000000000000" pitchFamily="2" charset="0"/>
+                <a:ea typeface="微軟正黑體" panose="020B0604030504040204" pitchFamily="34" charset="-120"/>
                 <a:cs typeface="Times New Roman" panose="02020603050405020304" pitchFamily="18" charset="0"/>
               </a:rPr>
-              <a:t>接地方式，將電源負極接地，以導引電磁干擾與靜電</a:t>
+              <a:t>電源。這是硬體級別的斷電保護，確保緊急狀況下能物理切斷動力 </a:t>
             </a:r>
             <a:endParaRPr lang="en-US" altLang="zh-TW" sz="1400" dirty="0">
               <a:solidFill>
                 <a:schemeClr val="tx1"/>
               </a:solidFill>
               <a:latin typeface="Times New Roman" panose="02020603050405020304" pitchFamily="18" charset="0"/>
-              <a:ea typeface="CMU Sans Serif Medium" panose="02000603000000000000" pitchFamily="2" charset="0"/>
+              <a:ea typeface="微軟正黑體" panose="020B0604030504040204" pitchFamily="34" charset="-120"/>
+              <a:cs typeface="Times New Roman" panose="02020603050405020304" pitchFamily="18" charset="0"/>
+            </a:endParaRPr>
+          </a:p>
+          <a:p>
+            <a:pPr marL="857250" lvl="1" indent="-285750">
+              <a:lnSpc>
+                <a:spcPct val="100000"/>
+              </a:lnSpc>
+              <a:spcBef>
+                <a:spcPts val="800"/>
+              </a:spcBef>
+              <a:buClr>
+                <a:srgbClr val="3D98DE"/>
+              </a:buClr>
+            </a:pPr>
+            <a:r>
+              <a:rPr lang="zh-TW" altLang="en-US" sz="1400" dirty="0">
+                <a:solidFill>
+                  <a:schemeClr val="tx1"/>
+                </a:solidFill>
+                <a:latin typeface="Times New Roman" panose="02020603050405020304" pitchFamily="18" charset="0"/>
+                <a:ea typeface="微軟正黑體" panose="020B0604030504040204" pitchFamily="34" charset="-120"/>
+                <a:cs typeface="Times New Roman" panose="02020603050405020304" pitchFamily="18" charset="0"/>
+              </a:rPr>
+              <a:t>接地系統</a:t>
+            </a:r>
+            <a:endParaRPr lang="en-US" altLang="zh-TW" sz="1400" dirty="0">
+              <a:solidFill>
+                <a:schemeClr val="tx1"/>
+              </a:solidFill>
+              <a:latin typeface="Times New Roman" panose="02020603050405020304" pitchFamily="18" charset="0"/>
+              <a:ea typeface="微軟正黑體" panose="020B0604030504040204" pitchFamily="34" charset="-120"/>
+              <a:cs typeface="Times New Roman" panose="02020603050405020304" pitchFamily="18" charset="0"/>
+            </a:endParaRPr>
+          </a:p>
+          <a:p>
+            <a:pPr marL="1314450" lvl="2" indent="-285750">
+              <a:lnSpc>
+                <a:spcPct val="100000"/>
+              </a:lnSpc>
+              <a:spcBef>
+                <a:spcPts val="800"/>
+              </a:spcBef>
+              <a:buClr>
+                <a:srgbClr val="3D98DE"/>
+              </a:buClr>
+            </a:pPr>
+            <a:r>
+              <a:rPr lang="zh-TW" altLang="en-US" sz="1400" dirty="0">
+                <a:solidFill>
+                  <a:schemeClr val="tx1"/>
+                </a:solidFill>
+                <a:latin typeface="Times New Roman" panose="02020603050405020304" pitchFamily="18" charset="0"/>
+                <a:ea typeface="微軟正黑體" panose="020B0604030504040204" pitchFamily="34" charset="-120"/>
+                <a:cs typeface="Times New Roman" panose="02020603050405020304" pitchFamily="18" charset="0"/>
+              </a:rPr>
+              <a:t>電源系統採用 </a:t>
+            </a:r>
+            <a:r>
+              <a:rPr lang="en-US" altLang="zh-TW" sz="1400" dirty="0">
+                <a:solidFill>
+                  <a:schemeClr val="tx1"/>
+                </a:solidFill>
+                <a:latin typeface="Times New Roman" panose="02020603050405020304" pitchFamily="18" charset="0"/>
+                <a:ea typeface="微軟正黑體" panose="020B0604030504040204" pitchFamily="34" charset="-120"/>
+                <a:cs typeface="Times New Roman" panose="02020603050405020304" pitchFamily="18" charset="0"/>
+              </a:rPr>
+              <a:t>PELV (</a:t>
+            </a:r>
+            <a:r>
+              <a:rPr lang="zh-TW" altLang="en-US" sz="1400" dirty="0">
+                <a:solidFill>
+                  <a:schemeClr val="tx1"/>
+                </a:solidFill>
+                <a:latin typeface="Times New Roman" panose="02020603050405020304" pitchFamily="18" charset="0"/>
+                <a:ea typeface="微軟正黑體" panose="020B0604030504040204" pitchFamily="34" charset="-120"/>
+                <a:cs typeface="Times New Roman" panose="02020603050405020304" pitchFamily="18" charset="0"/>
+              </a:rPr>
+              <a:t>保護特低電壓</a:t>
+            </a:r>
+            <a:r>
+              <a:rPr lang="en-US" altLang="zh-TW" sz="1400" dirty="0">
+                <a:solidFill>
+                  <a:schemeClr val="tx1"/>
+                </a:solidFill>
+                <a:latin typeface="Times New Roman" panose="02020603050405020304" pitchFamily="18" charset="0"/>
+                <a:ea typeface="微軟正黑體" panose="020B0604030504040204" pitchFamily="34" charset="-120"/>
+                <a:cs typeface="Times New Roman" panose="02020603050405020304" pitchFamily="18" charset="0"/>
+              </a:rPr>
+              <a:t>) </a:t>
+            </a:r>
+            <a:r>
+              <a:rPr lang="zh-TW" altLang="en-US" sz="1400" dirty="0">
+                <a:solidFill>
+                  <a:schemeClr val="tx1"/>
+                </a:solidFill>
+                <a:latin typeface="Times New Roman" panose="02020603050405020304" pitchFamily="18" charset="0"/>
+                <a:ea typeface="微軟正黑體" panose="020B0604030504040204" pitchFamily="34" charset="-120"/>
+                <a:cs typeface="Times New Roman" panose="02020603050405020304" pitchFamily="18" charset="0"/>
+              </a:rPr>
+              <a:t>接地方式，將電源負極接地，以導引電磁干擾與靜電</a:t>
+            </a:r>
+            <a:endParaRPr lang="en-US" altLang="zh-TW" sz="1400" dirty="0">
+              <a:solidFill>
+                <a:schemeClr val="tx1"/>
+              </a:solidFill>
+              <a:latin typeface="Times New Roman" panose="02020603050405020304" pitchFamily="18" charset="0"/>
+              <a:ea typeface="微軟正黑體" panose="020B0604030504040204" pitchFamily="34" charset="-120"/>
               <a:cs typeface="Times New Roman" panose="02020603050405020304" pitchFamily="18" charset="0"/>
             </a:endParaRPr>
           </a:p>
@@ -13577,7 +12053,7 @@
                 <a:schemeClr val="tx1"/>
               </a:solidFill>
               <a:latin typeface="Times New Roman" panose="02020603050405020304" pitchFamily="18" charset="0"/>
-              <a:ea typeface="CMU Sans Serif Medium" panose="02000603000000000000" pitchFamily="2" charset="0"/>
+              <a:ea typeface="微軟正黑體" panose="020B0604030504040204" pitchFamily="34" charset="-120"/>
               <a:cs typeface="Times New Roman" panose="02020603050405020304" pitchFamily="18" charset="0"/>
             </a:endParaRPr>
           </a:p>
@@ -13599,7 +12075,7 @@
                 <a:schemeClr val="tx1"/>
               </a:solidFill>
               <a:latin typeface="Times New Roman" panose="02020603050405020304" pitchFamily="18" charset="0"/>
-              <a:ea typeface="CMU Sans Serif Medium" panose="02000603000000000000" pitchFamily="2" charset="0"/>
+              <a:ea typeface="微軟正黑體" panose="020B0604030504040204" pitchFamily="34" charset="-120"/>
               <a:cs typeface="Times New Roman" panose="02020603050405020304" pitchFamily="18" charset="0"/>
             </a:endParaRPr>
           </a:p>
@@ -13621,7 +12097,7 @@
                 <a:schemeClr val="tx1"/>
               </a:solidFill>
               <a:latin typeface="Times New Roman" panose="02020603050405020304" pitchFamily="18" charset="0"/>
-              <a:ea typeface="CMU Sans Serif Medium" panose="02000603000000000000" pitchFamily="2" charset="0"/>
+              <a:ea typeface="微軟正黑體" panose="020B0604030504040204" pitchFamily="34" charset="-120"/>
               <a:cs typeface="Times New Roman" panose="02020603050405020304" pitchFamily="18" charset="0"/>
             </a:endParaRPr>
           </a:p>
@@ -13643,7 +12119,7 @@
                 <a:schemeClr val="tx1"/>
               </a:solidFill>
               <a:latin typeface="Times New Roman" panose="02020603050405020304" pitchFamily="18" charset="0"/>
-              <a:ea typeface="CMU Sans Serif Medium" panose="02000603000000000000" pitchFamily="2" charset="0"/>
+              <a:ea typeface="微軟正黑體" panose="020B0604030504040204" pitchFamily="34" charset="-120"/>
               <a:cs typeface="Times New Roman" panose="02020603050405020304" pitchFamily="18" charset="0"/>
             </a:endParaRPr>
           </a:p>
@@ -13665,7 +12141,7 @@
                 <a:schemeClr val="tx1"/>
               </a:solidFill>
               <a:latin typeface="Times New Roman" panose="02020603050405020304" pitchFamily="18" charset="0"/>
-              <a:ea typeface="CMU Sans Serif Medium" panose="02000603000000000000" pitchFamily="2" charset="0"/>
+              <a:ea typeface="微軟正黑體" panose="020B0604030504040204" pitchFamily="34" charset="-120"/>
               <a:cs typeface="Times New Roman" panose="02020603050405020304" pitchFamily="18" charset="0"/>
             </a:endParaRPr>
           </a:p>
@@ -13687,7 +12163,7 @@
                 <a:schemeClr val="tx1"/>
               </a:solidFill>
               <a:latin typeface="Times New Roman" panose="02020603050405020304" pitchFamily="18" charset="0"/>
-              <a:ea typeface="CMU Sans Serif Medium" panose="02000603000000000000" pitchFamily="2" charset="0"/>
+              <a:ea typeface="微軟正黑體" panose="020B0604030504040204" pitchFamily="34" charset="-120"/>
               <a:cs typeface="Times New Roman" panose="02020603050405020304" pitchFamily="18" charset="0"/>
             </a:endParaRPr>
           </a:p>
@@ -13709,7 +12185,7 @@
                 <a:schemeClr val="tx1"/>
               </a:solidFill>
               <a:latin typeface="Times New Roman" panose="02020603050405020304" pitchFamily="18" charset="0"/>
-              <a:ea typeface="CMU Sans Serif Medium" panose="02000603000000000000" pitchFamily="2" charset="0"/>
+              <a:ea typeface="微軟正黑體" panose="020B0604030504040204" pitchFamily="34" charset="-120"/>
               <a:cs typeface="Times New Roman" panose="02020603050405020304" pitchFamily="18" charset="0"/>
             </a:endParaRPr>
           </a:p>
@@ -13731,7 +12207,7 @@
                 <a:schemeClr val="tx1"/>
               </a:solidFill>
               <a:latin typeface="Times New Roman" panose="02020603050405020304" pitchFamily="18" charset="0"/>
-              <a:ea typeface="CMU Sans Serif Medium" panose="02000603000000000000" pitchFamily="2" charset="0"/>
+              <a:ea typeface="微軟正黑體" panose="020B0604030504040204" pitchFamily="34" charset="-120"/>
               <a:cs typeface="Times New Roman" panose="02020603050405020304" pitchFamily="18" charset="0"/>
             </a:endParaRPr>
           </a:p>
@@ -13753,7 +12229,7 @@
                 <a:schemeClr val="tx1"/>
               </a:solidFill>
               <a:latin typeface="Times New Roman" panose="02020603050405020304" pitchFamily="18" charset="0"/>
-              <a:ea typeface="CMU Sans Serif Medium" panose="02000603000000000000" pitchFamily="2" charset="0"/>
+              <a:ea typeface="微軟正黑體" panose="020B0604030504040204" pitchFamily="34" charset="-120"/>
               <a:cs typeface="Times New Roman" panose="02020603050405020304" pitchFamily="18" charset="0"/>
             </a:endParaRPr>
           </a:p>
@@ -13775,7 +12251,7 @@
                 <a:schemeClr val="tx1"/>
               </a:solidFill>
               <a:latin typeface="Times New Roman" panose="02020603050405020304" pitchFamily="18" charset="0"/>
-              <a:ea typeface="CMU Sans Serif Medium" panose="02000603000000000000" pitchFamily="2" charset="0"/>
+              <a:ea typeface="微軟正黑體" panose="020B0604030504040204" pitchFamily="34" charset="-120"/>
               <a:cs typeface="Times New Roman" panose="02020603050405020304" pitchFamily="18" charset="0"/>
             </a:endParaRPr>
           </a:p>
@@ -13798,7 +12274,7 @@
                   <a:schemeClr val="tx1"/>
                 </a:solidFill>
                 <a:latin typeface="Times New Roman" panose="02020603050405020304" pitchFamily="18" charset="0"/>
-                <a:ea typeface="CMU Sans Serif Medium" panose="02000603000000000000" pitchFamily="2" charset="0"/>
+                <a:ea typeface="微軟正黑體" panose="020B0604030504040204" pitchFamily="34" charset="-120"/>
                 <a:cs typeface="Times New Roman" panose="02020603050405020304" pitchFamily="18" charset="0"/>
               </a:rPr>
               <a:t>Zheng, C., &amp; Zhang, F. (2025). FAST-Calib: LiDAR-Camera Extrinsic Calibration in One Second. </a:t>
@@ -13809,7 +12285,7 @@
                   <a:schemeClr val="tx1"/>
                 </a:solidFill>
                 <a:latin typeface="Times New Roman" panose="02020603050405020304" pitchFamily="18" charset="0"/>
-                <a:ea typeface="CMU Sans Serif Medium" panose="02000603000000000000" pitchFamily="2" charset="0"/>
+                <a:ea typeface="微軟正黑體" panose="020B0604030504040204" pitchFamily="34" charset="-120"/>
                 <a:cs typeface="Times New Roman" panose="02020603050405020304" pitchFamily="18" charset="0"/>
               </a:rPr>
               <a:t>arXiv:2507.17210</a:t>
@@ -13820,7 +12296,7 @@
                   <a:schemeClr val="tx1"/>
                 </a:solidFill>
                 <a:latin typeface="Times New Roman" panose="02020603050405020304" pitchFamily="18" charset="0"/>
-                <a:ea typeface="CMU Sans Serif Medium" panose="02000603000000000000" pitchFamily="2" charset="0"/>
+                <a:ea typeface="微軟正黑體" panose="020B0604030504040204" pitchFamily="34" charset="-120"/>
                 <a:cs typeface="Times New Roman" panose="02020603050405020304" pitchFamily="18" charset="0"/>
               </a:rPr>
               <a:t>. https://</a:t>
@@ -13831,7 +12307,7 @@
                   <a:schemeClr val="tx1"/>
                 </a:solidFill>
                 <a:latin typeface="Times New Roman" panose="02020603050405020304" pitchFamily="18" charset="0"/>
-                <a:ea typeface="CMU Sans Serif Medium" panose="02000603000000000000" pitchFamily="2" charset="0"/>
+                <a:ea typeface="微軟正黑體" panose="020B0604030504040204" pitchFamily="34" charset="-120"/>
                 <a:cs typeface="Times New Roman" panose="02020603050405020304" pitchFamily="18" charset="0"/>
               </a:rPr>
               <a:t>arxiv.org</a:t>
@@ -13842,7 +12318,7 @@
                   <a:schemeClr val="tx1"/>
                 </a:solidFill>
                 <a:latin typeface="Times New Roman" panose="02020603050405020304" pitchFamily="18" charset="0"/>
-                <a:ea typeface="CMU Sans Serif Medium" panose="02000603000000000000" pitchFamily="2" charset="0"/>
+                <a:ea typeface="微軟正黑體" panose="020B0604030504040204" pitchFamily="34" charset="-120"/>
                 <a:cs typeface="Times New Roman" panose="02020603050405020304" pitchFamily="18" charset="0"/>
               </a:rPr>
               <a:t>/abs/2507.17210</a:t>
@@ -13852,7 +12328,7 @@
                 <a:schemeClr val="tx1"/>
               </a:solidFill>
               <a:latin typeface="Times New Roman" panose="02020603050405020304" pitchFamily="18" charset="0"/>
-              <a:ea typeface="CMU Sans Serif Medium" panose="02000603000000000000" pitchFamily="2" charset="0"/>
+              <a:ea typeface="微軟正黑體" panose="020B0604030504040204" pitchFamily="34" charset="-120"/>
               <a:cs typeface="Times New Roman" panose="02020603050405020304" pitchFamily="18" charset="0"/>
             </a:endParaRPr>
           </a:p>
@@ -13881,7 +12357,7 @@
           <a:p>
             <a:fld id="{87E85E0C-F6DF-4C2C-9974-C2547ED92EE1}" type="slidenum">
               <a:rPr lang="zh-TW" altLang="en-US" smtClean="0"/>
-              <a:t>6</a:t>
+              <a:t>5</a:t>
             </a:fld>
             <a:endParaRPr lang="zh-TW" altLang="en-US" dirty="0"/>
           </a:p>
@@ -13999,13 +12475,13 @@
   <p:clrMapOvr>
     <a:masterClrMapping/>
   </p:clrMapOvr>
-  <mc:AlternateContent xmlns:mc="http://schemas.openxmlformats.org/markup-compatibility/2006">
-    <mc:Choice xmlns:p14="http://schemas.microsoft.com/office/powerpoint/2010/main" Requires="p14">
+  <mc:AlternateContent xmlns:mc="http://schemas.openxmlformats.org/markup-compatibility/2006" xmlns:p14="http://schemas.microsoft.com/office/powerpoint/2010/main">
+    <mc:Choice Requires="p14">
       <p:transition spd="slow" p14:dur="2000">
         <p:cut/>
       </p:transition>
     </mc:Choice>
-    <mc:Fallback>
+    <mc:Fallback xmlns="">
       <p:transition spd="slow">
         <p:cut/>
       </p:transition>
@@ -14014,7 +12490,7 @@
 </p:sld>
 </file>
 
-<file path=ppt/slides/slide7.xml><?xml version="1.0" encoding="utf-8"?>
+<file path=ppt/slides/slide6.xml><?xml version="1.0" encoding="utf-8"?>
 <p:sld xmlns:a="http://schemas.openxmlformats.org/drawingml/2006/main" xmlns:r="http://schemas.openxmlformats.org/officeDocument/2006/relationships" xmlns:p="http://schemas.openxmlformats.org/presentationml/2006/main">
   <p:cSld>
     <p:spTree>
@@ -14622,17 +13098,19 @@
               </a:buClr>
             </a:pPr>
             <a:r>
-              <a:rPr lang="zh-TW" altLang="en-US" sz="1400" dirty="0"/>
-              <a:t>採用標準的控制工程方法論：</a:t>
-            </a:r>
-            <a:r>
-              <a:rPr lang="zh-TW" altLang="en-US" sz="1400" b="1" dirty="0"/>
-              <a:t>「先建模，後控制」</a:t>
-            </a:r>
-            <a:endParaRPr lang="en-US" altLang="zh-TW" sz="1400" b="1" dirty="0"/>
-          </a:p>
-          <a:p>
-            <a:pPr marL="400050" indent="-285750">
+              <a:rPr lang="zh-TW" altLang="en-US" sz="1400" dirty="0">
+                <a:latin typeface="微軟正黑體" panose="020B0604030504040204" pitchFamily="34" charset="-120"/>
+                <a:ea typeface="微軟正黑體" panose="020B0604030504040204" pitchFamily="34" charset="-120"/>
+              </a:rPr>
+              <a:t>階段一：系統鑑別</a:t>
+            </a:r>
+            <a:endParaRPr lang="en-US" altLang="zh-TW" sz="1400" dirty="0">
+              <a:latin typeface="微軟正黑體" panose="020B0604030504040204" pitchFamily="34" charset="-120"/>
+              <a:ea typeface="微軟正黑體" panose="020B0604030504040204" pitchFamily="34" charset="-120"/>
+            </a:endParaRPr>
+          </a:p>
+          <a:p>
+            <a:pPr marL="857250" lvl="1" indent="-285750">
               <a:lnSpc>
                 <a:spcPct val="100000"/>
               </a:lnSpc>
@@ -14644,13 +13122,44 @@
               </a:buClr>
             </a:pPr>
             <a:r>
-              <a:rPr lang="zh-TW" altLang="en-US" sz="1400" dirty="0"/>
-              <a:t>階段一：系統鑑別 </a:t>
-            </a:r>
-            <a:r>
-              <a:rPr lang="en-US" altLang="zh-TW" sz="1400" dirty="0"/>
-              <a:t>(System Identification)</a:t>
-            </a:r>
+              <a:rPr lang="zh-TW" altLang="en-US" sz="1400" dirty="0">
+                <a:latin typeface="微軟正黑體" panose="020B0604030504040204" pitchFamily="34" charset="-120"/>
+                <a:ea typeface="微軟正黑體" panose="020B0604030504040204" pitchFamily="34" charset="-120"/>
+              </a:rPr>
+              <a:t>目的：將「驅動器 </a:t>
+            </a:r>
+            <a:r>
+              <a:rPr lang="en-US" altLang="zh-TW" sz="1400" dirty="0">
+                <a:latin typeface="微軟正黑體" panose="020B0604030504040204" pitchFamily="34" charset="-120"/>
+                <a:ea typeface="微軟正黑體" panose="020B0604030504040204" pitchFamily="34" charset="-120"/>
+              </a:rPr>
+              <a:t>+ </a:t>
+            </a:r>
+            <a:r>
+              <a:rPr lang="zh-TW" altLang="en-US" sz="1400" dirty="0">
+                <a:latin typeface="微軟正黑體" panose="020B0604030504040204" pitchFamily="34" charset="-120"/>
+                <a:ea typeface="微軟正黑體" panose="020B0604030504040204" pitchFamily="34" charset="-120"/>
+              </a:rPr>
+              <a:t>馬達」視為一個黑盒子，求出其轉移函數（</a:t>
+            </a:r>
+            <a:r>
+              <a:rPr lang="en-US" altLang="zh-TW" sz="1400" dirty="0">
+                <a:latin typeface="微軟正黑體" panose="020B0604030504040204" pitchFamily="34" charset="-120"/>
+                <a:ea typeface="微軟正黑體" panose="020B0604030504040204" pitchFamily="34" charset="-120"/>
+              </a:rPr>
+              <a:t>Transfer Function</a:t>
+            </a:r>
+            <a:r>
+              <a:rPr lang="zh-TW" altLang="en-US" sz="1400" dirty="0">
+                <a:latin typeface="微軟正黑體" panose="020B0604030504040204" pitchFamily="34" charset="-120"/>
+                <a:ea typeface="微軟正黑體" panose="020B0604030504040204" pitchFamily="34" charset="-120"/>
+              </a:rPr>
+              <a:t>）</a:t>
+            </a:r>
+            <a:endParaRPr lang="en-US" altLang="zh-TW" sz="1400" dirty="0">
+              <a:latin typeface="微軟正黑體" panose="020B0604030504040204" pitchFamily="34" charset="-120"/>
+              <a:ea typeface="微軟正黑體" panose="020B0604030504040204" pitchFamily="34" charset="-120"/>
+            </a:endParaRPr>
           </a:p>
           <a:p>
             <a:pPr marL="857250" lvl="1" indent="-285750">
@@ -14665,44 +13174,16 @@
               </a:buClr>
             </a:pPr>
             <a:r>
-              <a:rPr lang="zh-TW" altLang="en-US" sz="1400" dirty="0"/>
-              <a:t>目的：將「驅動器 </a:t>
-            </a:r>
-            <a:r>
-              <a:rPr lang="en-US" altLang="zh-TW" sz="1400" dirty="0"/>
-              <a:t>+ </a:t>
-            </a:r>
-            <a:r>
-              <a:rPr lang="zh-TW" altLang="en-US" sz="1400" dirty="0"/>
-              <a:t>馬達」視為一個黑盒子，求出其轉移函數（</a:t>
-            </a:r>
-            <a:r>
-              <a:rPr lang="en-US" altLang="zh-TW" sz="1400" dirty="0"/>
-              <a:t>Transfer Function</a:t>
-            </a:r>
-            <a:r>
-              <a:rPr lang="zh-TW" altLang="en-US" sz="1400" dirty="0"/>
-              <a:t>）</a:t>
-            </a:r>
-            <a:endParaRPr lang="en-US" altLang="zh-TW" sz="1400" dirty="0"/>
-          </a:p>
-          <a:p>
-            <a:pPr marL="857250" lvl="1" indent="-285750">
-              <a:lnSpc>
-                <a:spcPct val="100000"/>
-              </a:lnSpc>
-              <a:spcBef>
-                <a:spcPts val="800"/>
-              </a:spcBef>
-              <a:buClr>
-                <a:srgbClr val="3D98DE"/>
-              </a:buClr>
-            </a:pPr>
-            <a:r>
-              <a:rPr lang="zh-TW" altLang="en-US" sz="1400" dirty="0"/>
+              <a:rPr lang="zh-TW" altLang="en-US" sz="1400" dirty="0">
+                <a:latin typeface="微軟正黑體" panose="020B0604030504040204" pitchFamily="34" charset="-120"/>
+                <a:ea typeface="微軟正黑體" panose="020B0604030504040204" pitchFamily="34" charset="-120"/>
+              </a:rPr>
               <a:t>步驟：</a:t>
             </a:r>
-            <a:endParaRPr lang="en-US" altLang="zh-TW" sz="1400" dirty="0"/>
+            <a:endParaRPr lang="en-US" altLang="zh-TW" sz="1400" dirty="0">
+              <a:latin typeface="微軟正黑體" panose="020B0604030504040204" pitchFamily="34" charset="-120"/>
+              <a:ea typeface="微軟正黑體" panose="020B0604030504040204" pitchFamily="34" charset="-120"/>
+            </a:endParaRPr>
           </a:p>
           <a:p>
             <a:pPr lvl="2" indent="-342900">
@@ -14719,27 +13200,45 @@
               <a:buAutoNum type="arabicPeriod"/>
             </a:pPr>
             <a:r>
-              <a:rPr lang="zh-TW" altLang="en-US" sz="1400" dirty="0"/>
+              <a:rPr lang="zh-TW" altLang="en-US" sz="1400" dirty="0">
+                <a:latin typeface="微軟正黑體" panose="020B0604030504040204" pitchFamily="34" charset="-120"/>
+                <a:ea typeface="微軟正黑體" panose="020B0604030504040204" pitchFamily="34" charset="-120"/>
+              </a:rPr>
               <a:t>將 </a:t>
             </a:r>
             <a:r>
-              <a:rPr lang="en-US" altLang="zh-TW" sz="1400" dirty="0"/>
+              <a:rPr lang="en-US" altLang="zh-TW" sz="1400" dirty="0">
+                <a:latin typeface="微軟正黑體" panose="020B0604030504040204" pitchFamily="34" charset="-120"/>
+                <a:ea typeface="微軟正黑體" panose="020B0604030504040204" pitchFamily="34" charset="-120"/>
+              </a:rPr>
               <a:t>DEV </a:t>
             </a:r>
             <a:r>
-              <a:rPr lang="zh-TW" altLang="en-US" sz="1400" dirty="0"/>
+              <a:rPr lang="zh-TW" altLang="en-US" sz="1400" dirty="0">
+                <a:latin typeface="微軟正黑體" panose="020B0604030504040204" pitchFamily="34" charset="-120"/>
+                <a:ea typeface="微軟正黑體" panose="020B0604030504040204" pitchFamily="34" charset="-120"/>
+              </a:rPr>
               <a:t>驅動器參數 </a:t>
             </a:r>
             <a:r>
-              <a:rPr lang="en-US" altLang="zh-TW" sz="1400" dirty="0"/>
+              <a:rPr lang="en-US" altLang="zh-TW" sz="1400" dirty="0">
+                <a:latin typeface="微軟正黑體" panose="020B0604030504040204" pitchFamily="34" charset="-120"/>
+                <a:ea typeface="微軟正黑體" panose="020B0604030504040204" pitchFamily="34" charset="-120"/>
+              </a:rPr>
               <a:t>01-11 </a:t>
             </a:r>
             <a:r>
-              <a:rPr lang="zh-TW" altLang="en-US" sz="1400" dirty="0"/>
+              <a:rPr lang="zh-TW" altLang="en-US" sz="1400" dirty="0">
+                <a:latin typeface="微軟正黑體" panose="020B0604030504040204" pitchFamily="34" charset="-120"/>
+                <a:ea typeface="微軟正黑體" panose="020B0604030504040204" pitchFamily="34" charset="-120"/>
+              </a:rPr>
               <a:t>設為 </a:t>
             </a:r>
             <a:r>
-              <a:rPr lang="en-US" altLang="zh-TW" sz="1400" dirty="0"/>
+              <a:rPr lang="en-US" altLang="zh-TW" sz="1400" dirty="0">
+                <a:latin typeface="微軟正黑體" panose="020B0604030504040204" pitchFamily="34" charset="-120"/>
+                <a:ea typeface="微軟正黑體" panose="020B0604030504040204" pitchFamily="34" charset="-120"/>
+              </a:rPr>
               <a:t>1 (Duty Mode) </a:t>
             </a:r>
           </a:p>
@@ -14758,23 +13257,38 @@
               <a:buAutoNum type="arabicPeriod"/>
             </a:pPr>
             <a:r>
-              <a:rPr lang="en-US" altLang="zh-TW" sz="1400" dirty="0"/>
+              <a:rPr lang="en-US" altLang="zh-TW" sz="1400" dirty="0">
+                <a:latin typeface="微軟正黑體" panose="020B0604030504040204" pitchFamily="34" charset="-120"/>
+                <a:ea typeface="微軟正黑體" panose="020B0604030504040204" pitchFamily="34" charset="-120"/>
+              </a:rPr>
               <a:t>STM32 </a:t>
             </a:r>
             <a:r>
-              <a:rPr lang="zh-TW" altLang="en-US" sz="1400" dirty="0"/>
+              <a:rPr lang="zh-TW" altLang="en-US" sz="1400" dirty="0">
+                <a:latin typeface="微軟正黑體" panose="020B0604030504040204" pitchFamily="34" charset="-120"/>
+                <a:ea typeface="微軟正黑體" panose="020B0604030504040204" pitchFamily="34" charset="-120"/>
+              </a:rPr>
               <a:t>發送一個步階指令（</a:t>
             </a:r>
             <a:r>
-              <a:rPr lang="en-US" altLang="zh-TW" sz="1400" dirty="0"/>
+              <a:rPr lang="en-US" altLang="zh-TW" sz="1400" dirty="0">
+                <a:latin typeface="微軟正黑體" panose="020B0604030504040204" pitchFamily="34" charset="-120"/>
+                <a:ea typeface="微軟正黑體" panose="020B0604030504040204" pitchFamily="34" charset="-120"/>
+              </a:rPr>
               <a:t>Step Input</a:t>
             </a:r>
             <a:r>
-              <a:rPr lang="zh-TW" altLang="en-US" sz="1400" dirty="0"/>
+              <a:rPr lang="zh-TW" altLang="en-US" sz="1400" dirty="0">
+                <a:latin typeface="微軟正黑體" panose="020B0604030504040204" pitchFamily="34" charset="-120"/>
+                <a:ea typeface="微軟正黑體" panose="020B0604030504040204" pitchFamily="34" charset="-120"/>
+              </a:rPr>
               <a:t>），例如瞬間給定 </a:t>
             </a:r>
             <a:r>
-              <a:rPr lang="en-US" altLang="zh-TW" sz="1400" dirty="0"/>
+              <a:rPr lang="en-US" altLang="zh-TW" sz="1400" dirty="0">
+                <a:latin typeface="微軟正黑體" panose="020B0604030504040204" pitchFamily="34" charset="-120"/>
+                <a:ea typeface="微軟正黑體" panose="020B0604030504040204" pitchFamily="34" charset="-120"/>
+              </a:rPr>
               <a:t>30% Duty Cycle</a:t>
             </a:r>
           </a:p>
@@ -14793,18 +13307,30 @@
               <a:buAutoNum type="arabicPeriod"/>
             </a:pPr>
             <a:r>
-              <a:rPr lang="zh-TW" altLang="en-US" sz="1400" dirty="0"/>
+              <a:rPr lang="zh-TW" altLang="en-US" sz="1400" dirty="0">
+                <a:latin typeface="微軟正黑體" panose="020B0604030504040204" pitchFamily="34" charset="-120"/>
+                <a:ea typeface="微軟正黑體" panose="020B0604030504040204" pitchFamily="34" charset="-120"/>
+              </a:rPr>
               <a:t>紀錄馬達轉速從 </a:t>
             </a:r>
             <a:r>
-              <a:rPr lang="en-US" altLang="zh-TW" sz="1400" dirty="0"/>
+              <a:rPr lang="en-US" altLang="zh-TW" sz="1400" dirty="0">
+                <a:latin typeface="微軟正黑體" panose="020B0604030504040204" pitchFamily="34" charset="-120"/>
+                <a:ea typeface="微軟正黑體" panose="020B0604030504040204" pitchFamily="34" charset="-120"/>
+              </a:rPr>
               <a:t>0 </a:t>
             </a:r>
             <a:r>
-              <a:rPr lang="zh-TW" altLang="en-US" sz="1400" dirty="0"/>
+              <a:rPr lang="zh-TW" altLang="en-US" sz="1400" dirty="0">
+                <a:latin typeface="微軟正黑體" panose="020B0604030504040204" pitchFamily="34" charset="-120"/>
+                <a:ea typeface="微軟正黑體" panose="020B0604030504040204" pitchFamily="34" charset="-120"/>
+              </a:rPr>
               <a:t>上升至穩態的響應曲線。</a:t>
             </a:r>
-            <a:endParaRPr lang="en-US" altLang="zh-TW" sz="1400" dirty="0"/>
+            <a:endParaRPr lang="en-US" altLang="zh-TW" sz="1400" dirty="0">
+              <a:latin typeface="微軟正黑體" panose="020B0604030504040204" pitchFamily="34" charset="-120"/>
+              <a:ea typeface="微軟正黑體" panose="020B0604030504040204" pitchFamily="34" charset="-120"/>
+            </a:endParaRPr>
           </a:p>
           <a:p>
             <a:pPr marL="857250" lvl="1" indent="-285750">
@@ -14819,11 +13345,17 @@
               </a:buClr>
             </a:pPr>
             <a:r>
-              <a:rPr lang="zh-TW" altLang="en-US" sz="1400" b="1" dirty="0"/>
+              <a:rPr lang="zh-TW" altLang="en-US" sz="1400" b="1" dirty="0">
+                <a:latin typeface="微軟正黑體" panose="020B0604030504040204" pitchFamily="34" charset="-120"/>
+                <a:ea typeface="微軟正黑體" panose="020B0604030504040204" pitchFamily="34" charset="-120"/>
+              </a:rPr>
               <a:t>數學模型</a:t>
             </a:r>
             <a:r>
-              <a:rPr lang="zh-TW" altLang="en-US" sz="1400" dirty="0"/>
+              <a:rPr lang="zh-TW" altLang="en-US" sz="1400" dirty="0">
+                <a:latin typeface="微軟正黑體" panose="020B0604030504040204" pitchFamily="34" charset="-120"/>
+                <a:ea typeface="微軟正黑體" panose="020B0604030504040204" pitchFamily="34" charset="-120"/>
+              </a:rPr>
               <a:t>： 預期無刷馬達速度響應近似一階系統</a:t>
             </a:r>
             <a:endParaRPr lang="en-US" altLang="zh-TW" sz="1400" dirty="0">
@@ -14831,7 +13363,7 @@
                 <a:schemeClr val="tx1"/>
               </a:solidFill>
               <a:latin typeface="Times New Roman" panose="02020603050405020304" pitchFamily="18" charset="0"/>
-              <a:ea typeface="CMU Sans Serif Medium" panose="02000603000000000000" pitchFamily="2" charset="0"/>
+              <a:ea typeface="微軟正黑體" panose="020B0604030504040204" pitchFamily="34" charset="-120"/>
               <a:cs typeface="Times New Roman" panose="02020603050405020304" pitchFamily="18" charset="0"/>
             </a:endParaRPr>
           </a:p>
@@ -14854,10 +13386,76 @@
                   <a:schemeClr val="tx1"/>
                 </a:solidFill>
                 <a:latin typeface="Times New Roman" panose="02020603050405020304" pitchFamily="18" charset="0"/>
-                <a:ea typeface="CMU Sans Serif Medium" panose="02000603000000000000" pitchFamily="2" charset="0"/>
+                <a:ea typeface="微軟正黑體" panose="020B0604030504040204" pitchFamily="34" charset="-120"/>
                 <a:cs typeface="Times New Roman" panose="02020603050405020304" pitchFamily="18" charset="0"/>
               </a:rPr>
-              <a:t>G(s)=K/</a:t>
+              <a:t>G(s)</a:t>
+            </a:r>
+            <a:r>
+              <a:rPr lang="zh-TW" altLang="en-US" sz="1400" dirty="0">
+                <a:solidFill>
+                  <a:schemeClr val="tx1"/>
+                </a:solidFill>
+                <a:latin typeface="Times New Roman" panose="02020603050405020304" pitchFamily="18" charset="0"/>
+                <a:ea typeface="微軟正黑體" panose="020B0604030504040204" pitchFamily="34" charset="-120"/>
+                <a:cs typeface="Times New Roman" panose="02020603050405020304" pitchFamily="18" charset="0"/>
+              </a:rPr>
+              <a:t> </a:t>
+            </a:r>
+            <a:r>
+              <a:rPr lang="en-US" altLang="zh-TW" sz="1400" dirty="0">
+                <a:solidFill>
+                  <a:schemeClr val="tx1"/>
+                </a:solidFill>
+                <a:latin typeface="Times New Roman" panose="02020603050405020304" pitchFamily="18" charset="0"/>
+                <a:ea typeface="微軟正黑體" panose="020B0604030504040204" pitchFamily="34" charset="-120"/>
+                <a:cs typeface="Times New Roman" panose="02020603050405020304" pitchFamily="18" charset="0"/>
+              </a:rPr>
+              <a:t>=</a:t>
+            </a:r>
+            <a:r>
+              <a:rPr lang="zh-TW" altLang="en-US" sz="1400" dirty="0">
+                <a:solidFill>
+                  <a:schemeClr val="tx1"/>
+                </a:solidFill>
+                <a:latin typeface="Times New Roman" panose="02020603050405020304" pitchFamily="18" charset="0"/>
+                <a:ea typeface="微軟正黑體" panose="020B0604030504040204" pitchFamily="34" charset="-120"/>
+                <a:cs typeface="Times New Roman" panose="02020603050405020304" pitchFamily="18" charset="0"/>
+              </a:rPr>
+              <a:t> </a:t>
+            </a:r>
+            <a:r>
+              <a:rPr lang="en-US" altLang="zh-TW" sz="1400" dirty="0">
+                <a:solidFill>
+                  <a:schemeClr val="tx1"/>
+                </a:solidFill>
+                <a:latin typeface="Times New Roman" panose="02020603050405020304" pitchFamily="18" charset="0"/>
+                <a:ea typeface="微軟正黑體" panose="020B0604030504040204" pitchFamily="34" charset="-120"/>
+                <a:cs typeface="Times New Roman" panose="02020603050405020304" pitchFamily="18" charset="0"/>
+              </a:rPr>
+              <a:t>K</a:t>
+            </a:r>
+            <a:r>
+              <a:rPr lang="zh-TW" altLang="en-US" sz="1400" dirty="0">
+                <a:solidFill>
+                  <a:schemeClr val="tx1"/>
+                </a:solidFill>
+                <a:latin typeface="Times New Roman" panose="02020603050405020304" pitchFamily="18" charset="0"/>
+                <a:ea typeface="微軟正黑體" panose="020B0604030504040204" pitchFamily="34" charset="-120"/>
+                <a:cs typeface="Times New Roman" panose="02020603050405020304" pitchFamily="18" charset="0"/>
+              </a:rPr>
+              <a:t> </a:t>
+            </a:r>
+            <a:r>
+              <a:rPr lang="en-US" altLang="zh-TW" sz="1400" dirty="0">
+                <a:solidFill>
+                  <a:schemeClr val="tx1"/>
+                </a:solidFill>
+                <a:latin typeface="Times New Roman" panose="02020603050405020304" pitchFamily="18" charset="0"/>
+                <a:ea typeface="微軟正黑體" panose="020B0604030504040204" pitchFamily="34" charset="-120"/>
+                <a:cs typeface="Times New Roman" panose="02020603050405020304" pitchFamily="18" charset="0"/>
+              </a:rPr>
+              <a:t>/</a:t>
             </a:r>
             <a:r>
               <a:rPr lang="el-GR" altLang="zh-TW" sz="1400" dirty="0">
@@ -14865,7 +13463,7 @@
                   <a:schemeClr val="tx1"/>
                 </a:solidFill>
                 <a:latin typeface="Times New Roman" panose="02020603050405020304" pitchFamily="18" charset="0"/>
-                <a:ea typeface="CMU Sans Serif Medium" panose="02000603000000000000" pitchFamily="2" charset="0"/>
+                <a:ea typeface="微軟正黑體" panose="020B0604030504040204" pitchFamily="34" charset="-120"/>
                 <a:cs typeface="Times New Roman" panose="02020603050405020304" pitchFamily="18" charset="0"/>
               </a:rPr>
               <a:t> τ</a:t>
@@ -14876,7 +13474,7 @@
                   <a:schemeClr val="tx1"/>
                 </a:solidFill>
                 <a:latin typeface="Times New Roman" panose="02020603050405020304" pitchFamily="18" charset="0"/>
-                <a:ea typeface="CMU Sans Serif Medium" panose="02000603000000000000" pitchFamily="2" charset="0"/>
+                <a:ea typeface="微軟正黑體" panose="020B0604030504040204" pitchFamily="34" charset="-120"/>
                 <a:cs typeface="Times New Roman" panose="02020603050405020304" pitchFamily="18" charset="0"/>
               </a:rPr>
               <a:t>s+1</a:t>
@@ -14900,7 +13498,7 @@
                   <a:schemeClr val="tx1"/>
                 </a:solidFill>
                 <a:latin typeface="Times New Roman" panose="02020603050405020304" pitchFamily="18" charset="0"/>
-                <a:ea typeface="CMU Sans Serif Medium" panose="02000603000000000000" pitchFamily="2" charset="0"/>
+                <a:ea typeface="微軟正黑體" panose="020B0604030504040204" pitchFamily="34" charset="-120"/>
                 <a:cs typeface="Times New Roman" panose="02020603050405020304" pitchFamily="18" charset="0"/>
               </a:rPr>
               <a:t>K (</a:t>
@@ -14911,7 +13509,7 @@
                   <a:schemeClr val="tx1"/>
                 </a:solidFill>
                 <a:latin typeface="Times New Roman" panose="02020603050405020304" pitchFamily="18" charset="0"/>
-                <a:ea typeface="CMU Sans Serif Medium" panose="02000603000000000000" pitchFamily="2" charset="0"/>
+                <a:ea typeface="微軟正黑體" panose="020B0604030504040204" pitchFamily="34" charset="-120"/>
                 <a:cs typeface="Times New Roman" panose="02020603050405020304" pitchFamily="18" charset="0"/>
               </a:rPr>
               <a:t>增益</a:t>
@@ -14922,7 +13520,7 @@
                   <a:schemeClr val="tx1"/>
                 </a:solidFill>
                 <a:latin typeface="Times New Roman" panose="02020603050405020304" pitchFamily="18" charset="0"/>
-                <a:ea typeface="CMU Sans Serif Medium" panose="02000603000000000000" pitchFamily="2" charset="0"/>
+                <a:ea typeface="微軟正黑體" panose="020B0604030504040204" pitchFamily="34" charset="-120"/>
                 <a:cs typeface="Times New Roman" panose="02020603050405020304" pitchFamily="18" charset="0"/>
               </a:rPr>
               <a:t>)</a:t>
@@ -14933,7 +13531,7 @@
                   <a:schemeClr val="tx1"/>
                 </a:solidFill>
                 <a:latin typeface="Times New Roman" panose="02020603050405020304" pitchFamily="18" charset="0"/>
-                <a:ea typeface="CMU Sans Serif Medium" panose="02000603000000000000" pitchFamily="2" charset="0"/>
+                <a:ea typeface="微軟正黑體" panose="020B0604030504040204" pitchFamily="34" charset="-120"/>
                 <a:cs typeface="Times New Roman" panose="02020603050405020304" pitchFamily="18" charset="0"/>
               </a:rPr>
               <a:t>：穩態轉速 </a:t>
@@ -14944,7 +13542,7 @@
                   <a:schemeClr val="tx1"/>
                 </a:solidFill>
                 <a:latin typeface="Times New Roman" panose="02020603050405020304" pitchFamily="18" charset="0"/>
-                <a:ea typeface="CMU Sans Serif Medium" panose="02000603000000000000" pitchFamily="2" charset="0"/>
+                <a:ea typeface="微軟正黑體" panose="020B0604030504040204" pitchFamily="34" charset="-120"/>
                 <a:cs typeface="Times New Roman" panose="02020603050405020304" pitchFamily="18" charset="0"/>
               </a:rPr>
               <a:t>/ </a:t>
@@ -14955,7 +13553,7 @@
                   <a:schemeClr val="tx1"/>
                 </a:solidFill>
                 <a:latin typeface="Times New Roman" panose="02020603050405020304" pitchFamily="18" charset="0"/>
-                <a:ea typeface="CMU Sans Serif Medium" panose="02000603000000000000" pitchFamily="2" charset="0"/>
+                <a:ea typeface="微軟正黑體" panose="020B0604030504040204" pitchFamily="34" charset="-120"/>
                 <a:cs typeface="Times New Roman" panose="02020603050405020304" pitchFamily="18" charset="0"/>
               </a:rPr>
               <a:t>輸入 </a:t>
@@ -14966,7 +13564,7 @@
                   <a:schemeClr val="tx1"/>
                 </a:solidFill>
                 <a:latin typeface="Times New Roman" panose="02020603050405020304" pitchFamily="18" charset="0"/>
-                <a:ea typeface="CMU Sans Serif Medium" panose="02000603000000000000" pitchFamily="2" charset="0"/>
+                <a:ea typeface="微軟正黑體" panose="020B0604030504040204" pitchFamily="34" charset="-120"/>
                 <a:cs typeface="Times New Roman" panose="02020603050405020304" pitchFamily="18" charset="0"/>
               </a:rPr>
               <a:t>Duty %</a:t>
@@ -14990,18 +13588,29 @@
                   <a:schemeClr val="tx1"/>
                 </a:solidFill>
                 <a:latin typeface="Times New Roman" panose="02020603050405020304" pitchFamily="18" charset="0"/>
-                <a:ea typeface="CMU Sans Serif Medium" panose="02000603000000000000" pitchFamily="2" charset="0"/>
+                <a:ea typeface="微軟正黑體" panose="020B0604030504040204" pitchFamily="34" charset="-120"/>
                 <a:cs typeface="Times New Roman" panose="02020603050405020304" pitchFamily="18" charset="0"/>
               </a:rPr>
               <a:t>τ</a:t>
             </a:r>
             <a:r>
+              <a:rPr lang="zh-TW" altLang="en-US" sz="1400" dirty="0">
+                <a:solidFill>
+                  <a:schemeClr val="tx1"/>
+                </a:solidFill>
+                <a:latin typeface="Times New Roman" panose="02020603050405020304" pitchFamily="18" charset="0"/>
+                <a:ea typeface="微軟正黑體" panose="020B0604030504040204" pitchFamily="34" charset="-120"/>
+                <a:cs typeface="Times New Roman" panose="02020603050405020304" pitchFamily="18" charset="0"/>
+              </a:rPr>
+              <a:t>  </a:t>
+            </a:r>
+            <a:r>
               <a:rPr lang="en-US" altLang="zh-TW" sz="1400" dirty="0">
                 <a:solidFill>
                   <a:schemeClr val="tx1"/>
                 </a:solidFill>
                 <a:latin typeface="Times New Roman" panose="02020603050405020304" pitchFamily="18" charset="0"/>
-                <a:ea typeface="CMU Sans Serif Medium" panose="02000603000000000000" pitchFamily="2" charset="0"/>
+                <a:ea typeface="微軟正黑體" panose="020B0604030504040204" pitchFamily="34" charset="-120"/>
                 <a:cs typeface="Times New Roman" panose="02020603050405020304" pitchFamily="18" charset="0"/>
               </a:rPr>
               <a:t>(</a:t>
@@ -15012,7 +13621,7 @@
                   <a:schemeClr val="tx1"/>
                 </a:solidFill>
                 <a:latin typeface="Times New Roman" panose="02020603050405020304" pitchFamily="18" charset="0"/>
-                <a:ea typeface="CMU Sans Serif Medium" panose="02000603000000000000" pitchFamily="2" charset="0"/>
+                <a:ea typeface="微軟正黑體" panose="020B0604030504040204" pitchFamily="34" charset="-120"/>
                 <a:cs typeface="Times New Roman" panose="02020603050405020304" pitchFamily="18" charset="0"/>
               </a:rPr>
               <a:t>時間常數</a:t>
@@ -15023,7 +13632,7 @@
                   <a:schemeClr val="tx1"/>
                 </a:solidFill>
                 <a:latin typeface="Times New Roman" panose="02020603050405020304" pitchFamily="18" charset="0"/>
-                <a:ea typeface="CMU Sans Serif Medium" panose="02000603000000000000" pitchFamily="2" charset="0"/>
+                <a:ea typeface="微軟正黑體" panose="020B0604030504040204" pitchFamily="34" charset="-120"/>
                 <a:cs typeface="Times New Roman" panose="02020603050405020304" pitchFamily="18" charset="0"/>
               </a:rPr>
               <a:t>)</a:t>
@@ -15034,7 +13643,7 @@
                   <a:schemeClr val="tx1"/>
                 </a:solidFill>
                 <a:latin typeface="Times New Roman" panose="02020603050405020304" pitchFamily="18" charset="0"/>
-                <a:ea typeface="CMU Sans Serif Medium" panose="02000603000000000000" pitchFamily="2" charset="0"/>
+                <a:ea typeface="微軟正黑體" panose="020B0604030504040204" pitchFamily="34" charset="-120"/>
                 <a:cs typeface="Times New Roman" panose="02020603050405020304" pitchFamily="18" charset="0"/>
               </a:rPr>
               <a:t>：轉速達到穩態值 </a:t>
@@ -15045,7 +13654,7 @@
                   <a:schemeClr val="tx1"/>
                 </a:solidFill>
                 <a:latin typeface="Times New Roman" panose="02020603050405020304" pitchFamily="18" charset="0"/>
-                <a:ea typeface="CMU Sans Serif Medium" panose="02000603000000000000" pitchFamily="2" charset="0"/>
+                <a:ea typeface="微軟正黑體" panose="020B0604030504040204" pitchFamily="34" charset="-120"/>
                 <a:cs typeface="Times New Roman" panose="02020603050405020304" pitchFamily="18" charset="0"/>
               </a:rPr>
               <a:t>63.2% </a:t>
@@ -15056,7 +13665,7 @@
                   <a:schemeClr val="tx1"/>
                 </a:solidFill>
                 <a:latin typeface="Times New Roman" panose="02020603050405020304" pitchFamily="18" charset="0"/>
-                <a:ea typeface="CMU Sans Serif Medium" panose="02000603000000000000" pitchFamily="2" charset="0"/>
+                <a:ea typeface="微軟正黑體" panose="020B0604030504040204" pitchFamily="34" charset="-120"/>
                 <a:cs typeface="Times New Roman" panose="02020603050405020304" pitchFamily="18" charset="0"/>
               </a:rPr>
               <a:t>所需時間</a:t>
@@ -15066,7 +13675,7 @@
                 <a:schemeClr val="tx1"/>
               </a:solidFill>
               <a:latin typeface="Times New Roman" panose="02020603050405020304" pitchFamily="18" charset="0"/>
-              <a:ea typeface="CMU Sans Serif Medium" panose="02000603000000000000" pitchFamily="2" charset="0"/>
+              <a:ea typeface="微軟正黑體" panose="020B0604030504040204" pitchFamily="34" charset="-120"/>
               <a:cs typeface="Times New Roman" panose="02020603050405020304" pitchFamily="18" charset="0"/>
             </a:endParaRPr>
           </a:p>
@@ -15088,7 +13697,7 @@
                 <a:schemeClr val="tx1"/>
               </a:solidFill>
               <a:latin typeface="Times New Roman" panose="02020603050405020304" pitchFamily="18" charset="0"/>
-              <a:ea typeface="CMU Sans Serif Medium" panose="02000603000000000000" pitchFamily="2" charset="0"/>
+              <a:ea typeface="微軟正黑體" panose="020B0604030504040204" pitchFamily="34" charset="-120"/>
               <a:cs typeface="Times New Roman" panose="02020603050405020304" pitchFamily="18" charset="0"/>
             </a:endParaRPr>
           </a:p>
@@ -15110,7 +13719,7 @@
                 <a:schemeClr val="tx1"/>
               </a:solidFill>
               <a:latin typeface="Times New Roman" panose="02020603050405020304" pitchFamily="18" charset="0"/>
-              <a:ea typeface="CMU Sans Serif Medium" panose="02000603000000000000" pitchFamily="2" charset="0"/>
+              <a:ea typeface="微軟正黑體" panose="020B0604030504040204" pitchFamily="34" charset="-120"/>
               <a:cs typeface="Times New Roman" panose="02020603050405020304" pitchFamily="18" charset="0"/>
             </a:endParaRPr>
           </a:p>
@@ -15132,7 +13741,7 @@
                 <a:schemeClr val="tx1"/>
               </a:solidFill>
               <a:latin typeface="Times New Roman" panose="02020603050405020304" pitchFamily="18" charset="0"/>
-              <a:ea typeface="CMU Sans Serif Medium" panose="02000603000000000000" pitchFamily="2" charset="0"/>
+              <a:ea typeface="微軟正黑體" panose="020B0604030504040204" pitchFamily="34" charset="-120"/>
               <a:cs typeface="Times New Roman" panose="02020603050405020304" pitchFamily="18" charset="0"/>
             </a:endParaRPr>
           </a:p>
@@ -15154,7 +13763,7 @@
                 <a:schemeClr val="tx1"/>
               </a:solidFill>
               <a:latin typeface="Times New Roman" panose="02020603050405020304" pitchFamily="18" charset="0"/>
-              <a:ea typeface="CMU Sans Serif Medium" panose="02000603000000000000" pitchFamily="2" charset="0"/>
+              <a:ea typeface="微軟正黑體" panose="020B0604030504040204" pitchFamily="34" charset="-120"/>
               <a:cs typeface="Times New Roman" panose="02020603050405020304" pitchFamily="18" charset="0"/>
             </a:endParaRPr>
           </a:p>
@@ -15176,7 +13785,7 @@
                 <a:schemeClr val="tx1"/>
               </a:solidFill>
               <a:latin typeface="Times New Roman" panose="02020603050405020304" pitchFamily="18" charset="0"/>
-              <a:ea typeface="CMU Sans Serif Medium" panose="02000603000000000000" pitchFamily="2" charset="0"/>
+              <a:ea typeface="微軟正黑體" panose="020B0604030504040204" pitchFamily="34" charset="-120"/>
               <a:cs typeface="Times New Roman" panose="02020603050405020304" pitchFamily="18" charset="0"/>
             </a:endParaRPr>
           </a:p>
@@ -15198,7 +13807,7 @@
                 <a:schemeClr val="tx1"/>
               </a:solidFill>
               <a:latin typeface="Times New Roman" panose="02020603050405020304" pitchFamily="18" charset="0"/>
-              <a:ea typeface="CMU Sans Serif Medium" panose="02000603000000000000" pitchFamily="2" charset="0"/>
+              <a:ea typeface="微軟正黑體" panose="020B0604030504040204" pitchFamily="34" charset="-120"/>
               <a:cs typeface="Times New Roman" panose="02020603050405020304" pitchFamily="18" charset="0"/>
             </a:endParaRPr>
           </a:p>
@@ -15220,7 +13829,7 @@
                 <a:schemeClr val="tx1"/>
               </a:solidFill>
               <a:latin typeface="Times New Roman" panose="02020603050405020304" pitchFamily="18" charset="0"/>
-              <a:ea typeface="CMU Sans Serif Medium" panose="02000603000000000000" pitchFamily="2" charset="0"/>
+              <a:ea typeface="微軟正黑體" panose="020B0604030504040204" pitchFamily="34" charset="-120"/>
               <a:cs typeface="Times New Roman" panose="02020603050405020304" pitchFamily="18" charset="0"/>
             </a:endParaRPr>
           </a:p>
@@ -15242,7 +13851,7 @@
                 <a:schemeClr val="tx1"/>
               </a:solidFill>
               <a:latin typeface="Times New Roman" panose="02020603050405020304" pitchFamily="18" charset="0"/>
-              <a:ea typeface="CMU Sans Serif Medium" panose="02000603000000000000" pitchFamily="2" charset="0"/>
+              <a:ea typeface="微軟正黑體" panose="020B0604030504040204" pitchFamily="34" charset="-120"/>
               <a:cs typeface="Times New Roman" panose="02020603050405020304" pitchFamily="18" charset="0"/>
             </a:endParaRPr>
           </a:p>
@@ -15264,7 +13873,7 @@
                 <a:schemeClr val="tx1"/>
               </a:solidFill>
               <a:latin typeface="Times New Roman" panose="02020603050405020304" pitchFamily="18" charset="0"/>
-              <a:ea typeface="CMU Sans Serif Medium" panose="02000603000000000000" pitchFamily="2" charset="0"/>
+              <a:ea typeface="微軟正黑體" panose="020B0604030504040204" pitchFamily="34" charset="-120"/>
               <a:cs typeface="Times New Roman" panose="02020603050405020304" pitchFamily="18" charset="0"/>
             </a:endParaRPr>
           </a:p>
@@ -15286,7 +13895,7 @@
                 <a:schemeClr val="tx1"/>
               </a:solidFill>
               <a:latin typeface="Times New Roman" panose="02020603050405020304" pitchFamily="18" charset="0"/>
-              <a:ea typeface="CMU Sans Serif Medium" panose="02000603000000000000" pitchFamily="2" charset="0"/>
+              <a:ea typeface="微軟正黑體" panose="020B0604030504040204" pitchFamily="34" charset="-120"/>
               <a:cs typeface="Times New Roman" panose="02020603050405020304" pitchFamily="18" charset="0"/>
             </a:endParaRPr>
           </a:p>
@@ -15315,7 +13924,7 @@
           <a:p>
             <a:fld id="{87E85E0C-F6DF-4C2C-9974-C2547ED92EE1}" type="slidenum">
               <a:rPr lang="zh-TW" altLang="en-US" smtClean="0"/>
-              <a:t>7</a:t>
+              <a:t>6</a:t>
             </a:fld>
             <a:endParaRPr lang="zh-TW" altLang="en-US" dirty="0"/>
           </a:p>
@@ -15448,7 +14057,7 @@
 </p:sld>
 </file>
 
-<file path=ppt/slides/slide8.xml><?xml version="1.0" encoding="utf-8"?>
+<file path=ppt/slides/slide7.xml><?xml version="1.0" encoding="utf-8"?>
 <p:sld xmlns:a="http://schemas.openxmlformats.org/drawingml/2006/main" xmlns:r="http://schemas.openxmlformats.org/officeDocument/2006/relationships" xmlns:p="http://schemas.openxmlformats.org/presentationml/2006/main">
   <p:cSld>
     <p:spTree>
@@ -16056,18 +14665,30 @@
               </a:buClr>
             </a:pPr>
             <a:r>
-              <a:rPr lang="zh-TW" altLang="en-US" sz="1400" dirty="0"/>
+              <a:rPr lang="zh-TW" altLang="en-US" sz="1400" dirty="0">
+                <a:latin typeface="微軟正黑體" panose="020B0604030504040204" pitchFamily="34" charset="-120"/>
+                <a:ea typeface="微軟正黑體" panose="020B0604030504040204" pitchFamily="34" charset="-120"/>
+              </a:rPr>
               <a:t>階段二：</a:t>
             </a:r>
             <a:r>
-              <a:rPr lang="en-US" altLang="zh-TW" sz="1400" dirty="0"/>
+              <a:rPr lang="en-US" altLang="zh-TW" sz="1400" dirty="0">
+                <a:latin typeface="微軟正黑體" panose="020B0604030504040204" pitchFamily="34" charset="-120"/>
+                <a:ea typeface="微軟正黑體" panose="020B0604030504040204" pitchFamily="34" charset="-120"/>
+              </a:rPr>
               <a:t>PID </a:t>
             </a:r>
             <a:r>
-              <a:rPr lang="zh-TW" altLang="en-US" sz="1400" dirty="0"/>
+              <a:rPr lang="zh-TW" altLang="en-US" sz="1400" dirty="0">
+                <a:latin typeface="微軟正黑體" panose="020B0604030504040204" pitchFamily="34" charset="-120"/>
+                <a:ea typeface="微軟正黑體" panose="020B0604030504040204" pitchFamily="34" charset="-120"/>
+              </a:rPr>
               <a:t>控制器設計</a:t>
             </a:r>
-            <a:endParaRPr lang="en-US" altLang="zh-TW" sz="1400" dirty="0"/>
+            <a:endParaRPr lang="en-US" altLang="zh-TW" sz="1400" dirty="0">
+              <a:latin typeface="微軟正黑體" panose="020B0604030504040204" pitchFamily="34" charset="-120"/>
+              <a:ea typeface="微軟正黑體" panose="020B0604030504040204" pitchFamily="34" charset="-120"/>
+            </a:endParaRPr>
           </a:p>
           <a:p>
             <a:pPr marL="857250" lvl="1" indent="-285750">
@@ -16082,34 +14703,44 @@
               </a:buClr>
             </a:pPr>
             <a:r>
-              <a:rPr lang="zh-TW" altLang="en-US" sz="1400" dirty="0"/>
+              <a:rPr lang="zh-TW" altLang="en-US" sz="1400" dirty="0">
+                <a:latin typeface="微軟正黑體" panose="020B0604030504040204" pitchFamily="34" charset="-120"/>
+                <a:ea typeface="微軟正黑體" panose="020B0604030504040204" pitchFamily="34" charset="-120"/>
+              </a:rPr>
               <a:t>演算法：使用 </a:t>
             </a:r>
             <a:r>
-              <a:rPr lang="en-US" altLang="zh-TW" sz="1400" dirty="0"/>
-              <a:t>PI </a:t>
-            </a:r>
-            <a:r>
-              <a:rPr lang="zh-TW" altLang="en-US" sz="1400" dirty="0"/>
-              <a:t>控制（比例</a:t>
-            </a:r>
-            <a:r>
-              <a:rPr lang="en-US" altLang="zh-TW" sz="1400" dirty="0"/>
-              <a:t>-</a:t>
-            </a:r>
-            <a:r>
-              <a:rPr lang="zh-TW" altLang="en-US" sz="1400" dirty="0"/>
-              <a:t>積分），在 </a:t>
-            </a:r>
-            <a:r>
-              <a:rPr lang="en-US" altLang="zh-TW" sz="1400" dirty="0"/>
+              <a:rPr lang="en-US" altLang="zh-TW" sz="1400" dirty="0">
+                <a:latin typeface="微軟正黑體" panose="020B0604030504040204" pitchFamily="34" charset="-120"/>
+                <a:ea typeface="微軟正黑體" panose="020B0604030504040204" pitchFamily="34" charset="-120"/>
+              </a:rPr>
+              <a:t>PD</a:t>
+            </a:r>
+            <a:r>
+              <a:rPr lang="zh-TW" altLang="en-US" sz="1400" dirty="0">
+                <a:latin typeface="微軟正黑體" panose="020B0604030504040204" pitchFamily="34" charset="-120"/>
+                <a:ea typeface="微軟正黑體" panose="020B0604030504040204" pitchFamily="34" charset="-120"/>
+              </a:rPr>
+              <a:t> 控制，在 </a:t>
+            </a:r>
+            <a:r>
+              <a:rPr lang="en-US" altLang="zh-TW" sz="1400" dirty="0">
+                <a:latin typeface="微軟正黑體" panose="020B0604030504040204" pitchFamily="34" charset="-120"/>
+                <a:ea typeface="微軟正黑體" panose="020B0604030504040204" pitchFamily="34" charset="-120"/>
+              </a:rPr>
               <a:t>STM32 </a:t>
             </a:r>
             <a:r>
-              <a:rPr lang="zh-TW" altLang="en-US" sz="1400" dirty="0"/>
+              <a:rPr lang="zh-TW" altLang="en-US" sz="1400" dirty="0">
+                <a:latin typeface="微軟正黑體" panose="020B0604030504040204" pitchFamily="34" charset="-120"/>
+                <a:ea typeface="微軟正黑體" panose="020B0604030504040204" pitchFamily="34" charset="-120"/>
+              </a:rPr>
               <a:t>上實作</a:t>
             </a:r>
-            <a:endParaRPr lang="en-US" altLang="zh-TW" sz="1400" dirty="0"/>
+            <a:endParaRPr lang="en-US" altLang="zh-TW" sz="1400" dirty="0">
+              <a:latin typeface="微軟正黑體" panose="020B0604030504040204" pitchFamily="34" charset="-120"/>
+              <a:ea typeface="微軟正黑體" panose="020B0604030504040204" pitchFamily="34" charset="-120"/>
+            </a:endParaRPr>
           </a:p>
           <a:p>
             <a:pPr marL="1314450" lvl="2" indent="-285750">
@@ -16124,22 +14755,23 @@
               </a:buClr>
             </a:pPr>
             <a:r>
-              <a:rPr lang="en-US" altLang="zh-TW" sz="1400" dirty="0"/>
-              <a:t>P (</a:t>
-            </a:r>
-            <a:r>
-              <a:rPr lang="zh-TW" altLang="en-US" sz="1400" dirty="0"/>
-              <a:t>比例</a:t>
-            </a:r>
-            <a:r>
-              <a:rPr lang="en-US" altLang="zh-TW" sz="1400" dirty="0"/>
-              <a:t>)</a:t>
-            </a:r>
-            <a:r>
-              <a:rPr lang="zh-TW" altLang="en-US" sz="1400" dirty="0"/>
+              <a:rPr lang="en-US" altLang="zh-TW" sz="1400" dirty="0">
+                <a:latin typeface="微軟正黑體" panose="020B0604030504040204" pitchFamily="34" charset="-120"/>
+                <a:ea typeface="微軟正黑體" panose="020B0604030504040204" pitchFamily="34" charset="-120"/>
+              </a:rPr>
+              <a:t>P </a:t>
+            </a:r>
+            <a:r>
+              <a:rPr lang="zh-TW" altLang="en-US" sz="1400" dirty="0">
+                <a:latin typeface="微軟正黑體" panose="020B0604030504040204" pitchFamily="34" charset="-120"/>
+                <a:ea typeface="微軟正黑體" panose="020B0604030504040204" pitchFamily="34" charset="-120"/>
+              </a:rPr>
               <a:t>：提升響應速度</a:t>
             </a:r>
-            <a:endParaRPr lang="en-US" altLang="zh-TW" sz="1400" dirty="0"/>
+            <a:endParaRPr lang="en-US" altLang="zh-TW" sz="1400" dirty="0">
+              <a:latin typeface="微軟正黑體" panose="020B0604030504040204" pitchFamily="34" charset="-120"/>
+              <a:ea typeface="微軟正黑體" panose="020B0604030504040204" pitchFamily="34" charset="-120"/>
+            </a:endParaRPr>
           </a:p>
           <a:p>
             <a:pPr marL="1314450" lvl="2" indent="-285750">
@@ -16154,22 +14786,23 @@
               </a:buClr>
             </a:pPr>
             <a:r>
-              <a:rPr lang="en-US" altLang="zh-TW" sz="1400" dirty="0"/>
-              <a:t>I (</a:t>
-            </a:r>
-            <a:r>
-              <a:rPr lang="zh-TW" altLang="en-US" sz="1400" dirty="0"/>
-              <a:t>積分</a:t>
-            </a:r>
-            <a:r>
-              <a:rPr lang="en-US" altLang="zh-TW" sz="1400" dirty="0"/>
-              <a:t>)</a:t>
-            </a:r>
-            <a:r>
-              <a:rPr lang="zh-TW" altLang="en-US" sz="1400" dirty="0"/>
+              <a:rPr lang="en-US" altLang="zh-TW" sz="1400" dirty="0">
+                <a:latin typeface="微軟正黑體" panose="020B0604030504040204" pitchFamily="34" charset="-120"/>
+                <a:ea typeface="微軟正黑體" panose="020B0604030504040204" pitchFamily="34" charset="-120"/>
+              </a:rPr>
+              <a:t>D</a:t>
+            </a:r>
+            <a:r>
+              <a:rPr lang="zh-TW" altLang="en-US" sz="1400" dirty="0">
+                <a:latin typeface="微軟正黑體" panose="020B0604030504040204" pitchFamily="34" charset="-120"/>
+                <a:ea typeface="微軟正黑體" panose="020B0604030504040204" pitchFamily="34" charset="-120"/>
+              </a:rPr>
               <a:t>：消除穩態誤差（確保目標速度與實際速度一致）</a:t>
             </a:r>
-            <a:endParaRPr lang="en-US" altLang="zh-TW" sz="1400" dirty="0"/>
+            <a:endParaRPr lang="en-US" altLang="zh-TW" sz="1400" dirty="0">
+              <a:latin typeface="微軟正黑體" panose="020B0604030504040204" pitchFamily="34" charset="-120"/>
+              <a:ea typeface="微軟正黑體" panose="020B0604030504040204" pitchFamily="34" charset="-120"/>
+            </a:endParaRPr>
           </a:p>
           <a:p>
             <a:pPr marL="857250" lvl="1" indent="-285750">
@@ -16188,8 +14821,8 @@
                 <a:solidFill>
                   <a:schemeClr val="tx1"/>
                 </a:solidFill>
-                <a:latin typeface="Roboto" panose="02000000000000000000" pitchFamily="2" charset="0"/>
-                <a:ea typeface="CMU Sans Serif Medium" panose="02000603000000000000" pitchFamily="2" charset="0"/>
+                <a:latin typeface="微軟正黑體" panose="020B0604030504040204" pitchFamily="34" charset="-120"/>
+                <a:ea typeface="微軟正黑體" panose="020B0604030504040204" pitchFamily="34" charset="-120"/>
                 <a:cs typeface="Roboto" panose="02000000000000000000" pitchFamily="2" charset="0"/>
               </a:rPr>
               <a:t>參數計算</a:t>
@@ -16198,8 +14831,8 @@
               <a:solidFill>
                 <a:schemeClr val="tx1"/>
               </a:solidFill>
-              <a:latin typeface="Roboto" panose="02000000000000000000" pitchFamily="2" charset="0"/>
-              <a:ea typeface="Roboto" panose="02000000000000000000" pitchFamily="2" charset="0"/>
+              <a:latin typeface="微軟正黑體" panose="020B0604030504040204" pitchFamily="34" charset="-120"/>
+              <a:ea typeface="微軟正黑體" panose="020B0604030504040204" pitchFamily="34" charset="-120"/>
               <a:cs typeface="Roboto" panose="02000000000000000000" pitchFamily="2" charset="0"/>
             </a:endParaRPr>
           </a:p>
@@ -16220,8 +14853,8 @@
                 <a:solidFill>
                   <a:schemeClr val="tx1"/>
                 </a:solidFill>
-                <a:latin typeface="Roboto" panose="02000000000000000000" pitchFamily="2" charset="0"/>
-                <a:ea typeface="CMU Sans Serif Medium" panose="02000603000000000000" pitchFamily="2" charset="0"/>
+                <a:latin typeface="微軟正黑體" panose="020B0604030504040204" pitchFamily="34" charset="-120"/>
+                <a:ea typeface="微軟正黑體" panose="020B0604030504040204" pitchFamily="34" charset="-120"/>
                 <a:cs typeface="Roboto" panose="02000000000000000000" pitchFamily="2" charset="0"/>
               </a:rPr>
               <a:t>根據階段一測得的 </a:t>
@@ -16231,8 +14864,8 @@
                 <a:solidFill>
                   <a:schemeClr val="tx1"/>
                 </a:solidFill>
-                <a:latin typeface="Roboto" panose="02000000000000000000" pitchFamily="2" charset="0"/>
-                <a:ea typeface="Roboto" panose="02000000000000000000" pitchFamily="2" charset="0"/>
+                <a:latin typeface="微軟正黑體" panose="020B0604030504040204" pitchFamily="34" charset="-120"/>
+                <a:ea typeface="微軟正黑體" panose="020B0604030504040204" pitchFamily="34" charset="-120"/>
                 <a:cs typeface="Roboto" panose="02000000000000000000" pitchFamily="2" charset="0"/>
               </a:rPr>
               <a:t>K</a:t>
@@ -16242,129 +14875,85 @@
                 <a:solidFill>
                   <a:schemeClr val="tx1"/>
                 </a:solidFill>
-                <a:latin typeface="Roboto" panose="02000000000000000000" pitchFamily="2" charset="0"/>
-                <a:ea typeface="CMU Sans Serif Medium" panose="02000603000000000000" pitchFamily="2" charset="0"/>
+                <a:latin typeface="微軟正黑體" panose="020B0604030504040204" pitchFamily="34" charset="-120"/>
+                <a:ea typeface="微軟正黑體" panose="020B0604030504040204" pitchFamily="34" charset="-120"/>
                 <a:cs typeface="Roboto" panose="02000000000000000000" pitchFamily="2" charset="0"/>
               </a:rPr>
+              <a:t> 與 </a:t>
+            </a:r>
+            <a:r>
+              <a:rPr lang="el-GR" altLang="zh-TW" sz="1400" dirty="0">
+                <a:solidFill>
+                  <a:schemeClr val="tx1"/>
+                </a:solidFill>
+                <a:latin typeface="Times New Roman" panose="02020603050405020304" pitchFamily="18" charset="0"/>
+                <a:ea typeface="微軟正黑體" panose="020B0604030504040204" pitchFamily="34" charset="-120"/>
+                <a:cs typeface="Times New Roman" panose="02020603050405020304" pitchFamily="18" charset="0"/>
+              </a:rPr>
+              <a:t>τ </a:t>
+            </a:r>
+            <a:r>
+              <a:rPr lang="zh-TW" altLang="en-US" sz="1400" dirty="0">
+                <a:solidFill>
+                  <a:schemeClr val="tx1"/>
+                </a:solidFill>
+                <a:latin typeface="微軟正黑體" panose="020B0604030504040204" pitchFamily="34" charset="-120"/>
+                <a:ea typeface="微軟正黑體" panose="020B0604030504040204" pitchFamily="34" charset="-120"/>
+                <a:cs typeface="Roboto" panose="02000000000000000000" pitchFamily="2" charset="0"/>
+              </a:rPr>
+              <a:t>，利用極點配置法計算 </a:t>
+            </a:r>
+            <a:r>
+              <a:rPr lang="en-US" altLang="zh-TW" sz="1400" dirty="0" err="1">
+                <a:solidFill>
+                  <a:schemeClr val="tx1"/>
+                </a:solidFill>
+                <a:latin typeface="微軟正黑體" panose="020B0604030504040204" pitchFamily="34" charset="-120"/>
+                <a:ea typeface="微軟正黑體" panose="020B0604030504040204" pitchFamily="34" charset="-120"/>
+                <a:cs typeface="Roboto" panose="02000000000000000000" pitchFamily="2" charset="0"/>
+              </a:rPr>
+              <a:t>K</a:t>
+            </a:r>
+            <a:r>
+              <a:rPr lang="en-US" altLang="zh-TW" dirty="0" err="1">
+                <a:solidFill>
+                  <a:schemeClr val="tx1"/>
+                </a:solidFill>
+                <a:latin typeface="微軟正黑體" panose="020B0604030504040204" pitchFamily="34" charset="-120"/>
+                <a:ea typeface="微軟正黑體" panose="020B0604030504040204" pitchFamily="34" charset="-120"/>
+                <a:cs typeface="Roboto" panose="02000000000000000000" pitchFamily="2" charset="0"/>
+              </a:rPr>
+              <a:t>p</a:t>
+            </a:r>
+            <a:r>
+              <a:rPr lang="zh-TW" altLang="en-US" sz="1400" dirty="0">
+                <a:solidFill>
+                  <a:schemeClr val="tx1"/>
+                </a:solidFill>
+                <a:latin typeface="微軟正黑體" panose="020B0604030504040204" pitchFamily="34" charset="-120"/>
+                <a:ea typeface="微軟正黑體" panose="020B0604030504040204" pitchFamily="34" charset="-120"/>
+                <a:cs typeface="Roboto" panose="02000000000000000000" pitchFamily="2" charset="0"/>
+              </a:rPr>
               <a:t>與 </a:t>
             </a:r>
             <a:r>
-              <a:rPr lang="el-GR" altLang="zh-TW" sz="1400" dirty="0">
+              <a:rPr lang="en-US" altLang="zh-TW" sz="1400" dirty="0" err="1">
                 <a:solidFill>
                   <a:schemeClr val="tx1"/>
                 </a:solidFill>
-                <a:latin typeface="Times New Roman" panose="02020603050405020304" pitchFamily="18" charset="0"/>
-                <a:ea typeface="CMU Sans Serif Medium" panose="02000603000000000000" pitchFamily="2" charset="0"/>
-                <a:cs typeface="Times New Roman" panose="02020603050405020304" pitchFamily="18" charset="0"/>
-              </a:rPr>
-              <a:t>τ </a:t>
-            </a:r>
-            <a:r>
-              <a:rPr lang="zh-TW" altLang="en-US" sz="1400" dirty="0">
-                <a:solidFill>
-                  <a:schemeClr val="tx1"/>
-                </a:solidFill>
-                <a:latin typeface="Roboto" panose="02000000000000000000" pitchFamily="2" charset="0"/>
-                <a:ea typeface="CMU Sans Serif Medium" panose="02000603000000000000" pitchFamily="2" charset="0"/>
+                <a:latin typeface="微軟正黑體" panose="020B0604030504040204" pitchFamily="34" charset="-120"/>
+                <a:ea typeface="微軟正黑體" panose="020B0604030504040204" pitchFamily="34" charset="-120"/>
                 <a:cs typeface="Roboto" panose="02000000000000000000" pitchFamily="2" charset="0"/>
               </a:rPr>
-              <a:t>，利用極點配置法計算 </a:t>
-            </a:r>
-            <a:r>
-              <a:rPr lang="en-US" altLang="zh-TW" sz="1400" dirty="0" err="1">
-                <a:solidFill>
-                  <a:schemeClr val="tx1"/>
-                </a:solidFill>
-                <a:latin typeface="Roboto" panose="02000000000000000000" pitchFamily="2" charset="0"/>
-                <a:ea typeface="Roboto" panose="02000000000000000000" pitchFamily="2" charset="0"/>
-                <a:cs typeface="Roboto" panose="02000000000000000000" pitchFamily="2" charset="0"/>
-              </a:rPr>
-              <a:t>K</a:t>
-            </a:r>
-            <a:r>
-              <a:rPr lang="en-US" altLang="zh-TW" dirty="0" err="1">
-                <a:solidFill>
-                  <a:schemeClr val="tx1"/>
-                </a:solidFill>
-                <a:latin typeface="Roboto" panose="02000000000000000000" pitchFamily="2" charset="0"/>
-                <a:ea typeface="Roboto" panose="02000000000000000000" pitchFamily="2" charset="0"/>
-                <a:cs typeface="Roboto" panose="02000000000000000000" pitchFamily="2" charset="0"/>
-              </a:rPr>
-              <a:t>p</a:t>
-            </a:r>
-            <a:r>
-              <a:rPr lang="zh-TW" altLang="en-US" sz="1400" dirty="0">
-                <a:solidFill>
-                  <a:schemeClr val="tx1"/>
-                </a:solidFill>
-                <a:latin typeface="Roboto" panose="02000000000000000000" pitchFamily="2" charset="0"/>
-                <a:ea typeface="CMU Sans Serif Medium" panose="02000603000000000000" pitchFamily="2" charset="0"/>
-                <a:cs typeface="Roboto" panose="02000000000000000000" pitchFamily="2" charset="0"/>
-              </a:rPr>
-              <a:t>與 </a:t>
-            </a:r>
-            <a:r>
-              <a:rPr lang="en-US" altLang="zh-TW" sz="1400" dirty="0">
-                <a:solidFill>
-                  <a:schemeClr val="tx1"/>
-                </a:solidFill>
-                <a:latin typeface="Roboto" panose="02000000000000000000" pitchFamily="2" charset="0"/>
-                <a:ea typeface="Roboto" panose="02000000000000000000" pitchFamily="2" charset="0"/>
-                <a:cs typeface="Roboto" panose="02000000000000000000" pitchFamily="2" charset="0"/>
-              </a:rPr>
-              <a:t>K</a:t>
-            </a:r>
-            <a:r>
-              <a:rPr lang="en-US" altLang="zh-TW" dirty="0">
-                <a:solidFill>
-                  <a:schemeClr val="tx1"/>
-                </a:solidFill>
-                <a:latin typeface="Roboto" panose="02000000000000000000" pitchFamily="2" charset="0"/>
-                <a:ea typeface="Roboto" panose="02000000000000000000" pitchFamily="2" charset="0"/>
-                <a:cs typeface="Roboto" panose="02000000000000000000" pitchFamily="2" charset="0"/>
-              </a:rPr>
-              <a:t>i</a:t>
-            </a:r>
-            <a:r>
-              <a:rPr lang="zh-TW" altLang="en-US" sz="1400" dirty="0">
-                <a:solidFill>
-                  <a:schemeClr val="tx1"/>
-                </a:solidFill>
-                <a:latin typeface="Roboto" panose="02000000000000000000" pitchFamily="2" charset="0"/>
-                <a:ea typeface="CMU Sans Serif Medium" panose="02000603000000000000" pitchFamily="2" charset="0"/>
-                <a:cs typeface="Roboto" panose="02000000000000000000" pitchFamily="2" charset="0"/>
-              </a:rPr>
-              <a:t>，而非盲目試誤（</a:t>
-            </a:r>
-            <a:r>
-              <a:rPr lang="en-US" altLang="zh-TW" sz="1400" dirty="0">
-                <a:solidFill>
-                  <a:schemeClr val="tx1"/>
-                </a:solidFill>
-                <a:latin typeface="Roboto" panose="02000000000000000000" pitchFamily="2" charset="0"/>
-                <a:ea typeface="Roboto" panose="02000000000000000000" pitchFamily="2" charset="0"/>
-                <a:cs typeface="Roboto" panose="02000000000000000000" pitchFamily="2" charset="0"/>
-              </a:rPr>
-              <a:t>Trial and error</a:t>
-            </a:r>
-            <a:r>
-              <a:rPr lang="zh-TW" altLang="en-US" sz="1400" dirty="0">
-                <a:solidFill>
-                  <a:schemeClr val="tx1"/>
-                </a:solidFill>
-                <a:latin typeface="Roboto" panose="02000000000000000000" pitchFamily="2" charset="0"/>
-                <a:ea typeface="CMU Sans Serif Medium" panose="02000603000000000000" pitchFamily="2" charset="0"/>
-                <a:cs typeface="Roboto" panose="02000000000000000000" pitchFamily="2" charset="0"/>
-              </a:rPr>
-              <a:t>）。</a:t>
-            </a:r>
-            <a:endParaRPr lang="en-US" altLang="zh-TW" sz="1400" dirty="0">
+              <a:t>Kd</a:t>
+            </a:r>
+            <a:endParaRPr lang="en-US" altLang="zh-TW" sz="1000" dirty="0">
               <a:solidFill>
                 <a:schemeClr val="tx1"/>
               </a:solidFill>
-              <a:latin typeface="Roboto" panose="02000000000000000000" pitchFamily="2" charset="0"/>
-              <a:ea typeface="Roboto" panose="02000000000000000000" pitchFamily="2" charset="0"/>
-              <a:cs typeface="Roboto" panose="02000000000000000000" pitchFamily="2" charset="0"/>
+              <a:latin typeface="Times New Roman" panose="02020603050405020304" pitchFamily="18" charset="0"/>
+              <a:ea typeface="微軟正黑體" panose="020B0604030504040204" pitchFamily="34" charset="-120"/>
+              <a:cs typeface="Times New Roman" panose="02020603050405020304" pitchFamily="18" charset="0"/>
             </a:endParaRPr>
           </a:p>
           <a:p>
@@ -16385,7 +14974,7 @@
                 <a:schemeClr val="tx1"/>
               </a:solidFill>
               <a:latin typeface="Times New Roman" panose="02020603050405020304" pitchFamily="18" charset="0"/>
-              <a:ea typeface="CMU Sans Serif Medium" panose="02000603000000000000" pitchFamily="2" charset="0"/>
+              <a:ea typeface="微軟正黑體" panose="020B0604030504040204" pitchFamily="34" charset="-120"/>
               <a:cs typeface="Times New Roman" panose="02020603050405020304" pitchFamily="18" charset="0"/>
             </a:endParaRPr>
           </a:p>
@@ -16407,7 +14996,7 @@
                 <a:schemeClr val="tx1"/>
               </a:solidFill>
               <a:latin typeface="Times New Roman" panose="02020603050405020304" pitchFamily="18" charset="0"/>
-              <a:ea typeface="CMU Sans Serif Medium" panose="02000603000000000000" pitchFamily="2" charset="0"/>
+              <a:ea typeface="微軟正黑體" panose="020B0604030504040204" pitchFamily="34" charset="-120"/>
               <a:cs typeface="Times New Roman" panose="02020603050405020304" pitchFamily="18" charset="0"/>
             </a:endParaRPr>
           </a:p>
@@ -16429,7 +15018,7 @@
                 <a:schemeClr val="tx1"/>
               </a:solidFill>
               <a:latin typeface="Times New Roman" panose="02020603050405020304" pitchFamily="18" charset="0"/>
-              <a:ea typeface="CMU Sans Serif Medium" panose="02000603000000000000" pitchFamily="2" charset="0"/>
+              <a:ea typeface="微軟正黑體" panose="020B0604030504040204" pitchFamily="34" charset="-120"/>
               <a:cs typeface="Times New Roman" panose="02020603050405020304" pitchFamily="18" charset="0"/>
             </a:endParaRPr>
           </a:p>
@@ -16451,7 +15040,7 @@
                 <a:schemeClr val="tx1"/>
               </a:solidFill>
               <a:latin typeface="Times New Roman" panose="02020603050405020304" pitchFamily="18" charset="0"/>
-              <a:ea typeface="CMU Sans Serif Medium" panose="02000603000000000000" pitchFamily="2" charset="0"/>
+              <a:ea typeface="微軟正黑體" panose="020B0604030504040204" pitchFamily="34" charset="-120"/>
               <a:cs typeface="Times New Roman" panose="02020603050405020304" pitchFamily="18" charset="0"/>
             </a:endParaRPr>
           </a:p>
@@ -16473,7 +15062,7 @@
                 <a:schemeClr val="tx1"/>
               </a:solidFill>
               <a:latin typeface="Times New Roman" panose="02020603050405020304" pitchFamily="18" charset="0"/>
-              <a:ea typeface="CMU Sans Serif Medium" panose="02000603000000000000" pitchFamily="2" charset="0"/>
+              <a:ea typeface="微軟正黑體" panose="020B0604030504040204" pitchFamily="34" charset="-120"/>
               <a:cs typeface="Times New Roman" panose="02020603050405020304" pitchFamily="18" charset="0"/>
             </a:endParaRPr>
           </a:p>
@@ -16495,7 +15084,7 @@
                 <a:schemeClr val="tx1"/>
               </a:solidFill>
               <a:latin typeface="Times New Roman" panose="02020603050405020304" pitchFamily="18" charset="0"/>
-              <a:ea typeface="CMU Sans Serif Medium" panose="02000603000000000000" pitchFamily="2" charset="0"/>
+              <a:ea typeface="微軟正黑體" panose="020B0604030504040204" pitchFamily="34" charset="-120"/>
               <a:cs typeface="Times New Roman" panose="02020603050405020304" pitchFamily="18" charset="0"/>
             </a:endParaRPr>
           </a:p>
@@ -16517,29 +15106,7 @@
                 <a:schemeClr val="tx1"/>
               </a:solidFill>
               <a:latin typeface="Times New Roman" panose="02020603050405020304" pitchFamily="18" charset="0"/>
-              <a:ea typeface="CMU Sans Serif Medium" panose="02000603000000000000" pitchFamily="2" charset="0"/>
-              <a:cs typeface="Times New Roman" panose="02020603050405020304" pitchFamily="18" charset="0"/>
-            </a:endParaRPr>
-          </a:p>
-          <a:p>
-            <a:pPr marL="114300" indent="0">
-              <a:lnSpc>
-                <a:spcPct val="100000"/>
-              </a:lnSpc>
-              <a:spcBef>
-                <a:spcPts val="800"/>
-              </a:spcBef>
-              <a:buClr>
-                <a:srgbClr val="3D98DE"/>
-              </a:buClr>
-              <a:buNone/>
-            </a:pPr>
-            <a:endParaRPr lang="en-US" altLang="zh-TW" sz="1000" dirty="0">
-              <a:solidFill>
-                <a:schemeClr val="tx1"/>
-              </a:solidFill>
-              <a:latin typeface="Times New Roman" panose="02020603050405020304" pitchFamily="18" charset="0"/>
-              <a:ea typeface="CMU Sans Serif Medium" panose="02000603000000000000" pitchFamily="2" charset="0"/>
+              <a:ea typeface="微軟正黑體" panose="020B0604030504040204" pitchFamily="34" charset="-120"/>
               <a:cs typeface="Times New Roman" panose="02020603050405020304" pitchFamily="18" charset="0"/>
             </a:endParaRPr>
           </a:p>
@@ -16568,7 +15135,7 @@
           <a:p>
             <a:fld id="{87E85E0C-F6DF-4C2C-9974-C2547ED92EE1}" type="slidenum">
               <a:rPr lang="zh-TW" altLang="en-US" smtClean="0"/>
-              <a:t>8</a:t>
+              <a:t>7</a:t>
             </a:fld>
             <a:endParaRPr lang="zh-TW" altLang="en-US" dirty="0"/>
           </a:p>
@@ -16686,13 +15253,13 @@
   <p:clrMapOvr>
     <a:masterClrMapping/>
   </p:clrMapOvr>
-  <mc:AlternateContent xmlns:mc="http://schemas.openxmlformats.org/markup-compatibility/2006">
-    <mc:Choice xmlns:p14="http://schemas.microsoft.com/office/powerpoint/2010/main" Requires="p14">
+  <mc:AlternateContent xmlns:mc="http://schemas.openxmlformats.org/markup-compatibility/2006" xmlns:p14="http://schemas.microsoft.com/office/powerpoint/2010/main">
+    <mc:Choice Requires="p14">
       <p:transition spd="slow" p14:dur="2000">
         <p:cut/>
       </p:transition>
     </mc:Choice>
-    <mc:Fallback>
+    <mc:Fallback xmlns="">
       <p:transition spd="slow">
         <p:cut/>
       </p:transition>
@@ -16701,7 +15268,7 @@
 </p:sld>
 </file>
 
-<file path=ppt/slides/slide9.xml><?xml version="1.0" encoding="utf-8"?>
+<file path=ppt/slides/slide8.xml><?xml version="1.0" encoding="utf-8"?>
 <p:sld xmlns:a="http://schemas.openxmlformats.org/drawingml/2006/main" xmlns:r="http://schemas.openxmlformats.org/officeDocument/2006/relationships" xmlns:p="http://schemas.openxmlformats.org/presentationml/2006/main">
   <p:cSld>
     <p:spTree>
@@ -17316,7 +15883,7 @@
                   <a:schemeClr val="tx1"/>
                 </a:solidFill>
                 <a:latin typeface="Times New Roman" panose="02020603050405020304" pitchFamily="18" charset="0"/>
-                <a:ea typeface="CMU Sans Serif Medium" panose="02000603000000000000" pitchFamily="2" charset="0"/>
+                <a:ea typeface="微軟正黑體" panose="020B0604030504040204" pitchFamily="34" charset="-120"/>
                 <a:cs typeface="Times New Roman" panose="02020603050405020304" pitchFamily="18" charset="0"/>
               </a:rPr>
               <a:t>完成 </a:t>
@@ -17327,7 +15894,7 @@
                   <a:schemeClr val="tx1"/>
                 </a:solidFill>
                 <a:latin typeface="Times New Roman" panose="02020603050405020304" pitchFamily="18" charset="0"/>
-                <a:ea typeface="CMU Sans Serif Medium" panose="02000603000000000000" pitchFamily="2" charset="0"/>
+                <a:ea typeface="微軟正黑體" panose="020B0604030504040204" pitchFamily="34" charset="-120"/>
                 <a:cs typeface="Times New Roman" panose="02020603050405020304" pitchFamily="18" charset="0"/>
               </a:rPr>
               <a:t>STM32 </a:t>
@@ -17338,7 +15905,7 @@
                   <a:schemeClr val="tx1"/>
                 </a:solidFill>
                 <a:latin typeface="Times New Roman" panose="02020603050405020304" pitchFamily="18" charset="0"/>
-                <a:ea typeface="CMU Sans Serif Medium" panose="02000603000000000000" pitchFamily="2" charset="0"/>
+                <a:ea typeface="微軟正黑體" panose="020B0604030504040204" pitchFamily="34" charset="-120"/>
                 <a:cs typeface="Times New Roman" panose="02020603050405020304" pitchFamily="18" charset="0"/>
               </a:rPr>
               <a:t>與 </a:t>
@@ -17349,7 +15916,7 @@
                   <a:schemeClr val="tx1"/>
                 </a:solidFill>
                 <a:latin typeface="Times New Roman" panose="02020603050405020304" pitchFamily="18" charset="0"/>
-                <a:ea typeface="CMU Sans Serif Medium" panose="02000603000000000000" pitchFamily="2" charset="0"/>
+                <a:ea typeface="微軟正黑體" panose="020B0604030504040204" pitchFamily="34" charset="-120"/>
                 <a:cs typeface="Times New Roman" panose="02020603050405020304" pitchFamily="18" charset="0"/>
               </a:rPr>
               <a:t>DEV </a:t>
@@ -17360,7 +15927,7 @@
                   <a:schemeClr val="tx1"/>
                 </a:solidFill>
                 <a:latin typeface="Times New Roman" panose="02020603050405020304" pitchFamily="18" charset="0"/>
-                <a:ea typeface="CMU Sans Serif Medium" panose="02000603000000000000" pitchFamily="2" charset="0"/>
+                <a:ea typeface="微軟正黑體" panose="020B0604030504040204" pitchFamily="34" charset="-120"/>
                 <a:cs typeface="Times New Roman" panose="02020603050405020304" pitchFamily="18" charset="0"/>
               </a:rPr>
               <a:t>驅動器的通訊與訊號對接</a:t>
@@ -17370,7 +15937,7 @@
                 <a:schemeClr val="tx1"/>
               </a:solidFill>
               <a:latin typeface="Times New Roman" panose="02020603050405020304" pitchFamily="18" charset="0"/>
-              <a:ea typeface="CMU Sans Serif Medium" panose="02000603000000000000" pitchFamily="2" charset="0"/>
+              <a:ea typeface="微軟正黑體" panose="020B0604030504040204" pitchFamily="34" charset="-120"/>
               <a:cs typeface="Times New Roman" panose="02020603050405020304" pitchFamily="18" charset="0"/>
             </a:endParaRPr>
           </a:p>
@@ -17394,39 +15961,17 @@
                   <a:schemeClr val="tx1"/>
                 </a:solidFill>
                 <a:latin typeface="Times New Roman" panose="02020603050405020304" pitchFamily="18" charset="0"/>
-                <a:ea typeface="CMU Sans Serif Medium" panose="02000603000000000000" pitchFamily="2" charset="0"/>
+                <a:ea typeface="微軟正黑體" panose="020B0604030504040204" pitchFamily="34" charset="-120"/>
                 <a:cs typeface="Times New Roman" panose="02020603050405020304" pitchFamily="18" charset="0"/>
               </a:rPr>
-              <a:t>繪製出馬達的開迴路步階響應圖（</a:t>
-            </a:r>
-            <a:r>
-              <a:rPr lang="en-US" altLang="zh-TW" sz="1400" dirty="0">
-                <a:solidFill>
-                  <a:schemeClr val="tx1"/>
-                </a:solidFill>
-                <a:latin typeface="Times New Roman" panose="02020603050405020304" pitchFamily="18" charset="0"/>
-                <a:ea typeface="CMU Sans Serif Medium" panose="02000603000000000000" pitchFamily="2" charset="0"/>
-                <a:cs typeface="Times New Roman" panose="02020603050405020304" pitchFamily="18" charset="0"/>
-              </a:rPr>
-              <a:t>Step Response</a:t>
-            </a:r>
-            <a:r>
-              <a:rPr lang="zh-TW" altLang="en-US" sz="1400" dirty="0">
-                <a:solidFill>
-                  <a:schemeClr val="tx1"/>
-                </a:solidFill>
-                <a:latin typeface="Times New Roman" panose="02020603050405020304" pitchFamily="18" charset="0"/>
-                <a:ea typeface="CMU Sans Serif Medium" panose="02000603000000000000" pitchFamily="2" charset="0"/>
-                <a:cs typeface="Times New Roman" panose="02020603050405020304" pitchFamily="18" charset="0"/>
-              </a:rPr>
-              <a:t>）</a:t>
+              <a:t>繪製出馬達的開迴路步階響應圖</a:t>
             </a:r>
             <a:endParaRPr lang="en-US" altLang="zh-TW" sz="1400" dirty="0">
               <a:solidFill>
                 <a:schemeClr val="tx1"/>
               </a:solidFill>
               <a:latin typeface="Times New Roman" panose="02020603050405020304" pitchFamily="18" charset="0"/>
-              <a:ea typeface="CMU Sans Serif Medium" panose="02000603000000000000" pitchFamily="2" charset="0"/>
+              <a:ea typeface="微軟正黑體" panose="020B0604030504040204" pitchFamily="34" charset="-120"/>
               <a:cs typeface="Times New Roman" panose="02020603050405020304" pitchFamily="18" charset="0"/>
             </a:endParaRPr>
           </a:p>
@@ -17450,7 +15995,7 @@
                   <a:schemeClr val="tx1"/>
                 </a:solidFill>
                 <a:latin typeface="Times New Roman" panose="02020603050405020304" pitchFamily="18" charset="0"/>
-                <a:ea typeface="CMU Sans Serif Medium" panose="02000603000000000000" pitchFamily="2" charset="0"/>
+                <a:ea typeface="微軟正黑體" panose="020B0604030504040204" pitchFamily="34" charset="-120"/>
                 <a:cs typeface="Times New Roman" panose="02020603050405020304" pitchFamily="18" charset="0"/>
               </a:rPr>
               <a:t>實現閉迴路速度控制，驗證在負載變化下轉速的穩定性</a:t>
@@ -17460,7 +16005,7 @@
                 <a:schemeClr val="tx1"/>
               </a:solidFill>
               <a:latin typeface="Times New Roman" panose="02020603050405020304" pitchFamily="18" charset="0"/>
-              <a:ea typeface="CMU Sans Serif Medium" panose="02000603000000000000" pitchFamily="2" charset="0"/>
+              <a:ea typeface="微軟正黑體" panose="020B0604030504040204" pitchFamily="34" charset="-120"/>
               <a:cs typeface="Times New Roman" panose="02020603050405020304" pitchFamily="18" charset="0"/>
             </a:endParaRPr>
           </a:p>
@@ -17482,7 +16027,7 @@
                 <a:schemeClr val="tx1"/>
               </a:solidFill>
               <a:latin typeface="Times New Roman" panose="02020603050405020304" pitchFamily="18" charset="0"/>
-              <a:ea typeface="CMU Sans Serif Medium" panose="02000603000000000000" pitchFamily="2" charset="0"/>
+              <a:ea typeface="微軟正黑體" panose="020B0604030504040204" pitchFamily="34" charset="-120"/>
               <a:cs typeface="Times New Roman" panose="02020603050405020304" pitchFamily="18" charset="0"/>
             </a:endParaRPr>
           </a:p>
@@ -17504,7 +16049,7 @@
                 <a:schemeClr val="tx1"/>
               </a:solidFill>
               <a:latin typeface="Times New Roman" panose="02020603050405020304" pitchFamily="18" charset="0"/>
-              <a:ea typeface="CMU Sans Serif Medium" panose="02000603000000000000" pitchFamily="2" charset="0"/>
+              <a:ea typeface="微軟正黑體" panose="020B0604030504040204" pitchFamily="34" charset="-120"/>
               <a:cs typeface="Times New Roman" panose="02020603050405020304" pitchFamily="18" charset="0"/>
             </a:endParaRPr>
           </a:p>
@@ -17526,7 +16071,7 @@
                 <a:schemeClr val="tx1"/>
               </a:solidFill>
               <a:latin typeface="Times New Roman" panose="02020603050405020304" pitchFamily="18" charset="0"/>
-              <a:ea typeface="CMU Sans Serif Medium" panose="02000603000000000000" pitchFamily="2" charset="0"/>
+              <a:ea typeface="微軟正黑體" panose="020B0604030504040204" pitchFamily="34" charset="-120"/>
               <a:cs typeface="Times New Roman" panose="02020603050405020304" pitchFamily="18" charset="0"/>
             </a:endParaRPr>
           </a:p>
@@ -17548,7 +16093,7 @@
                 <a:schemeClr val="tx1"/>
               </a:solidFill>
               <a:latin typeface="Times New Roman" panose="02020603050405020304" pitchFamily="18" charset="0"/>
-              <a:ea typeface="CMU Sans Serif Medium" panose="02000603000000000000" pitchFamily="2" charset="0"/>
+              <a:ea typeface="微軟正黑體" panose="020B0604030504040204" pitchFamily="34" charset="-120"/>
               <a:cs typeface="Times New Roman" panose="02020603050405020304" pitchFamily="18" charset="0"/>
             </a:endParaRPr>
           </a:p>
@@ -17570,7 +16115,7 @@
                 <a:schemeClr val="tx1"/>
               </a:solidFill>
               <a:latin typeface="Times New Roman" panose="02020603050405020304" pitchFamily="18" charset="0"/>
-              <a:ea typeface="CMU Sans Serif Medium" panose="02000603000000000000" pitchFamily="2" charset="0"/>
+              <a:ea typeface="微軟正黑體" panose="020B0604030504040204" pitchFamily="34" charset="-120"/>
               <a:cs typeface="Times New Roman" panose="02020603050405020304" pitchFamily="18" charset="0"/>
             </a:endParaRPr>
           </a:p>
@@ -17592,7 +16137,7 @@
                 <a:schemeClr val="tx1"/>
               </a:solidFill>
               <a:latin typeface="Times New Roman" panose="02020603050405020304" pitchFamily="18" charset="0"/>
-              <a:ea typeface="CMU Sans Serif Medium" panose="02000603000000000000" pitchFamily="2" charset="0"/>
+              <a:ea typeface="微軟正黑體" panose="020B0604030504040204" pitchFamily="34" charset="-120"/>
               <a:cs typeface="Times New Roman" panose="02020603050405020304" pitchFamily="18" charset="0"/>
             </a:endParaRPr>
           </a:p>
@@ -17621,7 +16166,7 @@
           <a:p>
             <a:fld id="{87E85E0C-F6DF-4C2C-9974-C2547ED92EE1}" type="slidenum">
               <a:rPr lang="zh-TW" altLang="en-US" smtClean="0"/>
-              <a:t>9</a:t>
+              <a:t>8</a:t>
             </a:fld>
             <a:endParaRPr lang="zh-TW" altLang="en-US" dirty="0"/>
           </a:p>
@@ -17733,6 +16278,423 @@
     <p:extLst>
       <p:ext uri="{BB962C8B-B14F-4D97-AF65-F5344CB8AC3E}">
         <p14:creationId xmlns:p14="http://schemas.microsoft.com/office/powerpoint/2010/main" val="3403420227"/>
+      </p:ext>
+    </p:extLst>
+  </p:cSld>
+  <p:clrMapOvr>
+    <a:masterClrMapping/>
+  </p:clrMapOvr>
+  <mc:AlternateContent xmlns:mc="http://schemas.openxmlformats.org/markup-compatibility/2006" xmlns:p14="http://schemas.microsoft.com/office/powerpoint/2010/main">
+    <mc:Choice Requires="p14">
+      <p:transition spd="slow" p14:dur="2000">
+        <p:cut/>
+      </p:transition>
+    </mc:Choice>
+    <mc:Fallback xmlns="">
+      <p:transition spd="slow">
+        <p:cut/>
+      </p:transition>
+    </mc:Fallback>
+  </mc:AlternateContent>
+</p:sld>
+</file>
+
+<file path=ppt/slides/slide9.xml><?xml version="1.0" encoding="utf-8"?>
+<p:sld xmlns:a="http://schemas.openxmlformats.org/drawingml/2006/main" xmlns:r="http://schemas.openxmlformats.org/officeDocument/2006/relationships" xmlns:p="http://schemas.openxmlformats.org/presentationml/2006/main">
+  <p:cSld>
+    <p:spTree>
+      <p:nvGrpSpPr>
+        <p:cNvPr id="1" name="Shape 2365">
+          <a:extLst>
+            <a:ext uri="{FF2B5EF4-FFF2-40B4-BE49-F238E27FC236}">
+              <a16:creationId xmlns:a16="http://schemas.microsoft.com/office/drawing/2014/main" id="{1C8E5E33-9BA1-86E3-3FC6-A4831BC596FF}"/>
+            </a:ext>
+          </a:extLst>
+        </p:cNvPr>
+        <p:cNvGrpSpPr/>
+        <p:nvPr/>
+      </p:nvGrpSpPr>
+      <p:grpSpPr>
+        <a:xfrm>
+          <a:off x="0" y="0"/>
+          <a:ext cx="0" cy="0"/>
+          <a:chOff x="0" y="0"/>
+          <a:chExt cx="0" cy="0"/>
+        </a:xfrm>
+      </p:grpSpPr>
+      <p:grpSp>
+        <p:nvGrpSpPr>
+          <p:cNvPr id="4" name="Group 3">
+            <a:extLst>
+              <a:ext uri="{FF2B5EF4-FFF2-40B4-BE49-F238E27FC236}">
+                <a16:creationId xmlns:a16="http://schemas.microsoft.com/office/drawing/2014/main" id="{9E74A7F2-44FA-52D2-C96A-F806A654F056}"/>
+              </a:ext>
+            </a:extLst>
+          </p:cNvPr>
+          <p:cNvGrpSpPr/>
+          <p:nvPr/>
+        </p:nvGrpSpPr>
+        <p:grpSpPr>
+          <a:xfrm>
+            <a:off x="8580151" y="-33900"/>
+            <a:ext cx="588134" cy="5203797"/>
+            <a:chOff x="8580151" y="-33900"/>
+            <a:chExt cx="588134" cy="5203797"/>
+          </a:xfrm>
+        </p:grpSpPr>
+        <p:grpSp>
+          <p:nvGrpSpPr>
+            <p:cNvPr id="5" name="群組 11">
+              <a:extLst>
+                <a:ext uri="{FF2B5EF4-FFF2-40B4-BE49-F238E27FC236}">
+                  <a16:creationId xmlns:a16="http://schemas.microsoft.com/office/drawing/2014/main" id="{6CEDE018-F145-8BA0-11DE-E473D43D121F}"/>
+                </a:ext>
+              </a:extLst>
+            </p:cNvPr>
+            <p:cNvGrpSpPr/>
+            <p:nvPr/>
+          </p:nvGrpSpPr>
+          <p:grpSpPr>
+            <a:xfrm>
+              <a:off x="8596126" y="-33900"/>
+              <a:ext cx="543768" cy="5203797"/>
+              <a:chOff x="8596126" y="-33900"/>
+              <a:chExt cx="543768" cy="5203797"/>
+            </a:xfrm>
+          </p:grpSpPr>
+          <p:sp>
+            <p:nvSpPr>
+              <p:cNvPr id="8" name="Google Shape;57;p15">
+                <a:extLst>
+                  <a:ext uri="{FF2B5EF4-FFF2-40B4-BE49-F238E27FC236}">
+                    <a16:creationId xmlns:a16="http://schemas.microsoft.com/office/drawing/2014/main" id="{4525835B-E741-7390-7438-A9D12E15228B}"/>
+                  </a:ext>
+                </a:extLst>
+              </p:cNvPr>
+              <p:cNvSpPr/>
+              <p:nvPr/>
+            </p:nvSpPr>
+            <p:spPr>
+              <a:xfrm>
+                <a:off x="8599894" y="-33900"/>
+                <a:ext cx="540000" cy="5203797"/>
+              </a:xfrm>
+              <a:custGeom>
+                <a:avLst/>
+                <a:gdLst/>
+                <a:ahLst/>
+                <a:cxnLst/>
+                <a:rect l="l" t="t" r="r" b="b"/>
+                <a:pathLst>
+                  <a:path w="1513" h="166415" extrusionOk="0">
+                    <a:moveTo>
+                      <a:pt x="751" y="1"/>
+                    </a:moveTo>
+                    <a:cubicBezTo>
+                      <a:pt x="346" y="1"/>
+                      <a:pt x="1" y="334"/>
+                      <a:pt x="1" y="751"/>
+                    </a:cubicBezTo>
+                    <a:lnTo>
+                      <a:pt x="1" y="165664"/>
+                    </a:lnTo>
+                    <a:cubicBezTo>
+                      <a:pt x="1" y="166081"/>
+                      <a:pt x="334" y="166414"/>
+                      <a:pt x="751" y="166414"/>
+                    </a:cubicBezTo>
+                    <a:cubicBezTo>
+                      <a:pt x="1167" y="166414"/>
+                      <a:pt x="1513" y="166081"/>
+                      <a:pt x="1513" y="165664"/>
+                    </a:cubicBezTo>
+                    <a:lnTo>
+                      <a:pt x="1513" y="751"/>
+                    </a:lnTo>
+                    <a:cubicBezTo>
+                      <a:pt x="1513" y="334"/>
+                      <a:pt x="1167" y="1"/>
+                      <a:pt x="751" y="1"/>
+                    </a:cubicBezTo>
+                    <a:close/>
+                  </a:path>
+                </a:pathLst>
+              </a:custGeom>
+              <a:solidFill>
+                <a:srgbClr val="C8E4FA"/>
+              </a:solidFill>
+              <a:ln>
+                <a:solidFill>
+                  <a:srgbClr val="C8E4FA"/>
+                </a:solidFill>
+              </a:ln>
+            </p:spPr>
+            <p:txBody>
+              <a:bodyPr spcFirstLastPara="1" wrap="square" lIns="91425" tIns="91425" rIns="91425" bIns="91425" anchor="ctr" anchorCtr="0">
+                <a:noAutofit/>
+              </a:bodyPr>
+              <a:lstStyle/>
+              <a:p>
+                <a:pPr marL="0" lvl="0" indent="0" algn="ctr" rtl="0">
+                  <a:spcBef>
+                    <a:spcPts val="0"/>
+                  </a:spcBef>
+                  <a:spcAft>
+                    <a:spcPts val="0"/>
+                  </a:spcAft>
+                  <a:buNone/>
+                </a:pPr>
+                <a:endParaRPr>
+                  <a:latin typeface="Fira Sans Extra Condensed"/>
+                  <a:ea typeface="Fira Sans Extra Condensed"/>
+                  <a:cs typeface="Fira Sans Extra Condensed"/>
+                  <a:sym typeface="Fira Sans Extra Condensed"/>
+                </a:endParaRPr>
+              </a:p>
+            </p:txBody>
+          </p:sp>
+          <p:pic>
+            <p:nvPicPr>
+              <p:cNvPr id="9" name="圖片 13">
+                <a:extLst>
+                  <a:ext uri="{FF2B5EF4-FFF2-40B4-BE49-F238E27FC236}">
+                    <a16:creationId xmlns:a16="http://schemas.microsoft.com/office/drawing/2014/main" id="{A86DBE65-0398-19E3-4AD2-222DDB80DB01}"/>
+                  </a:ext>
+                </a:extLst>
+              </p:cNvPr>
+              <p:cNvPicPr>
+                <a:picLocks noChangeAspect="1"/>
+              </p:cNvPicPr>
+              <p:nvPr/>
+            </p:nvPicPr>
+            <p:blipFill>
+              <a:blip r:embed="rId3"/>
+              <a:stretch>
+                <a:fillRect/>
+              </a:stretch>
+            </p:blipFill>
+            <p:spPr>
+              <a:xfrm>
+                <a:off x="8596126" y="3858499"/>
+                <a:ext cx="540000" cy="831600"/>
+              </a:xfrm>
+              <a:prstGeom prst="rect">
+                <a:avLst/>
+              </a:prstGeom>
+            </p:spPr>
+          </p:pic>
+        </p:grpSp>
+        <p:pic>
+          <p:nvPicPr>
+            <p:cNvPr id="6" name="圖片 3">
+              <a:extLst>
+                <a:ext uri="{FF2B5EF4-FFF2-40B4-BE49-F238E27FC236}">
+                  <a16:creationId xmlns:a16="http://schemas.microsoft.com/office/drawing/2014/main" id="{284F37B9-6606-02E1-A356-EAC3305213EE}"/>
+                </a:ext>
+              </a:extLst>
+            </p:cNvPr>
+            <p:cNvPicPr>
+              <a:picLocks noChangeAspect="1"/>
+            </p:cNvPicPr>
+            <p:nvPr/>
+          </p:nvPicPr>
+          <p:blipFill>
+            <a:blip r:embed="rId4">
+              <a:clrChange>
+                <a:clrFrom>
+                  <a:srgbClr val="FFFFFF"/>
+                </a:clrFrom>
+                <a:clrTo>
+                  <a:srgbClr val="FFFFFF">
+                    <a:alpha val="0"/>
+                  </a:srgbClr>
+                </a:clrTo>
+              </a:clrChange>
+            </a:blip>
+            <a:stretch>
+              <a:fillRect/>
+            </a:stretch>
+          </p:blipFill>
+          <p:spPr>
+            <a:xfrm>
+              <a:off x="8580151" y="2933598"/>
+              <a:ext cx="588134" cy="394624"/>
+            </a:xfrm>
+            <a:prstGeom prst="rect">
+              <a:avLst/>
+            </a:prstGeom>
+          </p:spPr>
+        </p:pic>
+        <p:pic>
+          <p:nvPicPr>
+            <p:cNvPr id="7" name="圖片 4">
+              <a:extLst>
+                <a:ext uri="{FF2B5EF4-FFF2-40B4-BE49-F238E27FC236}">
+                  <a16:creationId xmlns:a16="http://schemas.microsoft.com/office/drawing/2014/main" id="{688293EB-239C-51F8-2DED-DE52861E9167}"/>
+                </a:ext>
+              </a:extLst>
+            </p:cNvPr>
+            <p:cNvPicPr>
+              <a:picLocks noChangeAspect="1"/>
+            </p:cNvPicPr>
+            <p:nvPr/>
+          </p:nvPicPr>
+          <p:blipFill rotWithShape="1">
+            <a:blip r:embed="rId5" cstate="print">
+              <a:extLst>
+                <a:ext uri="{BEBA8EAE-BF5A-486C-A8C5-ECC9F3942E4B}">
+                  <a14:imgProps xmlns:a14="http://schemas.microsoft.com/office/drawing/2010/main">
+                    <a14:imgLayer r:embed="rId6">
+                      <a14:imgEffect>
+                        <a14:backgroundRemoval t="5816" b="98440" l="368" r="32138">
+                          <a14:foregroundMark x1="12782" y1="67518" x2="12782" y2="67518"/>
+                          <a14:foregroundMark x1="8874" y1="69220" x2="8874" y2="69220"/>
+                          <a14:foregroundMark x1="13609" y1="67092" x2="13609" y2="67092"/>
+                          <a14:foregroundMark x1="14437" y1="64539" x2="14437" y2="64539"/>
+                          <a14:foregroundMark x1="21149" y1="64113" x2="21149" y2="64113"/>
+                          <a14:foregroundMark x1="24598" y1="60851" x2="24598" y2="60851"/>
+                          <a14:foregroundMark x1="26851" y1="70355" x2="26851" y2="70355"/>
+                          <a14:foregroundMark x1="27908" y1="86099" x2="27908" y2="86099"/>
+                          <a14:foregroundMark x1="23264" y1="86383" x2="20920" y2="66383"/>
+                          <a14:foregroundMark x1="25425" y1="76596" x2="18897" y2="58723"/>
+                          <a14:foregroundMark x1="18437" y1="60567" x2="19862" y2="78440"/>
+                          <a14:foregroundMark x1="19632" y1="83121" x2="24828" y2="88936"/>
+                          <a14:foregroundMark x1="25747" y1="93050" x2="30161" y2="63830"/>
+                          <a14:foregroundMark x1="29563" y1="60851" x2="23034" y2="52908"/>
+                          <a14:foregroundMark x1="22115" y1="22270" x2="14529" y2="13191"/>
+                          <a14:foregroundMark x1="15126" y1="19007" x2="11586" y2="25957"/>
+                          <a14:foregroundMark x1="11816" y1="28511" x2="18805" y2="33901"/>
+                          <a14:foregroundMark x1="21287" y1="35319" x2="13103" y2="41560"/>
+                          <a14:foregroundMark x1="11218" y1="44823" x2="15954" y2="49645"/>
+                          <a14:foregroundMark x1="22437" y1="37589" x2="16322" y2="50638"/>
+                          <a14:foregroundMark x1="16184" y1="44823" x2="9333" y2="21560"/>
+                          <a14:foregroundMark x1="11678" y1="58014" x2="3310" y2="77730"/>
+                          <a14:foregroundMark x1="4276" y1="61560" x2="11356" y2="90780"/>
+                          <a14:foregroundMark x1="14161" y1="81986" x2="7448" y2="66383"/>
+                          <a14:foregroundMark x1="9103" y1="54326" x2="2943" y2="59858"/>
+                          <a14:foregroundMark x1="3310" y1="62411" x2="2345" y2="69645"/>
+                          <a14:foregroundMark x1="2345" y1="76170" x2="2943" y2="83121"/>
+                          <a14:foregroundMark x1="5333" y1="86383" x2="8506" y2="91489"/>
+                          <a14:foregroundMark x1="11356" y1="90780" x2="14161" y2="78440"/>
+                          <a14:foregroundMark x1="14529" y1="75177" x2="13333" y2="59007"/>
+                          <a14:foregroundMark x1="15494" y1="14894" x2="10621" y2="21560"/>
+                          <a14:foregroundMark x1="10299" y1="26950" x2="10989" y2="39716"/>
+                          <a14:foregroundMark x1="11586" y1="42695" x2="15816" y2="51064"/>
+                          <a14:foregroundMark x1="23816" y1="55603" x2="20138" y2="62128"/>
+                          <a14:foregroundMark x1="20736" y1="60851" x2="29747" y2="78440"/>
+                          <a14:foregroundMark x1="18069" y1="21135" x2="21563" y2="33050"/>
+                          <a14:foregroundMark x1="21057" y1="44823" x2="17563" y2="49220"/>
+                          <a14:foregroundMark x1="18621" y1="46667" x2="20644" y2="52199"/>
+                          <a14:foregroundMark x1="21057" y1="53617" x2="20920" y2="59858"/>
+                          <a14:foregroundMark x1="7724" y1="49645" x2="4966" y2="53901"/>
+                          <a14:backgroundMark x1="10023" y1="9787" x2="10023" y2="9787"/>
+                          <a14:backgroundMark x1="4506" y1="34610" x2="4506" y2="34610"/>
+                          <a14:backgroundMark x1="28736" y1="31064" x2="28736" y2="31064"/>
+                          <a14:backgroundMark x1="17149" y1="90780" x2="17149" y2="90780"/>
+                          <a14:backgroundMark x1="4368" y1="94043" x2="4368" y2="94043"/>
+                        </a14:backgroundRemoval>
+                      </a14:imgEffect>
+                    </a14:imgLayer>
+                  </a14:imgProps>
+                </a:ext>
+                <a:ext uri="{28A0092B-C50C-407E-A947-70E740481C1C}">
+                  <a14:useLocalDpi xmlns:a14="http://schemas.microsoft.com/office/drawing/2010/main" val="0"/>
+                </a:ext>
+              </a:extLst>
+            </a:blip>
+            <a:srcRect r="67422"/>
+            <a:stretch/>
+          </p:blipFill>
+          <p:spPr>
+            <a:xfrm>
+              <a:off x="8623926" y="3336314"/>
+              <a:ext cx="484400" cy="481957"/>
+            </a:xfrm>
+            <a:prstGeom prst="rect">
+              <a:avLst/>
+            </a:prstGeom>
+          </p:spPr>
+        </p:pic>
+      </p:grpSp>
+      <p:sp>
+        <p:nvSpPr>
+          <p:cNvPr id="2" name="投影片編號版面配置區 1">
+            <a:extLst>
+              <a:ext uri="{FF2B5EF4-FFF2-40B4-BE49-F238E27FC236}">
+                <a16:creationId xmlns:a16="http://schemas.microsoft.com/office/drawing/2014/main" id="{D146A22A-9A3C-6AF6-6AD2-E72000B77929}"/>
+              </a:ext>
+            </a:extLst>
+          </p:cNvPr>
+          <p:cNvSpPr>
+            <a:spLocks noGrp="1"/>
+          </p:cNvSpPr>
+          <p:nvPr>
+            <p:ph type="sldNum" idx="12"/>
+          </p:nvPr>
+        </p:nvSpPr>
+        <p:spPr/>
+        <p:txBody>
+          <a:bodyPr/>
+          <a:lstStyle/>
+          <a:p>
+            <a:fld id="{87E85E0C-F6DF-4C2C-9974-C2547ED92EE1}" type="slidenum">
+              <a:rPr lang="zh-TW" altLang="en-US" smtClean="0"/>
+              <a:t>9</a:t>
+            </a:fld>
+            <a:endParaRPr lang="zh-TW" altLang="en-US" dirty="0"/>
+          </a:p>
+        </p:txBody>
+      </p:sp>
+      <p:sp>
+        <p:nvSpPr>
+          <p:cNvPr id="33" name="文字方塊 32">
+            <a:extLst>
+              <a:ext uri="{FF2B5EF4-FFF2-40B4-BE49-F238E27FC236}">
+                <a16:creationId xmlns:a16="http://schemas.microsoft.com/office/drawing/2014/main" id="{4CFA0D48-5F25-6E91-26B0-8240F60B00F1}"/>
+              </a:ext>
+            </a:extLst>
+          </p:cNvPr>
+          <p:cNvSpPr txBox="1"/>
+          <p:nvPr/>
+        </p:nvSpPr>
+        <p:spPr>
+          <a:xfrm>
+            <a:off x="1691089" y="1967833"/>
+            <a:ext cx="5761822" cy="1200329"/>
+          </a:xfrm>
+          <a:prstGeom prst="rect">
+            <a:avLst/>
+          </a:prstGeom>
+          <a:noFill/>
+        </p:spPr>
+        <p:txBody>
+          <a:bodyPr wrap="square" rtlCol="0">
+            <a:spAutoFit/>
+          </a:bodyPr>
+          <a:lstStyle/>
+          <a:p>
+            <a:r>
+              <a:rPr lang="en-US" altLang="zh-TW" sz="7200" dirty="0">
+                <a:solidFill>
+                  <a:schemeClr val="tx1"/>
+                </a:solidFill>
+                <a:latin typeface="Times New Roman" panose="02020603050405020304" pitchFamily="18" charset="0"/>
+                <a:cs typeface="Times New Roman" panose="02020603050405020304" pitchFamily="18" charset="0"/>
+              </a:rPr>
+              <a:t>THANK YOU</a:t>
+            </a:r>
+            <a:endParaRPr lang="zh-TW" altLang="en-US" sz="7200" dirty="0">
+              <a:solidFill>
+                <a:schemeClr val="tx1"/>
+              </a:solidFill>
+            </a:endParaRPr>
+          </a:p>
+        </p:txBody>
+      </p:sp>
+    </p:spTree>
+    <p:extLst>
+      <p:ext uri="{BB962C8B-B14F-4D97-AF65-F5344CB8AC3E}">
+        <p14:creationId xmlns:p14="http://schemas.microsoft.com/office/powerpoint/2010/main" val="2055964614"/>
       </p:ext>
     </p:extLst>
   </p:cSld>
